--- a/IoT-and-Digitalization-for-Circular-Economy/IoT-CE-L00-Organization.pptx
+++ b/IoT-and-Digitalization-for-Circular-Economy/IoT-CE-L00-Organization.pptx
@@ -26,6 +26,7 @@
     <p:sldId id="270" r:id="rId19"/>
     <p:sldId id="271" r:id="rId20"/>
     <p:sldId id="272" r:id="rId21"/>
+    <p:sldId id="273" r:id="rId22"/>
   </p:sldIdLst>
   <p:sldSz cx="12192000" cy="6858000"/>
   <p:notesSz cx="7772400" cy="10058400"/>
@@ -356,7 +357,7 @@
             <a:pPr indent="0" algn="r">
               <a:buNone/>
             </a:pPr>
-            <a:fld id="{58FEDDD7-01A5-4D31-8F27-777E791C367F}" type="slidenum">
+            <a:fld id="{56351669-D763-4E43-A4BA-8B94B155AD88}" type="slidenum">
               <a:rPr b="0" lang="en-GB" sz="1400" spc="-1" strike="noStrike">
                 <a:solidFill>
                   <a:srgbClr val="000000"/>
@@ -399,7 +400,7 @@
       </p:grpSpPr>
       <p:sp>
         <p:nvSpPr>
-          <p:cNvPr id="142" name="PlaceHolder 1"/>
+          <p:cNvPr id="144" name="PlaceHolder 1"/>
           <p:cNvSpPr>
             <a:spLocks noGrp="1"/>
           </p:cNvSpPr>
@@ -422,7 +423,7 @@
       </p:sp>
       <p:sp>
         <p:nvSpPr>
-          <p:cNvPr id="143" name="PlaceHolder 2"/>
+          <p:cNvPr id="145" name="PlaceHolder 2"/>
           <p:cNvSpPr>
             <a:spLocks noGrp="1"/>
           </p:cNvSpPr>
@@ -462,7 +463,7 @@
       </p:sp>
       <p:sp>
         <p:nvSpPr>
-          <p:cNvPr id="144" name="TextShape 1"/>
+          <p:cNvPr id="146" name="TextShape 1"/>
           <p:cNvSpPr/>
           <p:nvPr/>
         </p:nvSpPr>
@@ -495,7 +496,7 @@
                 <a:spcPct val="100000"/>
               </a:lnSpc>
             </a:pPr>
-            <a:fld id="{6694E9E7-B0E1-4DEE-B29E-AA0A05FFC9C5}" type="slidenum">
+            <a:fld id="{01CD6E33-7151-46B5-946D-2AFF1277866F}" type="slidenum">
               <a:rPr b="0" lang="en-GB" sz="1800" spc="-1" strike="noStrike">
                 <a:solidFill>
                   <a:srgbClr val="000000"/>
@@ -503,7 +504,7 @@
                 <a:latin typeface="+mn-lt"/>
                 <a:ea typeface="+mn-ea"/>
               </a:rPr>
-              <a:t>6</a:t>
+              <a:t>&lt;number&gt;</a:t>
             </a:fld>
             <a:endParaRPr b="0" lang="en-GB" sz="1800" spc="-1" strike="noStrike">
               <a:solidFill>
@@ -538,7 +539,7 @@
       </p:grpSpPr>
       <p:sp>
         <p:nvSpPr>
-          <p:cNvPr id="145" name="PlaceHolder 1"/>
+          <p:cNvPr id="147" name="PlaceHolder 1"/>
           <p:cNvSpPr>
             <a:spLocks noGrp="1"/>
           </p:cNvSpPr>
@@ -561,7 +562,7 @@
       </p:sp>
       <p:sp>
         <p:nvSpPr>
-          <p:cNvPr id="146" name="PlaceHolder 2"/>
+          <p:cNvPr id="148" name="PlaceHolder 2"/>
           <p:cNvSpPr>
             <a:spLocks noGrp="1"/>
           </p:cNvSpPr>
@@ -601,7 +602,7 @@
       </p:sp>
       <p:sp>
         <p:nvSpPr>
-          <p:cNvPr id="147" name="CustomShape 3"/>
+          <p:cNvPr id="149" name="CustomShape 3"/>
           <p:cNvSpPr/>
           <p:nvPr/>
         </p:nvSpPr>
@@ -634,7 +635,7 @@
                 <a:spcPct val="100000"/>
               </a:lnSpc>
             </a:pPr>
-            <a:fld id="{31B6EE12-9849-4BC3-8B20-3D0642FE7BC9}" type="slidenum">
+            <a:fld id="{C85E1B75-2B6B-4B52-8CF7-4F97662D08E6}" type="slidenum">
               <a:rPr b="0" lang="de-DE" sz="1800" spc="-1" strike="noStrike">
                 <a:solidFill>
                   <a:srgbClr val="000000"/>
@@ -642,7 +643,7 @@
                 <a:latin typeface="+mn-lt"/>
                 <a:ea typeface="+mn-ea"/>
               </a:rPr>
-              <a:t>6</a:t>
+              <a:t>&lt;number&gt;</a:t>
             </a:fld>
             <a:endParaRPr b="0" lang="en-GB" sz="1800" spc="-1" strike="noStrike">
               <a:solidFill>
@@ -677,7 +678,7 @@
       </p:grpSpPr>
       <p:sp>
         <p:nvSpPr>
-          <p:cNvPr id="148" name="PlaceHolder 1"/>
+          <p:cNvPr id="150" name="PlaceHolder 1"/>
           <p:cNvSpPr>
             <a:spLocks noGrp="1"/>
           </p:cNvSpPr>
@@ -700,7 +701,7 @@
       </p:sp>
       <p:sp>
         <p:nvSpPr>
-          <p:cNvPr id="149" name="PlaceHolder 2"/>
+          <p:cNvPr id="151" name="PlaceHolder 2"/>
           <p:cNvSpPr>
             <a:spLocks noGrp="1"/>
           </p:cNvSpPr>
@@ -740,7 +741,7 @@
       </p:sp>
       <p:sp>
         <p:nvSpPr>
-          <p:cNvPr id="150" name="CustomShape 3"/>
+          <p:cNvPr id="152" name="CustomShape 3"/>
           <p:cNvSpPr/>
           <p:nvPr/>
         </p:nvSpPr>
@@ -773,7 +774,7 @@
                 <a:spcPct val="100000"/>
               </a:lnSpc>
             </a:pPr>
-            <a:fld id="{E7ED6771-76B2-4549-87D6-6ED1A9BE9EAD}" type="slidenum">
+            <a:fld id="{EA0CB50C-88F2-42F8-88D2-54659285B5DF}" type="slidenum">
               <a:rPr b="0" lang="de-DE" sz="1800" spc="-1" strike="noStrike">
                 <a:solidFill>
                   <a:srgbClr val="000000"/>
@@ -781,7 +782,7 @@
                 <a:latin typeface="+mn-lt"/>
                 <a:ea typeface="+mn-ea"/>
               </a:rPr>
-              <a:t>6</a:t>
+              <a:t>&lt;number&gt;</a:t>
             </a:fld>
             <a:endParaRPr b="0" lang="en-GB" sz="1800" spc="-1" strike="noStrike">
               <a:solidFill>
@@ -4453,7 +4454,7 @@
                 <a:spcPct val="100000"/>
               </a:lnSpc>
             </a:pPr>
-            <a:fld id="{735AC049-F3DC-4EDF-B743-E32126B3CD97}" type="slidenum">
+            <a:fld id="{EE2E0B2A-93D5-40A6-BDBA-8A5A97C32D82}" type="slidenum">
               <a:rPr b="0" lang="en-US" sz="1800" spc="-1" strike="noStrike">
                 <a:solidFill>
                   <a:srgbClr val="808080"/>
@@ -4461,7 +4462,7 @@
                 <a:latin typeface="Arial"/>
                 <a:ea typeface="DejaVu Sans"/>
               </a:rPr>
-              <a:t>6</a:t>
+              <a:t>&lt;number&gt;</a:t>
             </a:fld>
             <a:endParaRPr b="0" lang="en-GB" sz="1800" spc="-1" strike="noStrike">
               <a:solidFill>
@@ -5113,7 +5114,7 @@
                 <a:spcPct val="100000"/>
               </a:lnSpc>
             </a:pPr>
-            <a:fld id="{D4634F33-A54A-4EE7-91EC-FF3EA9EE95F3}" type="slidenum">
+            <a:fld id="{74E18CEB-CB7F-4A41-8589-C83EFEA38608}" type="slidenum">
               <a:rPr b="0" lang="en-US" sz="1800" spc="-1" strike="noStrike">
                 <a:solidFill>
                   <a:srgbClr val="808080"/>
@@ -5307,7 +5308,7 @@
                 <a:spcPct val="100000"/>
               </a:lnSpc>
             </a:pPr>
-            <a:fld id="{96E90B9F-E884-43DB-9DE7-60FC48E0AD0C}" type="slidenum">
+            <a:fld id="{B650EC7B-19EC-477F-9555-DB03556F2BAE}" type="slidenum">
               <a:rPr b="0" lang="en-US" sz="1800" spc="-1" strike="noStrike">
                 <a:solidFill>
                   <a:srgbClr val="808080"/>
@@ -5991,7 +5992,7 @@
       </p:grpSpPr>
       <p:sp>
         <p:nvSpPr>
-          <p:cNvPr id="124" name="CustomShape 13"/>
+          <p:cNvPr id="124" name="CustomShape 1"/>
           <p:cNvSpPr/>
           <p:nvPr/>
         </p:nvSpPr>
@@ -6043,29 +6044,341 @@
           </a:p>
         </p:txBody>
       </p:sp>
-      <p:pic>
-        <p:nvPicPr>
-          <p:cNvPr id="125" name="" descr=""/>
-          <p:cNvPicPr/>
+      <p:sp>
+        <p:nvSpPr>
+          <p:cNvPr id="125" name="CustomShape 2"/>
+          <p:cNvSpPr/>
           <p:nvPr/>
-        </p:nvPicPr>
-        <p:blipFill>
-          <a:blip r:embed="rId1"/>
-          <a:stretch/>
-        </p:blipFill>
-        <p:spPr>
-          <a:xfrm>
-            <a:off x="371520" y="1620000"/>
-            <a:ext cx="10607760" cy="4400280"/>
-          </a:xfrm>
-          <a:prstGeom prst="rect">
-            <a:avLst/>
-          </a:prstGeom>
-          <a:ln w="0">
-            <a:noFill/>
-          </a:ln>
-        </p:spPr>
-      </p:pic>
+        </p:nvSpPr>
+        <p:spPr>
+          <a:xfrm>
+            <a:off x="335520" y="1268280"/>
+            <a:ext cx="10744200" cy="5031720"/>
+          </a:xfrm>
+          <a:prstGeom prst="rect">
+            <a:avLst/>
+          </a:prstGeom>
+          <a:noFill/>
+          <a:ln w="0">
+            <a:noFill/>
+          </a:ln>
+        </p:spPr>
+        <p:style>
+          <a:lnRef idx="0"/>
+          <a:fillRef idx="0"/>
+          <a:effectRef idx="0"/>
+          <a:fontRef idx="minor"/>
+        </p:style>
+        <p:txBody>
+          <a:bodyPr lIns="90000" rIns="90000" tIns="45000" bIns="45000" anchor="ctr">
+            <a:noAutofit/>
+          </a:bodyPr>
+          <a:p>
+            <a:pPr>
+              <a:lnSpc>
+                <a:spcPct val="100000"/>
+              </a:lnSpc>
+              <a:spcBef>
+                <a:spcPts val="360"/>
+              </a:spcBef>
+            </a:pPr>
+            <a:endParaRPr b="0" lang="en-GB" sz="1800" spc="-1" strike="noStrike">
+              <a:solidFill>
+                <a:srgbClr val="000000"/>
+              </a:solidFill>
+              <a:latin typeface="Arial"/>
+            </a:endParaRPr>
+          </a:p>
+          <a:p>
+            <a:pPr>
+              <a:lnSpc>
+                <a:spcPct val="100000"/>
+              </a:lnSpc>
+              <a:spcBef>
+                <a:spcPts val="360"/>
+              </a:spcBef>
+            </a:pPr>
+            <a:endParaRPr b="0" lang="en-GB" sz="1800" spc="-1" strike="noStrike">
+              <a:solidFill>
+                <a:srgbClr val="000000"/>
+              </a:solidFill>
+              <a:latin typeface="Arial"/>
+            </a:endParaRPr>
+          </a:p>
+          <a:p>
+            <a:pPr marL="195120" indent="-188640">
+              <a:lnSpc>
+                <a:spcPct val="100000"/>
+              </a:lnSpc>
+              <a:spcBef>
+                <a:spcPts val="360"/>
+              </a:spcBef>
+              <a:buClr>
+                <a:srgbClr val="008c4f"/>
+              </a:buClr>
+              <a:buSzPct val="80000"/>
+              <a:buFont typeface="Wingdings" charset="2"/>
+              <a:buChar char=""/>
+            </a:pPr>
+            <a:r>
+              <a:rPr b="0" lang="en-GB" sz="1800" spc="-1" strike="noStrike">
+                <a:solidFill>
+                  <a:srgbClr val="000000"/>
+                </a:solidFill>
+                <a:latin typeface="DejaVu Sans"/>
+                <a:ea typeface="DejaVu Sans"/>
+              </a:rPr>
+              <a:t>News and updates → StudIP</a:t>
+            </a:r>
+            <a:endParaRPr b="0" lang="en-GB" sz="1800" spc="-1" strike="noStrike">
+              <a:solidFill>
+                <a:srgbClr val="000000"/>
+              </a:solidFill>
+              <a:latin typeface="Arial"/>
+            </a:endParaRPr>
+          </a:p>
+          <a:p>
+            <a:pPr>
+              <a:lnSpc>
+                <a:spcPct val="100000"/>
+              </a:lnSpc>
+              <a:spcBef>
+                <a:spcPts val="360"/>
+              </a:spcBef>
+            </a:pPr>
+            <a:endParaRPr b="0" lang="en-GB" sz="1800" spc="-1" strike="noStrike">
+              <a:solidFill>
+                <a:srgbClr val="000000"/>
+              </a:solidFill>
+              <a:latin typeface="Arial"/>
+            </a:endParaRPr>
+          </a:p>
+          <a:p>
+            <a:pPr marL="195120" indent="-188640">
+              <a:lnSpc>
+                <a:spcPct val="100000"/>
+              </a:lnSpc>
+              <a:spcBef>
+                <a:spcPts val="360"/>
+              </a:spcBef>
+              <a:buClr>
+                <a:srgbClr val="008c4f"/>
+              </a:buClr>
+              <a:buSzPct val="80000"/>
+              <a:buFont typeface="Wingdings" charset="2"/>
+              <a:buChar char=""/>
+            </a:pPr>
+            <a:r>
+              <a:rPr b="0" lang="en-US" sz="1800" spc="-1" strike="noStrike">
+                <a:solidFill>
+                  <a:srgbClr val="000000"/>
+                </a:solidFill>
+                <a:latin typeface="DejaVu Sans"/>
+                <a:ea typeface="DejaVu Sans"/>
+              </a:rPr>
+              <a:t>Slides → StudIP</a:t>
+            </a:r>
+            <a:endParaRPr b="0" lang="en-GB" sz="1800" spc="-1" strike="noStrike">
+              <a:solidFill>
+                <a:srgbClr val="000000"/>
+              </a:solidFill>
+              <a:latin typeface="Arial"/>
+            </a:endParaRPr>
+          </a:p>
+          <a:p>
+            <a:pPr>
+              <a:lnSpc>
+                <a:spcPct val="100000"/>
+              </a:lnSpc>
+              <a:spcBef>
+                <a:spcPts val="360"/>
+              </a:spcBef>
+            </a:pPr>
+            <a:endParaRPr b="0" lang="en-GB" sz="1800" spc="-1" strike="noStrike">
+              <a:solidFill>
+                <a:srgbClr val="000000"/>
+              </a:solidFill>
+              <a:latin typeface="Arial"/>
+            </a:endParaRPr>
+          </a:p>
+          <a:p>
+            <a:pPr marL="195120" indent="-188640">
+              <a:lnSpc>
+                <a:spcPct val="100000"/>
+              </a:lnSpc>
+              <a:spcBef>
+                <a:spcPts val="360"/>
+              </a:spcBef>
+              <a:buClr>
+                <a:srgbClr val="008c4f"/>
+              </a:buClr>
+              <a:buSzPct val="80000"/>
+              <a:buFont typeface="Wingdings" charset="2"/>
+              <a:buChar char=""/>
+            </a:pPr>
+            <a:r>
+              <a:rPr b="0" lang="en-US" sz="1800" spc="-1" strike="noStrike">
+                <a:solidFill>
+                  <a:srgbClr val="000000"/>
+                </a:solidFill>
+                <a:latin typeface="DejaVu Sans"/>
+                <a:ea typeface="DejaVu Sans"/>
+              </a:rPr>
+              <a:t>Lecture recordings → StudIP</a:t>
+            </a:r>
+            <a:endParaRPr b="0" lang="en-GB" sz="1800" spc="-1" strike="noStrike">
+              <a:solidFill>
+                <a:srgbClr val="000000"/>
+              </a:solidFill>
+              <a:latin typeface="Arial"/>
+            </a:endParaRPr>
+          </a:p>
+          <a:p>
+            <a:pPr>
+              <a:lnSpc>
+                <a:spcPct val="100000"/>
+              </a:lnSpc>
+              <a:spcBef>
+                <a:spcPts val="360"/>
+              </a:spcBef>
+            </a:pPr>
+            <a:endParaRPr b="0" lang="en-GB" sz="1800" spc="-1" strike="noStrike">
+              <a:solidFill>
+                <a:srgbClr val="000000"/>
+              </a:solidFill>
+              <a:latin typeface="Arial"/>
+            </a:endParaRPr>
+          </a:p>
+          <a:p>
+            <a:pPr marL="216000" indent="-216000">
+              <a:lnSpc>
+                <a:spcPct val="100000"/>
+              </a:lnSpc>
+              <a:spcBef>
+                <a:spcPts val="360"/>
+              </a:spcBef>
+              <a:buClr>
+                <a:srgbClr val="008c4f"/>
+              </a:buClr>
+              <a:buSzPct val="45000"/>
+              <a:buFont typeface="DejaVu Sans"/>
+              <a:buChar char="◾"/>
+            </a:pPr>
+            <a:r>
+              <a:rPr b="0" lang="en-US" sz="1800" spc="-1" strike="noStrike">
+                <a:solidFill>
+                  <a:srgbClr val="000000"/>
+                </a:solidFill>
+                <a:latin typeface="DejaVu Sans"/>
+                <a:ea typeface="DejaVu Sans"/>
+              </a:rPr>
+              <a:t>Further notes:</a:t>
+            </a:r>
+            <a:endParaRPr b="0" lang="en-GB" sz="1800" spc="-1" strike="noStrike">
+              <a:solidFill>
+                <a:srgbClr val="000000"/>
+              </a:solidFill>
+              <a:latin typeface="Arial"/>
+            </a:endParaRPr>
+          </a:p>
+          <a:p>
+            <a:pPr lvl="1" marL="432000" indent="-216000">
+              <a:lnSpc>
+                <a:spcPct val="100000"/>
+              </a:lnSpc>
+              <a:spcBef>
+                <a:spcPts val="360"/>
+              </a:spcBef>
+              <a:buClr>
+                <a:srgbClr val="008c4f"/>
+              </a:buClr>
+              <a:buSzPct val="60000"/>
+              <a:buFont typeface="DejaVu Sans"/>
+              <a:buChar char="—"/>
+            </a:pPr>
+            <a:r>
+              <a:rPr b="0" lang="en-US" sz="1800" spc="-1" strike="noStrike">
+                <a:solidFill>
+                  <a:srgbClr val="000000"/>
+                </a:solidFill>
+                <a:latin typeface="DejaVu Sans"/>
+                <a:ea typeface="DejaVu Sans"/>
+              </a:rPr>
+              <a:t>Recordings might contain irrelevant information (made for previous semesters) → Please ignore those.</a:t>
+            </a:r>
+            <a:endParaRPr b="0" lang="en-GB" sz="1800" spc="-1" strike="noStrike">
+              <a:solidFill>
+                <a:srgbClr val="000000"/>
+              </a:solidFill>
+              <a:latin typeface="Arial"/>
+            </a:endParaRPr>
+          </a:p>
+          <a:p>
+            <a:pPr lvl="1" marL="432000" indent="-216000">
+              <a:lnSpc>
+                <a:spcPct val="100000"/>
+              </a:lnSpc>
+              <a:spcBef>
+                <a:spcPts val="360"/>
+              </a:spcBef>
+              <a:buClr>
+                <a:srgbClr val="008c4f"/>
+              </a:buClr>
+              <a:buSzPct val="60000"/>
+              <a:buFont typeface="DejaVu Sans"/>
+              <a:buChar char="—"/>
+            </a:pPr>
+            <a:r>
+              <a:rPr b="0" lang="en-US" sz="1800" spc="-1" strike="noStrike">
+                <a:solidFill>
+                  <a:srgbClr val="000000"/>
+                </a:solidFill>
+                <a:latin typeface="DejaVu Sans"/>
+                <a:ea typeface="DejaVu Sans"/>
+              </a:rPr>
+              <a:t>Lecture/exercise numbers in the videos might not match your lecture/exercise number → Don’t worry.</a:t>
+            </a:r>
+            <a:endParaRPr b="0" lang="en-GB" sz="1800" spc="-1" strike="noStrike">
+              <a:solidFill>
+                <a:srgbClr val="000000"/>
+              </a:solidFill>
+              <a:latin typeface="Arial"/>
+            </a:endParaRPr>
+          </a:p>
+          <a:p>
+            <a:pPr lvl="1" marL="432000" indent="-216000">
+              <a:lnSpc>
+                <a:spcPct val="100000"/>
+              </a:lnSpc>
+              <a:spcBef>
+                <a:spcPts val="360"/>
+              </a:spcBef>
+              <a:buClr>
+                <a:srgbClr val="008c4f"/>
+              </a:buClr>
+              <a:buSzPct val="60000"/>
+              <a:buFont typeface="DejaVu Sans"/>
+              <a:buChar char="—"/>
+            </a:pPr>
+            <a:r>
+              <a:rPr b="0" lang="en-US" sz="1800" spc="-1" strike="noStrike">
+                <a:solidFill>
+                  <a:srgbClr val="000000"/>
+                </a:solidFill>
+                <a:latin typeface="DejaVu Sans"/>
+                <a:ea typeface="DejaVu Sans"/>
+              </a:rPr>
+              <a:t>Course news for this semester (WS22/23) and this course will be communicated via StudIP.</a:t>
+            </a:r>
+            <a:endParaRPr b="0" lang="en-GB" sz="1800" spc="-1" strike="noStrike">
+              <a:solidFill>
+                <a:srgbClr val="000000"/>
+              </a:solidFill>
+              <a:latin typeface="Arial"/>
+            </a:endParaRPr>
+          </a:p>
+        </p:txBody>
+      </p:sp>
     </p:spTree>
   </p:cSld>
   <mc:AlternateContent>
@@ -6098,7 +6411,7 @@
       </p:grpSpPr>
       <p:sp>
         <p:nvSpPr>
-          <p:cNvPr id="126" name="CustomShape 1"/>
+          <p:cNvPr id="126" name="CustomShape 13"/>
           <p:cNvSpPr/>
           <p:nvPr/>
         </p:nvSpPr>
@@ -6132,14 +6445,14 @@
               </a:lnSpc>
             </a:pPr>
             <a:r>
-              <a:rPr b="1" lang="en-GB" sz="2400" spc="-1" strike="noStrike">
-                <a:solidFill>
-                  <a:srgbClr val="000000"/>
-                </a:solidFill>
-                <a:latin typeface="DejaVu Sans"/>
-                <a:ea typeface="DejaVu Sans"/>
-              </a:rPr>
-              <a:t>Dates/Times/Locations</a:t>
+              <a:rPr b="1" lang="en-US" sz="2400" spc="-1" strike="noStrike">
+                <a:solidFill>
+                  <a:srgbClr val="000000"/>
+                </a:solidFill>
+                <a:latin typeface="DejaVu Sans"/>
+                <a:ea typeface="DejaVu Sans"/>
+              </a:rPr>
+              <a:t>Course Organization  </a:t>
             </a:r>
             <a:endParaRPr b="0" lang="en-GB" sz="2400" spc="-1" strike="noStrike">
               <a:solidFill>
@@ -6148,609 +6461,31 @@
               <a:latin typeface="Arial"/>
             </a:endParaRPr>
           </a:p>
-          <a:p>
-            <a:pPr>
-              <a:lnSpc>
-                <a:spcPct val="100000"/>
-              </a:lnSpc>
-            </a:pPr>
-            <a:endParaRPr b="0" lang="en-GB" sz="2400" spc="-1" strike="noStrike">
-              <a:solidFill>
-                <a:srgbClr val="000000"/>
-              </a:solidFill>
-              <a:latin typeface="Arial"/>
-            </a:endParaRPr>
-          </a:p>
-          <a:p>
-            <a:pPr>
-              <a:lnSpc>
-                <a:spcPct val="100000"/>
-              </a:lnSpc>
-            </a:pPr>
-            <a:endParaRPr b="0" lang="en-GB" sz="2400" spc="-1" strike="noStrike">
-              <a:solidFill>
-                <a:srgbClr val="000000"/>
-              </a:solidFill>
-              <a:latin typeface="Arial"/>
-            </a:endParaRPr>
-          </a:p>
-        </p:txBody>
-      </p:sp>
-      <p:sp>
-        <p:nvSpPr>
-          <p:cNvPr id="127" name="CustomShape 2"/>
-          <p:cNvSpPr/>
+        </p:txBody>
+      </p:sp>
+      <p:pic>
+        <p:nvPicPr>
+          <p:cNvPr id="127" name="" descr=""/>
+          <p:cNvPicPr/>
           <p:nvPr/>
-        </p:nvSpPr>
-        <p:spPr>
-          <a:xfrm>
-            <a:off x="335520" y="1268640"/>
-            <a:ext cx="10744200" cy="5031720"/>
-          </a:xfrm>
-          <a:prstGeom prst="rect">
-            <a:avLst/>
-          </a:prstGeom>
-          <a:noFill/>
-          <a:ln w="0">
-            <a:noFill/>
-          </a:ln>
-        </p:spPr>
-        <p:style>
-          <a:lnRef idx="0"/>
-          <a:fillRef idx="0"/>
-          <a:effectRef idx="0"/>
-          <a:fontRef idx="minor"/>
-        </p:style>
-        <p:txBody>
-          <a:bodyPr lIns="90000" rIns="90000" tIns="45000" bIns="45000" anchor="ctr">
-            <a:noAutofit/>
-          </a:bodyPr>
-          <a:p>
-            <a:pPr>
-              <a:lnSpc>
-                <a:spcPct val="100000"/>
-              </a:lnSpc>
-              <a:spcBef>
-                <a:spcPts val="360"/>
-              </a:spcBef>
-            </a:pPr>
-            <a:endParaRPr b="0" lang="en-GB" sz="1800" spc="-1" strike="noStrike">
-              <a:solidFill>
-                <a:srgbClr val="000000"/>
-              </a:solidFill>
-              <a:latin typeface="Arial"/>
-            </a:endParaRPr>
-          </a:p>
-          <a:p>
-            <a:pPr marL="216000" indent="-216000">
-              <a:lnSpc>
-                <a:spcPct val="100000"/>
-              </a:lnSpc>
-              <a:spcBef>
-                <a:spcPts val="360"/>
-              </a:spcBef>
-              <a:buClr>
-                <a:srgbClr val="008c4f"/>
-              </a:buClr>
-              <a:buSzPct val="45000"/>
-              <a:buFont typeface="DejaVu Sans"/>
-              <a:buChar char="◾"/>
-            </a:pPr>
-            <a:r>
-              <a:rPr b="0" lang="en-GB" sz="1800" spc="-1" strike="noStrike" u="sng">
-                <a:solidFill>
-                  <a:srgbClr val="000000"/>
-                </a:solidFill>
-                <a:uFillTx/>
-                <a:latin typeface="DejaVu Sans"/>
-                <a:ea typeface="DejaVu Sans"/>
-              </a:rPr>
-              <a:t>Lecture:</a:t>
-            </a:r>
-            <a:endParaRPr b="0" lang="en-GB" sz="1800" spc="-1" strike="noStrike">
-              <a:solidFill>
-                <a:srgbClr val="000000"/>
-              </a:solidFill>
-              <a:latin typeface="Arial"/>
-            </a:endParaRPr>
-          </a:p>
-          <a:p>
-            <a:pPr lvl="1" marL="432000" indent="-216000">
-              <a:lnSpc>
-                <a:spcPct val="100000"/>
-              </a:lnSpc>
-              <a:spcBef>
-                <a:spcPts val="360"/>
-              </a:spcBef>
-              <a:buClr>
-                <a:srgbClr val="008c4f"/>
-              </a:buClr>
-              <a:buSzPct val="60000"/>
-              <a:buFont typeface="DejaVu Sans"/>
-              <a:buChar char="—"/>
-            </a:pPr>
-            <a:r>
-              <a:rPr b="0" lang="en-GB" sz="1800" spc="-1" strike="noStrike">
-                <a:solidFill>
-                  <a:srgbClr val="000000"/>
-                </a:solidFill>
-                <a:latin typeface="DejaVu Sans"/>
-                <a:ea typeface="DejaVu Sans"/>
-              </a:rPr>
-              <a:t>Monday </a:t>
-            </a:r>
-            <a:r>
-              <a:rPr b="1" lang="en-GB" sz="1800" spc="-1" strike="noStrike">
-                <a:solidFill>
-                  <a:srgbClr val="000000"/>
-                </a:solidFill>
-                <a:latin typeface="DejaVu Sans"/>
-                <a:ea typeface="DejaVu Sans"/>
-              </a:rPr>
-              <a:t>1:15 pm to 2:45 pm</a:t>
-            </a:r>
-            <a:r>
-              <a:rPr b="0" lang="en-GB" sz="1800" spc="-1" strike="noStrike">
-                <a:solidFill>
-                  <a:srgbClr val="000000"/>
-                </a:solidFill>
-                <a:latin typeface="DejaVu Sans"/>
-                <a:ea typeface="DejaVu Sans"/>
-              </a:rPr>
-              <a:t> (Berlin time) – </a:t>
-            </a:r>
-            <a:r>
-              <a:rPr b="1" lang="en-GB" sz="1800" spc="-1" strike="noStrike">
-                <a:solidFill>
-                  <a:srgbClr val="000000"/>
-                </a:solidFill>
-                <a:latin typeface="DejaVu Sans"/>
-                <a:ea typeface="DejaVu Sans"/>
-              </a:rPr>
-              <a:t>07.11</a:t>
-            </a:r>
-            <a:r>
-              <a:rPr b="0" lang="en-GB" sz="1800" spc="-1" strike="noStrike">
-                <a:solidFill>
-                  <a:srgbClr val="000000"/>
-                </a:solidFill>
-                <a:latin typeface="DejaVu Sans"/>
-                <a:ea typeface="DejaVu Sans"/>
-              </a:rPr>
-              <a:t>.2022 to </a:t>
-            </a:r>
-            <a:r>
-              <a:rPr b="1" lang="en-GB" sz="1800" spc="-1" strike="noStrike">
-                <a:solidFill>
-                  <a:srgbClr val="000000"/>
-                </a:solidFill>
-                <a:latin typeface="DejaVu Sans"/>
-                <a:ea typeface="DejaVu Sans"/>
-              </a:rPr>
-              <a:t>13.02</a:t>
-            </a:r>
-            <a:r>
-              <a:rPr b="0" lang="en-GB" sz="1800" spc="-1" strike="noStrike">
-                <a:solidFill>
-                  <a:srgbClr val="000000"/>
-                </a:solidFill>
-                <a:latin typeface="DejaVu Sans"/>
-                <a:ea typeface="DejaVu Sans"/>
-              </a:rPr>
-              <a:t>.2023</a:t>
-            </a:r>
-            <a:endParaRPr b="0" lang="en-GB" sz="1800" spc="-1" strike="noStrike">
-              <a:solidFill>
-                <a:srgbClr val="000000"/>
-              </a:solidFill>
-              <a:latin typeface="Arial"/>
-            </a:endParaRPr>
-          </a:p>
-          <a:p>
-            <a:pPr lvl="1" marL="432000" indent="-216000">
-              <a:lnSpc>
-                <a:spcPct val="100000"/>
-              </a:lnSpc>
-              <a:spcBef>
-                <a:spcPts val="360"/>
-              </a:spcBef>
-              <a:buClr>
-                <a:srgbClr val="008c4f"/>
-              </a:buClr>
-              <a:buSzPct val="60000"/>
-              <a:buFont typeface="DejaVu Sans"/>
-              <a:buChar char="—"/>
-            </a:pPr>
-            <a:r>
-              <a:rPr b="0" lang="en-GB" sz="1800" spc="-1" strike="noStrike">
-                <a:solidFill>
-                  <a:srgbClr val="000000"/>
-                </a:solidFill>
-                <a:latin typeface="DejaVu Sans"/>
-                <a:ea typeface="DejaVu Sans"/>
-              </a:rPr>
-              <a:t>Location: BigBlueButton (</a:t>
-            </a:r>
-            <a:r>
-              <a:rPr b="0" lang="en-GB" sz="1800" spc="-1" strike="noStrike" u="sng">
-                <a:solidFill>
-                  <a:srgbClr val="0000ff"/>
-                </a:solidFill>
-                <a:uFillTx/>
-                <a:latin typeface="DejaVu Sans"/>
-                <a:ea typeface="DejaVu Sans"/>
-                <a:hlinkClick r:id="rId1"/>
-              </a:rPr>
-              <a:t>Link</a:t>
-            </a:r>
-            <a:r>
-              <a:rPr b="0" lang="en-GB" sz="1800" spc="-1" strike="noStrike">
-                <a:solidFill>
-                  <a:srgbClr val="000000"/>
-                </a:solidFill>
-                <a:latin typeface="DejaVu Sans"/>
-                <a:ea typeface="DejaVu Sans"/>
-              </a:rPr>
-              <a:t>) </a:t>
-            </a:r>
-            <a:r>
-              <a:rPr b="1" lang="en-GB" sz="1800" spc="-1" strike="noStrike" u="sng">
-                <a:solidFill>
-                  <a:srgbClr val="000000"/>
-                </a:solidFill>
-                <a:uFillTx/>
-                <a:latin typeface="DejaVu Sans"/>
-                <a:ea typeface="DejaVu Sans"/>
-              </a:rPr>
-              <a:t>OR video recordings</a:t>
-            </a:r>
-            <a:endParaRPr b="0" lang="en-GB" sz="1800" spc="-1" strike="noStrike">
-              <a:solidFill>
-                <a:srgbClr val="000000"/>
-              </a:solidFill>
-              <a:latin typeface="Arial"/>
-            </a:endParaRPr>
-          </a:p>
-          <a:p>
-            <a:pPr>
-              <a:lnSpc>
-                <a:spcPct val="100000"/>
-              </a:lnSpc>
-              <a:spcBef>
-                <a:spcPts val="360"/>
-              </a:spcBef>
-            </a:pPr>
-            <a:endParaRPr b="0" lang="en-GB" sz="1800" spc="-1" strike="noStrike">
-              <a:solidFill>
-                <a:srgbClr val="000000"/>
-              </a:solidFill>
-              <a:latin typeface="Arial"/>
-            </a:endParaRPr>
-          </a:p>
-          <a:p>
-            <a:pPr marL="216000" indent="-216000">
-              <a:lnSpc>
-                <a:spcPct val="100000"/>
-              </a:lnSpc>
-              <a:spcBef>
-                <a:spcPts val="360"/>
-              </a:spcBef>
-              <a:buClr>
-                <a:srgbClr val="008c4f"/>
-              </a:buClr>
-              <a:buSzPct val="45000"/>
-              <a:buFont typeface="DejaVu Sans"/>
-              <a:buChar char="◾"/>
-            </a:pPr>
-            <a:r>
-              <a:rPr b="0" lang="en-GB" sz="1800" spc="-1" strike="noStrike" u="sng">
-                <a:solidFill>
-                  <a:srgbClr val="000000"/>
-                </a:solidFill>
-                <a:uFillTx/>
-                <a:latin typeface="DejaVu Sans"/>
-                <a:ea typeface="DejaVu Sans"/>
-              </a:rPr>
-              <a:t>Exercise / Q&amp;A:</a:t>
-            </a:r>
-            <a:endParaRPr b="0" lang="en-GB" sz="1800" spc="-1" strike="noStrike">
-              <a:solidFill>
-                <a:srgbClr val="000000"/>
-              </a:solidFill>
-              <a:latin typeface="Arial"/>
-            </a:endParaRPr>
-          </a:p>
-          <a:p>
-            <a:pPr lvl="1" marL="432000" indent="-216000">
-              <a:lnSpc>
-                <a:spcPct val="100000"/>
-              </a:lnSpc>
-              <a:spcBef>
-                <a:spcPts val="360"/>
-              </a:spcBef>
-              <a:buClr>
-                <a:srgbClr val="008c4f"/>
-              </a:buClr>
-              <a:buSzPct val="60000"/>
-              <a:buFont typeface="DejaVu Sans"/>
-              <a:buChar char="—"/>
-            </a:pPr>
-            <a:r>
-              <a:rPr b="0" lang="en-GB" sz="1800" spc="-1" strike="noStrike">
-                <a:solidFill>
-                  <a:srgbClr val="000000"/>
-                </a:solidFill>
-                <a:latin typeface="DejaVu Sans"/>
-                <a:ea typeface="DejaVu Sans"/>
-              </a:rPr>
-              <a:t>Monday </a:t>
-            </a:r>
-            <a:r>
-              <a:rPr b="1" lang="en-GB" sz="1800" spc="-1" strike="noStrike">
-                <a:solidFill>
-                  <a:srgbClr val="000000"/>
-                </a:solidFill>
-                <a:latin typeface="DejaVu Sans"/>
-                <a:ea typeface="DejaVu Sans"/>
-              </a:rPr>
-              <a:t>3 pm to 3:30</a:t>
-            </a:r>
-            <a:r>
-              <a:rPr b="0" lang="en-GB" sz="1800" spc="-1" strike="noStrike">
-                <a:solidFill>
-                  <a:srgbClr val="000000"/>
-                </a:solidFill>
-                <a:latin typeface="DejaVu Sans"/>
-                <a:ea typeface="DejaVu Sans"/>
-              </a:rPr>
-              <a:t> </a:t>
-            </a:r>
-            <a:r>
-              <a:rPr b="1" lang="en-GB" sz="1800" spc="-1" strike="noStrike">
-                <a:solidFill>
-                  <a:srgbClr val="000000"/>
-                </a:solidFill>
-                <a:latin typeface="DejaVu Sans"/>
-                <a:ea typeface="DejaVu Sans"/>
-              </a:rPr>
-              <a:t>pm</a:t>
-            </a:r>
-            <a:r>
-              <a:rPr b="0" lang="en-GB" sz="1800" spc="-1" strike="noStrike">
-                <a:solidFill>
-                  <a:srgbClr val="000000"/>
-                </a:solidFill>
-                <a:latin typeface="DejaVu Sans"/>
-                <a:ea typeface="DejaVu Sans"/>
-              </a:rPr>
-              <a:t> (Berlin time) – </a:t>
-            </a:r>
-            <a:r>
-              <a:rPr b="1" lang="en-GB" sz="1800" spc="-1" strike="noStrike">
-                <a:solidFill>
-                  <a:srgbClr val="000000"/>
-                </a:solidFill>
-                <a:latin typeface="DejaVu Sans"/>
-                <a:ea typeface="DejaVu Sans"/>
-              </a:rPr>
-              <a:t>07.11</a:t>
-            </a:r>
-            <a:r>
-              <a:rPr b="0" lang="en-GB" sz="1800" spc="-1" strike="noStrike">
-                <a:solidFill>
-                  <a:srgbClr val="000000"/>
-                </a:solidFill>
-                <a:latin typeface="DejaVu Sans"/>
-                <a:ea typeface="DejaVu Sans"/>
-              </a:rPr>
-              <a:t>.2022 to </a:t>
-            </a:r>
-            <a:r>
-              <a:rPr b="1" lang="en-GB" sz="1800" spc="-1" strike="noStrike">
-                <a:solidFill>
-                  <a:srgbClr val="000000"/>
-                </a:solidFill>
-                <a:latin typeface="DejaVu Sans"/>
-                <a:ea typeface="DejaVu Sans"/>
-              </a:rPr>
-              <a:t>13.03</a:t>
-            </a:r>
-            <a:r>
-              <a:rPr b="0" lang="en-GB" sz="1800" spc="-1" strike="noStrike">
-                <a:solidFill>
-                  <a:srgbClr val="000000"/>
-                </a:solidFill>
-                <a:latin typeface="DejaVu Sans"/>
-                <a:ea typeface="DejaVu Sans"/>
-              </a:rPr>
-              <a:t>.2023</a:t>
-            </a:r>
-            <a:endParaRPr b="0" lang="en-GB" sz="1800" spc="-1" strike="noStrike">
-              <a:solidFill>
-                <a:srgbClr val="000000"/>
-              </a:solidFill>
-              <a:latin typeface="Arial"/>
-            </a:endParaRPr>
-          </a:p>
-          <a:p>
-            <a:pPr lvl="1" marL="432000" indent="-216000">
-              <a:lnSpc>
-                <a:spcPct val="100000"/>
-              </a:lnSpc>
-              <a:spcBef>
-                <a:spcPts val="360"/>
-              </a:spcBef>
-              <a:buClr>
-                <a:srgbClr val="008c4f"/>
-              </a:buClr>
-              <a:buSzPct val="60000"/>
-              <a:buFont typeface="DejaVu Sans"/>
-              <a:buChar char="—"/>
-            </a:pPr>
-            <a:r>
-              <a:rPr b="0" lang="en-GB" sz="1800" spc="-1" strike="noStrike">
-                <a:solidFill>
-                  <a:srgbClr val="000000"/>
-                </a:solidFill>
-                <a:latin typeface="DejaVu Sans"/>
-                <a:ea typeface="DejaVu Sans"/>
-              </a:rPr>
-              <a:t>Location: BigBlueButton (</a:t>
-            </a:r>
-            <a:r>
-              <a:rPr b="0" lang="en-GB" sz="1800" spc="-1" strike="noStrike" u="sng">
-                <a:solidFill>
-                  <a:srgbClr val="0000ff"/>
-                </a:solidFill>
-                <a:uFillTx/>
-                <a:latin typeface="DejaVu Sans"/>
-                <a:ea typeface="DejaVu Sans"/>
-                <a:hlinkClick r:id="rId2"/>
-              </a:rPr>
-              <a:t>Link</a:t>
-            </a:r>
-            <a:r>
-              <a:rPr b="0" lang="en-GB" sz="1800" spc="-1" strike="noStrike">
-                <a:solidFill>
-                  <a:srgbClr val="000000"/>
-                </a:solidFill>
-                <a:latin typeface="DejaVu Sans"/>
-                <a:ea typeface="DejaVu Sans"/>
-              </a:rPr>
-              <a:t>)</a:t>
-            </a:r>
-            <a:endParaRPr b="0" lang="en-GB" sz="1800" spc="-1" strike="noStrike">
-              <a:solidFill>
-                <a:srgbClr val="000000"/>
-              </a:solidFill>
-              <a:latin typeface="Arial"/>
-            </a:endParaRPr>
-          </a:p>
-          <a:p>
-            <a:pPr>
-              <a:lnSpc>
-                <a:spcPct val="100000"/>
-              </a:lnSpc>
-              <a:spcBef>
-                <a:spcPts val="360"/>
-              </a:spcBef>
-            </a:pPr>
-            <a:endParaRPr b="0" lang="en-GB" sz="1800" spc="-1" strike="noStrike">
-              <a:solidFill>
-                <a:srgbClr val="000000"/>
-              </a:solidFill>
-              <a:latin typeface="Arial"/>
-            </a:endParaRPr>
-          </a:p>
-          <a:p>
-            <a:pPr marL="216000" indent="-216000">
-              <a:lnSpc>
-                <a:spcPct val="100000"/>
-              </a:lnSpc>
-              <a:spcBef>
-                <a:spcPts val="360"/>
-              </a:spcBef>
-              <a:buClr>
-                <a:srgbClr val="008c4f"/>
-              </a:buClr>
-              <a:buSzPct val="45000"/>
-              <a:buFont typeface="DejaVu Sans"/>
-              <a:buChar char="◾"/>
-            </a:pPr>
-            <a:r>
-              <a:rPr b="0" lang="en-GB" sz="1800" spc="-1" strike="noStrike" u="sng">
-                <a:solidFill>
-                  <a:srgbClr val="000000"/>
-                </a:solidFill>
-                <a:uFillTx/>
-                <a:latin typeface="DejaVu Sans"/>
-                <a:ea typeface="DejaVu Sans"/>
-              </a:rPr>
-              <a:t>Practical Workshop in Goslar/CLZ:</a:t>
-            </a:r>
-            <a:endParaRPr b="0" lang="en-GB" sz="1800" spc="-1" strike="noStrike">
-              <a:solidFill>
-                <a:srgbClr val="000000"/>
-              </a:solidFill>
-              <a:latin typeface="Arial"/>
-            </a:endParaRPr>
-          </a:p>
-          <a:p>
-            <a:pPr lvl="1" marL="432000" indent="-216000">
-              <a:lnSpc>
-                <a:spcPct val="100000"/>
-              </a:lnSpc>
-              <a:spcBef>
-                <a:spcPts val="360"/>
-              </a:spcBef>
-              <a:buClr>
-                <a:srgbClr val="008c4f"/>
-              </a:buClr>
-              <a:buSzPct val="60000"/>
-              <a:buFont typeface="DejaVu Sans"/>
-              <a:buChar char="—"/>
-            </a:pPr>
-            <a:r>
-              <a:rPr b="0" lang="en-GB" sz="1800" spc="-1" strike="noStrike">
-                <a:solidFill>
-                  <a:srgbClr val="000000"/>
-                </a:solidFill>
-                <a:latin typeface="DejaVu Sans"/>
-                <a:ea typeface="DejaVu Sans"/>
-              </a:rPr>
-              <a:t>When: 15.02.2023 (Wednesday) </a:t>
-            </a:r>
-            <a:r>
-              <a:rPr b="1" lang="en-GB" sz="1800" spc="-1" strike="noStrike">
-                <a:solidFill>
-                  <a:srgbClr val="000000"/>
-                </a:solidFill>
-                <a:latin typeface="DejaVu Sans"/>
-                <a:ea typeface="DejaVu Sans"/>
-              </a:rPr>
-              <a:t>9 am – 4pm (Berlin time)</a:t>
-            </a:r>
-            <a:endParaRPr b="0" lang="en-GB" sz="1800" spc="-1" strike="noStrike">
-              <a:solidFill>
-                <a:srgbClr val="000000"/>
-              </a:solidFill>
-              <a:latin typeface="Arial"/>
-            </a:endParaRPr>
-          </a:p>
-          <a:p>
-            <a:pPr lvl="1" marL="432000" indent="-216000">
-              <a:lnSpc>
-                <a:spcPct val="100000"/>
-              </a:lnSpc>
-              <a:spcBef>
-                <a:spcPts val="360"/>
-              </a:spcBef>
-              <a:buClr>
-                <a:srgbClr val="008c4f"/>
-              </a:buClr>
-              <a:buSzPct val="60000"/>
-              <a:buFont typeface="DejaVu Sans"/>
-              <a:buChar char="—"/>
-            </a:pPr>
-            <a:r>
-              <a:rPr b="0" lang="en-GB" sz="1800" spc="-1" strike="noStrike">
-                <a:solidFill>
-                  <a:srgbClr val="000000"/>
-                </a:solidFill>
-                <a:latin typeface="DejaVu Sans"/>
-                <a:ea typeface="DejaVu Sans"/>
-              </a:rPr>
-              <a:t>Location: Goslar (DIGIT) or CLZ </a:t>
-            </a:r>
-            <a:endParaRPr b="0" lang="en-GB" sz="1800" spc="-1" strike="noStrike">
-              <a:solidFill>
-                <a:srgbClr val="000000"/>
-              </a:solidFill>
-              <a:latin typeface="Arial"/>
-            </a:endParaRPr>
-          </a:p>
-        </p:txBody>
-      </p:sp>
+        </p:nvPicPr>
+        <p:blipFill>
+          <a:blip r:embed="rId1"/>
+          <a:stretch/>
+        </p:blipFill>
+        <p:spPr>
+          <a:xfrm>
+            <a:off x="371520" y="1620000"/>
+            <a:ext cx="10607760" cy="4400280"/>
+          </a:xfrm>
+          <a:prstGeom prst="rect">
+            <a:avLst/>
+          </a:prstGeom>
+          <a:ln w="0">
+            <a:noFill/>
+          </a:ln>
+        </p:spPr>
+      </p:pic>
     </p:spTree>
   </p:cSld>
   <mc:AlternateContent>
@@ -6817,15 +6552,41 @@
               </a:lnSpc>
             </a:pPr>
             <a:r>
-              <a:rPr b="1" lang="en-US" sz="2400" spc="-1" strike="noStrike">
-                <a:solidFill>
-                  <a:srgbClr val="000000"/>
-                </a:solidFill>
-                <a:latin typeface="DejaVu Sans"/>
-                <a:ea typeface="DejaVu Sans"/>
-              </a:rPr>
-              <a:t>Exercises and Practical Workshop </a:t>
-            </a:r>
+              <a:rPr b="1" lang="en-GB" sz="2400" spc="-1" strike="noStrike">
+                <a:solidFill>
+                  <a:srgbClr val="000000"/>
+                </a:solidFill>
+                <a:latin typeface="DejaVu Sans"/>
+                <a:ea typeface="DejaVu Sans"/>
+              </a:rPr>
+              <a:t>Dates/Times/Locations</a:t>
+            </a:r>
+            <a:endParaRPr b="0" lang="en-GB" sz="2400" spc="-1" strike="noStrike">
+              <a:solidFill>
+                <a:srgbClr val="000000"/>
+              </a:solidFill>
+              <a:latin typeface="Arial"/>
+            </a:endParaRPr>
+          </a:p>
+          <a:p>
+            <a:pPr>
+              <a:lnSpc>
+                <a:spcPct val="100000"/>
+              </a:lnSpc>
+            </a:pPr>
+            <a:endParaRPr b="0" lang="en-GB" sz="2400" spc="-1" strike="noStrike">
+              <a:solidFill>
+                <a:srgbClr val="000000"/>
+              </a:solidFill>
+              <a:latin typeface="Arial"/>
+            </a:endParaRPr>
+          </a:p>
+          <a:p>
+            <a:pPr>
+              <a:lnSpc>
+                <a:spcPct val="100000"/>
+              </a:lnSpc>
+            </a:pPr>
             <a:endParaRPr b="0" lang="en-GB" sz="2400" spc="-1" strike="noStrike">
               <a:solidFill>
                 <a:srgbClr val="000000"/>
@@ -6843,7 +6604,7 @@
         </p:nvSpPr>
         <p:spPr>
           <a:xfrm>
-            <a:off x="335520" y="1268280"/>
+            <a:off x="335520" y="1268640"/>
             <a:ext cx="10744200" cy="5031720"/>
           </a:xfrm>
           <a:prstGeom prst="rect">
@@ -6869,6 +6630,9 @@
               <a:lnSpc>
                 <a:spcPct val="100000"/>
               </a:lnSpc>
+              <a:spcBef>
+                <a:spcPts val="360"/>
+              </a:spcBef>
             </a:pPr>
             <a:endParaRPr b="0" lang="en-GB" sz="1800" spc="-1" strike="noStrike">
               <a:solidFill>
@@ -6878,23 +6642,7 @@
             </a:endParaRPr>
           </a:p>
           <a:p>
-            <a:pPr>
-              <a:lnSpc>
-                <a:spcPct val="100000"/>
-              </a:lnSpc>
-              <a:spcBef>
-                <a:spcPts val="360"/>
-              </a:spcBef>
-            </a:pPr>
-            <a:endParaRPr b="0" lang="en-GB" sz="1800" spc="-1" strike="noStrike">
-              <a:solidFill>
-                <a:srgbClr val="000000"/>
-              </a:solidFill>
-              <a:latin typeface="Arial"/>
-            </a:endParaRPr>
-          </a:p>
-          <a:p>
-            <a:pPr marL="195120" indent="-188640">
+            <a:pPr marL="216000" indent="-216000">
               <a:lnSpc>
                 <a:spcPct val="100000"/>
               </a:lnSpc>
@@ -6904,59 +6652,20 @@
               <a:buClr>
                 <a:srgbClr val="008c4f"/>
               </a:buClr>
-              <a:buSzPct val="80000"/>
-              <a:buFont typeface="Wingdings" charset="2"/>
-              <a:buChar char=""/>
-            </a:pPr>
-            <a:r>
-              <a:rPr b="0" lang="en-US" sz="1800" spc="-1" strike="noStrike">
-                <a:solidFill>
-                  <a:srgbClr val="000000"/>
-                </a:solidFill>
-                <a:latin typeface="DejaVu Sans"/>
-                <a:ea typeface="DejaVu Sans"/>
-              </a:rPr>
-              <a:t>Individual work</a:t>
-            </a:r>
-            <a:r>
-              <a:rPr b="0" lang="de-DE" sz="1800" spc="-1" strike="noStrike">
-                <a:solidFill>
-                  <a:srgbClr val="000000"/>
-                </a:solidFill>
-                <a:latin typeface="DejaVu Sans"/>
-                <a:ea typeface="DejaVu Sans"/>
-              </a:rPr>
-              <a:t> </a:t>
-            </a:r>
-            <a:r>
-              <a:rPr b="0" lang="en-US" sz="1800" spc="-1" strike="noStrike">
-                <a:solidFill>
-                  <a:srgbClr val="000000"/>
-                </a:solidFill>
-                <a:latin typeface="DejaVu Sans"/>
-                <a:ea typeface="DejaVu Sans"/>
-              </a:rPr>
-              <a:t>→</a:t>
-            </a:r>
-            <a:r>
-              <a:rPr b="0" lang="de-DE" sz="1800" spc="-1" strike="noStrike">
-                <a:solidFill>
-                  <a:srgbClr val="000000"/>
-                </a:solidFill>
-                <a:latin typeface="DejaVu Sans"/>
-                <a:ea typeface="DejaVu Sans"/>
-              </a:rPr>
-              <a:t> </a:t>
-            </a:r>
-            <a:r>
-              <a:rPr b="0" lang="en-GB" sz="1800" spc="-1" strike="noStrike">
-                <a:solidFill>
-                  <a:srgbClr val="000000"/>
-                </a:solidFill>
-                <a:latin typeface="DejaVu Sans"/>
-                <a:ea typeface="DejaVu Sans"/>
-              </a:rPr>
-              <a:t>no group submissions</a:t>
+              <a:buSzPct val="45000"/>
+              <a:buFont typeface="DejaVu Sans"/>
+              <a:buChar char="◾"/>
+            </a:pPr>
+            <a:r>
+              <a:rPr b="0" lang="en-GB" sz="1800" spc="-1" strike="noStrike" u="sng">
+                <a:solidFill>
+                  <a:srgbClr val="000000"/>
+                </a:solidFill>
+                <a:uFillTx/>
+                <a:latin typeface="DejaVu Sans"/>
+                <a:ea typeface="DejaVu Sans"/>
+              </a:rPr>
+              <a:t>Lecture:</a:t>
             </a:r>
             <a:endParaRPr b="0" lang="en-GB" sz="1800" spc="-1" strike="noStrike">
               <a:solidFill>
@@ -6966,7 +6675,7 @@
             </a:endParaRPr>
           </a:p>
           <a:p>
-            <a:pPr marL="195120" indent="-188640">
+            <a:pPr lvl="1" marL="432000" indent="-216000">
               <a:lnSpc>
                 <a:spcPct val="100000"/>
               </a:lnSpc>
@@ -6976,9 +6685,9 @@
               <a:buClr>
                 <a:srgbClr val="008c4f"/>
               </a:buClr>
-              <a:buSzPct val="80000"/>
-              <a:buFont typeface="Wingdings" charset="2"/>
-              <a:buChar char=""/>
+              <a:buSzPct val="60000"/>
+              <a:buFont typeface="DejaVu Sans"/>
+              <a:buChar char="—"/>
             </a:pPr>
             <a:r>
               <a:rPr b="0" lang="en-GB" sz="1800" spc="-1" strike="noStrike">
@@ -6988,7 +6697,7 @@
                 <a:latin typeface="DejaVu Sans"/>
                 <a:ea typeface="DejaVu Sans"/>
               </a:rPr>
-              <a:t>Submission of </a:t>
+              <a:t>Monday </a:t>
             </a:r>
             <a:r>
               <a:rPr b="1" lang="en-GB" sz="1800" spc="-1" strike="noStrike">
@@ -6998,7 +6707,7 @@
                 <a:latin typeface="DejaVu Sans"/>
                 <a:ea typeface="DejaVu Sans"/>
               </a:rPr>
-              <a:t>each</a:t>
+              <a:t>1:15 pm to 2:45 pm</a:t>
             </a:r>
             <a:r>
               <a:rPr b="0" lang="en-GB" sz="1800" spc="-1" strike="noStrike">
@@ -7008,7 +6717,7 @@
                 <a:latin typeface="DejaVu Sans"/>
                 <a:ea typeface="DejaVu Sans"/>
               </a:rPr>
-              <a:t> exercise is </a:t>
+              <a:t> (Berlin time) – </a:t>
             </a:r>
             <a:r>
               <a:rPr b="1" lang="en-GB" sz="1800" spc="-1" strike="noStrike">
@@ -7018,7 +6727,37 @@
                 <a:latin typeface="DejaVu Sans"/>
                 <a:ea typeface="DejaVu Sans"/>
               </a:rPr>
-              <a:t>mandatory</a:t>
+              <a:t>07.11</a:t>
+            </a:r>
+            <a:r>
+              <a:rPr b="0" lang="en-GB" sz="1800" spc="-1" strike="noStrike">
+                <a:solidFill>
+                  <a:srgbClr val="000000"/>
+                </a:solidFill>
+                <a:latin typeface="DejaVu Sans"/>
+                <a:ea typeface="DejaVu Sans"/>
+              </a:rPr>
+              <a:t>.2022 to </a:t>
+            </a:r>
+            <a:r>
+              <a:rPr b="1" lang="en-GB" sz="1800" spc="-1" strike="noStrike">
+                <a:solidFill>
+                  <a:srgbClr val="000000"/>
+                </a:solidFill>
+                <a:latin typeface="DejaVu Sans"/>
+                <a:ea typeface="DejaVu Sans"/>
+              </a:rPr>
+              <a:t>13.02</a:t>
+            </a:r>
+            <a:r>
+              <a:rPr b="0" lang="en-GB" sz="1800" spc="-1" strike="noStrike">
+                <a:solidFill>
+                  <a:srgbClr val="000000"/>
+                </a:solidFill>
+                <a:latin typeface="DejaVu Sans"/>
+                <a:ea typeface="DejaVu Sans"/>
+              </a:rPr>
+              <a:t>.2023</a:t>
             </a:r>
             <a:endParaRPr b="0" lang="en-GB" sz="1800" spc="-1" strike="noStrike">
               <a:solidFill>
@@ -7028,7 +6767,7 @@
             </a:endParaRPr>
           </a:p>
           <a:p>
-            <a:pPr marL="195120" indent="-188640">
+            <a:pPr lvl="1" marL="432000" indent="-216000">
               <a:lnSpc>
                 <a:spcPct val="100000"/>
               </a:lnSpc>
@@ -7038,9 +6777,9 @@
               <a:buClr>
                 <a:srgbClr val="008c4f"/>
               </a:buClr>
-              <a:buSzPct val="80000"/>
-              <a:buFont typeface="Wingdings" charset="2"/>
-              <a:buChar char=""/>
+              <a:buSzPct val="60000"/>
+              <a:buFont typeface="DejaVu Sans"/>
+              <a:buChar char="—"/>
             </a:pPr>
             <a:r>
               <a:rPr b="0" lang="en-GB" sz="1800" spc="-1" strike="noStrike">
@@ -7050,7 +6789,40 @@
                 <a:latin typeface="DejaVu Sans"/>
                 <a:ea typeface="DejaVu Sans"/>
               </a:rPr>
-              <a:t>You pass by submitting an exercise – even if it is an empty page</a:t>
+              <a:t>Location: BigBlueButton (</a:t>
+            </a:r>
+            <a:r>
+              <a:rPr b="0" lang="en-GB" sz="1800" spc="-1" strike="noStrike" u="sng">
+                <a:solidFill>
+                  <a:srgbClr val="0000ff"/>
+                </a:solidFill>
+                <a:uFillTx/>
+                <a:latin typeface="DejaVu Sans"/>
+                <a:ea typeface="DejaVu Sans"/>
+                <a:hlinkClick r:id="rId1"/>
+              </a:rPr>
+              <a:t>Link</a:t>
+            </a:r>
+            <a:r>
+              <a:rPr b="0" lang="en-GB" sz="1800" spc="-1" strike="noStrike">
+                <a:solidFill>
+                  <a:srgbClr val="000000"/>
+                </a:solidFill>
+                <a:latin typeface="DejaVu Sans"/>
+                <a:ea typeface="DejaVu Sans"/>
+              </a:rPr>
+              <a:t>) </a:t>
+            </a:r>
+            <a:r>
+              <a:rPr b="1" lang="en-GB" sz="1800" spc="-1" strike="noStrike" u="sng">
+                <a:solidFill>
+                  <a:srgbClr val="000000"/>
+                </a:solidFill>
+                <a:uFillTx/>
+                <a:latin typeface="DejaVu Sans"/>
+                <a:ea typeface="DejaVu Sans"/>
+              </a:rPr>
+              <a:t>OR video recordings</a:t>
             </a:r>
             <a:endParaRPr b="0" lang="en-GB" sz="1800" spc="-1" strike="noStrike">
               <a:solidFill>
@@ -7060,7 +6832,23 @@
             </a:endParaRPr>
           </a:p>
           <a:p>
-            <a:pPr marL="195120" indent="-188640">
+            <a:pPr>
+              <a:lnSpc>
+                <a:spcPct val="100000"/>
+              </a:lnSpc>
+              <a:spcBef>
+                <a:spcPts val="360"/>
+              </a:spcBef>
+            </a:pPr>
+            <a:endParaRPr b="0" lang="en-GB" sz="1800" spc="-1" strike="noStrike">
+              <a:solidFill>
+                <a:srgbClr val="000000"/>
+              </a:solidFill>
+              <a:latin typeface="Arial"/>
+            </a:endParaRPr>
+          </a:p>
+          <a:p>
+            <a:pPr marL="216000" indent="-216000">
               <a:lnSpc>
                 <a:spcPct val="100000"/>
               </a:lnSpc>
@@ -7070,19 +6858,20 @@
               <a:buClr>
                 <a:srgbClr val="008c4f"/>
               </a:buClr>
-              <a:buSzPct val="80000"/>
-              <a:buFont typeface="Wingdings" charset="2"/>
-              <a:buChar char=""/>
-            </a:pPr>
-            <a:r>
-              <a:rPr b="0" lang="en-GB" sz="1800" spc="-1" strike="noStrike">
-                <a:solidFill>
-                  <a:srgbClr val="000000"/>
-                </a:solidFill>
-                <a:latin typeface="DejaVu Sans"/>
-                <a:ea typeface="DejaVu Sans"/>
-              </a:rPr>
-              <a:t>You will receive feedback on your submission (during Q&amp;A session)</a:t>
+              <a:buSzPct val="45000"/>
+              <a:buFont typeface="DejaVu Sans"/>
+              <a:buChar char="◾"/>
+            </a:pPr>
+            <a:r>
+              <a:rPr b="0" lang="en-GB" sz="1800" spc="-1" strike="noStrike" u="sng">
+                <a:solidFill>
+                  <a:srgbClr val="000000"/>
+                </a:solidFill>
+                <a:uFillTx/>
+                <a:latin typeface="DejaVu Sans"/>
+                <a:ea typeface="DejaVu Sans"/>
+              </a:rPr>
+              <a:t>Exercise / Q&amp;A:</a:t>
             </a:r>
             <a:endParaRPr b="0" lang="en-GB" sz="1800" spc="-1" strike="noStrike">
               <a:solidFill>
@@ -7092,7 +6881,7 @@
             </a:endParaRPr>
           </a:p>
           <a:p>
-            <a:pPr marL="195120" indent="-188640">
+            <a:pPr lvl="1" marL="432000" indent="-216000">
               <a:lnSpc>
                 <a:spcPct val="100000"/>
               </a:lnSpc>
@@ -7102,9 +6891,9 @@
               <a:buClr>
                 <a:srgbClr val="008c4f"/>
               </a:buClr>
-              <a:buSzPct val="80000"/>
-              <a:buFont typeface="Wingdings" charset="2"/>
-              <a:buChar char=""/>
+              <a:buSzPct val="60000"/>
+              <a:buFont typeface="DejaVu Sans"/>
+              <a:buChar char="—"/>
             </a:pPr>
             <a:r>
               <a:rPr b="0" lang="en-GB" sz="1800" spc="-1" strike="noStrike">
@@ -7114,7 +6903,87 @@
                 <a:latin typeface="DejaVu Sans"/>
                 <a:ea typeface="DejaVu Sans"/>
               </a:rPr>
-              <a:t>Exercise = learning feedback</a:t>
+              <a:t>Monday </a:t>
+            </a:r>
+            <a:r>
+              <a:rPr b="1" lang="en-GB" sz="1800" spc="-1" strike="noStrike">
+                <a:solidFill>
+                  <a:srgbClr val="000000"/>
+                </a:solidFill>
+                <a:latin typeface="DejaVu Sans"/>
+                <a:ea typeface="DejaVu Sans"/>
+              </a:rPr>
+              <a:t>3 pm to 3:30</a:t>
+            </a:r>
+            <a:r>
+              <a:rPr b="0" lang="en-GB" sz="1800" spc="-1" strike="noStrike">
+                <a:solidFill>
+                  <a:srgbClr val="000000"/>
+                </a:solidFill>
+                <a:latin typeface="DejaVu Sans"/>
+                <a:ea typeface="DejaVu Sans"/>
+              </a:rPr>
+              <a:t> </a:t>
+            </a:r>
+            <a:r>
+              <a:rPr b="1" lang="en-GB" sz="1800" spc="-1" strike="noStrike">
+                <a:solidFill>
+                  <a:srgbClr val="000000"/>
+                </a:solidFill>
+                <a:latin typeface="DejaVu Sans"/>
+                <a:ea typeface="DejaVu Sans"/>
+              </a:rPr>
+              <a:t>pm</a:t>
+            </a:r>
+            <a:r>
+              <a:rPr b="0" lang="en-GB" sz="1800" spc="-1" strike="noStrike">
+                <a:solidFill>
+                  <a:srgbClr val="000000"/>
+                </a:solidFill>
+                <a:latin typeface="DejaVu Sans"/>
+                <a:ea typeface="DejaVu Sans"/>
+              </a:rPr>
+              <a:t> (Berlin time) – </a:t>
+            </a:r>
+            <a:r>
+              <a:rPr b="1" lang="en-GB" sz="1800" spc="-1" strike="noStrike">
+                <a:solidFill>
+                  <a:srgbClr val="000000"/>
+                </a:solidFill>
+                <a:latin typeface="DejaVu Sans"/>
+                <a:ea typeface="DejaVu Sans"/>
+              </a:rPr>
+              <a:t>07.11</a:t>
+            </a:r>
+            <a:r>
+              <a:rPr b="0" lang="en-GB" sz="1800" spc="-1" strike="noStrike">
+                <a:solidFill>
+                  <a:srgbClr val="000000"/>
+                </a:solidFill>
+                <a:latin typeface="DejaVu Sans"/>
+                <a:ea typeface="DejaVu Sans"/>
+              </a:rPr>
+              <a:t>.2022 to </a:t>
+            </a:r>
+            <a:r>
+              <a:rPr b="1" lang="en-GB" sz="1800" spc="-1" strike="noStrike">
+                <a:solidFill>
+                  <a:srgbClr val="000000"/>
+                </a:solidFill>
+                <a:latin typeface="DejaVu Sans"/>
+                <a:ea typeface="DejaVu Sans"/>
+              </a:rPr>
+              <a:t>13.03</a:t>
+            </a:r>
+            <a:r>
+              <a:rPr b="0" lang="en-GB" sz="1800" spc="-1" strike="noStrike">
+                <a:solidFill>
+                  <a:srgbClr val="000000"/>
+                </a:solidFill>
+                <a:latin typeface="DejaVu Sans"/>
+                <a:ea typeface="DejaVu Sans"/>
+              </a:rPr>
+              <a:t>.2023</a:t>
             </a:r>
             <a:endParaRPr b="0" lang="en-GB" sz="1800" spc="-1" strike="noStrike">
               <a:solidFill>
@@ -7124,7 +6993,7 @@
             </a:endParaRPr>
           </a:p>
           <a:p>
-            <a:pPr marL="195120" indent="-188640">
+            <a:pPr lvl="1" marL="432000" indent="-216000">
               <a:lnSpc>
                 <a:spcPct val="100000"/>
               </a:lnSpc>
@@ -7134,9 +7003,9 @@
               <a:buClr>
                 <a:srgbClr val="008c4f"/>
               </a:buClr>
-              <a:buSzPct val="80000"/>
-              <a:buFont typeface="Wingdings" charset="2"/>
-              <a:buChar char=""/>
+              <a:buSzPct val="60000"/>
+              <a:buFont typeface="DejaVu Sans"/>
+              <a:buChar char="—"/>
             </a:pPr>
             <a:r>
               <a:rPr b="0" lang="en-GB" sz="1800" spc="-1" strike="noStrike">
@@ -7146,7 +7015,29 @@
                 <a:latin typeface="DejaVu Sans"/>
                 <a:ea typeface="DejaVu Sans"/>
               </a:rPr>
-              <a:t>Practical workshop → You pass the workshop if you score 50% (or more)</a:t>
+              <a:t>Location: BigBlueButton (</a:t>
+            </a:r>
+            <a:r>
+              <a:rPr b="0" lang="en-GB" sz="1800" spc="-1" strike="noStrike" u="sng">
+                <a:solidFill>
+                  <a:srgbClr val="0000ff"/>
+                </a:solidFill>
+                <a:uFillTx/>
+                <a:latin typeface="DejaVu Sans"/>
+                <a:ea typeface="DejaVu Sans"/>
+                <a:hlinkClick r:id="rId2"/>
+              </a:rPr>
+              <a:t>Link</a:t>
+            </a:r>
+            <a:r>
+              <a:rPr b="0" lang="en-GB" sz="1800" spc="-1" strike="noStrike">
+                <a:solidFill>
+                  <a:srgbClr val="000000"/>
+                </a:solidFill>
+                <a:latin typeface="DejaVu Sans"/>
+                <a:ea typeface="DejaVu Sans"/>
+              </a:rPr>
+              <a:t>)</a:t>
             </a:r>
             <a:endParaRPr b="0" lang="en-GB" sz="1800" spc="-1" strike="noStrike">
               <a:solidFill>
@@ -7156,7 +7047,7 @@
             </a:endParaRPr>
           </a:p>
           <a:p>
-            <a:pPr marL="360" algn="ctr">
+            <a:pPr>
               <a:lnSpc>
                 <a:spcPct val="100000"/>
               </a:lnSpc>
@@ -7172,14 +7063,31 @@
             </a:endParaRPr>
           </a:p>
           <a:p>
-            <a:pPr marL="360" algn="ctr">
+            <a:pPr marL="216000" indent="-216000">
               <a:lnSpc>
                 <a:spcPct val="100000"/>
               </a:lnSpc>
               <a:spcBef>
                 <a:spcPts val="360"/>
               </a:spcBef>
-            </a:pPr>
+              <a:buClr>
+                <a:srgbClr val="008c4f"/>
+              </a:buClr>
+              <a:buSzPct val="45000"/>
+              <a:buFont typeface="DejaVu Sans"/>
+              <a:buChar char="◾"/>
+            </a:pPr>
+            <a:r>
+              <a:rPr b="0" lang="en-GB" sz="1800" spc="-1" strike="noStrike" u="sng">
+                <a:solidFill>
+                  <a:srgbClr val="000000"/>
+                </a:solidFill>
+                <a:uFillTx/>
+                <a:latin typeface="DejaVu Sans"/>
+                <a:ea typeface="DejaVu Sans"/>
+              </a:rPr>
+              <a:t>Practical Workshop in Goslar/CLZ:</a:t>
+            </a:r>
             <a:endParaRPr b="0" lang="en-GB" sz="1800" spc="-1" strike="noStrike">
               <a:solidFill>
                 <a:srgbClr val="000000"/>
@@ -7188,23 +7096,71 @@
             </a:endParaRPr>
           </a:p>
           <a:p>
-            <a:pPr marL="360" algn="ctr">
+            <a:pPr lvl="1" marL="432000" indent="-216000">
               <a:lnSpc>
                 <a:spcPct val="100000"/>
               </a:lnSpc>
               <a:spcBef>
                 <a:spcPts val="360"/>
               </a:spcBef>
-            </a:pPr>
+              <a:buClr>
+                <a:srgbClr val="008c4f"/>
+              </a:buClr>
+              <a:buSzPct val="60000"/>
+              <a:buFont typeface="DejaVu Sans"/>
+              <a:buChar char="—"/>
+            </a:pPr>
+            <a:r>
+              <a:rPr b="0" lang="en-GB" sz="1800" spc="-1" strike="noStrike">
+                <a:solidFill>
+                  <a:srgbClr val="000000"/>
+                </a:solidFill>
+                <a:latin typeface="DejaVu Sans"/>
+                <a:ea typeface="DejaVu Sans"/>
+              </a:rPr>
+              <a:t>When: 15.02.2023 (Wednesday) </a:t>
+            </a:r>
             <a:r>
               <a:rPr b="1" lang="en-GB" sz="1800" spc="-1" strike="noStrike">
                 <a:solidFill>
-                  <a:srgbClr val="ffffff"/>
-                </a:solidFill>
-                <a:latin typeface="DejaVu Sans"/>
-                <a:ea typeface="DejaVu Sans"/>
-              </a:rPr>
-              <a:t>More info on points, percentages, etc. follow on the next slides (Examination)</a:t>
+                  <a:srgbClr val="000000"/>
+                </a:solidFill>
+                <a:latin typeface="DejaVu Sans"/>
+                <a:ea typeface="DejaVu Sans"/>
+              </a:rPr>
+              <a:t>9 am – 4pm (Berlin time)</a:t>
+            </a:r>
+            <a:endParaRPr b="0" lang="en-GB" sz="1800" spc="-1" strike="noStrike">
+              <a:solidFill>
+                <a:srgbClr val="000000"/>
+              </a:solidFill>
+              <a:latin typeface="Arial"/>
+            </a:endParaRPr>
+          </a:p>
+          <a:p>
+            <a:pPr lvl="1" marL="432000" indent="-216000">
+              <a:lnSpc>
+                <a:spcPct val="100000"/>
+              </a:lnSpc>
+              <a:spcBef>
+                <a:spcPts val="360"/>
+              </a:spcBef>
+              <a:buClr>
+                <a:srgbClr val="008c4f"/>
+              </a:buClr>
+              <a:buSzPct val="60000"/>
+              <a:buFont typeface="DejaVu Sans"/>
+              <a:buChar char="—"/>
+            </a:pPr>
+            <a:r>
+              <a:rPr b="0" lang="en-GB" sz="1800" spc="-1" strike="noStrike">
+                <a:solidFill>
+                  <a:srgbClr val="000000"/>
+                </a:solidFill>
+                <a:latin typeface="DejaVu Sans"/>
+                <a:ea typeface="DejaVu Sans"/>
+              </a:rPr>
+              <a:t>Location: Goslar (DIGIT) or CLZ </a:t>
             </a:r>
             <a:endParaRPr b="0" lang="en-GB" sz="1800" spc="-1" strike="noStrike">
               <a:solidFill>
@@ -7281,14 +7237,14 @@
               </a:lnSpc>
             </a:pPr>
             <a:r>
-              <a:rPr b="1" lang="en-GB" sz="2400" spc="-1" strike="noStrike">
-                <a:solidFill>
-                  <a:srgbClr val="000000"/>
-                </a:solidFill>
-                <a:latin typeface="DejaVu Sans"/>
-                <a:ea typeface="DejaVu Sans"/>
-              </a:rPr>
-              <a:t>Examination</a:t>
+              <a:rPr b="1" lang="en-US" sz="2400" spc="-1" strike="noStrike">
+                <a:solidFill>
+                  <a:srgbClr val="000000"/>
+                </a:solidFill>
+                <a:latin typeface="DejaVu Sans"/>
+                <a:ea typeface="DejaVu Sans"/>
+              </a:rPr>
+              <a:t>Exercises and Practical Workshop </a:t>
             </a:r>
             <a:endParaRPr b="0" lang="en-GB" sz="2400" spc="-1" strike="noStrike">
               <a:solidFill>
@@ -7307,7 +7263,7 @@
         </p:nvSpPr>
         <p:spPr>
           <a:xfrm>
-            <a:off x="335520" y="1268640"/>
+            <a:off x="335520" y="1268280"/>
             <a:ext cx="10744200" cy="5031720"/>
           </a:xfrm>
           <a:prstGeom prst="rect">
@@ -7329,6 +7285,35 @@
             <a:noAutofit/>
           </a:bodyPr>
           <a:p>
+            <a:pPr>
+              <a:lnSpc>
+                <a:spcPct val="100000"/>
+              </a:lnSpc>
+            </a:pPr>
+            <a:endParaRPr b="0" lang="en-GB" sz="1800" spc="-1" strike="noStrike">
+              <a:solidFill>
+                <a:srgbClr val="000000"/>
+              </a:solidFill>
+              <a:latin typeface="Arial"/>
+            </a:endParaRPr>
+          </a:p>
+          <a:p>
+            <a:pPr>
+              <a:lnSpc>
+                <a:spcPct val="100000"/>
+              </a:lnSpc>
+              <a:spcBef>
+                <a:spcPts val="360"/>
+              </a:spcBef>
+            </a:pPr>
+            <a:endParaRPr b="0" lang="en-GB" sz="1800" spc="-1" strike="noStrike">
+              <a:solidFill>
+                <a:srgbClr val="000000"/>
+              </a:solidFill>
+              <a:latin typeface="Arial"/>
+            </a:endParaRPr>
+          </a:p>
+          <a:p>
             <a:pPr marL="195120" indent="-188640">
               <a:lnSpc>
                 <a:spcPct val="100000"/>
@@ -7351,30 +7336,18 @@
                 <a:latin typeface="DejaVu Sans"/>
                 <a:ea typeface="DejaVu Sans"/>
               </a:rPr>
-              <a:t>Prerequisite for admission to the final exam (all criteria have to be fulfilled):</a:t>
-            </a:r>
-            <a:endParaRPr b="0" lang="en-GB" sz="1800" spc="-1" strike="noStrike">
-              <a:solidFill>
-                <a:srgbClr val="000000"/>
-              </a:solidFill>
-              <a:latin typeface="Arial"/>
-            </a:endParaRPr>
-          </a:p>
-          <a:p>
-            <a:pPr lvl="1" marL="744120" indent="-280440">
-              <a:lnSpc>
-                <a:spcPct val="100000"/>
-              </a:lnSpc>
-              <a:spcBef>
-                <a:spcPts val="360"/>
-              </a:spcBef>
-              <a:buClr>
-                <a:srgbClr val="008c4f"/>
-              </a:buClr>
-              <a:buSzPct val="80000"/>
-              <a:buFont typeface="Walbaum Heading"/>
-              <a:buChar char="—"/>
-            </a:pPr>
+              <a:t>Individual work</a:t>
+            </a:r>
+            <a:r>
+              <a:rPr b="0" lang="de-DE" sz="1800" spc="-1" strike="noStrike">
+                <a:solidFill>
+                  <a:srgbClr val="000000"/>
+                </a:solidFill>
+                <a:latin typeface="DejaVu Sans"/>
+                <a:ea typeface="DejaVu Sans"/>
+              </a:rPr>
+              <a:t> </a:t>
+            </a:r>
             <a:r>
               <a:rPr b="0" lang="en-US" sz="1800" spc="-1" strike="noStrike">
                 <a:solidFill>
@@ -7383,56 +7356,28 @@
                 <a:latin typeface="DejaVu Sans"/>
                 <a:ea typeface="DejaVu Sans"/>
               </a:rPr>
-              <a:t>Submit all exercises</a:t>
-            </a:r>
-            <a:endParaRPr b="0" lang="en-GB" sz="1800" spc="-1" strike="noStrike">
-              <a:solidFill>
-                <a:srgbClr val="000000"/>
-              </a:solidFill>
-              <a:latin typeface="Arial"/>
-            </a:endParaRPr>
-          </a:p>
-          <a:p>
-            <a:pPr lvl="1" marL="744120" indent="-280440">
-              <a:lnSpc>
-                <a:spcPct val="100000"/>
-              </a:lnSpc>
-              <a:spcBef>
-                <a:spcPts val="360"/>
-              </a:spcBef>
-              <a:buClr>
-                <a:srgbClr val="008c4f"/>
-              </a:buClr>
-              <a:buSzPct val="80000"/>
-              <a:buFont typeface="Walbaum Heading"/>
-              <a:buChar char="—"/>
-            </a:pPr>
-            <a:r>
-              <a:rPr b="0" lang="en-US" sz="1800" spc="-1" strike="noStrike">
-                <a:solidFill>
-                  <a:srgbClr val="000000"/>
-                </a:solidFill>
-                <a:latin typeface="DejaVu Sans"/>
-                <a:ea typeface="DejaVu Sans"/>
-              </a:rPr>
-              <a:t>Pass the practical workshop</a:t>
-            </a:r>
-            <a:endParaRPr b="0" lang="en-GB" sz="1800" spc="-1" strike="noStrike">
-              <a:solidFill>
-                <a:srgbClr val="000000"/>
-              </a:solidFill>
-              <a:latin typeface="Arial"/>
-            </a:endParaRPr>
-          </a:p>
-          <a:p>
-            <a:pPr>
-              <a:lnSpc>
-                <a:spcPct val="100000"/>
-              </a:lnSpc>
-              <a:spcBef>
-                <a:spcPts val="360"/>
-              </a:spcBef>
-            </a:pPr>
+              <a:t>→</a:t>
+            </a:r>
+            <a:r>
+              <a:rPr b="0" lang="de-DE" sz="1800" spc="-1" strike="noStrike">
+                <a:solidFill>
+                  <a:srgbClr val="000000"/>
+                </a:solidFill>
+                <a:latin typeface="DejaVu Sans"/>
+                <a:ea typeface="DejaVu Sans"/>
+              </a:rPr>
+              <a:t> </a:t>
+            </a:r>
+            <a:r>
+              <a:rPr b="0" lang="en-GB" sz="1800" spc="-1" strike="noStrike">
+                <a:solidFill>
+                  <a:srgbClr val="000000"/>
+                </a:solidFill>
+                <a:latin typeface="DejaVu Sans"/>
+                <a:ea typeface="DejaVu Sans"/>
+              </a:rPr>
+              <a:t>no group submissions</a:t>
+            </a:r>
             <a:endParaRPr b="0" lang="en-GB" sz="1800" spc="-1" strike="noStrike">
               <a:solidFill>
                 <a:srgbClr val="000000"/>
@@ -7456,14 +7401,44 @@
               <a:buChar char=""/>
             </a:pPr>
             <a:r>
-              <a:rPr b="0" lang="en-US" sz="1800" spc="-1" strike="noStrike">
-                <a:solidFill>
-                  <a:srgbClr val="000000"/>
-                </a:solidFill>
-                <a:latin typeface="DejaVu Sans"/>
-                <a:ea typeface="DejaVu Sans"/>
-              </a:rPr>
-              <a:t>Final exam:</a:t>
+              <a:rPr b="0" lang="en-GB" sz="1800" spc="-1" strike="noStrike">
+                <a:solidFill>
+                  <a:srgbClr val="000000"/>
+                </a:solidFill>
+                <a:latin typeface="DejaVu Sans"/>
+                <a:ea typeface="DejaVu Sans"/>
+              </a:rPr>
+              <a:t>Submission of </a:t>
+            </a:r>
+            <a:r>
+              <a:rPr b="1" lang="en-GB" sz="1800" spc="-1" strike="noStrike">
+                <a:solidFill>
+                  <a:srgbClr val="000000"/>
+                </a:solidFill>
+                <a:latin typeface="DejaVu Sans"/>
+                <a:ea typeface="DejaVu Sans"/>
+              </a:rPr>
+              <a:t>each</a:t>
+            </a:r>
+            <a:r>
+              <a:rPr b="0" lang="en-GB" sz="1800" spc="-1" strike="noStrike">
+                <a:solidFill>
+                  <a:srgbClr val="000000"/>
+                </a:solidFill>
+                <a:latin typeface="DejaVu Sans"/>
+                <a:ea typeface="DejaVu Sans"/>
+              </a:rPr>
+              <a:t> exercise is </a:t>
+            </a:r>
+            <a:r>
+              <a:rPr b="1" lang="en-GB" sz="1800" spc="-1" strike="noStrike">
+                <a:solidFill>
+                  <a:srgbClr val="000000"/>
+                </a:solidFill>
+                <a:latin typeface="DejaVu Sans"/>
+                <a:ea typeface="DejaVu Sans"/>
+              </a:rPr>
+              <a:t>mandatory</a:t>
             </a:r>
             <a:endParaRPr b="0" lang="en-GB" sz="1800" spc="-1" strike="noStrike">
               <a:solidFill>
@@ -7473,7 +7448,7 @@
             </a:endParaRPr>
           </a:p>
           <a:p>
-            <a:pPr lvl="1" marL="744120" indent="-280440">
+            <a:pPr marL="195120" indent="-188640">
               <a:lnSpc>
                 <a:spcPct val="100000"/>
               </a:lnSpc>
@@ -7484,8 +7459,8 @@
                 <a:srgbClr val="008c4f"/>
               </a:buClr>
               <a:buSzPct val="80000"/>
-              <a:buFont typeface="Walbaum Text"/>
-              <a:buChar char="—"/>
+              <a:buFont typeface="Wingdings" charset="2"/>
+              <a:buChar char=""/>
             </a:pPr>
             <a:r>
               <a:rPr b="0" lang="en-GB" sz="1800" spc="-1" strike="noStrike">
@@ -7495,7 +7470,7 @@
                 <a:latin typeface="DejaVu Sans"/>
                 <a:ea typeface="DejaVu Sans"/>
               </a:rPr>
-              <a:t>Most likely 23.02.2023</a:t>
+              <a:t>You pass by submitting an exercise – even if it is an empty page</a:t>
             </a:r>
             <a:endParaRPr b="0" lang="en-GB" sz="1800" spc="-1" strike="noStrike">
               <a:solidFill>
@@ -7505,7 +7480,7 @@
             </a:endParaRPr>
           </a:p>
           <a:p>
-            <a:pPr lvl="1" marL="744120" indent="-280440">
+            <a:pPr marL="195120" indent="-188640">
               <a:lnSpc>
                 <a:spcPct val="100000"/>
               </a:lnSpc>
@@ -7516,18 +7491,18 @@
                 <a:srgbClr val="008c4f"/>
               </a:buClr>
               <a:buSzPct val="80000"/>
-              <a:buFont typeface="Walbaum Text"/>
-              <a:buChar char="—"/>
-            </a:pPr>
-            <a:r>
-              <a:rPr b="0" lang="en-US" sz="1800" spc="-1" strike="noStrike">
-                <a:solidFill>
-                  <a:srgbClr val="000000"/>
-                </a:solidFill>
-                <a:latin typeface="DejaVu Sans"/>
-                <a:ea typeface="DejaVu Sans"/>
-              </a:rPr>
-              <a:t>Oral examination (20min)</a:t>
+              <a:buFont typeface="Wingdings" charset="2"/>
+              <a:buChar char=""/>
+            </a:pPr>
+            <a:r>
+              <a:rPr b="0" lang="en-GB" sz="1800" spc="-1" strike="noStrike">
+                <a:solidFill>
+                  <a:srgbClr val="000000"/>
+                </a:solidFill>
+                <a:latin typeface="DejaVu Sans"/>
+                <a:ea typeface="DejaVu Sans"/>
+              </a:rPr>
+              <a:t>You will receive feedback on your submission (during Q&amp;A session)</a:t>
             </a:r>
             <a:endParaRPr b="0" lang="en-GB" sz="1800" spc="-1" strike="noStrike">
               <a:solidFill>
@@ -7537,7 +7512,7 @@
             </a:endParaRPr>
           </a:p>
           <a:p>
-            <a:pPr lvl="1" marL="744120" indent="-280440">
+            <a:pPr marL="195120" indent="-188640">
               <a:lnSpc>
                 <a:spcPct val="100000"/>
               </a:lnSpc>
@@ -7548,18 +7523,108 @@
                 <a:srgbClr val="008c4f"/>
               </a:buClr>
               <a:buSzPct val="80000"/>
-              <a:buFont typeface="Walbaum Text"/>
-              <a:buChar char="—"/>
-            </a:pPr>
-            <a:r>
-              <a:rPr b="0" lang="en-US" sz="1800" spc="-1" strike="noStrike">
-                <a:solidFill>
-                  <a:srgbClr val="000000"/>
-                </a:solidFill>
-                <a:latin typeface="DejaVu Sans"/>
-                <a:ea typeface="DejaVu Sans"/>
-              </a:rPr>
-              <a:t>Online</a:t>
+              <a:buFont typeface="Wingdings" charset="2"/>
+              <a:buChar char=""/>
+            </a:pPr>
+            <a:r>
+              <a:rPr b="0" lang="en-GB" sz="1800" spc="-1" strike="noStrike">
+                <a:solidFill>
+                  <a:srgbClr val="000000"/>
+                </a:solidFill>
+                <a:latin typeface="DejaVu Sans"/>
+                <a:ea typeface="DejaVu Sans"/>
+              </a:rPr>
+              <a:t>Exercise = learning feedback</a:t>
+            </a:r>
+            <a:endParaRPr b="0" lang="en-GB" sz="1800" spc="-1" strike="noStrike">
+              <a:solidFill>
+                <a:srgbClr val="000000"/>
+              </a:solidFill>
+              <a:latin typeface="Arial"/>
+            </a:endParaRPr>
+          </a:p>
+          <a:p>
+            <a:pPr marL="195120" indent="-188640">
+              <a:lnSpc>
+                <a:spcPct val="100000"/>
+              </a:lnSpc>
+              <a:spcBef>
+                <a:spcPts val="360"/>
+              </a:spcBef>
+              <a:buClr>
+                <a:srgbClr val="008c4f"/>
+              </a:buClr>
+              <a:buSzPct val="80000"/>
+              <a:buFont typeface="Wingdings" charset="2"/>
+              <a:buChar char=""/>
+            </a:pPr>
+            <a:r>
+              <a:rPr b="0" lang="en-GB" sz="1800" spc="-1" strike="noStrike">
+                <a:solidFill>
+                  <a:srgbClr val="000000"/>
+                </a:solidFill>
+                <a:latin typeface="DejaVu Sans"/>
+                <a:ea typeface="DejaVu Sans"/>
+              </a:rPr>
+              <a:t>Practical workshop → You pass the workshop if you score 50% (or more)</a:t>
+            </a:r>
+            <a:endParaRPr b="0" lang="en-GB" sz="1800" spc="-1" strike="noStrike">
+              <a:solidFill>
+                <a:srgbClr val="000000"/>
+              </a:solidFill>
+              <a:latin typeface="Arial"/>
+            </a:endParaRPr>
+          </a:p>
+          <a:p>
+            <a:pPr marL="360" algn="ctr">
+              <a:lnSpc>
+                <a:spcPct val="100000"/>
+              </a:lnSpc>
+              <a:spcBef>
+                <a:spcPts val="360"/>
+              </a:spcBef>
+            </a:pPr>
+            <a:endParaRPr b="0" lang="en-GB" sz="1800" spc="-1" strike="noStrike">
+              <a:solidFill>
+                <a:srgbClr val="000000"/>
+              </a:solidFill>
+              <a:latin typeface="Arial"/>
+            </a:endParaRPr>
+          </a:p>
+          <a:p>
+            <a:pPr marL="360" algn="ctr">
+              <a:lnSpc>
+                <a:spcPct val="100000"/>
+              </a:lnSpc>
+              <a:spcBef>
+                <a:spcPts val="360"/>
+              </a:spcBef>
+            </a:pPr>
+            <a:endParaRPr b="0" lang="en-GB" sz="1800" spc="-1" strike="noStrike">
+              <a:solidFill>
+                <a:srgbClr val="000000"/>
+              </a:solidFill>
+              <a:latin typeface="Arial"/>
+            </a:endParaRPr>
+          </a:p>
+          <a:p>
+            <a:pPr marL="360" algn="ctr">
+              <a:lnSpc>
+                <a:spcPct val="100000"/>
+              </a:lnSpc>
+              <a:spcBef>
+                <a:spcPts val="360"/>
+              </a:spcBef>
+            </a:pPr>
+            <a:r>
+              <a:rPr b="1" lang="en-GB" sz="1800" spc="-1" strike="noStrike">
+                <a:solidFill>
+                  <a:srgbClr val="ffffff"/>
+                </a:solidFill>
+                <a:latin typeface="DejaVu Sans"/>
+                <a:ea typeface="DejaVu Sans"/>
+              </a:rPr>
+              <a:t>More info on points, percentages, etc. follow on the next slides (Examination)</a:t>
             </a:r>
             <a:endParaRPr b="0" lang="en-GB" sz="1800" spc="-1" strike="noStrike">
               <a:solidFill>
@@ -7636,14 +7701,14 @@
               </a:lnSpc>
             </a:pPr>
             <a:r>
-              <a:rPr b="1" lang="en-US" sz="2400" spc="-1" strike="noStrike">
-                <a:solidFill>
-                  <a:srgbClr val="000000"/>
-                </a:solidFill>
-                <a:latin typeface="DejaVu Sans"/>
-                <a:ea typeface="DejaVu Sans"/>
-              </a:rPr>
-              <a:t>Self-Study Star</a:t>
+              <a:rPr b="1" lang="en-GB" sz="2400" spc="-1" strike="noStrike">
+                <a:solidFill>
+                  <a:srgbClr val="000000"/>
+                </a:solidFill>
+                <a:latin typeface="DejaVu Sans"/>
+                <a:ea typeface="DejaVu Sans"/>
+              </a:rPr>
+              <a:t>Examination</a:t>
             </a:r>
             <a:endParaRPr b="0" lang="en-GB" sz="2400" spc="-1" strike="noStrike">
               <a:solidFill>
@@ -7662,7 +7727,7 @@
         </p:nvSpPr>
         <p:spPr>
           <a:xfrm>
-            <a:off x="335520" y="1268280"/>
+            <a:off x="335520" y="1268640"/>
             <a:ext cx="10744200" cy="5031720"/>
           </a:xfrm>
           <a:prstGeom prst="rect">
@@ -7684,26 +7749,13 @@
             <a:noAutofit/>
           </a:bodyPr>
           <a:p>
-            <a:pPr>
+            <a:pPr marL="195120" indent="-188640">
               <a:lnSpc>
                 <a:spcPct val="100000"/>
               </a:lnSpc>
               <a:spcBef>
                 <a:spcPts val="360"/>
               </a:spcBef>
-            </a:pPr>
-            <a:endParaRPr b="0" lang="en-GB" sz="1800" spc="-1" strike="noStrike">
-              <a:solidFill>
-                <a:srgbClr val="000000"/>
-              </a:solidFill>
-              <a:latin typeface="Arial"/>
-            </a:endParaRPr>
-          </a:p>
-          <a:p>
-            <a:pPr marL="195120" indent="-188640">
-              <a:lnSpc>
-                <a:spcPct val="100000"/>
-              </a:lnSpc>
               <a:buClr>
                 <a:srgbClr val="008c4f"/>
               </a:buClr>
@@ -7712,6 +7764,150 @@
               <a:buChar char=""/>
             </a:pPr>
             <a:r>
+              <a:rPr b="0" lang="en-US" sz="1800" spc="-1" strike="noStrike">
+                <a:solidFill>
+                  <a:srgbClr val="000000"/>
+                </a:solidFill>
+                <a:latin typeface="DejaVu Sans"/>
+                <a:ea typeface="DejaVu Sans"/>
+              </a:rPr>
+              <a:t>Prerequisite for admission to the final exam (all criteria have to be fulfilled):</a:t>
+            </a:r>
+            <a:endParaRPr b="0" lang="en-GB" sz="1800" spc="-1" strike="noStrike">
+              <a:solidFill>
+                <a:srgbClr val="000000"/>
+              </a:solidFill>
+              <a:latin typeface="Arial"/>
+            </a:endParaRPr>
+          </a:p>
+          <a:p>
+            <a:pPr lvl="1" marL="744120" indent="-280440">
+              <a:lnSpc>
+                <a:spcPct val="100000"/>
+              </a:lnSpc>
+              <a:spcBef>
+                <a:spcPts val="360"/>
+              </a:spcBef>
+              <a:buClr>
+                <a:srgbClr val="008c4f"/>
+              </a:buClr>
+              <a:buSzPct val="80000"/>
+              <a:buFont typeface="Walbaum Heading"/>
+              <a:buChar char="—"/>
+            </a:pPr>
+            <a:r>
+              <a:rPr b="0" lang="en-US" sz="1800" spc="-1" strike="noStrike">
+                <a:solidFill>
+                  <a:srgbClr val="000000"/>
+                </a:solidFill>
+                <a:latin typeface="DejaVu Sans"/>
+                <a:ea typeface="DejaVu Sans"/>
+              </a:rPr>
+              <a:t>Submit all exercises</a:t>
+            </a:r>
+            <a:endParaRPr b="0" lang="en-GB" sz="1800" spc="-1" strike="noStrike">
+              <a:solidFill>
+                <a:srgbClr val="000000"/>
+              </a:solidFill>
+              <a:latin typeface="Arial"/>
+            </a:endParaRPr>
+          </a:p>
+          <a:p>
+            <a:pPr lvl="1" marL="744120" indent="-280440">
+              <a:lnSpc>
+                <a:spcPct val="100000"/>
+              </a:lnSpc>
+              <a:spcBef>
+                <a:spcPts val="360"/>
+              </a:spcBef>
+              <a:buClr>
+                <a:srgbClr val="008c4f"/>
+              </a:buClr>
+              <a:buSzPct val="80000"/>
+              <a:buFont typeface="Walbaum Heading"/>
+              <a:buChar char="—"/>
+            </a:pPr>
+            <a:r>
+              <a:rPr b="0" lang="en-US" sz="1800" spc="-1" strike="noStrike">
+                <a:solidFill>
+                  <a:srgbClr val="000000"/>
+                </a:solidFill>
+                <a:latin typeface="DejaVu Sans"/>
+                <a:ea typeface="DejaVu Sans"/>
+              </a:rPr>
+              <a:t>Pass the practical workshop</a:t>
+            </a:r>
+            <a:endParaRPr b="0" lang="en-GB" sz="1800" spc="-1" strike="noStrike">
+              <a:solidFill>
+                <a:srgbClr val="000000"/>
+              </a:solidFill>
+              <a:latin typeface="Arial"/>
+            </a:endParaRPr>
+          </a:p>
+          <a:p>
+            <a:pPr>
+              <a:lnSpc>
+                <a:spcPct val="100000"/>
+              </a:lnSpc>
+              <a:spcBef>
+                <a:spcPts val="360"/>
+              </a:spcBef>
+            </a:pPr>
+            <a:endParaRPr b="0" lang="en-GB" sz="1800" spc="-1" strike="noStrike">
+              <a:solidFill>
+                <a:srgbClr val="000000"/>
+              </a:solidFill>
+              <a:latin typeface="Arial"/>
+            </a:endParaRPr>
+          </a:p>
+          <a:p>
+            <a:pPr marL="195120" indent="-188640">
+              <a:lnSpc>
+                <a:spcPct val="100000"/>
+              </a:lnSpc>
+              <a:spcBef>
+                <a:spcPts val="360"/>
+              </a:spcBef>
+              <a:buClr>
+                <a:srgbClr val="008c4f"/>
+              </a:buClr>
+              <a:buSzPct val="80000"/>
+              <a:buFont typeface="Wingdings" charset="2"/>
+              <a:buChar char=""/>
+            </a:pPr>
+            <a:r>
+              <a:rPr b="0" lang="en-US" sz="1800" spc="-1" strike="noStrike">
+                <a:solidFill>
+                  <a:srgbClr val="000000"/>
+                </a:solidFill>
+                <a:latin typeface="DejaVu Sans"/>
+                <a:ea typeface="DejaVu Sans"/>
+              </a:rPr>
+              <a:t>Final exam:</a:t>
+            </a:r>
+            <a:endParaRPr b="0" lang="en-GB" sz="1800" spc="-1" strike="noStrike">
+              <a:solidFill>
+                <a:srgbClr val="000000"/>
+              </a:solidFill>
+              <a:latin typeface="Arial"/>
+            </a:endParaRPr>
+          </a:p>
+          <a:p>
+            <a:pPr lvl="1" marL="744120" indent="-280440">
+              <a:lnSpc>
+                <a:spcPct val="100000"/>
+              </a:lnSpc>
+              <a:spcBef>
+                <a:spcPts val="360"/>
+              </a:spcBef>
+              <a:buClr>
+                <a:srgbClr val="008c4f"/>
+              </a:buClr>
+              <a:buSzPct val="80000"/>
+              <a:buFont typeface="Walbaum Text"/>
+              <a:buChar char="—"/>
+            </a:pPr>
+            <a:r>
               <a:rPr b="0" lang="en-GB" sz="1800" spc="-1" strike="noStrike">
                 <a:solidFill>
                   <a:srgbClr val="000000"/>
@@ -7719,27 +7915,7 @@
                 <a:latin typeface="DejaVu Sans"/>
                 <a:ea typeface="DejaVu Sans"/>
               </a:rPr>
-              <a:t>Slides with the self-study star indicate optional/additional study material that is </a:t>
-            </a:r>
-            <a:r>
-              <a:rPr b="1" lang="en-GB" sz="1800" spc="-1" strike="noStrike">
-                <a:solidFill>
-                  <a:srgbClr val="000000"/>
-                </a:solidFill>
-                <a:latin typeface="DejaVu Sans"/>
-                <a:ea typeface="DejaVu Sans"/>
-              </a:rPr>
-              <a:t>not</a:t>
-            </a:r>
-            <a:r>
-              <a:rPr b="0" lang="en-GB" sz="1800" spc="-1" strike="noStrike">
-                <a:solidFill>
-                  <a:srgbClr val="000000"/>
-                </a:solidFill>
-                <a:latin typeface="DejaVu Sans"/>
-                <a:ea typeface="DejaVu Sans"/>
-              </a:rPr>
-              <a:t> mandatory but could be helpful or interesting</a:t>
+              <a:t>Most likely 23.02.2023</a:t>
             </a:r>
             <a:endParaRPr b="0" lang="en-GB" sz="1800" spc="-1" strike="noStrike">
               <a:solidFill>
@@ -7748,114 +7924,53 @@
               <a:latin typeface="Arial"/>
             </a:endParaRPr>
           </a:p>
-        </p:txBody>
-      </p:sp>
-      <p:sp>
-        <p:nvSpPr>
-          <p:cNvPr id="134" name="CustomShape 3"/>
-          <p:cNvSpPr/>
-          <p:nvPr/>
-        </p:nvSpPr>
-        <p:spPr>
-          <a:xfrm>
-            <a:off x="6285600" y="2132640"/>
-            <a:ext cx="513720" cy="493560"/>
-          </a:xfrm>
-          <a:prstGeom prst="star5">
-            <a:avLst>
-              <a:gd name="adj" fmla="val 19098"/>
-              <a:gd name="hf" fmla="val 105146"/>
-              <a:gd name="vf" fmla="val 110557"/>
-            </a:avLst>
-          </a:prstGeom>
-          <a:solidFill>
-            <a:srgbClr val="92d050"/>
-          </a:solidFill>
-          <a:ln>
-            <a:solidFill>
-              <a:srgbClr val="0d0d0d"/>
-            </a:solidFill>
-          </a:ln>
-        </p:spPr>
-        <p:style>
-          <a:lnRef idx="2">
-            <a:schemeClr val="accent1">
-              <a:shade val="50000"/>
-            </a:schemeClr>
-          </a:lnRef>
-          <a:fillRef idx="1">
-            <a:schemeClr val="accent1"/>
-          </a:fillRef>
-          <a:effectRef idx="0">
-            <a:schemeClr val="accent1"/>
-          </a:effectRef>
-          <a:fontRef idx="minor"/>
-        </p:style>
-        <p:txBody>
-          <a:bodyPr lIns="90000" rIns="90000" tIns="45000" bIns="45000" anchor="t">
-            <a:noAutofit/>
-          </a:bodyPr>
-          <a:p>
-            <a:pPr>
-              <a:lnSpc>
-                <a:spcPct val="100000"/>
-              </a:lnSpc>
-            </a:pPr>
+          <a:p>
+            <a:pPr lvl="1" marL="744120" indent="-280440">
+              <a:lnSpc>
+                <a:spcPct val="100000"/>
+              </a:lnSpc>
+              <a:spcBef>
+                <a:spcPts val="360"/>
+              </a:spcBef>
+              <a:buClr>
+                <a:srgbClr val="008c4f"/>
+              </a:buClr>
+              <a:buSzPct val="80000"/>
+              <a:buFont typeface="Walbaum Text"/>
+              <a:buChar char="—"/>
+            </a:pPr>
+            <a:r>
+              <a:rPr b="0" lang="en-US" sz="1800" spc="-1" strike="noStrike">
+                <a:solidFill>
+                  <a:srgbClr val="000000"/>
+                </a:solidFill>
+                <a:latin typeface="DejaVu Sans"/>
+                <a:ea typeface="DejaVu Sans"/>
+              </a:rPr>
+              <a:t>Oral examination (20min)</a:t>
+            </a:r>
             <a:endParaRPr b="0" lang="en-GB" sz="1800" spc="-1" strike="noStrike">
               <a:solidFill>
                 <a:srgbClr val="000000"/>
               </a:solidFill>
               <a:latin typeface="Arial"/>
-              <a:ea typeface="DejaVu Sans"/>
-            </a:endParaRPr>
-          </a:p>
-        </p:txBody>
-      </p:sp>
-      <p:sp>
-        <p:nvSpPr>
-          <p:cNvPr id="135" name="CustomShape 4"/>
-          <p:cNvSpPr/>
-          <p:nvPr/>
-        </p:nvSpPr>
-        <p:spPr>
-          <a:xfrm>
-            <a:off x="4089960" y="2247480"/>
-            <a:ext cx="2282040" cy="363960"/>
-          </a:xfrm>
-          <a:prstGeom prst="rect">
-            <a:avLst/>
-          </a:prstGeom>
-          <a:noFill/>
-          <a:ln w="0">
-            <a:noFill/>
-          </a:ln>
-        </p:spPr>
-        <p:style>
-          <a:lnRef idx="0"/>
-          <a:fillRef idx="0"/>
-          <a:effectRef idx="0"/>
-          <a:fontRef idx="minor"/>
-        </p:style>
-        <p:txBody>
-          <a:bodyPr lIns="90000" rIns="90000" tIns="45000" bIns="45000" anchor="t">
-            <a:spAutoFit/>
-          </a:bodyPr>
-          <a:p>
-            <a:pPr>
-              <a:lnSpc>
-                <a:spcPct val="100000"/>
-              </a:lnSpc>
-            </a:pPr>
-            <a:r>
-              <a:rPr b="0" lang="de-DE" sz="1800" spc="-1" strike="noStrike">
-                <a:solidFill>
-                  <a:srgbClr val="000000"/>
-                </a:solidFill>
-                <a:latin typeface="DejaVu Sans"/>
-                <a:ea typeface="DejaVu Sans"/>
-              </a:rPr>
-              <a:t>Self-Study Star</a:t>
-            </a:r>
+            </a:endParaRPr>
+          </a:p>
+          <a:p>
+            <a:pPr lvl="1" marL="744120" indent="-280440">
+              <a:lnSpc>
+                <a:spcPct val="100000"/>
+              </a:lnSpc>
+              <a:spcBef>
+                <a:spcPts val="360"/>
+              </a:spcBef>
+              <a:buClr>
+                <a:srgbClr val="008c4f"/>
+              </a:buClr>
+              <a:buSzPct val="80000"/>
+              <a:buFont typeface="Walbaum Text"/>
+              <a:buChar char="—"/>
+            </a:pPr>
             <a:r>
               <a:rPr b="0" lang="en-US" sz="1800" spc="-1" strike="noStrike">
                 <a:solidFill>
@@ -7864,17 +7979,7 @@
                 <a:latin typeface="DejaVu Sans"/>
                 <a:ea typeface="DejaVu Sans"/>
               </a:rPr>
-              <a:t> →</a:t>
-            </a:r>
-            <a:r>
-              <a:rPr b="0" lang="de-DE" sz="1800" spc="-1" strike="noStrike">
-                <a:solidFill>
-                  <a:srgbClr val="000000"/>
-                </a:solidFill>
-                <a:latin typeface="DejaVu Sans"/>
-                <a:ea typeface="DejaVu Sans"/>
-              </a:rPr>
-              <a:t> </a:t>
+              <a:t>Online</a:t>
             </a:r>
             <a:endParaRPr b="0" lang="en-GB" sz="1800" spc="-1" strike="noStrike">
               <a:solidFill>
@@ -7917,7 +8022,7 @@
       </p:grpSpPr>
       <p:sp>
         <p:nvSpPr>
-          <p:cNvPr id="136" name="CustomShape 1"/>
+          <p:cNvPr id="134" name="CustomShape 1"/>
           <p:cNvSpPr/>
           <p:nvPr/>
         </p:nvSpPr>
@@ -7958,7 +8063,7 @@
                 <a:latin typeface="DejaVu Sans"/>
                 <a:ea typeface="DejaVu Sans"/>
               </a:rPr>
-              <a:t>Literature</a:t>
+              <a:t>Self-Study Star</a:t>
             </a:r>
             <a:endParaRPr b="0" lang="en-GB" sz="2400" spc="-1" strike="noStrike">
               <a:solidFill>
@@ -7971,13 +8076,13 @@
       </p:sp>
       <p:sp>
         <p:nvSpPr>
-          <p:cNvPr id="137" name="CustomShape 2"/>
+          <p:cNvPr id="135" name="CustomShape 2"/>
           <p:cNvSpPr/>
           <p:nvPr/>
         </p:nvSpPr>
         <p:spPr>
           <a:xfrm>
-            <a:off x="335520" y="1268640"/>
+            <a:off x="335520" y="1268280"/>
             <a:ext cx="10744200" cy="5031720"/>
           </a:xfrm>
           <a:prstGeom prst="rect">
@@ -7999,13 +8104,26 @@
             <a:noAutofit/>
           </a:bodyPr>
           <a:p>
+            <a:pPr>
+              <a:lnSpc>
+                <a:spcPct val="100000"/>
+              </a:lnSpc>
+              <a:spcBef>
+                <a:spcPts val="360"/>
+              </a:spcBef>
+            </a:pPr>
+            <a:endParaRPr b="0" lang="en-GB" sz="1800" spc="-1" strike="noStrike">
+              <a:solidFill>
+                <a:srgbClr val="000000"/>
+              </a:solidFill>
+              <a:latin typeface="Arial"/>
+            </a:endParaRPr>
+          </a:p>
+          <a:p>
             <a:pPr marL="195120" indent="-188640">
               <a:lnSpc>
                 <a:spcPct val="100000"/>
               </a:lnSpc>
-              <a:spcBef>
-                <a:spcPts val="360"/>
-              </a:spcBef>
               <a:buClr>
                 <a:srgbClr val="008c4f"/>
               </a:buClr>
@@ -8014,6 +8132,151 @@
               <a:buChar char=""/>
             </a:pPr>
             <a:r>
+              <a:rPr b="0" lang="en-GB" sz="1800" spc="-1" strike="noStrike">
+                <a:solidFill>
+                  <a:srgbClr val="000000"/>
+                </a:solidFill>
+                <a:latin typeface="DejaVu Sans"/>
+                <a:ea typeface="DejaVu Sans"/>
+              </a:rPr>
+              <a:t>Slides with the self-study star indicate optional/additional study material that is </a:t>
+            </a:r>
+            <a:r>
+              <a:rPr b="1" lang="en-GB" sz="1800" spc="-1" strike="noStrike">
+                <a:solidFill>
+                  <a:srgbClr val="000000"/>
+                </a:solidFill>
+                <a:latin typeface="DejaVu Sans"/>
+                <a:ea typeface="DejaVu Sans"/>
+              </a:rPr>
+              <a:t>not</a:t>
+            </a:r>
+            <a:r>
+              <a:rPr b="0" lang="en-GB" sz="1800" spc="-1" strike="noStrike">
+                <a:solidFill>
+                  <a:srgbClr val="000000"/>
+                </a:solidFill>
+                <a:latin typeface="DejaVu Sans"/>
+                <a:ea typeface="DejaVu Sans"/>
+              </a:rPr>
+              <a:t> mandatory but could be helpful or interesting</a:t>
+            </a:r>
+            <a:endParaRPr b="0" lang="en-GB" sz="1800" spc="-1" strike="noStrike">
+              <a:solidFill>
+                <a:srgbClr val="000000"/>
+              </a:solidFill>
+              <a:latin typeface="Arial"/>
+            </a:endParaRPr>
+          </a:p>
+        </p:txBody>
+      </p:sp>
+      <p:sp>
+        <p:nvSpPr>
+          <p:cNvPr id="136" name="CustomShape 3"/>
+          <p:cNvSpPr/>
+          <p:nvPr/>
+        </p:nvSpPr>
+        <p:spPr>
+          <a:xfrm>
+            <a:off x="6285600" y="2132640"/>
+            <a:ext cx="513720" cy="493560"/>
+          </a:xfrm>
+          <a:prstGeom prst="star5">
+            <a:avLst>
+              <a:gd name="adj" fmla="val 19098"/>
+              <a:gd name="hf" fmla="val 105146"/>
+              <a:gd name="vf" fmla="val 110557"/>
+            </a:avLst>
+          </a:prstGeom>
+          <a:solidFill>
+            <a:srgbClr val="92d050"/>
+          </a:solidFill>
+          <a:ln>
+            <a:solidFill>
+              <a:srgbClr val="0d0d0d"/>
+            </a:solidFill>
+          </a:ln>
+        </p:spPr>
+        <p:style>
+          <a:lnRef idx="2">
+            <a:schemeClr val="accent1">
+              <a:shade val="50000"/>
+            </a:schemeClr>
+          </a:lnRef>
+          <a:fillRef idx="1">
+            <a:schemeClr val="accent1"/>
+          </a:fillRef>
+          <a:effectRef idx="0">
+            <a:schemeClr val="accent1"/>
+          </a:effectRef>
+          <a:fontRef idx="minor"/>
+        </p:style>
+        <p:txBody>
+          <a:bodyPr lIns="90000" rIns="90000" tIns="45000" bIns="45000" anchor="t">
+            <a:noAutofit/>
+          </a:bodyPr>
+          <a:p>
+            <a:pPr>
+              <a:lnSpc>
+                <a:spcPct val="100000"/>
+              </a:lnSpc>
+            </a:pPr>
+            <a:endParaRPr b="0" lang="en-GB" sz="1800" spc="-1" strike="noStrike">
+              <a:solidFill>
+                <a:srgbClr val="000000"/>
+              </a:solidFill>
+              <a:latin typeface="Arial"/>
+              <a:ea typeface="DejaVu Sans"/>
+            </a:endParaRPr>
+          </a:p>
+        </p:txBody>
+      </p:sp>
+      <p:sp>
+        <p:nvSpPr>
+          <p:cNvPr id="137" name="CustomShape 4"/>
+          <p:cNvSpPr/>
+          <p:nvPr/>
+        </p:nvSpPr>
+        <p:spPr>
+          <a:xfrm>
+            <a:off x="4089960" y="2247480"/>
+            <a:ext cx="2282040" cy="363960"/>
+          </a:xfrm>
+          <a:prstGeom prst="rect">
+            <a:avLst/>
+          </a:prstGeom>
+          <a:noFill/>
+          <a:ln w="0">
+            <a:noFill/>
+          </a:ln>
+        </p:spPr>
+        <p:style>
+          <a:lnRef idx="0"/>
+          <a:fillRef idx="0"/>
+          <a:effectRef idx="0"/>
+          <a:fontRef idx="minor"/>
+        </p:style>
+        <p:txBody>
+          <a:bodyPr lIns="90000" rIns="90000" tIns="45000" bIns="45000" anchor="t">
+            <a:spAutoFit/>
+          </a:bodyPr>
+          <a:p>
+            <a:pPr>
+              <a:lnSpc>
+                <a:spcPct val="100000"/>
+              </a:lnSpc>
+            </a:pPr>
+            <a:r>
+              <a:rPr b="0" lang="de-DE" sz="1800" spc="-1" strike="noStrike">
+                <a:solidFill>
+                  <a:srgbClr val="000000"/>
+                </a:solidFill>
+                <a:latin typeface="DejaVu Sans"/>
+                <a:ea typeface="DejaVu Sans"/>
+              </a:rPr>
+              <a:t>Self-Study Star</a:t>
+            </a:r>
+            <a:r>
               <a:rPr b="0" lang="en-US" sz="1800" spc="-1" strike="noStrike">
                 <a:solidFill>
                   <a:srgbClr val="000000"/>
@@ -8021,303 +8284,17 @@
                 <a:latin typeface="DejaVu Sans"/>
                 <a:ea typeface="DejaVu Sans"/>
               </a:rPr>
-              <a:t>This course is not based on a single book and you </a:t>
-            </a:r>
-            <a:r>
-              <a:rPr b="1" lang="en-US" sz="1800" spc="-1" strike="noStrike">
-                <a:solidFill>
-                  <a:srgbClr val="000000"/>
-                </a:solidFill>
-                <a:latin typeface="DejaVu Sans"/>
-                <a:ea typeface="DejaVu Sans"/>
-              </a:rPr>
-              <a:t>do not</a:t>
-            </a:r>
-            <a:r>
-              <a:rPr b="0" lang="en-US" sz="1800" spc="-1" strike="noStrike">
-                <a:solidFill>
-                  <a:srgbClr val="000000"/>
-                </a:solidFill>
-                <a:latin typeface="DejaVu Sans"/>
-                <a:ea typeface="DejaVu Sans"/>
-              </a:rPr>
-              <a:t> need to buy a book to pass the exam.</a:t>
-            </a:r>
-            <a:endParaRPr b="0" lang="en-GB" sz="1800" spc="-1" strike="noStrike">
-              <a:solidFill>
-                <a:srgbClr val="000000"/>
-              </a:solidFill>
-              <a:latin typeface="Arial"/>
-            </a:endParaRPr>
-          </a:p>
-          <a:p>
-            <a:pPr>
-              <a:lnSpc>
-                <a:spcPct val="100000"/>
-              </a:lnSpc>
-              <a:spcBef>
-                <a:spcPts val="360"/>
-              </a:spcBef>
-            </a:pPr>
-            <a:endParaRPr b="0" lang="en-GB" sz="1800" spc="-1" strike="noStrike">
-              <a:solidFill>
-                <a:srgbClr val="000000"/>
-              </a:solidFill>
-              <a:latin typeface="Arial"/>
-            </a:endParaRPr>
-          </a:p>
-          <a:p>
-            <a:pPr marL="195120" indent="-188640">
-              <a:lnSpc>
-                <a:spcPct val="100000"/>
-              </a:lnSpc>
-              <a:spcBef>
-                <a:spcPts val="360"/>
-              </a:spcBef>
-              <a:buClr>
-                <a:srgbClr val="008c4f"/>
-              </a:buClr>
-              <a:buSzPct val="80000"/>
-              <a:buFont typeface="Wingdings" charset="2"/>
-              <a:buChar char=""/>
-            </a:pPr>
-            <a:r>
-              <a:rPr b="0" lang="en-US" sz="1800" spc="-1" strike="noStrike">
-                <a:solidFill>
-                  <a:srgbClr val="000000"/>
-                </a:solidFill>
-                <a:latin typeface="DejaVu Sans"/>
-                <a:ea typeface="DejaVu Sans"/>
-              </a:rPr>
-              <a:t>Donella H. Meadows, Jorgen Randers, and Dennis L. Meadows. </a:t>
-            </a:r>
-            <a:r>
-              <a:rPr b="0" i="1" lang="en-US" sz="1800" spc="-1" strike="noStrike">
-                <a:solidFill>
-                  <a:srgbClr val="000000"/>
-                </a:solidFill>
-                <a:latin typeface="DejaVu Sans"/>
-                <a:ea typeface="DejaVu Sans"/>
-              </a:rPr>
-              <a:t>The Limits to Growth</a:t>
-            </a:r>
-            <a:r>
-              <a:rPr b="0" lang="en-US" sz="1800" spc="-1" strike="noStrike">
-                <a:solidFill>
-                  <a:srgbClr val="000000"/>
-                </a:solidFill>
-                <a:latin typeface="DejaVu Sans"/>
-                <a:ea typeface="DejaVu Sans"/>
-              </a:rPr>
-              <a:t> (1972).</a:t>
-            </a:r>
-            <a:endParaRPr b="0" lang="en-GB" sz="1800" spc="-1" strike="noStrike">
-              <a:solidFill>
-                <a:srgbClr val="000000"/>
-              </a:solidFill>
-              <a:latin typeface="Arial"/>
-            </a:endParaRPr>
-          </a:p>
-          <a:p>
-            <a:pPr marL="195120" indent="-188640">
-              <a:lnSpc>
-                <a:spcPct val="100000"/>
-              </a:lnSpc>
-              <a:spcBef>
-                <a:spcPts val="360"/>
-              </a:spcBef>
-              <a:buClr>
-                <a:srgbClr val="008c4f"/>
-              </a:buClr>
-              <a:buSzPct val="80000"/>
-              <a:buFont typeface="Wingdings" charset="2"/>
-              <a:buChar char=""/>
-            </a:pPr>
-            <a:r>
-              <a:rPr b="0" lang="en-US" sz="1800" spc="-1" strike="noStrike">
-                <a:solidFill>
-                  <a:srgbClr val="000000"/>
-                </a:solidFill>
-                <a:latin typeface="DejaVu Sans"/>
-                <a:ea typeface="DejaVu Sans"/>
-              </a:rPr>
-              <a:t>Donella H. Meadows, Jorgen Randers, and Dennis L. Meadows. </a:t>
-            </a:r>
-            <a:r>
-              <a:rPr b="0" i="1" lang="en-US" sz="1800" spc="-1" strike="noStrike">
-                <a:solidFill>
-                  <a:srgbClr val="000000"/>
-                </a:solidFill>
-                <a:latin typeface="DejaVu Sans"/>
-                <a:ea typeface="DejaVu Sans"/>
-              </a:rPr>
-              <a:t>Limits To Growth: The 30-Year Update</a:t>
-            </a:r>
-            <a:r>
-              <a:rPr b="0" lang="en-US" sz="1800" spc="-1" strike="noStrike">
-                <a:solidFill>
-                  <a:srgbClr val="000000"/>
-                </a:solidFill>
-                <a:latin typeface="DejaVu Sans"/>
-                <a:ea typeface="DejaVu Sans"/>
-              </a:rPr>
-              <a:t> (2004).</a:t>
-            </a:r>
-            <a:endParaRPr b="0" lang="en-GB" sz="1800" spc="-1" strike="noStrike">
-              <a:solidFill>
-                <a:srgbClr val="000000"/>
-              </a:solidFill>
-              <a:latin typeface="Arial"/>
-            </a:endParaRPr>
-          </a:p>
-          <a:p>
-            <a:pPr marL="195120" indent="-188640">
-              <a:lnSpc>
-                <a:spcPct val="100000"/>
-              </a:lnSpc>
-              <a:spcBef>
-                <a:spcPts val="360"/>
-              </a:spcBef>
-              <a:buClr>
-                <a:srgbClr val="008c4f"/>
-              </a:buClr>
-              <a:buSzPct val="80000"/>
-              <a:buFont typeface="Wingdings" charset="2"/>
-              <a:buChar char=""/>
-            </a:pPr>
-            <a:r>
-              <a:rPr b="0" lang="en-US" sz="1800" spc="-1" strike="noStrike">
-                <a:solidFill>
-                  <a:srgbClr val="000000"/>
-                </a:solidFill>
-                <a:latin typeface="DejaVu Sans"/>
-                <a:ea typeface="DejaVu Sans"/>
-              </a:rPr>
-              <a:t>Baccini et al. </a:t>
-            </a:r>
-            <a:r>
-              <a:rPr b="0" i="1" lang="en-US" sz="1800" spc="-1" strike="noStrike">
-                <a:solidFill>
-                  <a:srgbClr val="000000"/>
-                </a:solidFill>
-                <a:latin typeface="DejaVu Sans"/>
-                <a:ea typeface="DejaVu Sans"/>
-              </a:rPr>
-              <a:t>Metabolism of the Anthroposphere: Analysis, Evaluation, Design </a:t>
-            </a:r>
-            <a:r>
-              <a:rPr b="0" lang="en-US" sz="1800" spc="-1" strike="noStrike">
-                <a:solidFill>
-                  <a:srgbClr val="000000"/>
-                </a:solidFill>
-                <a:latin typeface="DejaVu Sans"/>
-                <a:ea typeface="DejaVu Sans"/>
-              </a:rPr>
-              <a:t>(2012).</a:t>
-            </a:r>
-            <a:endParaRPr b="0" lang="en-GB" sz="1800" spc="-1" strike="noStrike">
-              <a:solidFill>
-                <a:srgbClr val="000000"/>
-              </a:solidFill>
-              <a:latin typeface="Arial"/>
-            </a:endParaRPr>
-          </a:p>
-          <a:p>
-            <a:pPr marL="195120" indent="-188640">
-              <a:lnSpc>
-                <a:spcPct val="100000"/>
-              </a:lnSpc>
-              <a:spcBef>
-                <a:spcPts val="360"/>
-              </a:spcBef>
-              <a:buClr>
-                <a:srgbClr val="008c4f"/>
-              </a:buClr>
-              <a:buSzPct val="80000"/>
-              <a:buFont typeface="Wingdings" charset="2"/>
-              <a:buChar char=""/>
-            </a:pPr>
-            <a:r>
-              <a:rPr b="0" lang="en-US" sz="1800" spc="-1" strike="noStrike">
-                <a:solidFill>
-                  <a:srgbClr val="000000"/>
-                </a:solidFill>
-                <a:latin typeface="DejaVu Sans"/>
-                <a:ea typeface="DejaVu Sans"/>
-              </a:rPr>
-              <a:t>Walter R. Stahel. </a:t>
-            </a:r>
-            <a:r>
-              <a:rPr b="0" i="1" lang="en-US" sz="1800" spc="-1" strike="noStrike">
-                <a:solidFill>
-                  <a:srgbClr val="000000"/>
-                </a:solidFill>
-                <a:latin typeface="DejaVu Sans"/>
-                <a:ea typeface="DejaVu Sans"/>
-              </a:rPr>
-              <a:t>The Circular Economy: A User's Guide</a:t>
-            </a:r>
-            <a:r>
-              <a:rPr b="0" lang="en-US" sz="1800" spc="-1" strike="noStrike">
-                <a:solidFill>
-                  <a:srgbClr val="000000"/>
-                </a:solidFill>
-                <a:latin typeface="DejaVu Sans"/>
-                <a:ea typeface="DejaVu Sans"/>
-              </a:rPr>
-              <a:t> (2019).</a:t>
-            </a:r>
-            <a:endParaRPr b="0" lang="en-GB" sz="1800" spc="-1" strike="noStrike">
-              <a:solidFill>
-                <a:srgbClr val="000000"/>
-              </a:solidFill>
-              <a:latin typeface="Arial"/>
-            </a:endParaRPr>
-          </a:p>
-          <a:p>
-            <a:pPr marL="195120" indent="-188640">
-              <a:lnSpc>
-                <a:spcPct val="100000"/>
-              </a:lnSpc>
-              <a:spcBef>
-                <a:spcPts val="360"/>
-              </a:spcBef>
-              <a:buClr>
-                <a:srgbClr val="008c4f"/>
-              </a:buClr>
-              <a:buSzPct val="80000"/>
-              <a:buFont typeface="Wingdings" charset="2"/>
-              <a:buChar char=""/>
-            </a:pPr>
-            <a:r>
-              <a:rPr b="0" lang="en-US" sz="1800" spc="-1" strike="noStrike">
-                <a:solidFill>
-                  <a:srgbClr val="000000"/>
-                </a:solidFill>
-                <a:latin typeface="DejaVu Sans"/>
-                <a:ea typeface="DejaVu Sans"/>
-              </a:rPr>
-              <a:t>W. Brian Arthur. </a:t>
-            </a:r>
-            <a:r>
-              <a:rPr b="0" i="1" lang="en-US" sz="1800" spc="-1" strike="noStrike">
-                <a:solidFill>
-                  <a:srgbClr val="000000"/>
-                </a:solidFill>
-                <a:latin typeface="DejaVu Sans"/>
-                <a:ea typeface="DejaVu Sans"/>
-              </a:rPr>
-              <a:t>The Nature of Technology: What It Is and How it Evolves</a:t>
-            </a:r>
-            <a:r>
-              <a:rPr b="0" lang="en-US" sz="1800" spc="-1" strike="noStrike">
-                <a:solidFill>
-                  <a:srgbClr val="000000"/>
-                </a:solidFill>
-                <a:latin typeface="DejaVu Sans"/>
-                <a:ea typeface="DejaVu Sans"/>
-              </a:rPr>
-              <a:t> (2011)</a:t>
+              <a:t> →</a:t>
+            </a:r>
+            <a:r>
+              <a:rPr b="0" lang="de-DE" sz="1800" spc="-1" strike="noStrike">
+                <a:solidFill>
+                  <a:srgbClr val="000000"/>
+                </a:solidFill>
+                <a:latin typeface="DejaVu Sans"/>
+                <a:ea typeface="DejaVu Sans"/>
+              </a:rPr>
+              <a:t> </a:t>
             </a:r>
             <a:endParaRPr b="0" lang="en-GB" sz="1800" spc="-1" strike="noStrike">
               <a:solidFill>
@@ -8360,14 +8337,14 @@
       </p:grpSpPr>
       <p:sp>
         <p:nvSpPr>
-          <p:cNvPr id="138" name="CustomShape 9"/>
+          <p:cNvPr id="138" name="CustomShape 1"/>
           <p:cNvSpPr/>
           <p:nvPr/>
         </p:nvSpPr>
         <p:spPr>
           <a:xfrm>
             <a:off x="335520" y="764640"/>
-            <a:ext cx="10742400" cy="493200"/>
+            <a:ext cx="10744200" cy="495000"/>
           </a:xfrm>
           <a:prstGeom prst="rect">
             <a:avLst/>
@@ -8394,7 +8371,7 @@
               </a:lnSpc>
             </a:pPr>
             <a:r>
-              <a:rPr b="1" lang="de-DE" sz="2400" spc="-1" strike="noStrike">
+              <a:rPr b="1" lang="en-US" sz="2400" spc="-1" strike="noStrike">
                 <a:solidFill>
                   <a:srgbClr val="000000"/>
                 </a:solidFill>
@@ -8414,14 +8391,14 @@
       </p:sp>
       <p:sp>
         <p:nvSpPr>
-          <p:cNvPr id="139" name="CustomShape 10"/>
+          <p:cNvPr id="139" name="CustomShape 2"/>
           <p:cNvSpPr/>
           <p:nvPr/>
         </p:nvSpPr>
         <p:spPr>
           <a:xfrm>
             <a:off x="335520" y="1268640"/>
-            <a:ext cx="10742400" cy="5029920"/>
+            <a:ext cx="10744200" cy="5031720"/>
           </a:xfrm>
           <a:prstGeom prst="rect">
             <a:avLst/>
@@ -8442,23 +8419,7 @@
             <a:noAutofit/>
           </a:bodyPr>
           <a:p>
-            <a:pPr>
-              <a:lnSpc>
-                <a:spcPct val="100000"/>
-              </a:lnSpc>
-              <a:spcBef>
-                <a:spcPts val="360"/>
-              </a:spcBef>
-            </a:pPr>
-            <a:endParaRPr b="0" lang="en-GB" sz="1800" spc="-1" strike="noStrike">
-              <a:solidFill>
-                <a:srgbClr val="000000"/>
-              </a:solidFill>
-              <a:latin typeface="Arial"/>
-            </a:endParaRPr>
-          </a:p>
-          <a:p>
-            <a:pPr marL="195120" indent="-189720">
+            <a:pPr marL="195120" indent="-188640">
               <a:lnSpc>
                 <a:spcPct val="100000"/>
               </a:lnSpc>
@@ -8468,19 +8429,39 @@
               <a:buClr>
                 <a:srgbClr val="008c4f"/>
               </a:buClr>
-              <a:buSzPct val="115000"/>
+              <a:buSzPct val="80000"/>
               <a:buFont typeface="Wingdings" charset="2"/>
               <a:buChar char=""/>
             </a:pPr>
             <a:r>
-              <a:rPr b="0" lang="de-DE" sz="1800" spc="-1" strike="noStrike">
-                <a:solidFill>
-                  <a:srgbClr val="000000"/>
-                </a:solidFill>
-                <a:latin typeface="DejaVu Sans"/>
-                <a:ea typeface="DejaVu Sans"/>
-              </a:rPr>
-              <a:t>Perry Lea. Internet of Things for Architects: Architecting IoT solutions by implementing sensors, communication infrastructure, edge computing, analytics, and security (2018).</a:t>
+              <a:rPr b="0" lang="en-US" sz="1800" spc="-1" strike="noStrike">
+                <a:solidFill>
+                  <a:srgbClr val="000000"/>
+                </a:solidFill>
+                <a:latin typeface="DejaVu Sans"/>
+                <a:ea typeface="DejaVu Sans"/>
+              </a:rPr>
+              <a:t>This course is not based on a single book and you </a:t>
+            </a:r>
+            <a:r>
+              <a:rPr b="1" lang="en-US" sz="1800" spc="-1" strike="noStrike">
+                <a:solidFill>
+                  <a:srgbClr val="000000"/>
+                </a:solidFill>
+                <a:latin typeface="DejaVu Sans"/>
+                <a:ea typeface="DejaVu Sans"/>
+              </a:rPr>
+              <a:t>do not</a:t>
+            </a:r>
+            <a:r>
+              <a:rPr b="0" lang="en-US" sz="1800" spc="-1" strike="noStrike">
+                <a:solidFill>
+                  <a:srgbClr val="000000"/>
+                </a:solidFill>
+                <a:latin typeface="DejaVu Sans"/>
+                <a:ea typeface="DejaVu Sans"/>
+              </a:rPr>
+              <a:t> need to buy a book to pass the exam.</a:t>
             </a:r>
             <a:endParaRPr b="0" lang="en-GB" sz="1800" spc="-1" strike="noStrike">
               <a:solidFill>
@@ -8490,7 +8471,23 @@
             </a:endParaRPr>
           </a:p>
           <a:p>
-            <a:pPr marL="195120" indent="-189720">
+            <a:pPr>
+              <a:lnSpc>
+                <a:spcPct val="100000"/>
+              </a:lnSpc>
+              <a:spcBef>
+                <a:spcPts val="360"/>
+              </a:spcBef>
+            </a:pPr>
+            <a:endParaRPr b="0" lang="en-GB" sz="1800" spc="-1" strike="noStrike">
+              <a:solidFill>
+                <a:srgbClr val="000000"/>
+              </a:solidFill>
+              <a:latin typeface="Arial"/>
+            </a:endParaRPr>
+          </a:p>
+          <a:p>
+            <a:pPr marL="195120" indent="-188640">
               <a:lnSpc>
                 <a:spcPct val="100000"/>
               </a:lnSpc>
@@ -8500,39 +8497,39 @@
               <a:buClr>
                 <a:srgbClr val="008c4f"/>
               </a:buClr>
-              <a:buSzPct val="115000"/>
+              <a:buSzPct val="80000"/>
               <a:buFont typeface="Wingdings" charset="2"/>
               <a:buChar char=""/>
             </a:pPr>
             <a:r>
-              <a:rPr b="0" lang="de-DE" sz="1800" spc="-1" strike="noStrike">
-                <a:solidFill>
-                  <a:srgbClr val="000000"/>
-                </a:solidFill>
-                <a:latin typeface="DejaVu Sans"/>
-                <a:ea typeface="DejaVu Sans"/>
-              </a:rPr>
-              <a:t>M.A. Khan, M.T. Quasim, F. Algarni, A. Alharthi. </a:t>
-            </a:r>
-            <a:r>
-              <a:rPr b="0" i="1" lang="de-DE" sz="1800" spc="-1" strike="noStrike">
-                <a:solidFill>
-                  <a:srgbClr val="000000"/>
-                </a:solidFill>
-                <a:latin typeface="DejaVu Sans"/>
-                <a:ea typeface="DejaVu Sans"/>
-              </a:rPr>
-              <a:t>Decentralised Internet of Things</a:t>
-            </a:r>
-            <a:r>
-              <a:rPr b="0" lang="de-DE" sz="1800" spc="-1" strike="noStrike">
-                <a:solidFill>
-                  <a:srgbClr val="000000"/>
-                </a:solidFill>
-                <a:latin typeface="DejaVu Sans"/>
-                <a:ea typeface="DejaVu Sans"/>
-              </a:rPr>
-              <a:t> (2020).</a:t>
+              <a:rPr b="0" lang="en-US" sz="1800" spc="-1" strike="noStrike">
+                <a:solidFill>
+                  <a:srgbClr val="000000"/>
+                </a:solidFill>
+                <a:latin typeface="DejaVu Sans"/>
+                <a:ea typeface="DejaVu Sans"/>
+              </a:rPr>
+              <a:t>Donella H. Meadows, Jorgen Randers, and Dennis L. Meadows. </a:t>
+            </a:r>
+            <a:r>
+              <a:rPr b="0" i="1" lang="en-US" sz="1800" spc="-1" strike="noStrike">
+                <a:solidFill>
+                  <a:srgbClr val="000000"/>
+                </a:solidFill>
+                <a:latin typeface="DejaVu Sans"/>
+                <a:ea typeface="DejaVu Sans"/>
+              </a:rPr>
+              <a:t>The Limits to Growth</a:t>
+            </a:r>
+            <a:r>
+              <a:rPr b="0" lang="en-US" sz="1800" spc="-1" strike="noStrike">
+                <a:solidFill>
+                  <a:srgbClr val="000000"/>
+                </a:solidFill>
+                <a:latin typeface="DejaVu Sans"/>
+                <a:ea typeface="DejaVu Sans"/>
+              </a:rPr>
+              <a:t> (1972).</a:t>
             </a:r>
             <a:endParaRPr b="0" lang="en-GB" sz="1800" spc="-1" strike="noStrike">
               <a:solidFill>
@@ -8542,7 +8539,7 @@
             </a:endParaRPr>
           </a:p>
           <a:p>
-            <a:pPr marL="195120" indent="-189720">
+            <a:pPr marL="195120" indent="-188640">
               <a:lnSpc>
                 <a:spcPct val="100000"/>
               </a:lnSpc>
@@ -8552,39 +8549,195 @@
               <a:buClr>
                 <a:srgbClr val="008c4f"/>
               </a:buClr>
-              <a:buSzPct val="115000"/>
+              <a:buSzPct val="80000"/>
               <a:buFont typeface="Wingdings" charset="2"/>
               <a:buChar char=""/>
             </a:pPr>
             <a:r>
-              <a:rPr b="0" lang="de-DE" sz="1800" spc="-1" strike="noStrike">
-                <a:solidFill>
-                  <a:srgbClr val="000000"/>
-                </a:solidFill>
-                <a:latin typeface="DejaVu Sans"/>
-                <a:ea typeface="DejaVu Sans"/>
-              </a:rPr>
-              <a:t>Dimitrios Serpanos und Marilyn Claire Wolf. </a:t>
-            </a:r>
-            <a:r>
-              <a:rPr b="0" i="1" lang="de-DE" sz="1800" spc="-1" strike="noStrike">
-                <a:solidFill>
-                  <a:srgbClr val="000000"/>
-                </a:solidFill>
-                <a:latin typeface="DejaVu Sans"/>
-                <a:ea typeface="DejaVu Sans"/>
-              </a:rPr>
-              <a:t>Internet-of-Things (IoT) Systems Architectures, Algorithms, Methodologies</a:t>
-            </a:r>
-            <a:r>
-              <a:rPr b="0" lang="de-DE" sz="1800" spc="-1" strike="noStrike">
-                <a:solidFill>
-                  <a:srgbClr val="000000"/>
-                </a:solidFill>
-                <a:latin typeface="DejaVu Sans"/>
-                <a:ea typeface="DejaVu Sans"/>
-              </a:rPr>
-              <a:t> (2018).</a:t>
+              <a:rPr b="0" lang="en-US" sz="1800" spc="-1" strike="noStrike">
+                <a:solidFill>
+                  <a:srgbClr val="000000"/>
+                </a:solidFill>
+                <a:latin typeface="DejaVu Sans"/>
+                <a:ea typeface="DejaVu Sans"/>
+              </a:rPr>
+              <a:t>Donella H. Meadows, Jorgen Randers, and Dennis L. Meadows. </a:t>
+            </a:r>
+            <a:r>
+              <a:rPr b="0" i="1" lang="en-US" sz="1800" spc="-1" strike="noStrike">
+                <a:solidFill>
+                  <a:srgbClr val="000000"/>
+                </a:solidFill>
+                <a:latin typeface="DejaVu Sans"/>
+                <a:ea typeface="DejaVu Sans"/>
+              </a:rPr>
+              <a:t>Limits To Growth: The 30-Year Update</a:t>
+            </a:r>
+            <a:r>
+              <a:rPr b="0" lang="en-US" sz="1800" spc="-1" strike="noStrike">
+                <a:solidFill>
+                  <a:srgbClr val="000000"/>
+                </a:solidFill>
+                <a:latin typeface="DejaVu Sans"/>
+                <a:ea typeface="DejaVu Sans"/>
+              </a:rPr>
+              <a:t> (2004).</a:t>
+            </a:r>
+            <a:endParaRPr b="0" lang="en-GB" sz="1800" spc="-1" strike="noStrike">
+              <a:solidFill>
+                <a:srgbClr val="000000"/>
+              </a:solidFill>
+              <a:latin typeface="Arial"/>
+            </a:endParaRPr>
+          </a:p>
+          <a:p>
+            <a:pPr marL="195120" indent="-188640">
+              <a:lnSpc>
+                <a:spcPct val="100000"/>
+              </a:lnSpc>
+              <a:spcBef>
+                <a:spcPts val="360"/>
+              </a:spcBef>
+              <a:buClr>
+                <a:srgbClr val="008c4f"/>
+              </a:buClr>
+              <a:buSzPct val="80000"/>
+              <a:buFont typeface="Wingdings" charset="2"/>
+              <a:buChar char=""/>
+            </a:pPr>
+            <a:r>
+              <a:rPr b="0" lang="en-US" sz="1800" spc="-1" strike="noStrike">
+                <a:solidFill>
+                  <a:srgbClr val="000000"/>
+                </a:solidFill>
+                <a:latin typeface="DejaVu Sans"/>
+                <a:ea typeface="DejaVu Sans"/>
+              </a:rPr>
+              <a:t>Baccini et al. </a:t>
+            </a:r>
+            <a:r>
+              <a:rPr b="0" i="1" lang="en-US" sz="1800" spc="-1" strike="noStrike">
+                <a:solidFill>
+                  <a:srgbClr val="000000"/>
+                </a:solidFill>
+                <a:latin typeface="DejaVu Sans"/>
+                <a:ea typeface="DejaVu Sans"/>
+              </a:rPr>
+              <a:t>Metabolism of the Anthroposphere: Analysis, Evaluation, Design </a:t>
+            </a:r>
+            <a:r>
+              <a:rPr b="0" lang="en-US" sz="1800" spc="-1" strike="noStrike">
+                <a:solidFill>
+                  <a:srgbClr val="000000"/>
+                </a:solidFill>
+                <a:latin typeface="DejaVu Sans"/>
+                <a:ea typeface="DejaVu Sans"/>
+              </a:rPr>
+              <a:t>(2012).</a:t>
+            </a:r>
+            <a:endParaRPr b="0" lang="en-GB" sz="1800" spc="-1" strike="noStrike">
+              <a:solidFill>
+                <a:srgbClr val="000000"/>
+              </a:solidFill>
+              <a:latin typeface="Arial"/>
+            </a:endParaRPr>
+          </a:p>
+          <a:p>
+            <a:pPr marL="195120" indent="-188640">
+              <a:lnSpc>
+                <a:spcPct val="100000"/>
+              </a:lnSpc>
+              <a:spcBef>
+                <a:spcPts val="360"/>
+              </a:spcBef>
+              <a:buClr>
+                <a:srgbClr val="008c4f"/>
+              </a:buClr>
+              <a:buSzPct val="80000"/>
+              <a:buFont typeface="Wingdings" charset="2"/>
+              <a:buChar char=""/>
+            </a:pPr>
+            <a:r>
+              <a:rPr b="0" lang="en-US" sz="1800" spc="-1" strike="noStrike">
+                <a:solidFill>
+                  <a:srgbClr val="000000"/>
+                </a:solidFill>
+                <a:latin typeface="DejaVu Sans"/>
+                <a:ea typeface="DejaVu Sans"/>
+              </a:rPr>
+              <a:t>Walter R. Stahel. </a:t>
+            </a:r>
+            <a:r>
+              <a:rPr b="0" i="1" lang="en-US" sz="1800" spc="-1" strike="noStrike">
+                <a:solidFill>
+                  <a:srgbClr val="000000"/>
+                </a:solidFill>
+                <a:latin typeface="DejaVu Sans"/>
+                <a:ea typeface="DejaVu Sans"/>
+              </a:rPr>
+              <a:t>The Circular Economy: A User's Guide</a:t>
+            </a:r>
+            <a:r>
+              <a:rPr b="0" lang="en-US" sz="1800" spc="-1" strike="noStrike">
+                <a:solidFill>
+                  <a:srgbClr val="000000"/>
+                </a:solidFill>
+                <a:latin typeface="DejaVu Sans"/>
+                <a:ea typeface="DejaVu Sans"/>
+              </a:rPr>
+              <a:t> (2019).</a:t>
+            </a:r>
+            <a:endParaRPr b="0" lang="en-GB" sz="1800" spc="-1" strike="noStrike">
+              <a:solidFill>
+                <a:srgbClr val="000000"/>
+              </a:solidFill>
+              <a:latin typeface="Arial"/>
+            </a:endParaRPr>
+          </a:p>
+          <a:p>
+            <a:pPr marL="195120" indent="-188640">
+              <a:lnSpc>
+                <a:spcPct val="100000"/>
+              </a:lnSpc>
+              <a:spcBef>
+                <a:spcPts val="360"/>
+              </a:spcBef>
+              <a:buClr>
+                <a:srgbClr val="008c4f"/>
+              </a:buClr>
+              <a:buSzPct val="80000"/>
+              <a:buFont typeface="Wingdings" charset="2"/>
+              <a:buChar char=""/>
+            </a:pPr>
+            <a:r>
+              <a:rPr b="0" lang="en-US" sz="1800" spc="-1" strike="noStrike">
+                <a:solidFill>
+                  <a:srgbClr val="000000"/>
+                </a:solidFill>
+                <a:latin typeface="DejaVu Sans"/>
+                <a:ea typeface="DejaVu Sans"/>
+              </a:rPr>
+              <a:t>W. Brian Arthur. </a:t>
+            </a:r>
+            <a:r>
+              <a:rPr b="0" i="1" lang="en-US" sz="1800" spc="-1" strike="noStrike">
+                <a:solidFill>
+                  <a:srgbClr val="000000"/>
+                </a:solidFill>
+                <a:latin typeface="DejaVu Sans"/>
+                <a:ea typeface="DejaVu Sans"/>
+              </a:rPr>
+              <a:t>The Nature of Technology: What It Is and How it Evolves</a:t>
+            </a:r>
+            <a:r>
+              <a:rPr b="0" lang="en-US" sz="1800" spc="-1" strike="noStrike">
+                <a:solidFill>
+                  <a:srgbClr val="000000"/>
+                </a:solidFill>
+                <a:latin typeface="DejaVu Sans"/>
+                <a:ea typeface="DejaVu Sans"/>
+              </a:rPr>
+              <a:t> (2011)</a:t>
             </a:r>
             <a:endParaRPr b="0" lang="en-GB" sz="1800" spc="-1" strike="noStrike">
               <a:solidFill>
@@ -8627,14 +8780,14 @@
       </p:grpSpPr>
       <p:sp>
         <p:nvSpPr>
-          <p:cNvPr id="140" name="CustomShape 1"/>
+          <p:cNvPr id="140" name="CustomShape 9"/>
           <p:cNvSpPr/>
           <p:nvPr/>
         </p:nvSpPr>
         <p:spPr>
           <a:xfrm>
-            <a:off x="335520" y="1268640"/>
-            <a:ext cx="10744200" cy="5031720"/>
+            <a:off x="335520" y="764640"/>
+            <a:ext cx="10742400" cy="493200"/>
           </a:xfrm>
           <a:prstGeom prst="rect">
             <a:avLst/>
@@ -8651,6 +8804,273 @@
           <a:fontRef idx="minor"/>
         </p:style>
         <p:txBody>
+          <a:bodyPr lIns="90000" rIns="90000" tIns="45000" bIns="45000" anchor="t">
+            <a:noAutofit/>
+          </a:bodyPr>
+          <a:p>
+            <a:pPr>
+              <a:lnSpc>
+                <a:spcPct val="100000"/>
+              </a:lnSpc>
+            </a:pPr>
+            <a:r>
+              <a:rPr b="1" lang="de-DE" sz="2400" spc="-1" strike="noStrike">
+                <a:solidFill>
+                  <a:srgbClr val="000000"/>
+                </a:solidFill>
+                <a:latin typeface="DejaVu Sans"/>
+                <a:ea typeface="DejaVu Sans"/>
+              </a:rPr>
+              <a:t>Literature</a:t>
+            </a:r>
+            <a:endParaRPr b="0" lang="en-GB" sz="2400" spc="-1" strike="noStrike">
+              <a:solidFill>
+                <a:srgbClr val="000000"/>
+              </a:solidFill>
+              <a:latin typeface="Arial"/>
+            </a:endParaRPr>
+          </a:p>
+        </p:txBody>
+      </p:sp>
+      <p:sp>
+        <p:nvSpPr>
+          <p:cNvPr id="141" name="CustomShape 10"/>
+          <p:cNvSpPr/>
+          <p:nvPr/>
+        </p:nvSpPr>
+        <p:spPr>
+          <a:xfrm>
+            <a:off x="335520" y="1268640"/>
+            <a:ext cx="10742400" cy="5029920"/>
+          </a:xfrm>
+          <a:prstGeom prst="rect">
+            <a:avLst/>
+          </a:prstGeom>
+          <a:noFill/>
+          <a:ln w="0">
+            <a:noFill/>
+          </a:ln>
+        </p:spPr>
+        <p:style>
+          <a:lnRef idx="0"/>
+          <a:fillRef idx="0"/>
+          <a:effectRef idx="0"/>
+          <a:fontRef idx="minor"/>
+        </p:style>
+        <p:txBody>
+          <a:bodyPr lIns="90000" rIns="90000" tIns="45000" bIns="45000" anchor="ctr">
+            <a:noAutofit/>
+          </a:bodyPr>
+          <a:p>
+            <a:pPr>
+              <a:lnSpc>
+                <a:spcPct val="100000"/>
+              </a:lnSpc>
+              <a:spcBef>
+                <a:spcPts val="360"/>
+              </a:spcBef>
+            </a:pPr>
+            <a:endParaRPr b="0" lang="en-GB" sz="1800" spc="-1" strike="noStrike">
+              <a:solidFill>
+                <a:srgbClr val="000000"/>
+              </a:solidFill>
+              <a:latin typeface="Arial"/>
+            </a:endParaRPr>
+          </a:p>
+          <a:p>
+            <a:pPr marL="195120" indent="-189720">
+              <a:lnSpc>
+                <a:spcPct val="100000"/>
+              </a:lnSpc>
+              <a:spcBef>
+                <a:spcPts val="360"/>
+              </a:spcBef>
+              <a:buClr>
+                <a:srgbClr val="008c4f"/>
+              </a:buClr>
+              <a:buSzPct val="115000"/>
+              <a:buFont typeface="Wingdings" charset="2"/>
+              <a:buChar char=""/>
+            </a:pPr>
+            <a:r>
+              <a:rPr b="0" lang="de-DE" sz="1800" spc="-1" strike="noStrike">
+                <a:solidFill>
+                  <a:srgbClr val="000000"/>
+                </a:solidFill>
+                <a:latin typeface="DejaVu Sans"/>
+                <a:ea typeface="DejaVu Sans"/>
+              </a:rPr>
+              <a:t>Perry Lea. Internet of Things for Architects: Architecting IoT solutions by implementing sensors, communication infrastructure, edge computing, analytics, and security (2018).</a:t>
+            </a:r>
+            <a:endParaRPr b="0" lang="en-GB" sz="1800" spc="-1" strike="noStrike">
+              <a:solidFill>
+                <a:srgbClr val="000000"/>
+              </a:solidFill>
+              <a:latin typeface="Arial"/>
+            </a:endParaRPr>
+          </a:p>
+          <a:p>
+            <a:pPr marL="195120" indent="-189720">
+              <a:lnSpc>
+                <a:spcPct val="100000"/>
+              </a:lnSpc>
+              <a:spcBef>
+                <a:spcPts val="360"/>
+              </a:spcBef>
+              <a:buClr>
+                <a:srgbClr val="008c4f"/>
+              </a:buClr>
+              <a:buSzPct val="115000"/>
+              <a:buFont typeface="Wingdings" charset="2"/>
+              <a:buChar char=""/>
+            </a:pPr>
+            <a:r>
+              <a:rPr b="0" lang="de-DE" sz="1800" spc="-1" strike="noStrike">
+                <a:solidFill>
+                  <a:srgbClr val="000000"/>
+                </a:solidFill>
+                <a:latin typeface="DejaVu Sans"/>
+                <a:ea typeface="DejaVu Sans"/>
+              </a:rPr>
+              <a:t>M.A. Khan, M.T. Quasim, F. Algarni, A. Alharthi. </a:t>
+            </a:r>
+            <a:r>
+              <a:rPr b="0" i="1" lang="de-DE" sz="1800" spc="-1" strike="noStrike">
+                <a:solidFill>
+                  <a:srgbClr val="000000"/>
+                </a:solidFill>
+                <a:latin typeface="DejaVu Sans"/>
+                <a:ea typeface="DejaVu Sans"/>
+              </a:rPr>
+              <a:t>Decentralised Internet of Things</a:t>
+            </a:r>
+            <a:r>
+              <a:rPr b="0" lang="de-DE" sz="1800" spc="-1" strike="noStrike">
+                <a:solidFill>
+                  <a:srgbClr val="000000"/>
+                </a:solidFill>
+                <a:latin typeface="DejaVu Sans"/>
+                <a:ea typeface="DejaVu Sans"/>
+              </a:rPr>
+              <a:t> (2020).</a:t>
+            </a:r>
+            <a:endParaRPr b="0" lang="en-GB" sz="1800" spc="-1" strike="noStrike">
+              <a:solidFill>
+                <a:srgbClr val="000000"/>
+              </a:solidFill>
+              <a:latin typeface="Arial"/>
+            </a:endParaRPr>
+          </a:p>
+          <a:p>
+            <a:pPr marL="195120" indent="-189720">
+              <a:lnSpc>
+                <a:spcPct val="100000"/>
+              </a:lnSpc>
+              <a:spcBef>
+                <a:spcPts val="360"/>
+              </a:spcBef>
+              <a:buClr>
+                <a:srgbClr val="008c4f"/>
+              </a:buClr>
+              <a:buSzPct val="115000"/>
+              <a:buFont typeface="Wingdings" charset="2"/>
+              <a:buChar char=""/>
+            </a:pPr>
+            <a:r>
+              <a:rPr b="0" lang="de-DE" sz="1800" spc="-1" strike="noStrike">
+                <a:solidFill>
+                  <a:srgbClr val="000000"/>
+                </a:solidFill>
+                <a:latin typeface="DejaVu Sans"/>
+                <a:ea typeface="DejaVu Sans"/>
+              </a:rPr>
+              <a:t>Dimitrios Serpanos und Marilyn Claire Wolf. </a:t>
+            </a:r>
+            <a:r>
+              <a:rPr b="0" i="1" lang="de-DE" sz="1800" spc="-1" strike="noStrike">
+                <a:solidFill>
+                  <a:srgbClr val="000000"/>
+                </a:solidFill>
+                <a:latin typeface="DejaVu Sans"/>
+                <a:ea typeface="DejaVu Sans"/>
+              </a:rPr>
+              <a:t>Internet-of-Things (IoT) Systems Architectures, Algorithms, Methodologies</a:t>
+            </a:r>
+            <a:r>
+              <a:rPr b="0" lang="de-DE" sz="1800" spc="-1" strike="noStrike">
+                <a:solidFill>
+                  <a:srgbClr val="000000"/>
+                </a:solidFill>
+                <a:latin typeface="DejaVu Sans"/>
+                <a:ea typeface="DejaVu Sans"/>
+              </a:rPr>
+              <a:t> (2018).</a:t>
+            </a:r>
+            <a:endParaRPr b="0" lang="en-GB" sz="1800" spc="-1" strike="noStrike">
+              <a:solidFill>
+                <a:srgbClr val="000000"/>
+              </a:solidFill>
+              <a:latin typeface="Arial"/>
+            </a:endParaRPr>
+          </a:p>
+        </p:txBody>
+      </p:sp>
+    </p:spTree>
+  </p:cSld>
+  <mc:AlternateContent>
+    <mc:Choice Requires="p14">
+      <p:transition spd="slow" p14:dur="2000"/>
+    </mc:Choice>
+    <mc:Fallback>
+      <p:transition spd="slow"/>
+    </mc:Fallback>
+  </mc:AlternateContent>
+</p:sld>
+</file>
+
+<file path=ppt/slides/slide18.xml><?xml version="1.0" encoding="utf-8"?>
+<p:sld xmlns:a="http://schemas.openxmlformats.org/drawingml/2006/main" xmlns:p="http://schemas.openxmlformats.org/presentationml/2006/main" xmlns:r="http://schemas.openxmlformats.org/officeDocument/2006/relationships" xmlns:p14="http://schemas.microsoft.com/office/powerpoint/2010/main" xmlns:p15="http://schemas.microsoft.com/office/powerpoint/2012/main" xmlns:mc="http://schemas.openxmlformats.org/markup-compatibility/2006">
+  <p:cSld>
+    <p:spTree>
+      <p:nvGrpSpPr>
+        <p:cNvPr id="1" name=""/>
+        <p:cNvGrpSpPr/>
+        <p:nvPr/>
+      </p:nvGrpSpPr>
+      <p:grpSpPr>
+        <a:xfrm>
+          <a:off x="0" y="0"/>
+          <a:ext cx="0" cy="0"/>
+          <a:chOff x="0" y="0"/>
+          <a:chExt cx="0" cy="0"/>
+        </a:xfrm>
+      </p:grpSpPr>
+      <p:sp>
+        <p:nvSpPr>
+          <p:cNvPr id="142" name="CustomShape 1"/>
+          <p:cNvSpPr/>
+          <p:nvPr/>
+        </p:nvSpPr>
+        <p:spPr>
+          <a:xfrm>
+            <a:off x="335520" y="1268640"/>
+            <a:ext cx="10744200" cy="5031720"/>
+          </a:xfrm>
+          <a:prstGeom prst="rect">
+            <a:avLst/>
+          </a:prstGeom>
+          <a:noFill/>
+          <a:ln w="0">
+            <a:noFill/>
+          </a:ln>
+        </p:spPr>
+        <p:style>
+          <a:lnRef idx="0"/>
+          <a:fillRef idx="0"/>
+          <a:effectRef idx="0"/>
+          <a:fontRef idx="minor"/>
+        </p:style>
+        <p:txBody>
           <a:bodyPr lIns="90000" rIns="90000" tIns="45000" bIns="45000" anchor="ctr">
             <a:noAutofit/>
           </a:bodyPr>
@@ -8687,7 +9107,7 @@
       </p:sp>
       <p:sp>
         <p:nvSpPr>
-          <p:cNvPr id="141" name="CustomShape 2"/>
+          <p:cNvPr id="143" name="CustomShape 2"/>
           <p:cNvSpPr/>
           <p:nvPr/>
         </p:nvSpPr>
@@ -10828,38 +11248,6 @@
                 <a:latin typeface="DejaVu Sans"/>
                 <a:ea typeface="DejaVu Sans"/>
               </a:rPr>
-              <a:t>Data science (applied) on circular economy topics</a:t>
-            </a:r>
-            <a:endParaRPr b="0" lang="en-GB" sz="2000" spc="-1" strike="noStrike">
-              <a:solidFill>
-                <a:srgbClr val="000000"/>
-              </a:solidFill>
-              <a:latin typeface="Arial"/>
-            </a:endParaRPr>
-          </a:p>
-          <a:p>
-            <a:pPr marL="216000" indent="-210600">
-              <a:lnSpc>
-                <a:spcPct val="90000"/>
-              </a:lnSpc>
-              <a:spcBef>
-                <a:spcPts val="1009"/>
-              </a:spcBef>
-              <a:buClr>
-                <a:srgbClr val="008c4f"/>
-              </a:buClr>
-              <a:buSzPct val="80000"/>
-              <a:buFont typeface="Wingdings 2" charset="2"/>
-              <a:buChar char=""/>
-            </a:pPr>
-            <a:r>
-              <a:rPr b="0" lang="en-US" sz="2000" spc="-1" strike="noStrike">
-                <a:solidFill>
-                  <a:srgbClr val="000000"/>
-                </a:solidFill>
-                <a:latin typeface="DejaVu Sans"/>
-                <a:ea typeface="DejaVu Sans"/>
-              </a:rPr>
               <a:t>The ability to critically assess upcoming technological solutions enabling/facilitating sustainability and the circular economy.</a:t>
             </a:r>
             <a:endParaRPr b="0" lang="en-GB" sz="2000" spc="-1" strike="noStrike">
@@ -11498,14 +11886,14 @@
       </p:grpSpPr>
       <p:sp>
         <p:nvSpPr>
-          <p:cNvPr id="120" name="CustomShape 7"/>
+          <p:cNvPr id="120" name="CustomShape 15"/>
           <p:cNvSpPr/>
           <p:nvPr/>
         </p:nvSpPr>
         <p:spPr>
           <a:xfrm>
-            <a:off x="539640" y="764640"/>
-            <a:ext cx="10747080" cy="497880"/>
+            <a:off x="335520" y="764640"/>
+            <a:ext cx="10743480" cy="494280"/>
           </a:xfrm>
           <a:prstGeom prst="rect">
             <a:avLst/>
@@ -11532,14 +11920,14 @@
               </a:lnSpc>
             </a:pPr>
             <a:r>
-              <a:rPr b="1" lang="en-GB" sz="2400" spc="-1" strike="noStrike">
-                <a:solidFill>
-                  <a:srgbClr val="000000"/>
-                </a:solidFill>
-                <a:latin typeface="DejaVu Sans"/>
-                <a:ea typeface="DejaVu Sans"/>
-              </a:rPr>
-              <a:t>Exercises</a:t>
+              <a:rPr b="1" lang="de-DE" sz="2400" spc="-1" strike="noStrike">
+                <a:solidFill>
+                  <a:srgbClr val="000000"/>
+                </a:solidFill>
+                <a:latin typeface="DejaVu Sans"/>
+                <a:ea typeface="DejaVu Sans"/>
+              </a:rPr>
+              <a:t>Lectures</a:t>
             </a:r>
             <a:endParaRPr b="0" lang="en-GB" sz="2400" spc="-1" strike="noStrike">
               <a:solidFill>
@@ -11552,14 +11940,14 @@
       </p:sp>
       <p:sp>
         <p:nvSpPr>
-          <p:cNvPr id="121" name="CustomShape 8"/>
+          <p:cNvPr id="121" name="CustomShape 16"/>
           <p:cNvSpPr/>
           <p:nvPr/>
         </p:nvSpPr>
         <p:spPr>
           <a:xfrm>
-            <a:off x="539640" y="1268640"/>
-            <a:ext cx="10747080" cy="5034600"/>
+            <a:off x="335520" y="1268640"/>
+            <a:ext cx="10743480" cy="5031000"/>
           </a:xfrm>
           <a:prstGeom prst="rect">
             <a:avLst/>
@@ -11580,7 +11968,7 @@
             <a:noAutofit/>
           </a:bodyPr>
           <a:p>
-            <a:pPr marL="195120" indent="-193680">
+            <a:pPr marL="195120" indent="-189720">
               <a:lnSpc>
                 <a:spcPct val="100000"/>
               </a:lnSpc>
@@ -11590,19 +11978,19 @@
               <a:buClr>
                 <a:srgbClr val="008c4f"/>
               </a:buClr>
-              <a:buSzPct val="80000"/>
+              <a:buSzPct val="115000"/>
               <a:buFont typeface="Wingdings" charset="2"/>
               <a:buChar char=""/>
             </a:pPr>
             <a:r>
-              <a:rPr b="0" lang="en-GB" sz="1800" spc="-1" strike="noStrike">
-                <a:solidFill>
-                  <a:srgbClr val="000000"/>
-                </a:solidFill>
-                <a:latin typeface="DejaVu Sans"/>
-                <a:ea typeface="DejaVu Sans"/>
-              </a:rPr>
-              <a:t>14.11.2022 → Exercise 01 – Carbon Footprint</a:t>
+              <a:rPr b="0" lang="en-US" sz="1800" spc="-1" strike="noStrike">
+                <a:solidFill>
+                  <a:srgbClr val="000000"/>
+                </a:solidFill>
+                <a:latin typeface="DejaVu Sans"/>
+                <a:ea typeface="DejaVu Sans"/>
+              </a:rPr>
+              <a:t>17.04.2023 → Organization (L00) + Introduction (L01)</a:t>
             </a:r>
             <a:endParaRPr b="0" lang="en-GB" sz="1800" spc="-1" strike="noStrike">
               <a:solidFill>
@@ -11612,7 +12000,7 @@
             </a:endParaRPr>
           </a:p>
           <a:p>
-            <a:pPr marL="195120" indent="-193680">
+            <a:pPr marL="195120" indent="-189720">
               <a:lnSpc>
                 <a:spcPct val="100000"/>
               </a:lnSpc>
@@ -11622,19 +12010,19 @@
               <a:buClr>
                 <a:srgbClr val="008c4f"/>
               </a:buClr>
-              <a:buSzPct val="80000"/>
+              <a:buSzPct val="115000"/>
               <a:buFont typeface="Wingdings" charset="2"/>
               <a:buChar char=""/>
             </a:pPr>
             <a:r>
-              <a:rPr b="0" lang="en-GB" sz="1800" spc="-1" strike="noStrike">
-                <a:solidFill>
-                  <a:srgbClr val="000000"/>
-                </a:solidFill>
-                <a:latin typeface="DejaVu Sans"/>
-                <a:ea typeface="DejaVu Sans"/>
-              </a:rPr>
-              <a:t>21.11.2022 → Exercise 02 – Household Waste</a:t>
+              <a:rPr b="0" lang="en-US" sz="1800" spc="-1" strike="noStrike">
+                <a:solidFill>
+                  <a:srgbClr val="000000"/>
+                </a:solidFill>
+                <a:latin typeface="DejaVu Sans"/>
+                <a:ea typeface="DejaVu Sans"/>
+              </a:rPr>
+              <a:t>24.04.2023 → Circular Economy (L02) </a:t>
             </a:r>
             <a:endParaRPr b="0" lang="en-GB" sz="1800" spc="-1" strike="noStrike">
               <a:solidFill>
@@ -11644,7 +12032,7 @@
             </a:endParaRPr>
           </a:p>
           <a:p>
-            <a:pPr marL="195120" indent="-193680">
+            <a:pPr marL="195120" indent="-189720">
               <a:lnSpc>
                 <a:spcPct val="100000"/>
               </a:lnSpc>
@@ -11654,19 +12042,19 @@
               <a:buClr>
                 <a:srgbClr val="008c4f"/>
               </a:buClr>
-              <a:buSzPct val="80000"/>
+              <a:buSzPct val="115000"/>
               <a:buFont typeface="Wingdings" charset="2"/>
               <a:buChar char=""/>
             </a:pPr>
             <a:r>
-              <a:rPr b="0" lang="en-GB" sz="1800" spc="-1" strike="noStrike">
-                <a:solidFill>
-                  <a:srgbClr val="000000"/>
-                </a:solidFill>
-                <a:latin typeface="DejaVu Sans"/>
-                <a:ea typeface="DejaVu Sans"/>
-              </a:rPr>
-              <a:t>28.11.2022 → Exercise 03 – Your Favourite Fruit or Vegetable</a:t>
+              <a:rPr b="0" lang="en-US" sz="1800" spc="-1" strike="noStrike">
+                <a:solidFill>
+                  <a:srgbClr val="000000"/>
+                </a:solidFill>
+                <a:latin typeface="DejaVu Sans"/>
+                <a:ea typeface="DejaVu Sans"/>
+              </a:rPr>
+              <a:t>08.05.2023 → Lifecycle Assessment – LCA (L03)</a:t>
             </a:r>
             <a:endParaRPr b="0" lang="en-GB" sz="1800" spc="-1" strike="noStrike">
               <a:solidFill>
@@ -11676,7 +12064,7 @@
             </a:endParaRPr>
           </a:p>
           <a:p>
-            <a:pPr marL="195120" indent="-193680">
+            <a:pPr marL="195120" indent="-189720">
               <a:lnSpc>
                 <a:spcPct val="100000"/>
               </a:lnSpc>
@@ -11686,19 +12074,19 @@
               <a:buClr>
                 <a:srgbClr val="008c4f"/>
               </a:buClr>
-              <a:buSzPct val="80000"/>
+              <a:buSzPct val="115000"/>
               <a:buFont typeface="Wingdings" charset="2"/>
               <a:buChar char=""/>
             </a:pPr>
             <a:r>
-              <a:rPr b="0" lang="en-GB" sz="1800" spc="-1" strike="noStrike">
-                <a:solidFill>
-                  <a:srgbClr val="000000"/>
-                </a:solidFill>
-                <a:latin typeface="DejaVu Sans"/>
-                <a:ea typeface="DejaVu Sans"/>
-              </a:rPr>
-              <a:t>05.12.2022 → Exercise 04 – LCA of Your Favourite Fruit or Vegetable</a:t>
+              <a:rPr b="0" lang="en-US" sz="1800" spc="-1" strike="noStrike">
+                <a:solidFill>
+                  <a:srgbClr val="000000"/>
+                </a:solidFill>
+                <a:latin typeface="DejaVu Sans"/>
+                <a:ea typeface="DejaVu Sans"/>
+              </a:rPr>
+              <a:t>15.05.2023 → Introduction to the Internet of Things (L04)</a:t>
             </a:r>
             <a:endParaRPr b="0" lang="en-GB" sz="1800" spc="-1" strike="noStrike">
               <a:solidFill>
@@ -11708,7 +12096,7 @@
             </a:endParaRPr>
           </a:p>
           <a:p>
-            <a:pPr marL="195120" indent="-193680">
+            <a:pPr marL="195120" indent="-189720">
               <a:lnSpc>
                 <a:spcPct val="100000"/>
               </a:lnSpc>
@@ -11718,19 +12106,19 @@
               <a:buClr>
                 <a:srgbClr val="008c4f"/>
               </a:buClr>
-              <a:buSzPct val="80000"/>
+              <a:buSzPct val="115000"/>
               <a:buFont typeface="Wingdings" charset="2"/>
               <a:buChar char=""/>
             </a:pPr>
             <a:r>
-              <a:rPr b="0" lang="en-GB" sz="1800" spc="-1" strike="noStrike">
-                <a:solidFill>
-                  <a:srgbClr val="000000"/>
-                </a:solidFill>
-                <a:latin typeface="DejaVu Sans"/>
-                <a:ea typeface="DejaVu Sans"/>
-              </a:rPr>
-              <a:t>12.12.2022 → Exercise 05 – World3</a:t>
+              <a:rPr b="0" lang="en-US" sz="1800" spc="-1" strike="noStrike">
+                <a:solidFill>
+                  <a:srgbClr val="000000"/>
+                </a:solidFill>
+                <a:latin typeface="DejaVu Sans"/>
+                <a:ea typeface="DejaVu Sans"/>
+              </a:rPr>
+              <a:t>22.05.2023 → Internet of Things – Communication + Security and Privacy (L05)</a:t>
             </a:r>
             <a:endParaRPr b="0" lang="en-GB" sz="1800" spc="-1" strike="noStrike">
               <a:solidFill>
@@ -11740,7 +12128,7 @@
             </a:endParaRPr>
           </a:p>
           <a:p>
-            <a:pPr marL="195120" indent="-193680">
+            <a:pPr marL="195120" indent="-189720">
               <a:lnSpc>
                 <a:spcPct val="100000"/>
               </a:lnSpc>
@@ -11750,19 +12138,19 @@
               <a:buClr>
                 <a:srgbClr val="008c4f"/>
               </a:buClr>
-              <a:buSzPct val="80000"/>
+              <a:buSzPct val="115000"/>
               <a:buFont typeface="Wingdings" charset="2"/>
               <a:buChar char=""/>
             </a:pPr>
             <a:r>
-              <a:rPr b="0" lang="en-GB" sz="1800" spc="-1" strike="noStrike">
-                <a:solidFill>
-                  <a:srgbClr val="000000"/>
-                </a:solidFill>
-                <a:latin typeface="DejaVu Sans"/>
-                <a:ea typeface="DejaVu Sans"/>
-              </a:rPr>
-              <a:t>19.12.2022 → Exercise 06 – Performance Economy</a:t>
+              <a:rPr b="0" lang="en-US" sz="1800" spc="-1" strike="noStrike">
+                <a:solidFill>
+                  <a:srgbClr val="000000"/>
+                </a:solidFill>
+                <a:latin typeface="DejaVu Sans"/>
+                <a:ea typeface="DejaVu Sans"/>
+              </a:rPr>
+              <a:t>05.06.2023 → Internet of Things – Data Processing and BigData (L06)</a:t>
             </a:r>
             <a:endParaRPr b="0" lang="en-GB" sz="1800" spc="-1" strike="noStrike">
               <a:solidFill>
@@ -11772,7 +12160,63 @@
             </a:endParaRPr>
           </a:p>
           <a:p>
-            <a:pPr marL="195120" indent="-193680">
+            <a:pPr>
+              <a:lnSpc>
+                <a:spcPct val="100000"/>
+              </a:lnSpc>
+              <a:spcBef>
+                <a:spcPts val="360"/>
+              </a:spcBef>
+            </a:pPr>
+            <a:r>
+              <a:rPr b="0" lang="en-US" sz="1800" spc="-1" strike="noStrike">
+                <a:solidFill>
+                  <a:srgbClr val="000000"/>
+                </a:solidFill>
+                <a:latin typeface="DejaVu Sans"/>
+                <a:ea typeface="DejaVu Sans"/>
+              </a:rPr>
+              <a:t> </a:t>
+            </a:r>
+            <a:r>
+              <a:rPr b="0" lang="en-US" sz="1800" spc="-1" strike="noStrike">
+                <a:solidFill>
+                  <a:srgbClr val="000000"/>
+                </a:solidFill>
+                <a:latin typeface="DejaVu Sans"/>
+                <a:ea typeface="DejaVu Sans"/>
+              </a:rPr>
+              <a:t>	</a:t>
+            </a:r>
+            <a:r>
+              <a:rPr b="0" lang="en-US" sz="1800" spc="-1" strike="noStrike">
+                <a:solidFill>
+                  <a:srgbClr val="000000"/>
+                </a:solidFill>
+                <a:latin typeface="DejaVu Sans"/>
+                <a:ea typeface="DejaVu Sans"/>
+              </a:rPr>
+              <a:t>         → </a:t>
+            </a:r>
+            <a:r>
+              <a:rPr b="0" lang="en-US" sz="1800" spc="-1" strike="noStrike">
+                <a:solidFill>
+                  <a:srgbClr val="000000"/>
+                </a:solidFill>
+                <a:latin typeface="DejaVu Sans"/>
+                <a:ea typeface="DejaVu Sans"/>
+              </a:rPr>
+              <a:t>Extra MOOC - Foodsharing </a:t>
+            </a:r>
+            <a:endParaRPr b="0" lang="en-GB" sz="1800" spc="-1" strike="noStrike">
+              <a:solidFill>
+                <a:srgbClr val="000000"/>
+              </a:solidFill>
+              <a:latin typeface="Arial"/>
+            </a:endParaRPr>
+          </a:p>
+          <a:p>
+            <a:pPr marL="195120" indent="-189720">
               <a:lnSpc>
                 <a:spcPct val="100000"/>
               </a:lnSpc>
@@ -11782,19 +12226,19 @@
               <a:buClr>
                 <a:srgbClr val="008c4f"/>
               </a:buClr>
-              <a:buSzPct val="80000"/>
+              <a:buSzPct val="115000"/>
               <a:buFont typeface="Wingdings" charset="2"/>
               <a:buChar char=""/>
             </a:pPr>
             <a:r>
-              <a:rPr b="0" lang="en-GB" sz="1800" spc="-1" strike="noStrike">
-                <a:solidFill>
-                  <a:srgbClr val="000000"/>
-                </a:solidFill>
-                <a:latin typeface="DejaVu Sans"/>
-                <a:ea typeface="DejaVu Sans"/>
-              </a:rPr>
-              <a:t>09.01.2023 → Exercise 07 – Circular Society</a:t>
+              <a:rPr b="0" lang="en-US" sz="1800" spc="-1" strike="noStrike">
+                <a:solidFill>
+                  <a:srgbClr val="000000"/>
+                </a:solidFill>
+                <a:latin typeface="DejaVu Sans"/>
+                <a:ea typeface="DejaVu Sans"/>
+              </a:rPr>
+              <a:t>12.06.2023 → Industrial Internet of Things (L07)</a:t>
             </a:r>
             <a:endParaRPr b="0" lang="en-GB" sz="1800" spc="-1" strike="noStrike">
               <a:solidFill>
@@ -11804,23 +12248,7 @@
             </a:endParaRPr>
           </a:p>
           <a:p>
-            <a:pPr>
-              <a:lnSpc>
-                <a:spcPct val="100000"/>
-              </a:lnSpc>
-              <a:spcBef>
-                <a:spcPts val="360"/>
-              </a:spcBef>
-            </a:pPr>
-            <a:endParaRPr b="0" lang="en-GB" sz="1800" spc="-1" strike="noStrike">
-              <a:solidFill>
-                <a:srgbClr val="000000"/>
-              </a:solidFill>
-              <a:latin typeface="Arial"/>
-            </a:endParaRPr>
-          </a:p>
-          <a:p>
-            <a:pPr marL="195120" indent="-193680">
+            <a:pPr marL="195120" indent="-189720">
               <a:lnSpc>
                 <a:spcPct val="100000"/>
               </a:lnSpc>
@@ -11830,19 +12258,167 @@
               <a:buClr>
                 <a:srgbClr val="008c4f"/>
               </a:buClr>
-              <a:buSzPct val="80000"/>
+              <a:buSzPct val="115000"/>
               <a:buFont typeface="Wingdings" charset="2"/>
               <a:buChar char=""/>
             </a:pPr>
             <a:r>
-              <a:rPr b="0" lang="en-GB" sz="1800" spc="-1" strike="noStrike">
-                <a:solidFill>
-                  <a:srgbClr val="000000"/>
-                </a:solidFill>
-                <a:latin typeface="DejaVu Sans"/>
-                <a:ea typeface="DejaVu Sans"/>
-              </a:rPr>
-              <a:t>06.02.2023 → Exercise 08 – Technology</a:t>
+              <a:rPr b="0" lang="en-US" sz="1800" spc="-1" strike="noStrike">
+                <a:solidFill>
+                  <a:srgbClr val="000000"/>
+                </a:solidFill>
+                <a:latin typeface="DejaVu Sans"/>
+                <a:ea typeface="DejaVu Sans"/>
+              </a:rPr>
+              <a:t>19.06.2023 → Introduction to Blockchain Technology (L08)</a:t>
+            </a:r>
+            <a:endParaRPr b="0" lang="en-GB" sz="1800" spc="-1" strike="noStrike">
+              <a:solidFill>
+                <a:srgbClr val="000000"/>
+              </a:solidFill>
+              <a:latin typeface="Arial"/>
+            </a:endParaRPr>
+          </a:p>
+          <a:p>
+            <a:pPr marL="195120" indent="-189720">
+              <a:lnSpc>
+                <a:spcPct val="100000"/>
+              </a:lnSpc>
+              <a:spcBef>
+                <a:spcPts val="360"/>
+              </a:spcBef>
+              <a:buClr>
+                <a:srgbClr val="008c4f"/>
+              </a:buClr>
+              <a:buSzPct val="115000"/>
+              <a:buFont typeface="Wingdings" charset="2"/>
+              <a:buChar char=""/>
+            </a:pPr>
+            <a:r>
+              <a:rPr b="0" lang="en-US" sz="1800" spc="-1" strike="noStrike">
+                <a:solidFill>
+                  <a:srgbClr val="000000"/>
+                </a:solidFill>
+                <a:latin typeface="DejaVu Sans"/>
+                <a:ea typeface="DejaVu Sans"/>
+              </a:rPr>
+              <a:t>26.06.2023 → Blockchain Technology – Consensus (L09)</a:t>
+            </a:r>
+            <a:endParaRPr b="0" lang="en-GB" sz="1800" spc="-1" strike="noStrike">
+              <a:solidFill>
+                <a:srgbClr val="000000"/>
+              </a:solidFill>
+              <a:latin typeface="Arial"/>
+            </a:endParaRPr>
+          </a:p>
+          <a:p>
+            <a:pPr marL="195120" indent="-189720">
+              <a:lnSpc>
+                <a:spcPct val="100000"/>
+              </a:lnSpc>
+              <a:spcBef>
+                <a:spcPts val="360"/>
+              </a:spcBef>
+              <a:buClr>
+                <a:srgbClr val="008c4f"/>
+              </a:buClr>
+              <a:buSzPct val="115000"/>
+              <a:buFont typeface="Wingdings" charset="2"/>
+              <a:buChar char=""/>
+            </a:pPr>
+            <a:r>
+              <a:rPr b="0" lang="en-US" sz="1800" spc="-1" strike="noStrike">
+                <a:solidFill>
+                  <a:srgbClr val="000000"/>
+                </a:solidFill>
+                <a:latin typeface="DejaVu Sans"/>
+                <a:ea typeface="DejaVu Sans"/>
+              </a:rPr>
+              <a:t>03.07.2023 → Blockchain Technology – Ethereum and Smart Contracts (L10)</a:t>
+            </a:r>
+            <a:endParaRPr b="0" lang="en-GB" sz="1800" spc="-1" strike="noStrike">
+              <a:solidFill>
+                <a:srgbClr val="000000"/>
+              </a:solidFill>
+              <a:latin typeface="Arial"/>
+            </a:endParaRPr>
+          </a:p>
+          <a:p>
+            <a:pPr marL="195120" indent="-189720">
+              <a:lnSpc>
+                <a:spcPct val="100000"/>
+              </a:lnSpc>
+              <a:spcBef>
+                <a:spcPts val="360"/>
+              </a:spcBef>
+              <a:buClr>
+                <a:srgbClr val="008c4f"/>
+              </a:buClr>
+              <a:buSzPct val="115000"/>
+              <a:buFont typeface="Wingdings" charset="2"/>
+              <a:buChar char=""/>
+            </a:pPr>
+            <a:r>
+              <a:rPr b="0" lang="en-US" sz="1800" spc="-1" strike="noStrike">
+                <a:solidFill>
+                  <a:srgbClr val="000000"/>
+                </a:solidFill>
+                <a:latin typeface="DejaVu Sans"/>
+                <a:ea typeface="DejaVu Sans"/>
+              </a:rPr>
+              <a:t>10.07.2023 → Blockchain Technology and Sustainability (L11)</a:t>
+            </a:r>
+            <a:endParaRPr b="0" lang="en-GB" sz="1800" spc="-1" strike="noStrike">
+              <a:solidFill>
+                <a:srgbClr val="000000"/>
+              </a:solidFill>
+              <a:latin typeface="Arial"/>
+            </a:endParaRPr>
+          </a:p>
+          <a:p>
+            <a:pPr marL="195120" indent="-189720">
+              <a:lnSpc>
+                <a:spcPct val="100000"/>
+              </a:lnSpc>
+              <a:spcBef>
+                <a:spcPts val="360"/>
+              </a:spcBef>
+              <a:buClr>
+                <a:srgbClr val="008c4f"/>
+              </a:buClr>
+              <a:buSzPct val="115000"/>
+              <a:buFont typeface="Wingdings" charset="2"/>
+              <a:buChar char=""/>
+            </a:pPr>
+            <a:r>
+              <a:rPr b="0" lang="en-US" sz="1800" spc="-1" strike="noStrike">
+                <a:solidFill>
+                  <a:srgbClr val="000000"/>
+                </a:solidFill>
+                <a:latin typeface="DejaVu Sans"/>
+                <a:ea typeface="DejaVu Sans"/>
+              </a:rPr>
+              <a:t>17.07.2023 → Invited Lecture </a:t>
+            </a:r>
+            <a:r>
+              <a:rPr b="1" lang="en-US" sz="1800" spc="-1" strike="noStrike">
+                <a:solidFill>
+                  <a:srgbClr val="000000"/>
+                </a:solidFill>
+                <a:latin typeface="DejaVu Sans"/>
+                <a:ea typeface="DejaVu Sans"/>
+              </a:rPr>
+              <a:t>XOR</a:t>
+            </a:r>
+            <a:r>
+              <a:rPr b="0" lang="en-US" sz="1800" spc="-1" strike="noStrike">
+                <a:solidFill>
+                  <a:srgbClr val="000000"/>
+                </a:solidFill>
+                <a:latin typeface="DejaVu Sans"/>
+                <a:ea typeface="DejaVu Sans"/>
+              </a:rPr>
+              <a:t> The Machine-to-Everything Economy – A step towards the CE 2.0? (L12)</a:t>
             </a:r>
             <a:endParaRPr b="0" lang="en-GB" sz="1800" spc="-1" strike="noStrike">
               <a:solidFill>
@@ -11885,14 +12461,14 @@
       </p:grpSpPr>
       <p:sp>
         <p:nvSpPr>
-          <p:cNvPr id="122" name="CustomShape 1"/>
+          <p:cNvPr id="122" name="CustomShape 7"/>
           <p:cNvSpPr/>
           <p:nvPr/>
         </p:nvSpPr>
         <p:spPr>
           <a:xfrm>
-            <a:off x="335520" y="764640"/>
-            <a:ext cx="10744200" cy="495000"/>
+            <a:off x="539640" y="764640"/>
+            <a:ext cx="10747080" cy="497880"/>
           </a:xfrm>
           <a:prstGeom prst="rect">
             <a:avLst/>
@@ -11919,14 +12495,14 @@
               </a:lnSpc>
             </a:pPr>
             <a:r>
-              <a:rPr b="1" lang="en-US" sz="2400" spc="-1" strike="noStrike">
-                <a:solidFill>
-                  <a:srgbClr val="000000"/>
-                </a:solidFill>
-                <a:latin typeface="DejaVu Sans"/>
-                <a:ea typeface="DejaVu Sans"/>
-              </a:rPr>
-              <a:t>Course Organization  </a:t>
+              <a:rPr b="1" lang="en-GB" sz="2400" spc="-1" strike="noStrike">
+                <a:solidFill>
+                  <a:srgbClr val="000000"/>
+                </a:solidFill>
+                <a:latin typeface="DejaVu Sans"/>
+                <a:ea typeface="DejaVu Sans"/>
+              </a:rPr>
+              <a:t>Exercises</a:t>
             </a:r>
             <a:endParaRPr b="0" lang="en-GB" sz="2400" spc="-1" strike="noStrike">
               <a:solidFill>
@@ -11939,14 +12515,14 @@
       </p:sp>
       <p:sp>
         <p:nvSpPr>
-          <p:cNvPr id="123" name="CustomShape 2"/>
+          <p:cNvPr id="123" name="CustomShape 8"/>
           <p:cNvSpPr/>
           <p:nvPr/>
         </p:nvSpPr>
         <p:spPr>
           <a:xfrm>
-            <a:off x="335520" y="1268280"/>
-            <a:ext cx="10744200" cy="5031720"/>
+            <a:off x="539640" y="1268640"/>
+            <a:ext cx="10747080" cy="5034600"/>
           </a:xfrm>
           <a:prstGeom prst="rect">
             <a:avLst/>
@@ -11967,39 +12543,7 @@
             <a:noAutofit/>
           </a:bodyPr>
           <a:p>
-            <a:pPr>
-              <a:lnSpc>
-                <a:spcPct val="100000"/>
-              </a:lnSpc>
-              <a:spcBef>
-                <a:spcPts val="360"/>
-              </a:spcBef>
-            </a:pPr>
-            <a:endParaRPr b="0" lang="en-GB" sz="1800" spc="-1" strike="noStrike">
-              <a:solidFill>
-                <a:srgbClr val="000000"/>
-              </a:solidFill>
-              <a:latin typeface="Arial"/>
-            </a:endParaRPr>
-          </a:p>
-          <a:p>
-            <a:pPr>
-              <a:lnSpc>
-                <a:spcPct val="100000"/>
-              </a:lnSpc>
-              <a:spcBef>
-                <a:spcPts val="360"/>
-              </a:spcBef>
-            </a:pPr>
-            <a:endParaRPr b="0" lang="en-GB" sz="1800" spc="-1" strike="noStrike">
-              <a:solidFill>
-                <a:srgbClr val="000000"/>
-              </a:solidFill>
-              <a:latin typeface="Arial"/>
-            </a:endParaRPr>
-          </a:p>
-          <a:p>
-            <a:pPr marL="195120" indent="-188640">
+            <a:pPr marL="195120" indent="-193680">
               <a:lnSpc>
                 <a:spcPct val="100000"/>
               </a:lnSpc>
@@ -12021,7 +12565,7 @@
                 <a:latin typeface="DejaVu Sans"/>
                 <a:ea typeface="DejaVu Sans"/>
               </a:rPr>
-              <a:t>News and updates → StudIP</a:t>
+              <a:t>14.11.2022 → Exercise 01 – Carbon Footprint</a:t>
             </a:r>
             <a:endParaRPr b="0" lang="en-GB" sz="1800" spc="-1" strike="noStrike">
               <a:solidFill>
@@ -12031,23 +12575,7 @@
             </a:endParaRPr>
           </a:p>
           <a:p>
-            <a:pPr>
-              <a:lnSpc>
-                <a:spcPct val="100000"/>
-              </a:lnSpc>
-              <a:spcBef>
-                <a:spcPts val="360"/>
-              </a:spcBef>
-            </a:pPr>
-            <a:endParaRPr b="0" lang="en-GB" sz="1800" spc="-1" strike="noStrike">
-              <a:solidFill>
-                <a:srgbClr val="000000"/>
-              </a:solidFill>
-              <a:latin typeface="Arial"/>
-            </a:endParaRPr>
-          </a:p>
-          <a:p>
-            <a:pPr marL="195120" indent="-188640">
+            <a:pPr marL="195120" indent="-193680">
               <a:lnSpc>
                 <a:spcPct val="100000"/>
               </a:lnSpc>
@@ -12062,14 +12590,14 @@
               <a:buChar char=""/>
             </a:pPr>
             <a:r>
-              <a:rPr b="0" lang="en-US" sz="1800" spc="-1" strike="noStrike">
-                <a:solidFill>
-                  <a:srgbClr val="000000"/>
-                </a:solidFill>
-                <a:latin typeface="DejaVu Sans"/>
-                <a:ea typeface="DejaVu Sans"/>
-              </a:rPr>
-              <a:t>Slides → StudIP</a:t>
+              <a:rPr b="0" lang="en-GB" sz="1800" spc="-1" strike="noStrike">
+                <a:solidFill>
+                  <a:srgbClr val="000000"/>
+                </a:solidFill>
+                <a:latin typeface="DejaVu Sans"/>
+                <a:ea typeface="DejaVu Sans"/>
+              </a:rPr>
+              <a:t>21.11.2022 → Exercise 02 – Household Waste</a:t>
             </a:r>
             <a:endParaRPr b="0" lang="en-GB" sz="1800" spc="-1" strike="noStrike">
               <a:solidFill>
@@ -12079,23 +12607,7 @@
             </a:endParaRPr>
           </a:p>
           <a:p>
-            <a:pPr>
-              <a:lnSpc>
-                <a:spcPct val="100000"/>
-              </a:lnSpc>
-              <a:spcBef>
-                <a:spcPts val="360"/>
-              </a:spcBef>
-            </a:pPr>
-            <a:endParaRPr b="0" lang="en-GB" sz="1800" spc="-1" strike="noStrike">
-              <a:solidFill>
-                <a:srgbClr val="000000"/>
-              </a:solidFill>
-              <a:latin typeface="Arial"/>
-            </a:endParaRPr>
-          </a:p>
-          <a:p>
-            <a:pPr marL="195120" indent="-188640">
+            <a:pPr marL="195120" indent="-193680">
               <a:lnSpc>
                 <a:spcPct val="100000"/>
               </a:lnSpc>
@@ -12110,14 +12622,14 @@
               <a:buChar char=""/>
             </a:pPr>
             <a:r>
-              <a:rPr b="0" lang="en-US" sz="1800" spc="-1" strike="noStrike">
-                <a:solidFill>
-                  <a:srgbClr val="000000"/>
-                </a:solidFill>
-                <a:latin typeface="DejaVu Sans"/>
-                <a:ea typeface="DejaVu Sans"/>
-              </a:rPr>
-              <a:t>Lecture recordings → StudIP</a:t>
+              <a:rPr b="0" lang="en-GB" sz="1800" spc="-1" strike="noStrike">
+                <a:solidFill>
+                  <a:srgbClr val="000000"/>
+                </a:solidFill>
+                <a:latin typeface="DejaVu Sans"/>
+                <a:ea typeface="DejaVu Sans"/>
+              </a:rPr>
+              <a:t>28.11.2022 → Exercise 03 – Your Favourite Fruit or Vegetable</a:t>
             </a:r>
             <a:endParaRPr b="0" lang="en-GB" sz="1800" spc="-1" strike="noStrike">
               <a:solidFill>
@@ -12127,23 +12639,7 @@
             </a:endParaRPr>
           </a:p>
           <a:p>
-            <a:pPr>
-              <a:lnSpc>
-                <a:spcPct val="100000"/>
-              </a:lnSpc>
-              <a:spcBef>
-                <a:spcPts val="360"/>
-              </a:spcBef>
-            </a:pPr>
-            <a:endParaRPr b="0" lang="en-GB" sz="1800" spc="-1" strike="noStrike">
-              <a:solidFill>
-                <a:srgbClr val="000000"/>
-              </a:solidFill>
-              <a:latin typeface="Arial"/>
-            </a:endParaRPr>
-          </a:p>
-          <a:p>
-            <a:pPr marL="216000" indent="-216000">
+            <a:pPr marL="195120" indent="-193680">
               <a:lnSpc>
                 <a:spcPct val="100000"/>
               </a:lnSpc>
@@ -12153,19 +12649,19 @@
               <a:buClr>
                 <a:srgbClr val="008c4f"/>
               </a:buClr>
-              <a:buSzPct val="45000"/>
-              <a:buFont typeface="DejaVu Sans"/>
-              <a:buChar char="◾"/>
-            </a:pPr>
-            <a:r>
-              <a:rPr b="0" lang="en-US" sz="1800" spc="-1" strike="noStrike">
-                <a:solidFill>
-                  <a:srgbClr val="000000"/>
-                </a:solidFill>
-                <a:latin typeface="DejaVu Sans"/>
-                <a:ea typeface="DejaVu Sans"/>
-              </a:rPr>
-              <a:t>Further notes:</a:t>
+              <a:buSzPct val="80000"/>
+              <a:buFont typeface="Wingdings" charset="2"/>
+              <a:buChar char=""/>
+            </a:pPr>
+            <a:r>
+              <a:rPr b="0" lang="en-GB" sz="1800" spc="-1" strike="noStrike">
+                <a:solidFill>
+                  <a:srgbClr val="000000"/>
+                </a:solidFill>
+                <a:latin typeface="DejaVu Sans"/>
+                <a:ea typeface="DejaVu Sans"/>
+              </a:rPr>
+              <a:t>05.12.2022 → Exercise 04 – LCA of Your Favourite Fruit or Vegetable</a:t>
             </a:r>
             <a:endParaRPr b="0" lang="en-GB" sz="1800" spc="-1" strike="noStrike">
               <a:solidFill>
@@ -12175,7 +12671,7 @@
             </a:endParaRPr>
           </a:p>
           <a:p>
-            <a:pPr lvl="1" marL="432000" indent="-216000">
+            <a:pPr marL="195120" indent="-193680">
               <a:lnSpc>
                 <a:spcPct val="100000"/>
               </a:lnSpc>
@@ -12185,19 +12681,19 @@
               <a:buClr>
                 <a:srgbClr val="008c4f"/>
               </a:buClr>
-              <a:buSzPct val="60000"/>
-              <a:buFont typeface="DejaVu Sans"/>
-              <a:buChar char="—"/>
-            </a:pPr>
-            <a:r>
-              <a:rPr b="0" lang="en-US" sz="1800" spc="-1" strike="noStrike">
-                <a:solidFill>
-                  <a:srgbClr val="000000"/>
-                </a:solidFill>
-                <a:latin typeface="DejaVu Sans"/>
-                <a:ea typeface="DejaVu Sans"/>
-              </a:rPr>
-              <a:t>Recordings might contain irrelevant information (made for previous semesters) → Please ignore those.</a:t>
+              <a:buSzPct val="80000"/>
+              <a:buFont typeface="Wingdings" charset="2"/>
+              <a:buChar char=""/>
+            </a:pPr>
+            <a:r>
+              <a:rPr b="0" lang="en-GB" sz="1800" spc="-1" strike="noStrike">
+                <a:solidFill>
+                  <a:srgbClr val="000000"/>
+                </a:solidFill>
+                <a:latin typeface="DejaVu Sans"/>
+                <a:ea typeface="DejaVu Sans"/>
+              </a:rPr>
+              <a:t>12.12.2022 → Exercise 05 – World3</a:t>
             </a:r>
             <a:endParaRPr b="0" lang="en-GB" sz="1800" spc="-1" strike="noStrike">
               <a:solidFill>
@@ -12207,7 +12703,7 @@
             </a:endParaRPr>
           </a:p>
           <a:p>
-            <a:pPr lvl="1" marL="432000" indent="-216000">
+            <a:pPr marL="195120" indent="-193680">
               <a:lnSpc>
                 <a:spcPct val="100000"/>
               </a:lnSpc>
@@ -12217,19 +12713,19 @@
               <a:buClr>
                 <a:srgbClr val="008c4f"/>
               </a:buClr>
-              <a:buSzPct val="60000"/>
-              <a:buFont typeface="DejaVu Sans"/>
-              <a:buChar char="—"/>
-            </a:pPr>
-            <a:r>
-              <a:rPr b="0" lang="en-US" sz="1800" spc="-1" strike="noStrike">
-                <a:solidFill>
-                  <a:srgbClr val="000000"/>
-                </a:solidFill>
-                <a:latin typeface="DejaVu Sans"/>
-                <a:ea typeface="DejaVu Sans"/>
-              </a:rPr>
-              <a:t>Lecture/exercise numbers in the videos might not match your lecture/exercise number → Don’t worry.</a:t>
+              <a:buSzPct val="80000"/>
+              <a:buFont typeface="Wingdings" charset="2"/>
+              <a:buChar char=""/>
+            </a:pPr>
+            <a:r>
+              <a:rPr b="0" lang="en-GB" sz="1800" spc="-1" strike="noStrike">
+                <a:solidFill>
+                  <a:srgbClr val="000000"/>
+                </a:solidFill>
+                <a:latin typeface="DejaVu Sans"/>
+                <a:ea typeface="DejaVu Sans"/>
+              </a:rPr>
+              <a:t>19.12.2022 → Exercise 06 – Performance Economy</a:t>
             </a:r>
             <a:endParaRPr b="0" lang="en-GB" sz="1800" spc="-1" strike="noStrike">
               <a:solidFill>
@@ -12239,7 +12735,7 @@
             </a:endParaRPr>
           </a:p>
           <a:p>
-            <a:pPr lvl="1" marL="432000" indent="-216000">
+            <a:pPr marL="195120" indent="-193680">
               <a:lnSpc>
                 <a:spcPct val="100000"/>
               </a:lnSpc>
@@ -12249,19 +12745,67 @@
               <a:buClr>
                 <a:srgbClr val="008c4f"/>
               </a:buClr>
-              <a:buSzPct val="60000"/>
-              <a:buFont typeface="DejaVu Sans"/>
-              <a:buChar char="—"/>
-            </a:pPr>
-            <a:r>
-              <a:rPr b="0" lang="en-US" sz="1800" spc="-1" strike="noStrike">
-                <a:solidFill>
-                  <a:srgbClr val="000000"/>
-                </a:solidFill>
-                <a:latin typeface="DejaVu Sans"/>
-                <a:ea typeface="DejaVu Sans"/>
-              </a:rPr>
-              <a:t>Course news for this semester (WS22/23) and this course will be communicated via StudIP.</a:t>
+              <a:buSzPct val="80000"/>
+              <a:buFont typeface="Wingdings" charset="2"/>
+              <a:buChar char=""/>
+            </a:pPr>
+            <a:r>
+              <a:rPr b="0" lang="en-GB" sz="1800" spc="-1" strike="noStrike">
+                <a:solidFill>
+                  <a:srgbClr val="000000"/>
+                </a:solidFill>
+                <a:latin typeface="DejaVu Sans"/>
+                <a:ea typeface="DejaVu Sans"/>
+              </a:rPr>
+              <a:t>09.01.2023 → Exercise 07 – Circular Society</a:t>
+            </a:r>
+            <a:endParaRPr b="0" lang="en-GB" sz="1800" spc="-1" strike="noStrike">
+              <a:solidFill>
+                <a:srgbClr val="000000"/>
+              </a:solidFill>
+              <a:latin typeface="Arial"/>
+            </a:endParaRPr>
+          </a:p>
+          <a:p>
+            <a:pPr>
+              <a:lnSpc>
+                <a:spcPct val="100000"/>
+              </a:lnSpc>
+              <a:spcBef>
+                <a:spcPts val="360"/>
+              </a:spcBef>
+            </a:pPr>
+            <a:endParaRPr b="0" lang="en-GB" sz="1800" spc="-1" strike="noStrike">
+              <a:solidFill>
+                <a:srgbClr val="000000"/>
+              </a:solidFill>
+              <a:latin typeface="Arial"/>
+            </a:endParaRPr>
+          </a:p>
+          <a:p>
+            <a:pPr marL="195120" indent="-193680">
+              <a:lnSpc>
+                <a:spcPct val="100000"/>
+              </a:lnSpc>
+              <a:spcBef>
+                <a:spcPts val="360"/>
+              </a:spcBef>
+              <a:buClr>
+                <a:srgbClr val="008c4f"/>
+              </a:buClr>
+              <a:buSzPct val="80000"/>
+              <a:buFont typeface="Wingdings" charset="2"/>
+              <a:buChar char=""/>
+            </a:pPr>
+            <a:r>
+              <a:rPr b="0" lang="en-GB" sz="1800" spc="-1" strike="noStrike">
+                <a:solidFill>
+                  <a:srgbClr val="000000"/>
+                </a:solidFill>
+                <a:latin typeface="DejaVu Sans"/>
+                <a:ea typeface="DejaVu Sans"/>
+              </a:rPr>
+              <a:t>06.02.2023 → Exercise 08 – Technology</a:t>
             </a:r>
             <a:endParaRPr b="0" lang="en-GB" sz="1800" spc="-1" strike="noStrike">
               <a:solidFill>

--- a/IoT-and-Digitalization-for-Circular-Economy/IoT-CE-L00-Organization.pptx
+++ b/IoT-and-Digitalization-for-Circular-Economy/IoT-CE-L00-Organization.pptx
@@ -357,7 +357,7 @@
             <a:pPr indent="0" algn="r">
               <a:buNone/>
             </a:pPr>
-            <a:fld id="{56351669-D763-4E43-A4BA-8B94B155AD88}" type="slidenum">
+            <a:fld id="{081E9971-74FF-46D8-897F-B25B7DE92C99}" type="slidenum">
               <a:rPr b="0" lang="en-GB" sz="1400" spc="-1" strike="noStrike">
                 <a:solidFill>
                   <a:srgbClr val="000000"/>
@@ -411,7 +411,7 @@
         <p:spPr>
           <a:xfrm>
             <a:off x="533520" y="763560"/>
-            <a:ext cx="6696000" cy="3764160"/>
+            <a:ext cx="6695640" cy="3763800"/>
           </a:xfrm>
           <a:prstGeom prst="rect">
             <a:avLst/>
@@ -434,7 +434,7 @@
         <p:spPr>
           <a:xfrm>
             <a:off x="777240" y="4777560"/>
-            <a:ext cx="6209640" cy="4518000"/>
+            <a:ext cx="6209280" cy="4517640"/>
           </a:xfrm>
           <a:prstGeom prst="rect">
             <a:avLst/>
@@ -470,7 +470,7 @@
         <p:spPr>
           <a:xfrm>
             <a:off x="4399200" y="9555480"/>
-            <a:ext cx="3364920" cy="494640"/>
+            <a:ext cx="3364560" cy="494280"/>
           </a:xfrm>
           <a:prstGeom prst="rect">
             <a:avLst/>
@@ -496,7 +496,7 @@
                 <a:spcPct val="100000"/>
               </a:lnSpc>
             </a:pPr>
-            <a:fld id="{01CD6E33-7151-46B5-946D-2AFF1277866F}" type="slidenum">
+            <a:fld id="{6E40843F-2DBC-4B7A-A7B8-7A1ADF65DF73}" type="slidenum">
               <a:rPr b="0" lang="en-GB" sz="1800" spc="-1" strike="noStrike">
                 <a:solidFill>
                   <a:srgbClr val="000000"/>
@@ -550,7 +550,7 @@
         <p:spPr>
           <a:xfrm>
             <a:off x="533520" y="763560"/>
-            <a:ext cx="6693120" cy="3761280"/>
+            <a:ext cx="6692760" cy="3760920"/>
           </a:xfrm>
           <a:prstGeom prst="rect">
             <a:avLst/>
@@ -573,7 +573,7 @@
         <p:spPr>
           <a:xfrm>
             <a:off x="777240" y="4777560"/>
-            <a:ext cx="6206760" cy="4515120"/>
+            <a:ext cx="6206400" cy="4514760"/>
           </a:xfrm>
           <a:prstGeom prst="rect">
             <a:avLst/>
@@ -609,7 +609,7 @@
         <p:spPr>
           <a:xfrm>
             <a:off x="4399200" y="9555480"/>
-            <a:ext cx="3362040" cy="491760"/>
+            <a:ext cx="3361680" cy="491400"/>
           </a:xfrm>
           <a:prstGeom prst="rect">
             <a:avLst/>
@@ -635,7 +635,7 @@
                 <a:spcPct val="100000"/>
               </a:lnSpc>
             </a:pPr>
-            <a:fld id="{C85E1B75-2B6B-4B52-8CF7-4F97662D08E6}" type="slidenum">
+            <a:fld id="{3AF3AF75-64CE-4345-84AC-1AD8203EF916}" type="slidenum">
               <a:rPr b="0" lang="de-DE" sz="1800" spc="-1" strike="noStrike">
                 <a:solidFill>
                   <a:srgbClr val="000000"/>
@@ -689,7 +689,7 @@
         <p:spPr>
           <a:xfrm>
             <a:off x="533520" y="763560"/>
-            <a:ext cx="6693120" cy="3761280"/>
+            <a:ext cx="6692760" cy="3760920"/>
           </a:xfrm>
           <a:prstGeom prst="rect">
             <a:avLst/>
@@ -712,7 +712,7 @@
         <p:spPr>
           <a:xfrm>
             <a:off x="777240" y="4777560"/>
-            <a:ext cx="6206760" cy="4515120"/>
+            <a:ext cx="6206400" cy="4514760"/>
           </a:xfrm>
           <a:prstGeom prst="rect">
             <a:avLst/>
@@ -748,7 +748,7 @@
         <p:spPr>
           <a:xfrm>
             <a:off x="4399200" y="9555480"/>
-            <a:ext cx="3362040" cy="491760"/>
+            <a:ext cx="3361680" cy="491400"/>
           </a:xfrm>
           <a:prstGeom prst="rect">
             <a:avLst/>
@@ -774,7 +774,7 @@
                 <a:spcPct val="100000"/>
               </a:lnSpc>
             </a:pPr>
-            <a:fld id="{EA0CB50C-88F2-42F8-88D2-54659285B5DF}" type="slidenum">
+            <a:fld id="{89EA9DC1-F7F1-4212-9613-F5807F2B27D7}" type="slidenum">
               <a:rPr b="0" lang="de-DE" sz="1800" spc="-1" strike="noStrike">
                 <a:solidFill>
                   <a:srgbClr val="000000"/>
@@ -4379,7 +4379,7 @@
         <p:spPr>
           <a:xfrm>
             <a:off x="11444760" y="0"/>
-            <a:ext cx="740160" cy="6849000"/>
+            <a:ext cx="739800" cy="6848640"/>
           </a:xfrm>
           <a:prstGeom prst="rect">
             <a:avLst/>
@@ -4428,7 +4428,7 @@
         <p:spPr>
           <a:xfrm>
             <a:off x="11438640" y="6453360"/>
-            <a:ext cx="757080" cy="363960"/>
+            <a:ext cx="756720" cy="363960"/>
           </a:xfrm>
           <a:prstGeom prst="rect">
             <a:avLst/>
@@ -4454,7 +4454,7 @@
                 <a:spcPct val="100000"/>
               </a:lnSpc>
             </a:pPr>
-            <a:fld id="{EE2E0B2A-93D5-40A6-BDBA-8A5A97C32D82}" type="slidenum">
+            <a:fld id="{DA9294B2-BF30-4573-A42C-CD6EA54E8412}" type="slidenum">
               <a:rPr b="0" lang="en-US" sz="1800" spc="-1" strike="noStrike">
                 <a:solidFill>
                   <a:srgbClr val="808080"/>
@@ -4482,7 +4482,7 @@
         <p:spPr>
           <a:xfrm>
             <a:off x="912240" y="1268280"/>
-            <a:ext cx="9207000" cy="360360"/>
+            <a:ext cx="9206640" cy="360000"/>
           </a:xfrm>
           <a:prstGeom prst="rect">
             <a:avLst/>
@@ -4531,7 +4531,7 @@
         <p:spPr>
           <a:xfrm>
             <a:off x="0" y="0"/>
-            <a:ext cx="3051000" cy="560880"/>
+            <a:ext cx="3050640" cy="560520"/>
           </a:xfrm>
           <a:prstGeom prst="rect">
             <a:avLst/>
@@ -4554,7 +4554,7 @@
         <p:spPr>
           <a:xfrm>
             <a:off x="7430400" y="134640"/>
-            <a:ext cx="3696840" cy="513000"/>
+            <a:ext cx="3696480" cy="512640"/>
           </a:xfrm>
           <a:prstGeom prst="rect">
             <a:avLst/>
@@ -4573,7 +4573,7 @@
         <p:spPr>
           <a:xfrm>
             <a:off x="912240" y="1268280"/>
-            <a:ext cx="9207000" cy="360360"/>
+            <a:ext cx="9206640" cy="360000"/>
           </a:xfrm>
           <a:prstGeom prst="rect">
             <a:avLst/>
@@ -4618,7 +4618,7 @@
         <p:spPr>
           <a:xfrm>
             <a:off x="11444760" y="0"/>
-            <a:ext cx="740160" cy="6849000"/>
+            <a:ext cx="739800" cy="6848640"/>
           </a:xfrm>
           <a:prstGeom prst="rect">
             <a:avLst/>
@@ -4667,7 +4667,7 @@
         <p:spPr>
           <a:xfrm>
             <a:off x="0" y="6642720"/>
-            <a:ext cx="12183120" cy="211320"/>
+            <a:ext cx="12182760" cy="211320"/>
           </a:xfrm>
           <a:prstGeom prst="rect">
             <a:avLst/>
@@ -5039,7 +5039,7 @@
         <p:spPr>
           <a:xfrm>
             <a:off x="11444760" y="0"/>
-            <a:ext cx="740160" cy="6849000"/>
+            <a:ext cx="739800" cy="6848640"/>
           </a:xfrm>
           <a:prstGeom prst="rect">
             <a:avLst/>
@@ -5088,7 +5088,7 @@
         <p:spPr>
           <a:xfrm>
             <a:off x="11438640" y="6453360"/>
-            <a:ext cx="757080" cy="363960"/>
+            <a:ext cx="756720" cy="363960"/>
           </a:xfrm>
           <a:prstGeom prst="rect">
             <a:avLst/>
@@ -5114,7 +5114,7 @@
                 <a:spcPct val="100000"/>
               </a:lnSpc>
             </a:pPr>
-            <a:fld id="{74E18CEB-CB7F-4A41-8589-C83EFEA38608}" type="slidenum">
+            <a:fld id="{D1C5043B-0459-4BEE-8036-15F474042E1B}" type="slidenum">
               <a:rPr b="0" lang="en-US" sz="1800" spc="-1" strike="noStrike">
                 <a:solidFill>
                   <a:srgbClr val="808080"/>
@@ -5142,7 +5142,7 @@
         <p:spPr>
           <a:xfrm>
             <a:off x="912240" y="1268280"/>
-            <a:ext cx="9207000" cy="360360"/>
+            <a:ext cx="9206640" cy="360000"/>
           </a:xfrm>
           <a:prstGeom prst="rect">
             <a:avLst/>
@@ -5191,7 +5191,7 @@
         <p:spPr>
           <a:xfrm>
             <a:off x="0" y="0"/>
-            <a:ext cx="3051000" cy="560880"/>
+            <a:ext cx="3050640" cy="560520"/>
           </a:xfrm>
           <a:prstGeom prst="rect">
             <a:avLst/>
@@ -5214,7 +5214,7 @@
         <p:spPr>
           <a:xfrm>
             <a:off x="7430400" y="134640"/>
-            <a:ext cx="3696840" cy="513000"/>
+            <a:ext cx="3696480" cy="512640"/>
           </a:xfrm>
           <a:prstGeom prst="rect">
             <a:avLst/>
@@ -5233,7 +5233,7 @@
         <p:spPr>
           <a:xfrm>
             <a:off x="11444760" y="0"/>
-            <a:ext cx="740160" cy="6849000"/>
+            <a:ext cx="739800" cy="6848640"/>
           </a:xfrm>
           <a:prstGeom prst="rect">
             <a:avLst/>
@@ -5282,7 +5282,7 @@
         <p:spPr>
           <a:xfrm>
             <a:off x="11438640" y="6453360"/>
-            <a:ext cx="757080" cy="363960"/>
+            <a:ext cx="756720" cy="363960"/>
           </a:xfrm>
           <a:prstGeom prst="rect">
             <a:avLst/>
@@ -5308,7 +5308,7 @@
                 <a:spcPct val="100000"/>
               </a:lnSpc>
             </a:pPr>
-            <a:fld id="{B650EC7B-19EC-477F-9555-DB03556F2BAE}" type="slidenum">
+            <a:fld id="{18917A62-82A5-4D8E-950D-2CEE1474BDCF}" type="slidenum">
               <a:rPr b="0" lang="en-US" sz="1800" spc="-1" strike="noStrike">
                 <a:solidFill>
                   <a:srgbClr val="808080"/>
@@ -5336,7 +5336,7 @@
         <p:spPr>
           <a:xfrm>
             <a:off x="0" y="6642720"/>
-            <a:ext cx="12183120" cy="211320"/>
+            <a:ext cx="12182760" cy="211320"/>
           </a:xfrm>
           <a:prstGeom prst="rect">
             <a:avLst/>
@@ -5701,7 +5701,7 @@
         <p:spPr>
           <a:xfrm>
             <a:off x="527400" y="1412640"/>
-            <a:ext cx="10360080" cy="1146600"/>
+            <a:ext cx="10359720" cy="1146240"/>
           </a:xfrm>
           <a:prstGeom prst="rect">
             <a:avLst/>
@@ -5755,7 +5755,7 @@
         <p:spPr>
           <a:xfrm>
             <a:off x="527400" y="2852640"/>
-            <a:ext cx="10360080" cy="2367360"/>
+            <a:ext cx="10359720" cy="2367000"/>
           </a:xfrm>
           <a:prstGeom prst="rect">
             <a:avLst/>
@@ -5999,7 +5999,7 @@
         <p:spPr>
           <a:xfrm>
             <a:off x="335520" y="764640"/>
-            <a:ext cx="10744200" cy="495000"/>
+            <a:ext cx="10743840" cy="494640"/>
           </a:xfrm>
           <a:prstGeom prst="rect">
             <a:avLst/>
@@ -6053,7 +6053,7 @@
         <p:spPr>
           <a:xfrm>
             <a:off x="335520" y="1268280"/>
-            <a:ext cx="10744200" cy="5031720"/>
+            <a:ext cx="10743840" cy="5031360"/>
           </a:xfrm>
           <a:prstGeom prst="rect">
             <a:avLst/>
@@ -6418,7 +6418,7 @@
         <p:spPr>
           <a:xfrm>
             <a:off x="335520" y="764640"/>
-            <a:ext cx="10744200" cy="495000"/>
+            <a:ext cx="10743840" cy="494640"/>
           </a:xfrm>
           <a:prstGeom prst="rect">
             <a:avLst/>
@@ -6476,7 +6476,7 @@
         <p:spPr>
           <a:xfrm>
             <a:off x="371520" y="1620000"/>
-            <a:ext cx="10607760" cy="4400280"/>
+            <a:ext cx="10607400" cy="4399920"/>
           </a:xfrm>
           <a:prstGeom prst="rect">
             <a:avLst/>
@@ -6525,7 +6525,7 @@
         <p:spPr>
           <a:xfrm>
             <a:off x="335520" y="764640"/>
-            <a:ext cx="10744200" cy="495000"/>
+            <a:ext cx="10743840" cy="494640"/>
           </a:xfrm>
           <a:prstGeom prst="rect">
             <a:avLst/>
@@ -6605,7 +6605,7 @@
         <p:spPr>
           <a:xfrm>
             <a:off x="335520" y="1268640"/>
-            <a:ext cx="10744200" cy="5031720"/>
+            <a:ext cx="10743840" cy="5031360"/>
           </a:xfrm>
           <a:prstGeom prst="rect">
             <a:avLst/>
@@ -7210,7 +7210,7 @@
         <p:spPr>
           <a:xfrm>
             <a:off x="335520" y="764640"/>
-            <a:ext cx="10744200" cy="495000"/>
+            <a:ext cx="10743840" cy="494640"/>
           </a:xfrm>
           <a:prstGeom prst="rect">
             <a:avLst/>
@@ -7264,7 +7264,7 @@
         <p:spPr>
           <a:xfrm>
             <a:off x="335520" y="1268280"/>
-            <a:ext cx="10744200" cy="5031720"/>
+            <a:ext cx="10743840" cy="5031360"/>
           </a:xfrm>
           <a:prstGeom prst="rect">
             <a:avLst/>
@@ -7674,7 +7674,7 @@
         <p:spPr>
           <a:xfrm>
             <a:off x="335520" y="764640"/>
-            <a:ext cx="10744200" cy="495000"/>
+            <a:ext cx="10743840" cy="494640"/>
           </a:xfrm>
           <a:prstGeom prst="rect">
             <a:avLst/>
@@ -7728,7 +7728,7 @@
         <p:spPr>
           <a:xfrm>
             <a:off x="335520" y="1268640"/>
-            <a:ext cx="10744200" cy="5031720"/>
+            <a:ext cx="10743840" cy="5031360"/>
           </a:xfrm>
           <a:prstGeom prst="rect">
             <a:avLst/>
@@ -8029,7 +8029,7 @@
         <p:spPr>
           <a:xfrm>
             <a:off x="335520" y="764640"/>
-            <a:ext cx="10744200" cy="495000"/>
+            <a:ext cx="10743840" cy="494640"/>
           </a:xfrm>
           <a:prstGeom prst="rect">
             <a:avLst/>
@@ -8083,7 +8083,7 @@
         <p:spPr>
           <a:xfrm>
             <a:off x="335520" y="1268280"/>
-            <a:ext cx="10744200" cy="5031720"/>
+            <a:ext cx="10743840" cy="5031360"/>
           </a:xfrm>
           <a:prstGeom prst="rect">
             <a:avLst/>
@@ -8179,7 +8179,7 @@
         <p:spPr>
           <a:xfrm>
             <a:off x="6285600" y="2132640"/>
-            <a:ext cx="513720" cy="493560"/>
+            <a:ext cx="513360" cy="493200"/>
           </a:xfrm>
           <a:prstGeom prst="star5">
             <a:avLst>
@@ -8240,7 +8240,7 @@
         <p:spPr>
           <a:xfrm>
             <a:off x="4089960" y="2247480"/>
-            <a:ext cx="2282040" cy="363960"/>
+            <a:ext cx="2281680" cy="363960"/>
           </a:xfrm>
           <a:prstGeom prst="rect">
             <a:avLst/>
@@ -8344,7 +8344,7 @@
         <p:spPr>
           <a:xfrm>
             <a:off x="335520" y="764640"/>
-            <a:ext cx="10744200" cy="495000"/>
+            <a:ext cx="10743840" cy="494640"/>
           </a:xfrm>
           <a:prstGeom prst="rect">
             <a:avLst/>
@@ -8398,7 +8398,7 @@
         <p:spPr>
           <a:xfrm>
             <a:off x="335520" y="1268640"/>
-            <a:ext cx="10744200" cy="5031720"/>
+            <a:ext cx="10743840" cy="5031360"/>
           </a:xfrm>
           <a:prstGeom prst="rect">
             <a:avLst/>
@@ -8787,7 +8787,7 @@
         <p:spPr>
           <a:xfrm>
             <a:off x="335520" y="764640"/>
-            <a:ext cx="10742400" cy="493200"/>
+            <a:ext cx="10742040" cy="492840"/>
           </a:xfrm>
           <a:prstGeom prst="rect">
             <a:avLst/>
@@ -8841,7 +8841,7 @@
         <p:spPr>
           <a:xfrm>
             <a:off x="335520" y="1268640"/>
-            <a:ext cx="10742400" cy="5029920"/>
+            <a:ext cx="10742040" cy="5029560"/>
           </a:xfrm>
           <a:prstGeom prst="rect">
             <a:avLst/>
@@ -9054,7 +9054,7 @@
         <p:spPr>
           <a:xfrm>
             <a:off x="335520" y="1268640"/>
-            <a:ext cx="10744200" cy="5031720"/>
+            <a:ext cx="10743840" cy="5031360"/>
           </a:xfrm>
           <a:prstGeom prst="rect">
             <a:avLst/>
@@ -9114,7 +9114,7 @@
         <p:spPr>
           <a:xfrm>
             <a:off x="335520" y="764640"/>
-            <a:ext cx="10744200" cy="495000"/>
+            <a:ext cx="10743840" cy="494640"/>
           </a:xfrm>
           <a:prstGeom prst="rect">
             <a:avLst/>
@@ -9189,7 +9189,7 @@
         <p:spPr>
           <a:xfrm>
             <a:off x="335520" y="764640"/>
-            <a:ext cx="10738440" cy="489240"/>
+            <a:ext cx="10738080" cy="488880"/>
           </a:xfrm>
           <a:prstGeom prst="rect">
             <a:avLst/>
@@ -9243,7 +9243,7 @@
         <p:spPr>
           <a:xfrm>
             <a:off x="335520" y="1268280"/>
-            <a:ext cx="10738440" cy="5025960"/>
+            <a:ext cx="10738080" cy="5025600"/>
           </a:xfrm>
           <a:prstGeom prst="rect">
             <a:avLst/>
@@ -9477,7 +9477,7 @@
         <p:spPr>
           <a:xfrm>
             <a:off x="335520" y="764640"/>
-            <a:ext cx="10744200" cy="495000"/>
+            <a:ext cx="10743840" cy="494640"/>
           </a:xfrm>
           <a:prstGeom prst="rect">
             <a:avLst/>
@@ -9535,7 +9535,7 @@
         <p:spPr>
           <a:xfrm>
             <a:off x="1784520" y="1710720"/>
-            <a:ext cx="1467000" cy="2168280"/>
+            <a:ext cx="1466640" cy="2167920"/>
           </a:xfrm>
           <a:prstGeom prst="rect">
             <a:avLst/>
@@ -9558,7 +9558,7 @@
         <p:spPr>
           <a:xfrm>
             <a:off x="7395480" y="2082600"/>
-            <a:ext cx="1780920" cy="1773000"/>
+            <a:ext cx="1780560" cy="1772640"/>
           </a:xfrm>
           <a:prstGeom prst="rect">
             <a:avLst/>
@@ -9577,7 +9577,7 @@
         <p:spPr>
           <a:xfrm>
             <a:off x="720000" y="3826800"/>
-            <a:ext cx="3631680" cy="673200"/>
+            <a:ext cx="3631320" cy="672840"/>
           </a:xfrm>
           <a:prstGeom prst="rect">
             <a:avLst/>
@@ -9650,7 +9650,7 @@
         <p:spPr>
           <a:xfrm>
             <a:off x="6448320" y="3826800"/>
-            <a:ext cx="3631680" cy="673200"/>
+            <a:ext cx="3631320" cy="672840"/>
           </a:xfrm>
           <a:prstGeom prst="rect">
             <a:avLst/>
@@ -9723,7 +9723,7 @@
         <p:spPr>
           <a:xfrm>
             <a:off x="3569040" y="5987160"/>
-            <a:ext cx="3630960" cy="672480"/>
+            <a:ext cx="3630600" cy="672120"/>
           </a:xfrm>
           <a:prstGeom prst="rect">
             <a:avLst/>
@@ -9785,7 +9785,7 @@
         <p:spPr>
           <a:xfrm>
             <a:off x="4649040" y="4140000"/>
-            <a:ext cx="1439640" cy="1923480"/>
+            <a:ext cx="1439280" cy="1923120"/>
           </a:xfrm>
           <a:prstGeom prst="rect">
             <a:avLst/>
@@ -9834,7 +9834,7 @@
         <p:spPr>
           <a:xfrm>
             <a:off x="542880" y="721800"/>
-            <a:ext cx="10352880" cy="493560"/>
+            <a:ext cx="10352520" cy="493200"/>
           </a:xfrm>
           <a:prstGeom prst="rect">
             <a:avLst/>
@@ -9888,7 +9888,7 @@
         <p:spPr>
           <a:xfrm>
             <a:off x="451800" y="1709280"/>
-            <a:ext cx="8220240" cy="4348440"/>
+            <a:ext cx="8219880" cy="4348080"/>
           </a:xfrm>
           <a:prstGeom prst="rect">
             <a:avLst/>
@@ -9933,7 +9933,7 @@
         <p:spPr>
           <a:xfrm>
             <a:off x="609480" y="1769400"/>
-            <a:ext cx="10583280" cy="4851360"/>
+            <a:ext cx="10582920" cy="4851000"/>
           </a:xfrm>
           <a:prstGeom prst="rect">
             <a:avLst/>
@@ -10416,7 +10416,7 @@
         <p:spPr>
           <a:xfrm>
             <a:off x="542880" y="721800"/>
-            <a:ext cx="10350000" cy="490680"/>
+            <a:ext cx="10349640" cy="490320"/>
           </a:xfrm>
           <a:prstGeom prst="rect">
             <a:avLst/>
@@ -10470,7 +10470,7 @@
         <p:spPr>
           <a:xfrm>
             <a:off x="451800" y="1709280"/>
-            <a:ext cx="8217360" cy="4345560"/>
+            <a:ext cx="8217000" cy="4345200"/>
           </a:xfrm>
           <a:prstGeom prst="rect">
             <a:avLst/>
@@ -10515,7 +10515,7 @@
         <p:spPr>
           <a:xfrm>
             <a:off x="609480" y="1769400"/>
-            <a:ext cx="10580400" cy="4848480"/>
+            <a:ext cx="10580040" cy="4848120"/>
           </a:xfrm>
           <a:prstGeom prst="rect">
             <a:avLst/>
@@ -10946,7 +10946,7 @@
         <p:spPr>
           <a:xfrm>
             <a:off x="542880" y="721800"/>
-            <a:ext cx="10350000" cy="490680"/>
+            <a:ext cx="10349640" cy="490320"/>
           </a:xfrm>
           <a:prstGeom prst="rect">
             <a:avLst/>
@@ -11000,7 +11000,7 @@
         <p:spPr>
           <a:xfrm>
             <a:off x="451800" y="1709280"/>
-            <a:ext cx="8217360" cy="4345560"/>
+            <a:ext cx="8217000" cy="4345200"/>
           </a:xfrm>
           <a:prstGeom prst="rect">
             <a:avLst/>
@@ -11045,7 +11045,7 @@
         <p:spPr>
           <a:xfrm>
             <a:off x="609480" y="1769400"/>
-            <a:ext cx="10580400" cy="4848480"/>
+            <a:ext cx="10580040" cy="4848120"/>
           </a:xfrm>
           <a:prstGeom prst="rect">
             <a:avLst/>
@@ -11298,7 +11298,7 @@
         <p:spPr>
           <a:xfrm>
             <a:off x="539640" y="764640"/>
-            <a:ext cx="10740240" cy="491040"/>
+            <a:ext cx="10739880" cy="490680"/>
           </a:xfrm>
           <a:prstGeom prst="rect">
             <a:avLst/>
@@ -11352,7 +11352,7 @@
         <p:spPr>
           <a:xfrm>
             <a:off x="539640" y="1268640"/>
-            <a:ext cx="10740240" cy="5027760"/>
+            <a:ext cx="10739880" cy="5027400"/>
           </a:xfrm>
           <a:prstGeom prst="rect">
             <a:avLst/>
@@ -11893,7 +11893,7 @@
         <p:spPr>
           <a:xfrm>
             <a:off x="335520" y="764640"/>
-            <a:ext cx="10743480" cy="494280"/>
+            <a:ext cx="10743120" cy="493920"/>
           </a:xfrm>
           <a:prstGeom prst="rect">
             <a:avLst/>
@@ -11947,7 +11947,7 @@
         <p:spPr>
           <a:xfrm>
             <a:off x="335520" y="1268640"/>
-            <a:ext cx="10743480" cy="5031000"/>
+            <a:ext cx="10743120" cy="5030640"/>
           </a:xfrm>
           <a:prstGeom prst="rect">
             <a:avLst/>
@@ -12270,7 +12270,7 @@
                 <a:latin typeface="DejaVu Sans"/>
                 <a:ea typeface="DejaVu Sans"/>
               </a:rPr>
-              <a:t>19.06.2023 → Introduction to Blockchain Technology (L08)</a:t>
+              <a:t>19.06.2023 → IoT in Mining I (L08)</a:t>
             </a:r>
             <a:endParaRPr b="0" lang="en-GB" sz="1800" spc="-1" strike="noStrike">
               <a:solidFill>
@@ -12302,7 +12302,7 @@
                 <a:latin typeface="DejaVu Sans"/>
                 <a:ea typeface="DejaVu Sans"/>
               </a:rPr>
-              <a:t>26.06.2023 → Blockchain Technology – Consensus (L09)</a:t>
+              <a:t>26.06.2023 → IoT in Mining II (L09)</a:t>
             </a:r>
             <a:endParaRPr b="0" lang="en-GB" sz="1800" spc="-1" strike="noStrike">
               <a:solidFill>
@@ -12334,7 +12334,7 @@
                 <a:latin typeface="DejaVu Sans"/>
                 <a:ea typeface="DejaVu Sans"/>
               </a:rPr>
-              <a:t>03.07.2023 → Blockchain Technology – Ethereum and Smart Contracts (L10)</a:t>
+              <a:t>03.07.2023 → Technologies for Sustainability – MOOC Content (L10)</a:t>
             </a:r>
             <a:endParaRPr b="0" lang="en-GB" sz="1800" spc="-1" strike="noStrike">
               <a:solidFill>
@@ -12366,7 +12366,7 @@
                 <a:latin typeface="DejaVu Sans"/>
                 <a:ea typeface="DejaVu Sans"/>
               </a:rPr>
-              <a:t>10.07.2023 → Blockchain Technology and Sustainability (L11)</a:t>
+              <a:t>10.07.2023 → Coding Workshop I (Goslar)</a:t>
             </a:r>
             <a:endParaRPr b="0" lang="en-GB" sz="1800" spc="-1" strike="noStrike">
               <a:solidFill>
@@ -12398,27 +12398,7 @@
                 <a:latin typeface="DejaVu Sans"/>
                 <a:ea typeface="DejaVu Sans"/>
               </a:rPr>
-              <a:t>17.07.2023 → Invited Lecture </a:t>
-            </a:r>
-            <a:r>
-              <a:rPr b="1" lang="en-US" sz="1800" spc="-1" strike="noStrike">
-                <a:solidFill>
-                  <a:srgbClr val="000000"/>
-                </a:solidFill>
-                <a:latin typeface="DejaVu Sans"/>
-                <a:ea typeface="DejaVu Sans"/>
-              </a:rPr>
-              <a:t>XOR</a:t>
-            </a:r>
-            <a:r>
-              <a:rPr b="0" lang="en-US" sz="1800" spc="-1" strike="noStrike">
-                <a:solidFill>
-                  <a:srgbClr val="000000"/>
-                </a:solidFill>
-                <a:latin typeface="DejaVu Sans"/>
-                <a:ea typeface="DejaVu Sans"/>
-              </a:rPr>
-              <a:t> The Machine-to-Everything Economy – A step towards the CE 2.0? (L12)</a:t>
+              <a:t>17.07.2023 → Coding Workshop II (Goslar)</a:t>
             </a:r>
             <a:endParaRPr b="0" lang="en-GB" sz="1800" spc="-1" strike="noStrike">
               <a:solidFill>
@@ -12468,7 +12448,7 @@
         <p:spPr>
           <a:xfrm>
             <a:off x="539640" y="764640"/>
-            <a:ext cx="10747080" cy="497880"/>
+            <a:ext cx="10746720" cy="497520"/>
           </a:xfrm>
           <a:prstGeom prst="rect">
             <a:avLst/>
@@ -12522,7 +12502,7 @@
         <p:spPr>
           <a:xfrm>
             <a:off x="539640" y="1268640"/>
-            <a:ext cx="10747080" cy="5034600"/>
+            <a:ext cx="10746720" cy="5034240"/>
           </a:xfrm>
           <a:prstGeom prst="rect">
             <a:avLst/>

--- a/IoT-and-Digitalization-for-Circular-Economy/IoT-CE-L00-Organization.pptx
+++ b/IoT-and-Digitalization-for-Circular-Economy/IoT-CE-L00-Organization.pptx
@@ -26,7 +26,6 @@
     <p:sldId id="270" r:id="rId19"/>
     <p:sldId id="271" r:id="rId20"/>
     <p:sldId id="272" r:id="rId21"/>
-    <p:sldId id="273" r:id="rId22"/>
   </p:sldIdLst>
   <p:sldSz cx="12192000" cy="6858000"/>
   <p:notesSz cx="7772400" cy="10058400"/>
@@ -357,7 +356,7 @@
             <a:pPr indent="0" algn="r">
               <a:buNone/>
             </a:pPr>
-            <a:fld id="{081E9971-74FF-46D8-897F-B25B7DE92C99}" type="slidenum">
+            <a:fld id="{A28B83AA-D592-4B17-B90A-90BCFB254FC7}" type="slidenum">
               <a:rPr b="0" lang="en-GB" sz="1400" spc="-1" strike="noStrike">
                 <a:solidFill>
                   <a:srgbClr val="000000"/>
@@ -400,7 +399,7 @@
       </p:grpSpPr>
       <p:sp>
         <p:nvSpPr>
-          <p:cNvPr id="144" name="PlaceHolder 1"/>
+          <p:cNvPr id="142" name="PlaceHolder 1"/>
           <p:cNvSpPr>
             <a:spLocks noGrp="1"/>
           </p:cNvSpPr>
@@ -423,7 +422,7 @@
       </p:sp>
       <p:sp>
         <p:nvSpPr>
-          <p:cNvPr id="145" name="PlaceHolder 2"/>
+          <p:cNvPr id="143" name="PlaceHolder 2"/>
           <p:cNvSpPr>
             <a:spLocks noGrp="1"/>
           </p:cNvSpPr>
@@ -463,7 +462,7 @@
       </p:sp>
       <p:sp>
         <p:nvSpPr>
-          <p:cNvPr id="146" name="TextShape 1"/>
+          <p:cNvPr id="144" name="TextShape 1"/>
           <p:cNvSpPr/>
           <p:nvPr/>
         </p:nvSpPr>
@@ -496,7 +495,7 @@
                 <a:spcPct val="100000"/>
               </a:lnSpc>
             </a:pPr>
-            <a:fld id="{6E40843F-2DBC-4B7A-A7B8-7A1ADF65DF73}" type="slidenum">
+            <a:fld id="{62F11B9F-14E4-4AA6-B181-E2F606CA114A}" type="slidenum">
               <a:rPr b="0" lang="en-GB" sz="1800" spc="-1" strike="noStrike">
                 <a:solidFill>
                   <a:srgbClr val="000000"/>
@@ -504,7 +503,7 @@
                 <a:latin typeface="+mn-lt"/>
                 <a:ea typeface="+mn-ea"/>
               </a:rPr>
-              <a:t>&lt;number&gt;</a:t>
+              <a:t>6</a:t>
             </a:fld>
             <a:endParaRPr b="0" lang="en-GB" sz="1800" spc="-1" strike="noStrike">
               <a:solidFill>
@@ -539,7 +538,7 @@
       </p:grpSpPr>
       <p:sp>
         <p:nvSpPr>
-          <p:cNvPr id="147" name="PlaceHolder 1"/>
+          <p:cNvPr id="145" name="PlaceHolder 1"/>
           <p:cNvSpPr>
             <a:spLocks noGrp="1"/>
           </p:cNvSpPr>
@@ -562,7 +561,7 @@
       </p:sp>
       <p:sp>
         <p:nvSpPr>
-          <p:cNvPr id="148" name="PlaceHolder 2"/>
+          <p:cNvPr id="146" name="PlaceHolder 2"/>
           <p:cNvSpPr>
             <a:spLocks noGrp="1"/>
           </p:cNvSpPr>
@@ -602,7 +601,7 @@
       </p:sp>
       <p:sp>
         <p:nvSpPr>
-          <p:cNvPr id="149" name="CustomShape 3"/>
+          <p:cNvPr id="147" name="CustomShape 3"/>
           <p:cNvSpPr/>
           <p:nvPr/>
         </p:nvSpPr>
@@ -635,7 +634,7 @@
                 <a:spcPct val="100000"/>
               </a:lnSpc>
             </a:pPr>
-            <a:fld id="{3AF3AF75-64CE-4345-84AC-1AD8203EF916}" type="slidenum">
+            <a:fld id="{960768A0-EE2B-4172-B03D-A2EEC1C8E145}" type="slidenum">
               <a:rPr b="0" lang="de-DE" sz="1800" spc="-1" strike="noStrike">
                 <a:solidFill>
                   <a:srgbClr val="000000"/>
@@ -678,7 +677,7 @@
       </p:grpSpPr>
       <p:sp>
         <p:nvSpPr>
-          <p:cNvPr id="150" name="PlaceHolder 1"/>
+          <p:cNvPr id="148" name="PlaceHolder 1"/>
           <p:cNvSpPr>
             <a:spLocks noGrp="1"/>
           </p:cNvSpPr>
@@ -701,7 +700,7 @@
       </p:sp>
       <p:sp>
         <p:nvSpPr>
-          <p:cNvPr id="151" name="PlaceHolder 2"/>
+          <p:cNvPr id="149" name="PlaceHolder 2"/>
           <p:cNvSpPr>
             <a:spLocks noGrp="1"/>
           </p:cNvSpPr>
@@ -741,7 +740,7 @@
       </p:sp>
       <p:sp>
         <p:nvSpPr>
-          <p:cNvPr id="152" name="CustomShape 3"/>
+          <p:cNvPr id="150" name="CustomShape 3"/>
           <p:cNvSpPr/>
           <p:nvPr/>
         </p:nvSpPr>
@@ -774,7 +773,7 @@
                 <a:spcPct val="100000"/>
               </a:lnSpc>
             </a:pPr>
-            <a:fld id="{89EA9DC1-F7F1-4212-9613-F5807F2B27D7}" type="slidenum">
+            <a:fld id="{0F89DDFC-859D-4B4C-88AA-234F365789C1}" type="slidenum">
               <a:rPr b="0" lang="de-DE" sz="1800" spc="-1" strike="noStrike">
                 <a:solidFill>
                   <a:srgbClr val="000000"/>
@@ -4454,7 +4453,7 @@
                 <a:spcPct val="100000"/>
               </a:lnSpc>
             </a:pPr>
-            <a:fld id="{DA9294B2-BF30-4573-A42C-CD6EA54E8412}" type="slidenum">
+            <a:fld id="{A5AEA659-78E0-4A4F-AFDE-A7D70E0F0AF3}" type="slidenum">
               <a:rPr b="0" lang="en-US" sz="1800" spc="-1" strike="noStrike">
                 <a:solidFill>
                   <a:srgbClr val="808080"/>
@@ -5114,7 +5113,7 @@
                 <a:spcPct val="100000"/>
               </a:lnSpc>
             </a:pPr>
-            <a:fld id="{D1C5043B-0459-4BEE-8036-15F474042E1B}" type="slidenum">
+            <a:fld id="{D878B704-3F0D-4966-913C-300CA4411FC5}" type="slidenum">
               <a:rPr b="0" lang="en-US" sz="1800" spc="-1" strike="noStrike">
                 <a:solidFill>
                   <a:srgbClr val="808080"/>
@@ -5308,7 +5307,7 @@
                 <a:spcPct val="100000"/>
               </a:lnSpc>
             </a:pPr>
-            <a:fld id="{18917A62-82A5-4D8E-950D-2CEE1474BDCF}" type="slidenum">
+            <a:fld id="{83C0DD00-D57B-4573-94DE-C6DBE6E222AE}" type="slidenum">
               <a:rPr b="0" lang="en-US" sz="1800" spc="-1" strike="noStrike">
                 <a:solidFill>
                   <a:srgbClr val="808080"/>
@@ -5992,7 +5991,7 @@
       </p:grpSpPr>
       <p:sp>
         <p:nvSpPr>
-          <p:cNvPr id="124" name="CustomShape 1"/>
+          <p:cNvPr id="124" name="CustomShape 13"/>
           <p:cNvSpPr/>
           <p:nvPr/>
         </p:nvSpPr>
@@ -6044,341 +6043,29 @@
           </a:p>
         </p:txBody>
       </p:sp>
-      <p:sp>
-        <p:nvSpPr>
-          <p:cNvPr id="125" name="CustomShape 2"/>
-          <p:cNvSpPr/>
+      <p:pic>
+        <p:nvPicPr>
+          <p:cNvPr id="125" name="" descr=""/>
+          <p:cNvPicPr/>
           <p:nvPr/>
-        </p:nvSpPr>
-        <p:spPr>
-          <a:xfrm>
-            <a:off x="335520" y="1268280"/>
-            <a:ext cx="10743840" cy="5031360"/>
-          </a:xfrm>
-          <a:prstGeom prst="rect">
-            <a:avLst/>
-          </a:prstGeom>
-          <a:noFill/>
-          <a:ln w="0">
-            <a:noFill/>
-          </a:ln>
-        </p:spPr>
-        <p:style>
-          <a:lnRef idx="0"/>
-          <a:fillRef idx="0"/>
-          <a:effectRef idx="0"/>
-          <a:fontRef idx="minor"/>
-        </p:style>
-        <p:txBody>
-          <a:bodyPr lIns="90000" rIns="90000" tIns="45000" bIns="45000" anchor="ctr">
-            <a:noAutofit/>
-          </a:bodyPr>
-          <a:p>
-            <a:pPr>
-              <a:lnSpc>
-                <a:spcPct val="100000"/>
-              </a:lnSpc>
-              <a:spcBef>
-                <a:spcPts val="360"/>
-              </a:spcBef>
-            </a:pPr>
-            <a:endParaRPr b="0" lang="en-GB" sz="1800" spc="-1" strike="noStrike">
-              <a:solidFill>
-                <a:srgbClr val="000000"/>
-              </a:solidFill>
-              <a:latin typeface="Arial"/>
-            </a:endParaRPr>
-          </a:p>
-          <a:p>
-            <a:pPr>
-              <a:lnSpc>
-                <a:spcPct val="100000"/>
-              </a:lnSpc>
-              <a:spcBef>
-                <a:spcPts val="360"/>
-              </a:spcBef>
-            </a:pPr>
-            <a:endParaRPr b="0" lang="en-GB" sz="1800" spc="-1" strike="noStrike">
-              <a:solidFill>
-                <a:srgbClr val="000000"/>
-              </a:solidFill>
-              <a:latin typeface="Arial"/>
-            </a:endParaRPr>
-          </a:p>
-          <a:p>
-            <a:pPr marL="195120" indent="-188640">
-              <a:lnSpc>
-                <a:spcPct val="100000"/>
-              </a:lnSpc>
-              <a:spcBef>
-                <a:spcPts val="360"/>
-              </a:spcBef>
-              <a:buClr>
-                <a:srgbClr val="008c4f"/>
-              </a:buClr>
-              <a:buSzPct val="80000"/>
-              <a:buFont typeface="Wingdings" charset="2"/>
-              <a:buChar char=""/>
-            </a:pPr>
-            <a:r>
-              <a:rPr b="0" lang="en-GB" sz="1800" spc="-1" strike="noStrike">
-                <a:solidFill>
-                  <a:srgbClr val="000000"/>
-                </a:solidFill>
-                <a:latin typeface="DejaVu Sans"/>
-                <a:ea typeface="DejaVu Sans"/>
-              </a:rPr>
-              <a:t>News and updates → StudIP</a:t>
-            </a:r>
-            <a:endParaRPr b="0" lang="en-GB" sz="1800" spc="-1" strike="noStrike">
-              <a:solidFill>
-                <a:srgbClr val="000000"/>
-              </a:solidFill>
-              <a:latin typeface="Arial"/>
-            </a:endParaRPr>
-          </a:p>
-          <a:p>
-            <a:pPr>
-              <a:lnSpc>
-                <a:spcPct val="100000"/>
-              </a:lnSpc>
-              <a:spcBef>
-                <a:spcPts val="360"/>
-              </a:spcBef>
-            </a:pPr>
-            <a:endParaRPr b="0" lang="en-GB" sz="1800" spc="-1" strike="noStrike">
-              <a:solidFill>
-                <a:srgbClr val="000000"/>
-              </a:solidFill>
-              <a:latin typeface="Arial"/>
-            </a:endParaRPr>
-          </a:p>
-          <a:p>
-            <a:pPr marL="195120" indent="-188640">
-              <a:lnSpc>
-                <a:spcPct val="100000"/>
-              </a:lnSpc>
-              <a:spcBef>
-                <a:spcPts val="360"/>
-              </a:spcBef>
-              <a:buClr>
-                <a:srgbClr val="008c4f"/>
-              </a:buClr>
-              <a:buSzPct val="80000"/>
-              <a:buFont typeface="Wingdings" charset="2"/>
-              <a:buChar char=""/>
-            </a:pPr>
-            <a:r>
-              <a:rPr b="0" lang="en-US" sz="1800" spc="-1" strike="noStrike">
-                <a:solidFill>
-                  <a:srgbClr val="000000"/>
-                </a:solidFill>
-                <a:latin typeface="DejaVu Sans"/>
-                <a:ea typeface="DejaVu Sans"/>
-              </a:rPr>
-              <a:t>Slides → StudIP</a:t>
-            </a:r>
-            <a:endParaRPr b="0" lang="en-GB" sz="1800" spc="-1" strike="noStrike">
-              <a:solidFill>
-                <a:srgbClr val="000000"/>
-              </a:solidFill>
-              <a:latin typeface="Arial"/>
-            </a:endParaRPr>
-          </a:p>
-          <a:p>
-            <a:pPr>
-              <a:lnSpc>
-                <a:spcPct val="100000"/>
-              </a:lnSpc>
-              <a:spcBef>
-                <a:spcPts val="360"/>
-              </a:spcBef>
-            </a:pPr>
-            <a:endParaRPr b="0" lang="en-GB" sz="1800" spc="-1" strike="noStrike">
-              <a:solidFill>
-                <a:srgbClr val="000000"/>
-              </a:solidFill>
-              <a:latin typeface="Arial"/>
-            </a:endParaRPr>
-          </a:p>
-          <a:p>
-            <a:pPr marL="195120" indent="-188640">
-              <a:lnSpc>
-                <a:spcPct val="100000"/>
-              </a:lnSpc>
-              <a:spcBef>
-                <a:spcPts val="360"/>
-              </a:spcBef>
-              <a:buClr>
-                <a:srgbClr val="008c4f"/>
-              </a:buClr>
-              <a:buSzPct val="80000"/>
-              <a:buFont typeface="Wingdings" charset="2"/>
-              <a:buChar char=""/>
-            </a:pPr>
-            <a:r>
-              <a:rPr b="0" lang="en-US" sz="1800" spc="-1" strike="noStrike">
-                <a:solidFill>
-                  <a:srgbClr val="000000"/>
-                </a:solidFill>
-                <a:latin typeface="DejaVu Sans"/>
-                <a:ea typeface="DejaVu Sans"/>
-              </a:rPr>
-              <a:t>Lecture recordings → StudIP</a:t>
-            </a:r>
-            <a:endParaRPr b="0" lang="en-GB" sz="1800" spc="-1" strike="noStrike">
-              <a:solidFill>
-                <a:srgbClr val="000000"/>
-              </a:solidFill>
-              <a:latin typeface="Arial"/>
-            </a:endParaRPr>
-          </a:p>
-          <a:p>
-            <a:pPr>
-              <a:lnSpc>
-                <a:spcPct val="100000"/>
-              </a:lnSpc>
-              <a:spcBef>
-                <a:spcPts val="360"/>
-              </a:spcBef>
-            </a:pPr>
-            <a:endParaRPr b="0" lang="en-GB" sz="1800" spc="-1" strike="noStrike">
-              <a:solidFill>
-                <a:srgbClr val="000000"/>
-              </a:solidFill>
-              <a:latin typeface="Arial"/>
-            </a:endParaRPr>
-          </a:p>
-          <a:p>
-            <a:pPr marL="216000" indent="-216000">
-              <a:lnSpc>
-                <a:spcPct val="100000"/>
-              </a:lnSpc>
-              <a:spcBef>
-                <a:spcPts val="360"/>
-              </a:spcBef>
-              <a:buClr>
-                <a:srgbClr val="008c4f"/>
-              </a:buClr>
-              <a:buSzPct val="45000"/>
-              <a:buFont typeface="DejaVu Sans"/>
-              <a:buChar char="◾"/>
-            </a:pPr>
-            <a:r>
-              <a:rPr b="0" lang="en-US" sz="1800" spc="-1" strike="noStrike">
-                <a:solidFill>
-                  <a:srgbClr val="000000"/>
-                </a:solidFill>
-                <a:latin typeface="DejaVu Sans"/>
-                <a:ea typeface="DejaVu Sans"/>
-              </a:rPr>
-              <a:t>Further notes:</a:t>
-            </a:r>
-            <a:endParaRPr b="0" lang="en-GB" sz="1800" spc="-1" strike="noStrike">
-              <a:solidFill>
-                <a:srgbClr val="000000"/>
-              </a:solidFill>
-              <a:latin typeface="Arial"/>
-            </a:endParaRPr>
-          </a:p>
-          <a:p>
-            <a:pPr lvl="1" marL="432000" indent="-216000">
-              <a:lnSpc>
-                <a:spcPct val="100000"/>
-              </a:lnSpc>
-              <a:spcBef>
-                <a:spcPts val="360"/>
-              </a:spcBef>
-              <a:buClr>
-                <a:srgbClr val="008c4f"/>
-              </a:buClr>
-              <a:buSzPct val="60000"/>
-              <a:buFont typeface="DejaVu Sans"/>
-              <a:buChar char="—"/>
-            </a:pPr>
-            <a:r>
-              <a:rPr b="0" lang="en-US" sz="1800" spc="-1" strike="noStrike">
-                <a:solidFill>
-                  <a:srgbClr val="000000"/>
-                </a:solidFill>
-                <a:latin typeface="DejaVu Sans"/>
-                <a:ea typeface="DejaVu Sans"/>
-              </a:rPr>
-              <a:t>Recordings might contain irrelevant information (made for previous semesters) → Please ignore those.</a:t>
-            </a:r>
-            <a:endParaRPr b="0" lang="en-GB" sz="1800" spc="-1" strike="noStrike">
-              <a:solidFill>
-                <a:srgbClr val="000000"/>
-              </a:solidFill>
-              <a:latin typeface="Arial"/>
-            </a:endParaRPr>
-          </a:p>
-          <a:p>
-            <a:pPr lvl="1" marL="432000" indent="-216000">
-              <a:lnSpc>
-                <a:spcPct val="100000"/>
-              </a:lnSpc>
-              <a:spcBef>
-                <a:spcPts val="360"/>
-              </a:spcBef>
-              <a:buClr>
-                <a:srgbClr val="008c4f"/>
-              </a:buClr>
-              <a:buSzPct val="60000"/>
-              <a:buFont typeface="DejaVu Sans"/>
-              <a:buChar char="—"/>
-            </a:pPr>
-            <a:r>
-              <a:rPr b="0" lang="en-US" sz="1800" spc="-1" strike="noStrike">
-                <a:solidFill>
-                  <a:srgbClr val="000000"/>
-                </a:solidFill>
-                <a:latin typeface="DejaVu Sans"/>
-                <a:ea typeface="DejaVu Sans"/>
-              </a:rPr>
-              <a:t>Lecture/exercise numbers in the videos might not match your lecture/exercise number → Don’t worry.</a:t>
-            </a:r>
-            <a:endParaRPr b="0" lang="en-GB" sz="1800" spc="-1" strike="noStrike">
-              <a:solidFill>
-                <a:srgbClr val="000000"/>
-              </a:solidFill>
-              <a:latin typeface="Arial"/>
-            </a:endParaRPr>
-          </a:p>
-          <a:p>
-            <a:pPr lvl="1" marL="432000" indent="-216000">
-              <a:lnSpc>
-                <a:spcPct val="100000"/>
-              </a:lnSpc>
-              <a:spcBef>
-                <a:spcPts val="360"/>
-              </a:spcBef>
-              <a:buClr>
-                <a:srgbClr val="008c4f"/>
-              </a:buClr>
-              <a:buSzPct val="60000"/>
-              <a:buFont typeface="DejaVu Sans"/>
-              <a:buChar char="—"/>
-            </a:pPr>
-            <a:r>
-              <a:rPr b="0" lang="en-US" sz="1800" spc="-1" strike="noStrike">
-                <a:solidFill>
-                  <a:srgbClr val="000000"/>
-                </a:solidFill>
-                <a:latin typeface="DejaVu Sans"/>
-                <a:ea typeface="DejaVu Sans"/>
-              </a:rPr>
-              <a:t>Course news for this semester (WS22/23) and this course will be communicated via StudIP.</a:t>
-            </a:r>
-            <a:endParaRPr b="0" lang="en-GB" sz="1800" spc="-1" strike="noStrike">
-              <a:solidFill>
-                <a:srgbClr val="000000"/>
-              </a:solidFill>
-              <a:latin typeface="Arial"/>
-            </a:endParaRPr>
-          </a:p>
-        </p:txBody>
-      </p:sp>
+        </p:nvPicPr>
+        <p:blipFill>
+          <a:blip r:embed="rId1"/>
+          <a:stretch/>
+        </p:blipFill>
+        <p:spPr>
+          <a:xfrm>
+            <a:off x="371520" y="1620000"/>
+            <a:ext cx="10607400" cy="4399920"/>
+          </a:xfrm>
+          <a:prstGeom prst="rect">
+            <a:avLst/>
+          </a:prstGeom>
+          <a:ln w="0">
+            <a:noFill/>
+          </a:ln>
+        </p:spPr>
+      </p:pic>
     </p:spTree>
   </p:cSld>
   <mc:AlternateContent>
@@ -6411,7 +6098,7 @@
       </p:grpSpPr>
       <p:sp>
         <p:nvSpPr>
-          <p:cNvPr id="126" name="CustomShape 13"/>
+          <p:cNvPr id="126" name="CustomShape 1"/>
           <p:cNvSpPr/>
           <p:nvPr/>
         </p:nvSpPr>
@@ -6445,14 +6132,14 @@
               </a:lnSpc>
             </a:pPr>
             <a:r>
-              <a:rPr b="1" lang="en-US" sz="2400" spc="-1" strike="noStrike">
-                <a:solidFill>
-                  <a:srgbClr val="000000"/>
-                </a:solidFill>
-                <a:latin typeface="DejaVu Sans"/>
-                <a:ea typeface="DejaVu Sans"/>
-              </a:rPr>
-              <a:t>Course Organization  </a:t>
+              <a:rPr b="1" lang="en-GB" sz="2400" spc="-1" strike="noStrike">
+                <a:solidFill>
+                  <a:srgbClr val="000000"/>
+                </a:solidFill>
+                <a:latin typeface="DejaVu Sans"/>
+                <a:ea typeface="DejaVu Sans"/>
+              </a:rPr>
+              <a:t>Dates/Times/Locations</a:t>
             </a:r>
             <a:endParaRPr b="0" lang="en-GB" sz="2400" spc="-1" strike="noStrike">
               <a:solidFill>
@@ -6461,31 +6148,609 @@
               <a:latin typeface="Arial"/>
             </a:endParaRPr>
           </a:p>
-        </p:txBody>
-      </p:sp>
-      <p:pic>
-        <p:nvPicPr>
-          <p:cNvPr id="127" name="" descr=""/>
-          <p:cNvPicPr/>
+          <a:p>
+            <a:pPr>
+              <a:lnSpc>
+                <a:spcPct val="100000"/>
+              </a:lnSpc>
+            </a:pPr>
+            <a:endParaRPr b="0" lang="en-GB" sz="2400" spc="-1" strike="noStrike">
+              <a:solidFill>
+                <a:srgbClr val="000000"/>
+              </a:solidFill>
+              <a:latin typeface="Arial"/>
+            </a:endParaRPr>
+          </a:p>
+          <a:p>
+            <a:pPr>
+              <a:lnSpc>
+                <a:spcPct val="100000"/>
+              </a:lnSpc>
+            </a:pPr>
+            <a:endParaRPr b="0" lang="en-GB" sz="2400" spc="-1" strike="noStrike">
+              <a:solidFill>
+                <a:srgbClr val="000000"/>
+              </a:solidFill>
+              <a:latin typeface="Arial"/>
+            </a:endParaRPr>
+          </a:p>
+        </p:txBody>
+      </p:sp>
+      <p:sp>
+        <p:nvSpPr>
+          <p:cNvPr id="127" name="CustomShape 2"/>
+          <p:cNvSpPr/>
           <p:nvPr/>
-        </p:nvPicPr>
-        <p:blipFill>
-          <a:blip r:embed="rId1"/>
-          <a:stretch/>
-        </p:blipFill>
-        <p:spPr>
-          <a:xfrm>
-            <a:off x="371520" y="1620000"/>
-            <a:ext cx="10607400" cy="4399920"/>
-          </a:xfrm>
-          <a:prstGeom prst="rect">
-            <a:avLst/>
-          </a:prstGeom>
-          <a:ln w="0">
-            <a:noFill/>
-          </a:ln>
-        </p:spPr>
-      </p:pic>
+        </p:nvSpPr>
+        <p:spPr>
+          <a:xfrm>
+            <a:off x="335520" y="1268640"/>
+            <a:ext cx="10743840" cy="5031360"/>
+          </a:xfrm>
+          <a:prstGeom prst="rect">
+            <a:avLst/>
+          </a:prstGeom>
+          <a:noFill/>
+          <a:ln w="0">
+            <a:noFill/>
+          </a:ln>
+        </p:spPr>
+        <p:style>
+          <a:lnRef idx="0"/>
+          <a:fillRef idx="0"/>
+          <a:effectRef idx="0"/>
+          <a:fontRef idx="minor"/>
+        </p:style>
+        <p:txBody>
+          <a:bodyPr lIns="90000" rIns="90000" tIns="45000" bIns="45000" anchor="ctr">
+            <a:noAutofit/>
+          </a:bodyPr>
+          <a:p>
+            <a:pPr>
+              <a:lnSpc>
+                <a:spcPct val="100000"/>
+              </a:lnSpc>
+              <a:spcBef>
+                <a:spcPts val="360"/>
+              </a:spcBef>
+            </a:pPr>
+            <a:endParaRPr b="0" lang="en-GB" sz="1800" spc="-1" strike="noStrike">
+              <a:solidFill>
+                <a:srgbClr val="000000"/>
+              </a:solidFill>
+              <a:latin typeface="Arial"/>
+            </a:endParaRPr>
+          </a:p>
+          <a:p>
+            <a:pPr marL="216000" indent="-216000">
+              <a:lnSpc>
+                <a:spcPct val="100000"/>
+              </a:lnSpc>
+              <a:spcBef>
+                <a:spcPts val="360"/>
+              </a:spcBef>
+              <a:buClr>
+                <a:srgbClr val="008c4f"/>
+              </a:buClr>
+              <a:buSzPct val="45000"/>
+              <a:buFont typeface="DejaVu Sans"/>
+              <a:buChar char="◾"/>
+            </a:pPr>
+            <a:r>
+              <a:rPr b="0" lang="en-GB" sz="1800" spc="-1" strike="noStrike" u="sng">
+                <a:solidFill>
+                  <a:srgbClr val="000000"/>
+                </a:solidFill>
+                <a:uFillTx/>
+                <a:latin typeface="DejaVu Sans"/>
+                <a:ea typeface="DejaVu Sans"/>
+              </a:rPr>
+              <a:t>Lecture:</a:t>
+            </a:r>
+            <a:endParaRPr b="0" lang="en-GB" sz="1800" spc="-1" strike="noStrike">
+              <a:solidFill>
+                <a:srgbClr val="000000"/>
+              </a:solidFill>
+              <a:latin typeface="Arial"/>
+            </a:endParaRPr>
+          </a:p>
+          <a:p>
+            <a:pPr lvl="1" marL="432000" indent="-216000">
+              <a:lnSpc>
+                <a:spcPct val="100000"/>
+              </a:lnSpc>
+              <a:spcBef>
+                <a:spcPts val="360"/>
+              </a:spcBef>
+              <a:buClr>
+                <a:srgbClr val="008c4f"/>
+              </a:buClr>
+              <a:buSzPct val="60000"/>
+              <a:buFont typeface="DejaVu Sans"/>
+              <a:buChar char="—"/>
+            </a:pPr>
+            <a:r>
+              <a:rPr b="0" lang="en-GB" sz="1800" spc="-1" strike="noStrike">
+                <a:solidFill>
+                  <a:srgbClr val="000000"/>
+                </a:solidFill>
+                <a:latin typeface="DejaVu Sans"/>
+                <a:ea typeface="DejaVu Sans"/>
+              </a:rPr>
+              <a:t>Monday </a:t>
+            </a:r>
+            <a:r>
+              <a:rPr b="1" lang="en-GB" sz="1800" spc="-1" strike="noStrike">
+                <a:solidFill>
+                  <a:srgbClr val="000000"/>
+                </a:solidFill>
+                <a:latin typeface="DejaVu Sans"/>
+                <a:ea typeface="DejaVu Sans"/>
+              </a:rPr>
+              <a:t>1:15 pm to 2:45 pm</a:t>
+            </a:r>
+            <a:r>
+              <a:rPr b="0" lang="en-GB" sz="1800" spc="-1" strike="noStrike">
+                <a:solidFill>
+                  <a:srgbClr val="000000"/>
+                </a:solidFill>
+                <a:latin typeface="DejaVu Sans"/>
+                <a:ea typeface="DejaVu Sans"/>
+              </a:rPr>
+              <a:t> (Berlin time) – </a:t>
+            </a:r>
+            <a:r>
+              <a:rPr b="1" lang="en-GB" sz="1800" spc="-1" strike="noStrike">
+                <a:solidFill>
+                  <a:srgbClr val="000000"/>
+                </a:solidFill>
+                <a:latin typeface="DejaVu Sans"/>
+                <a:ea typeface="DejaVu Sans"/>
+              </a:rPr>
+              <a:t>07.11</a:t>
+            </a:r>
+            <a:r>
+              <a:rPr b="0" lang="en-GB" sz="1800" spc="-1" strike="noStrike">
+                <a:solidFill>
+                  <a:srgbClr val="000000"/>
+                </a:solidFill>
+                <a:latin typeface="DejaVu Sans"/>
+                <a:ea typeface="DejaVu Sans"/>
+              </a:rPr>
+              <a:t>.2022 to </a:t>
+            </a:r>
+            <a:r>
+              <a:rPr b="1" lang="en-GB" sz="1800" spc="-1" strike="noStrike">
+                <a:solidFill>
+                  <a:srgbClr val="000000"/>
+                </a:solidFill>
+                <a:latin typeface="DejaVu Sans"/>
+                <a:ea typeface="DejaVu Sans"/>
+              </a:rPr>
+              <a:t>13.02</a:t>
+            </a:r>
+            <a:r>
+              <a:rPr b="0" lang="en-GB" sz="1800" spc="-1" strike="noStrike">
+                <a:solidFill>
+                  <a:srgbClr val="000000"/>
+                </a:solidFill>
+                <a:latin typeface="DejaVu Sans"/>
+                <a:ea typeface="DejaVu Sans"/>
+              </a:rPr>
+              <a:t>.2023</a:t>
+            </a:r>
+            <a:endParaRPr b="0" lang="en-GB" sz="1800" spc="-1" strike="noStrike">
+              <a:solidFill>
+                <a:srgbClr val="000000"/>
+              </a:solidFill>
+              <a:latin typeface="Arial"/>
+            </a:endParaRPr>
+          </a:p>
+          <a:p>
+            <a:pPr lvl="1" marL="432000" indent="-216000">
+              <a:lnSpc>
+                <a:spcPct val="100000"/>
+              </a:lnSpc>
+              <a:spcBef>
+                <a:spcPts val="360"/>
+              </a:spcBef>
+              <a:buClr>
+                <a:srgbClr val="008c4f"/>
+              </a:buClr>
+              <a:buSzPct val="60000"/>
+              <a:buFont typeface="DejaVu Sans"/>
+              <a:buChar char="—"/>
+            </a:pPr>
+            <a:r>
+              <a:rPr b="0" lang="en-GB" sz="1800" spc="-1" strike="noStrike">
+                <a:solidFill>
+                  <a:srgbClr val="000000"/>
+                </a:solidFill>
+                <a:latin typeface="DejaVu Sans"/>
+                <a:ea typeface="DejaVu Sans"/>
+              </a:rPr>
+              <a:t>Location: BigBlueButton (</a:t>
+            </a:r>
+            <a:r>
+              <a:rPr b="0" lang="en-GB" sz="1800" spc="-1" strike="noStrike" u="sng">
+                <a:solidFill>
+                  <a:srgbClr val="0000ff"/>
+                </a:solidFill>
+                <a:uFillTx/>
+                <a:latin typeface="DejaVu Sans"/>
+                <a:ea typeface="DejaVu Sans"/>
+                <a:hlinkClick r:id="rId1"/>
+              </a:rPr>
+              <a:t>Link</a:t>
+            </a:r>
+            <a:r>
+              <a:rPr b="0" lang="en-GB" sz="1800" spc="-1" strike="noStrike">
+                <a:solidFill>
+                  <a:srgbClr val="000000"/>
+                </a:solidFill>
+                <a:latin typeface="DejaVu Sans"/>
+                <a:ea typeface="DejaVu Sans"/>
+              </a:rPr>
+              <a:t>) </a:t>
+            </a:r>
+            <a:r>
+              <a:rPr b="1" lang="en-GB" sz="1800" spc="-1" strike="noStrike" u="sng">
+                <a:solidFill>
+                  <a:srgbClr val="000000"/>
+                </a:solidFill>
+                <a:uFillTx/>
+                <a:latin typeface="DejaVu Sans"/>
+                <a:ea typeface="DejaVu Sans"/>
+              </a:rPr>
+              <a:t>OR video recordings</a:t>
+            </a:r>
+            <a:endParaRPr b="0" lang="en-GB" sz="1800" spc="-1" strike="noStrike">
+              <a:solidFill>
+                <a:srgbClr val="000000"/>
+              </a:solidFill>
+              <a:latin typeface="Arial"/>
+            </a:endParaRPr>
+          </a:p>
+          <a:p>
+            <a:pPr>
+              <a:lnSpc>
+                <a:spcPct val="100000"/>
+              </a:lnSpc>
+              <a:spcBef>
+                <a:spcPts val="360"/>
+              </a:spcBef>
+            </a:pPr>
+            <a:endParaRPr b="0" lang="en-GB" sz="1800" spc="-1" strike="noStrike">
+              <a:solidFill>
+                <a:srgbClr val="000000"/>
+              </a:solidFill>
+              <a:latin typeface="Arial"/>
+            </a:endParaRPr>
+          </a:p>
+          <a:p>
+            <a:pPr marL="216000" indent="-216000">
+              <a:lnSpc>
+                <a:spcPct val="100000"/>
+              </a:lnSpc>
+              <a:spcBef>
+                <a:spcPts val="360"/>
+              </a:spcBef>
+              <a:buClr>
+                <a:srgbClr val="008c4f"/>
+              </a:buClr>
+              <a:buSzPct val="45000"/>
+              <a:buFont typeface="DejaVu Sans"/>
+              <a:buChar char="◾"/>
+            </a:pPr>
+            <a:r>
+              <a:rPr b="0" lang="en-GB" sz="1800" spc="-1" strike="noStrike" u="sng">
+                <a:solidFill>
+                  <a:srgbClr val="000000"/>
+                </a:solidFill>
+                <a:uFillTx/>
+                <a:latin typeface="DejaVu Sans"/>
+                <a:ea typeface="DejaVu Sans"/>
+              </a:rPr>
+              <a:t>Exercise / Q&amp;A:</a:t>
+            </a:r>
+            <a:endParaRPr b="0" lang="en-GB" sz="1800" spc="-1" strike="noStrike">
+              <a:solidFill>
+                <a:srgbClr val="000000"/>
+              </a:solidFill>
+              <a:latin typeface="Arial"/>
+            </a:endParaRPr>
+          </a:p>
+          <a:p>
+            <a:pPr lvl="1" marL="432000" indent="-216000">
+              <a:lnSpc>
+                <a:spcPct val="100000"/>
+              </a:lnSpc>
+              <a:spcBef>
+                <a:spcPts val="360"/>
+              </a:spcBef>
+              <a:buClr>
+                <a:srgbClr val="008c4f"/>
+              </a:buClr>
+              <a:buSzPct val="60000"/>
+              <a:buFont typeface="DejaVu Sans"/>
+              <a:buChar char="—"/>
+            </a:pPr>
+            <a:r>
+              <a:rPr b="0" lang="en-GB" sz="1800" spc="-1" strike="noStrike">
+                <a:solidFill>
+                  <a:srgbClr val="000000"/>
+                </a:solidFill>
+                <a:latin typeface="DejaVu Sans"/>
+                <a:ea typeface="DejaVu Sans"/>
+              </a:rPr>
+              <a:t>Monday </a:t>
+            </a:r>
+            <a:r>
+              <a:rPr b="1" lang="en-GB" sz="1800" spc="-1" strike="noStrike">
+                <a:solidFill>
+                  <a:srgbClr val="000000"/>
+                </a:solidFill>
+                <a:latin typeface="DejaVu Sans"/>
+                <a:ea typeface="DejaVu Sans"/>
+              </a:rPr>
+              <a:t>3 pm to 3:30</a:t>
+            </a:r>
+            <a:r>
+              <a:rPr b="0" lang="en-GB" sz="1800" spc="-1" strike="noStrike">
+                <a:solidFill>
+                  <a:srgbClr val="000000"/>
+                </a:solidFill>
+                <a:latin typeface="DejaVu Sans"/>
+                <a:ea typeface="DejaVu Sans"/>
+              </a:rPr>
+              <a:t> </a:t>
+            </a:r>
+            <a:r>
+              <a:rPr b="1" lang="en-GB" sz="1800" spc="-1" strike="noStrike">
+                <a:solidFill>
+                  <a:srgbClr val="000000"/>
+                </a:solidFill>
+                <a:latin typeface="DejaVu Sans"/>
+                <a:ea typeface="DejaVu Sans"/>
+              </a:rPr>
+              <a:t>pm</a:t>
+            </a:r>
+            <a:r>
+              <a:rPr b="0" lang="en-GB" sz="1800" spc="-1" strike="noStrike">
+                <a:solidFill>
+                  <a:srgbClr val="000000"/>
+                </a:solidFill>
+                <a:latin typeface="DejaVu Sans"/>
+                <a:ea typeface="DejaVu Sans"/>
+              </a:rPr>
+              <a:t> (Berlin time) – </a:t>
+            </a:r>
+            <a:r>
+              <a:rPr b="1" lang="en-GB" sz="1800" spc="-1" strike="noStrike">
+                <a:solidFill>
+                  <a:srgbClr val="000000"/>
+                </a:solidFill>
+                <a:latin typeface="DejaVu Sans"/>
+                <a:ea typeface="DejaVu Sans"/>
+              </a:rPr>
+              <a:t>07.11</a:t>
+            </a:r>
+            <a:r>
+              <a:rPr b="0" lang="en-GB" sz="1800" spc="-1" strike="noStrike">
+                <a:solidFill>
+                  <a:srgbClr val="000000"/>
+                </a:solidFill>
+                <a:latin typeface="DejaVu Sans"/>
+                <a:ea typeface="DejaVu Sans"/>
+              </a:rPr>
+              <a:t>.2022 to </a:t>
+            </a:r>
+            <a:r>
+              <a:rPr b="1" lang="en-GB" sz="1800" spc="-1" strike="noStrike">
+                <a:solidFill>
+                  <a:srgbClr val="000000"/>
+                </a:solidFill>
+                <a:latin typeface="DejaVu Sans"/>
+                <a:ea typeface="DejaVu Sans"/>
+              </a:rPr>
+              <a:t>13.03</a:t>
+            </a:r>
+            <a:r>
+              <a:rPr b="0" lang="en-GB" sz="1800" spc="-1" strike="noStrike">
+                <a:solidFill>
+                  <a:srgbClr val="000000"/>
+                </a:solidFill>
+                <a:latin typeface="DejaVu Sans"/>
+                <a:ea typeface="DejaVu Sans"/>
+              </a:rPr>
+              <a:t>.2023</a:t>
+            </a:r>
+            <a:endParaRPr b="0" lang="en-GB" sz="1800" spc="-1" strike="noStrike">
+              <a:solidFill>
+                <a:srgbClr val="000000"/>
+              </a:solidFill>
+              <a:latin typeface="Arial"/>
+            </a:endParaRPr>
+          </a:p>
+          <a:p>
+            <a:pPr lvl="1" marL="432000" indent="-216000">
+              <a:lnSpc>
+                <a:spcPct val="100000"/>
+              </a:lnSpc>
+              <a:spcBef>
+                <a:spcPts val="360"/>
+              </a:spcBef>
+              <a:buClr>
+                <a:srgbClr val="008c4f"/>
+              </a:buClr>
+              <a:buSzPct val="60000"/>
+              <a:buFont typeface="DejaVu Sans"/>
+              <a:buChar char="—"/>
+            </a:pPr>
+            <a:r>
+              <a:rPr b="0" lang="en-GB" sz="1800" spc="-1" strike="noStrike">
+                <a:solidFill>
+                  <a:srgbClr val="000000"/>
+                </a:solidFill>
+                <a:latin typeface="DejaVu Sans"/>
+                <a:ea typeface="DejaVu Sans"/>
+              </a:rPr>
+              <a:t>Location: BigBlueButton (</a:t>
+            </a:r>
+            <a:r>
+              <a:rPr b="0" lang="en-GB" sz="1800" spc="-1" strike="noStrike" u="sng">
+                <a:solidFill>
+                  <a:srgbClr val="0000ff"/>
+                </a:solidFill>
+                <a:uFillTx/>
+                <a:latin typeface="DejaVu Sans"/>
+                <a:ea typeface="DejaVu Sans"/>
+                <a:hlinkClick r:id="rId2"/>
+              </a:rPr>
+              <a:t>Link</a:t>
+            </a:r>
+            <a:r>
+              <a:rPr b="0" lang="en-GB" sz="1800" spc="-1" strike="noStrike">
+                <a:solidFill>
+                  <a:srgbClr val="000000"/>
+                </a:solidFill>
+                <a:latin typeface="DejaVu Sans"/>
+                <a:ea typeface="DejaVu Sans"/>
+              </a:rPr>
+              <a:t>)</a:t>
+            </a:r>
+            <a:endParaRPr b="0" lang="en-GB" sz="1800" spc="-1" strike="noStrike">
+              <a:solidFill>
+                <a:srgbClr val="000000"/>
+              </a:solidFill>
+              <a:latin typeface="Arial"/>
+            </a:endParaRPr>
+          </a:p>
+          <a:p>
+            <a:pPr>
+              <a:lnSpc>
+                <a:spcPct val="100000"/>
+              </a:lnSpc>
+              <a:spcBef>
+                <a:spcPts val="360"/>
+              </a:spcBef>
+            </a:pPr>
+            <a:endParaRPr b="0" lang="en-GB" sz="1800" spc="-1" strike="noStrike">
+              <a:solidFill>
+                <a:srgbClr val="000000"/>
+              </a:solidFill>
+              <a:latin typeface="Arial"/>
+            </a:endParaRPr>
+          </a:p>
+          <a:p>
+            <a:pPr marL="216000" indent="-216000">
+              <a:lnSpc>
+                <a:spcPct val="100000"/>
+              </a:lnSpc>
+              <a:spcBef>
+                <a:spcPts val="360"/>
+              </a:spcBef>
+              <a:buClr>
+                <a:srgbClr val="008c4f"/>
+              </a:buClr>
+              <a:buSzPct val="45000"/>
+              <a:buFont typeface="DejaVu Sans"/>
+              <a:buChar char="◾"/>
+            </a:pPr>
+            <a:r>
+              <a:rPr b="0" lang="en-GB" sz="1800" spc="-1" strike="noStrike" u="sng">
+                <a:solidFill>
+                  <a:srgbClr val="000000"/>
+                </a:solidFill>
+                <a:uFillTx/>
+                <a:latin typeface="DejaVu Sans"/>
+                <a:ea typeface="DejaVu Sans"/>
+              </a:rPr>
+              <a:t>Practical Workshop in Goslar/CLZ:</a:t>
+            </a:r>
+            <a:endParaRPr b="0" lang="en-GB" sz="1800" spc="-1" strike="noStrike">
+              <a:solidFill>
+                <a:srgbClr val="000000"/>
+              </a:solidFill>
+              <a:latin typeface="Arial"/>
+            </a:endParaRPr>
+          </a:p>
+          <a:p>
+            <a:pPr lvl="1" marL="432000" indent="-216000">
+              <a:lnSpc>
+                <a:spcPct val="100000"/>
+              </a:lnSpc>
+              <a:spcBef>
+                <a:spcPts val="360"/>
+              </a:spcBef>
+              <a:buClr>
+                <a:srgbClr val="008c4f"/>
+              </a:buClr>
+              <a:buSzPct val="60000"/>
+              <a:buFont typeface="DejaVu Sans"/>
+              <a:buChar char="—"/>
+            </a:pPr>
+            <a:r>
+              <a:rPr b="0" lang="en-GB" sz="1800" spc="-1" strike="noStrike">
+                <a:solidFill>
+                  <a:srgbClr val="000000"/>
+                </a:solidFill>
+                <a:latin typeface="DejaVu Sans"/>
+                <a:ea typeface="DejaVu Sans"/>
+              </a:rPr>
+              <a:t>When: 15.02.2023 (Wednesday) </a:t>
+            </a:r>
+            <a:r>
+              <a:rPr b="1" lang="en-GB" sz="1800" spc="-1" strike="noStrike">
+                <a:solidFill>
+                  <a:srgbClr val="000000"/>
+                </a:solidFill>
+                <a:latin typeface="DejaVu Sans"/>
+                <a:ea typeface="DejaVu Sans"/>
+              </a:rPr>
+              <a:t>9 am – 4pm (Berlin time)</a:t>
+            </a:r>
+            <a:endParaRPr b="0" lang="en-GB" sz="1800" spc="-1" strike="noStrike">
+              <a:solidFill>
+                <a:srgbClr val="000000"/>
+              </a:solidFill>
+              <a:latin typeface="Arial"/>
+            </a:endParaRPr>
+          </a:p>
+          <a:p>
+            <a:pPr lvl="1" marL="432000" indent="-216000">
+              <a:lnSpc>
+                <a:spcPct val="100000"/>
+              </a:lnSpc>
+              <a:spcBef>
+                <a:spcPts val="360"/>
+              </a:spcBef>
+              <a:buClr>
+                <a:srgbClr val="008c4f"/>
+              </a:buClr>
+              <a:buSzPct val="60000"/>
+              <a:buFont typeface="DejaVu Sans"/>
+              <a:buChar char="—"/>
+            </a:pPr>
+            <a:r>
+              <a:rPr b="0" lang="en-GB" sz="1800" spc="-1" strike="noStrike">
+                <a:solidFill>
+                  <a:srgbClr val="000000"/>
+                </a:solidFill>
+                <a:latin typeface="DejaVu Sans"/>
+                <a:ea typeface="DejaVu Sans"/>
+              </a:rPr>
+              <a:t>Location: Goslar (DIGIT) or CLZ </a:t>
+            </a:r>
+            <a:endParaRPr b="0" lang="en-GB" sz="1800" spc="-1" strike="noStrike">
+              <a:solidFill>
+                <a:srgbClr val="000000"/>
+              </a:solidFill>
+              <a:latin typeface="Arial"/>
+            </a:endParaRPr>
+          </a:p>
+        </p:txBody>
+      </p:sp>
     </p:spTree>
   </p:cSld>
   <mc:AlternateContent>
@@ -6552,41 +6817,15 @@
               </a:lnSpc>
             </a:pPr>
             <a:r>
-              <a:rPr b="1" lang="en-GB" sz="2400" spc="-1" strike="noStrike">
-                <a:solidFill>
-                  <a:srgbClr val="000000"/>
-                </a:solidFill>
-                <a:latin typeface="DejaVu Sans"/>
-                <a:ea typeface="DejaVu Sans"/>
-              </a:rPr>
-              <a:t>Dates/Times/Locations</a:t>
-            </a:r>
-            <a:endParaRPr b="0" lang="en-GB" sz="2400" spc="-1" strike="noStrike">
-              <a:solidFill>
-                <a:srgbClr val="000000"/>
-              </a:solidFill>
-              <a:latin typeface="Arial"/>
-            </a:endParaRPr>
-          </a:p>
-          <a:p>
-            <a:pPr>
-              <a:lnSpc>
-                <a:spcPct val="100000"/>
-              </a:lnSpc>
-            </a:pPr>
-            <a:endParaRPr b="0" lang="en-GB" sz="2400" spc="-1" strike="noStrike">
-              <a:solidFill>
-                <a:srgbClr val="000000"/>
-              </a:solidFill>
-              <a:latin typeface="Arial"/>
-            </a:endParaRPr>
-          </a:p>
-          <a:p>
-            <a:pPr>
-              <a:lnSpc>
-                <a:spcPct val="100000"/>
-              </a:lnSpc>
-            </a:pPr>
+              <a:rPr b="1" lang="en-US" sz="2400" spc="-1" strike="noStrike">
+                <a:solidFill>
+                  <a:srgbClr val="000000"/>
+                </a:solidFill>
+                <a:latin typeface="DejaVu Sans"/>
+                <a:ea typeface="DejaVu Sans"/>
+              </a:rPr>
+              <a:t>Exercises and Practical Workshop </a:t>
+            </a:r>
             <a:endParaRPr b="0" lang="en-GB" sz="2400" spc="-1" strike="noStrike">
               <a:solidFill>
                 <a:srgbClr val="000000"/>
@@ -6604,7 +6843,7 @@
         </p:nvSpPr>
         <p:spPr>
           <a:xfrm>
-            <a:off x="335520" y="1268640"/>
+            <a:off x="335520" y="1268280"/>
             <a:ext cx="10743840" cy="5031360"/>
           </a:xfrm>
           <a:prstGeom prst="rect">
@@ -6630,6 +6869,19 @@
               <a:lnSpc>
                 <a:spcPct val="100000"/>
               </a:lnSpc>
+            </a:pPr>
+            <a:endParaRPr b="0" lang="en-GB" sz="1800" spc="-1" strike="noStrike">
+              <a:solidFill>
+                <a:srgbClr val="000000"/>
+              </a:solidFill>
+              <a:latin typeface="Arial"/>
+            </a:endParaRPr>
+          </a:p>
+          <a:p>
+            <a:pPr>
+              <a:lnSpc>
+                <a:spcPct val="100000"/>
+              </a:lnSpc>
               <a:spcBef>
                 <a:spcPts val="360"/>
               </a:spcBef>
@@ -6642,7 +6894,7 @@
             </a:endParaRPr>
           </a:p>
           <a:p>
-            <a:pPr marL="216000" indent="-216000">
+            <a:pPr marL="195120" indent="-188640">
               <a:lnSpc>
                 <a:spcPct val="100000"/>
               </a:lnSpc>
@@ -6652,20 +6904,59 @@
               <a:buClr>
                 <a:srgbClr val="008c4f"/>
               </a:buClr>
-              <a:buSzPct val="45000"/>
-              <a:buFont typeface="DejaVu Sans"/>
-              <a:buChar char="◾"/>
-            </a:pPr>
-            <a:r>
-              <a:rPr b="0" lang="en-GB" sz="1800" spc="-1" strike="noStrike" u="sng">
-                <a:solidFill>
-                  <a:srgbClr val="000000"/>
-                </a:solidFill>
-                <a:uFillTx/>
-                <a:latin typeface="DejaVu Sans"/>
-                <a:ea typeface="DejaVu Sans"/>
-              </a:rPr>
-              <a:t>Lecture:</a:t>
+              <a:buSzPct val="80000"/>
+              <a:buFont typeface="Wingdings" charset="2"/>
+              <a:buChar char=""/>
+            </a:pPr>
+            <a:r>
+              <a:rPr b="0" lang="en-US" sz="1800" spc="-1" strike="noStrike">
+                <a:solidFill>
+                  <a:srgbClr val="000000"/>
+                </a:solidFill>
+                <a:latin typeface="DejaVu Sans"/>
+                <a:ea typeface="DejaVu Sans"/>
+              </a:rPr>
+              <a:t>Individual work</a:t>
+            </a:r>
+            <a:r>
+              <a:rPr b="0" lang="de-DE" sz="1800" spc="-1" strike="noStrike">
+                <a:solidFill>
+                  <a:srgbClr val="000000"/>
+                </a:solidFill>
+                <a:latin typeface="DejaVu Sans"/>
+                <a:ea typeface="DejaVu Sans"/>
+              </a:rPr>
+              <a:t> </a:t>
+            </a:r>
+            <a:r>
+              <a:rPr b="0" lang="en-US" sz="1800" spc="-1" strike="noStrike">
+                <a:solidFill>
+                  <a:srgbClr val="000000"/>
+                </a:solidFill>
+                <a:latin typeface="DejaVu Sans"/>
+                <a:ea typeface="DejaVu Sans"/>
+              </a:rPr>
+              <a:t>→</a:t>
+            </a:r>
+            <a:r>
+              <a:rPr b="0" lang="de-DE" sz="1800" spc="-1" strike="noStrike">
+                <a:solidFill>
+                  <a:srgbClr val="000000"/>
+                </a:solidFill>
+                <a:latin typeface="DejaVu Sans"/>
+                <a:ea typeface="DejaVu Sans"/>
+              </a:rPr>
+              <a:t> </a:t>
+            </a:r>
+            <a:r>
+              <a:rPr b="0" lang="en-GB" sz="1800" spc="-1" strike="noStrike">
+                <a:solidFill>
+                  <a:srgbClr val="000000"/>
+                </a:solidFill>
+                <a:latin typeface="DejaVu Sans"/>
+                <a:ea typeface="DejaVu Sans"/>
+              </a:rPr>
+              <a:t>no group submissions</a:t>
             </a:r>
             <a:endParaRPr b="0" lang="en-GB" sz="1800" spc="-1" strike="noStrike">
               <a:solidFill>
@@ -6675,7 +6966,7 @@
             </a:endParaRPr>
           </a:p>
           <a:p>
-            <a:pPr lvl="1" marL="432000" indent="-216000">
+            <a:pPr marL="195120" indent="-188640">
               <a:lnSpc>
                 <a:spcPct val="100000"/>
               </a:lnSpc>
@@ -6685,9 +6976,9 @@
               <a:buClr>
                 <a:srgbClr val="008c4f"/>
               </a:buClr>
-              <a:buSzPct val="60000"/>
-              <a:buFont typeface="DejaVu Sans"/>
-              <a:buChar char="—"/>
+              <a:buSzPct val="80000"/>
+              <a:buFont typeface="Wingdings" charset="2"/>
+              <a:buChar char=""/>
             </a:pPr>
             <a:r>
               <a:rPr b="0" lang="en-GB" sz="1800" spc="-1" strike="noStrike">
@@ -6697,7 +6988,7 @@
                 <a:latin typeface="DejaVu Sans"/>
                 <a:ea typeface="DejaVu Sans"/>
               </a:rPr>
-              <a:t>Monday </a:t>
+              <a:t>Submission of </a:t>
             </a:r>
             <a:r>
               <a:rPr b="1" lang="en-GB" sz="1800" spc="-1" strike="noStrike">
@@ -6707,7 +6998,7 @@
                 <a:latin typeface="DejaVu Sans"/>
                 <a:ea typeface="DejaVu Sans"/>
               </a:rPr>
-              <a:t>1:15 pm to 2:45 pm</a:t>
+              <a:t>each</a:t>
             </a:r>
             <a:r>
               <a:rPr b="0" lang="en-GB" sz="1800" spc="-1" strike="noStrike">
@@ -6717,7 +7008,7 @@
                 <a:latin typeface="DejaVu Sans"/>
                 <a:ea typeface="DejaVu Sans"/>
               </a:rPr>
-              <a:t> (Berlin time) – </a:t>
+              <a:t> exercise is </a:t>
             </a:r>
             <a:r>
               <a:rPr b="1" lang="en-GB" sz="1800" spc="-1" strike="noStrike">
@@ -6727,37 +7018,7 @@
                 <a:latin typeface="DejaVu Sans"/>
                 <a:ea typeface="DejaVu Sans"/>
               </a:rPr>
-              <a:t>07.11</a:t>
-            </a:r>
-            <a:r>
-              <a:rPr b="0" lang="en-GB" sz="1800" spc="-1" strike="noStrike">
-                <a:solidFill>
-                  <a:srgbClr val="000000"/>
-                </a:solidFill>
-                <a:latin typeface="DejaVu Sans"/>
-                <a:ea typeface="DejaVu Sans"/>
-              </a:rPr>
-              <a:t>.2022 to </a:t>
-            </a:r>
-            <a:r>
-              <a:rPr b="1" lang="en-GB" sz="1800" spc="-1" strike="noStrike">
-                <a:solidFill>
-                  <a:srgbClr val="000000"/>
-                </a:solidFill>
-                <a:latin typeface="DejaVu Sans"/>
-                <a:ea typeface="DejaVu Sans"/>
-              </a:rPr>
-              <a:t>13.02</a:t>
-            </a:r>
-            <a:r>
-              <a:rPr b="0" lang="en-GB" sz="1800" spc="-1" strike="noStrike">
-                <a:solidFill>
-                  <a:srgbClr val="000000"/>
-                </a:solidFill>
-                <a:latin typeface="DejaVu Sans"/>
-                <a:ea typeface="DejaVu Sans"/>
-              </a:rPr>
-              <a:t>.2023</a:t>
+              <a:t>mandatory</a:t>
             </a:r>
             <a:endParaRPr b="0" lang="en-GB" sz="1800" spc="-1" strike="noStrike">
               <a:solidFill>
@@ -6767,7 +7028,7 @@
             </a:endParaRPr>
           </a:p>
           <a:p>
-            <a:pPr lvl="1" marL="432000" indent="-216000">
+            <a:pPr marL="195120" indent="-188640">
               <a:lnSpc>
                 <a:spcPct val="100000"/>
               </a:lnSpc>
@@ -6777,9 +7038,9 @@
               <a:buClr>
                 <a:srgbClr val="008c4f"/>
               </a:buClr>
-              <a:buSzPct val="60000"/>
-              <a:buFont typeface="DejaVu Sans"/>
-              <a:buChar char="—"/>
+              <a:buSzPct val="80000"/>
+              <a:buFont typeface="Wingdings" charset="2"/>
+              <a:buChar char=""/>
             </a:pPr>
             <a:r>
               <a:rPr b="0" lang="en-GB" sz="1800" spc="-1" strike="noStrike">
@@ -6789,40 +7050,7 @@
                 <a:latin typeface="DejaVu Sans"/>
                 <a:ea typeface="DejaVu Sans"/>
               </a:rPr>
-              <a:t>Location: BigBlueButton (</a:t>
-            </a:r>
-            <a:r>
-              <a:rPr b="0" lang="en-GB" sz="1800" spc="-1" strike="noStrike" u="sng">
-                <a:solidFill>
-                  <a:srgbClr val="0000ff"/>
-                </a:solidFill>
-                <a:uFillTx/>
-                <a:latin typeface="DejaVu Sans"/>
-                <a:ea typeface="DejaVu Sans"/>
-                <a:hlinkClick r:id="rId1"/>
-              </a:rPr>
-              <a:t>Link</a:t>
-            </a:r>
-            <a:r>
-              <a:rPr b="0" lang="en-GB" sz="1800" spc="-1" strike="noStrike">
-                <a:solidFill>
-                  <a:srgbClr val="000000"/>
-                </a:solidFill>
-                <a:latin typeface="DejaVu Sans"/>
-                <a:ea typeface="DejaVu Sans"/>
-              </a:rPr>
-              <a:t>) </a:t>
-            </a:r>
-            <a:r>
-              <a:rPr b="1" lang="en-GB" sz="1800" spc="-1" strike="noStrike" u="sng">
-                <a:solidFill>
-                  <a:srgbClr val="000000"/>
-                </a:solidFill>
-                <a:uFillTx/>
-                <a:latin typeface="DejaVu Sans"/>
-                <a:ea typeface="DejaVu Sans"/>
-              </a:rPr>
-              <a:t>OR video recordings</a:t>
+              <a:t>You pass by submitting an exercise – even if it is an empty page</a:t>
             </a:r>
             <a:endParaRPr b="0" lang="en-GB" sz="1800" spc="-1" strike="noStrike">
               <a:solidFill>
@@ -6832,23 +7060,7 @@
             </a:endParaRPr>
           </a:p>
           <a:p>
-            <a:pPr>
-              <a:lnSpc>
-                <a:spcPct val="100000"/>
-              </a:lnSpc>
-              <a:spcBef>
-                <a:spcPts val="360"/>
-              </a:spcBef>
-            </a:pPr>
-            <a:endParaRPr b="0" lang="en-GB" sz="1800" spc="-1" strike="noStrike">
-              <a:solidFill>
-                <a:srgbClr val="000000"/>
-              </a:solidFill>
-              <a:latin typeface="Arial"/>
-            </a:endParaRPr>
-          </a:p>
-          <a:p>
-            <a:pPr marL="216000" indent="-216000">
+            <a:pPr marL="195120" indent="-188640">
               <a:lnSpc>
                 <a:spcPct val="100000"/>
               </a:lnSpc>
@@ -6858,20 +7070,19 @@
               <a:buClr>
                 <a:srgbClr val="008c4f"/>
               </a:buClr>
-              <a:buSzPct val="45000"/>
-              <a:buFont typeface="DejaVu Sans"/>
-              <a:buChar char="◾"/>
-            </a:pPr>
-            <a:r>
-              <a:rPr b="0" lang="en-GB" sz="1800" spc="-1" strike="noStrike" u="sng">
-                <a:solidFill>
-                  <a:srgbClr val="000000"/>
-                </a:solidFill>
-                <a:uFillTx/>
-                <a:latin typeface="DejaVu Sans"/>
-                <a:ea typeface="DejaVu Sans"/>
-              </a:rPr>
-              <a:t>Exercise / Q&amp;A:</a:t>
+              <a:buSzPct val="80000"/>
+              <a:buFont typeface="Wingdings" charset="2"/>
+              <a:buChar char=""/>
+            </a:pPr>
+            <a:r>
+              <a:rPr b="0" lang="en-GB" sz="1800" spc="-1" strike="noStrike">
+                <a:solidFill>
+                  <a:srgbClr val="000000"/>
+                </a:solidFill>
+                <a:latin typeface="DejaVu Sans"/>
+                <a:ea typeface="DejaVu Sans"/>
+              </a:rPr>
+              <a:t>You will receive feedback on your submission (during Q&amp;A session)</a:t>
             </a:r>
             <a:endParaRPr b="0" lang="en-GB" sz="1800" spc="-1" strike="noStrike">
               <a:solidFill>
@@ -6881,7 +7092,7 @@
             </a:endParaRPr>
           </a:p>
           <a:p>
-            <a:pPr lvl="1" marL="432000" indent="-216000">
+            <a:pPr marL="195120" indent="-188640">
               <a:lnSpc>
                 <a:spcPct val="100000"/>
               </a:lnSpc>
@@ -6891,9 +7102,9 @@
               <a:buClr>
                 <a:srgbClr val="008c4f"/>
               </a:buClr>
-              <a:buSzPct val="60000"/>
-              <a:buFont typeface="DejaVu Sans"/>
-              <a:buChar char="—"/>
+              <a:buSzPct val="80000"/>
+              <a:buFont typeface="Wingdings" charset="2"/>
+              <a:buChar char=""/>
             </a:pPr>
             <a:r>
               <a:rPr b="0" lang="en-GB" sz="1800" spc="-1" strike="noStrike">
@@ -6903,87 +7114,7 @@
                 <a:latin typeface="DejaVu Sans"/>
                 <a:ea typeface="DejaVu Sans"/>
               </a:rPr>
-              <a:t>Monday </a:t>
-            </a:r>
-            <a:r>
-              <a:rPr b="1" lang="en-GB" sz="1800" spc="-1" strike="noStrike">
-                <a:solidFill>
-                  <a:srgbClr val="000000"/>
-                </a:solidFill>
-                <a:latin typeface="DejaVu Sans"/>
-                <a:ea typeface="DejaVu Sans"/>
-              </a:rPr>
-              <a:t>3 pm to 3:30</a:t>
-            </a:r>
-            <a:r>
-              <a:rPr b="0" lang="en-GB" sz="1800" spc="-1" strike="noStrike">
-                <a:solidFill>
-                  <a:srgbClr val="000000"/>
-                </a:solidFill>
-                <a:latin typeface="DejaVu Sans"/>
-                <a:ea typeface="DejaVu Sans"/>
-              </a:rPr>
-              <a:t> </a:t>
-            </a:r>
-            <a:r>
-              <a:rPr b="1" lang="en-GB" sz="1800" spc="-1" strike="noStrike">
-                <a:solidFill>
-                  <a:srgbClr val="000000"/>
-                </a:solidFill>
-                <a:latin typeface="DejaVu Sans"/>
-                <a:ea typeface="DejaVu Sans"/>
-              </a:rPr>
-              <a:t>pm</a:t>
-            </a:r>
-            <a:r>
-              <a:rPr b="0" lang="en-GB" sz="1800" spc="-1" strike="noStrike">
-                <a:solidFill>
-                  <a:srgbClr val="000000"/>
-                </a:solidFill>
-                <a:latin typeface="DejaVu Sans"/>
-                <a:ea typeface="DejaVu Sans"/>
-              </a:rPr>
-              <a:t> (Berlin time) – </a:t>
-            </a:r>
-            <a:r>
-              <a:rPr b="1" lang="en-GB" sz="1800" spc="-1" strike="noStrike">
-                <a:solidFill>
-                  <a:srgbClr val="000000"/>
-                </a:solidFill>
-                <a:latin typeface="DejaVu Sans"/>
-                <a:ea typeface="DejaVu Sans"/>
-              </a:rPr>
-              <a:t>07.11</a:t>
-            </a:r>
-            <a:r>
-              <a:rPr b="0" lang="en-GB" sz="1800" spc="-1" strike="noStrike">
-                <a:solidFill>
-                  <a:srgbClr val="000000"/>
-                </a:solidFill>
-                <a:latin typeface="DejaVu Sans"/>
-                <a:ea typeface="DejaVu Sans"/>
-              </a:rPr>
-              <a:t>.2022 to </a:t>
-            </a:r>
-            <a:r>
-              <a:rPr b="1" lang="en-GB" sz="1800" spc="-1" strike="noStrike">
-                <a:solidFill>
-                  <a:srgbClr val="000000"/>
-                </a:solidFill>
-                <a:latin typeface="DejaVu Sans"/>
-                <a:ea typeface="DejaVu Sans"/>
-              </a:rPr>
-              <a:t>13.03</a:t>
-            </a:r>
-            <a:r>
-              <a:rPr b="0" lang="en-GB" sz="1800" spc="-1" strike="noStrike">
-                <a:solidFill>
-                  <a:srgbClr val="000000"/>
-                </a:solidFill>
-                <a:latin typeface="DejaVu Sans"/>
-                <a:ea typeface="DejaVu Sans"/>
-              </a:rPr>
-              <a:t>.2023</a:t>
+              <a:t>Exercise = learning feedback</a:t>
             </a:r>
             <a:endParaRPr b="0" lang="en-GB" sz="1800" spc="-1" strike="noStrike">
               <a:solidFill>
@@ -6993,7 +7124,7 @@
             </a:endParaRPr>
           </a:p>
           <a:p>
-            <a:pPr lvl="1" marL="432000" indent="-216000">
+            <a:pPr marL="195120" indent="-188640">
               <a:lnSpc>
                 <a:spcPct val="100000"/>
               </a:lnSpc>
@@ -7003,9 +7134,9 @@
               <a:buClr>
                 <a:srgbClr val="008c4f"/>
               </a:buClr>
-              <a:buSzPct val="60000"/>
-              <a:buFont typeface="DejaVu Sans"/>
-              <a:buChar char="—"/>
+              <a:buSzPct val="80000"/>
+              <a:buFont typeface="Wingdings" charset="2"/>
+              <a:buChar char=""/>
             </a:pPr>
             <a:r>
               <a:rPr b="0" lang="en-GB" sz="1800" spc="-1" strike="noStrike">
@@ -7015,29 +7146,7 @@
                 <a:latin typeface="DejaVu Sans"/>
                 <a:ea typeface="DejaVu Sans"/>
               </a:rPr>
-              <a:t>Location: BigBlueButton (</a:t>
-            </a:r>
-            <a:r>
-              <a:rPr b="0" lang="en-GB" sz="1800" spc="-1" strike="noStrike" u="sng">
-                <a:solidFill>
-                  <a:srgbClr val="0000ff"/>
-                </a:solidFill>
-                <a:uFillTx/>
-                <a:latin typeface="DejaVu Sans"/>
-                <a:ea typeface="DejaVu Sans"/>
-                <a:hlinkClick r:id="rId2"/>
-              </a:rPr>
-              <a:t>Link</a:t>
-            </a:r>
-            <a:r>
-              <a:rPr b="0" lang="en-GB" sz="1800" spc="-1" strike="noStrike">
-                <a:solidFill>
-                  <a:srgbClr val="000000"/>
-                </a:solidFill>
-                <a:latin typeface="DejaVu Sans"/>
-                <a:ea typeface="DejaVu Sans"/>
-              </a:rPr>
-              <a:t>)</a:t>
+              <a:t>Practical workshop → You pass the workshop if you score 50% (or more)</a:t>
             </a:r>
             <a:endParaRPr b="0" lang="en-GB" sz="1800" spc="-1" strike="noStrike">
               <a:solidFill>
@@ -7047,7 +7156,7 @@
             </a:endParaRPr>
           </a:p>
           <a:p>
-            <a:pPr>
+            <a:pPr marL="360" algn="ctr">
               <a:lnSpc>
                 <a:spcPct val="100000"/>
               </a:lnSpc>
@@ -7063,31 +7172,14 @@
             </a:endParaRPr>
           </a:p>
           <a:p>
-            <a:pPr marL="216000" indent="-216000">
+            <a:pPr marL="360" algn="ctr">
               <a:lnSpc>
                 <a:spcPct val="100000"/>
               </a:lnSpc>
               <a:spcBef>
                 <a:spcPts val="360"/>
               </a:spcBef>
-              <a:buClr>
-                <a:srgbClr val="008c4f"/>
-              </a:buClr>
-              <a:buSzPct val="45000"/>
-              <a:buFont typeface="DejaVu Sans"/>
-              <a:buChar char="◾"/>
-            </a:pPr>
-            <a:r>
-              <a:rPr b="0" lang="en-GB" sz="1800" spc="-1" strike="noStrike" u="sng">
-                <a:solidFill>
-                  <a:srgbClr val="000000"/>
-                </a:solidFill>
-                <a:uFillTx/>
-                <a:latin typeface="DejaVu Sans"/>
-                <a:ea typeface="DejaVu Sans"/>
-              </a:rPr>
-              <a:t>Practical Workshop in Goslar/CLZ:</a:t>
-            </a:r>
+            </a:pPr>
             <a:endParaRPr b="0" lang="en-GB" sz="1800" spc="-1" strike="noStrike">
               <a:solidFill>
                 <a:srgbClr val="000000"/>
@@ -7096,71 +7188,23 @@
             </a:endParaRPr>
           </a:p>
           <a:p>
-            <a:pPr lvl="1" marL="432000" indent="-216000">
+            <a:pPr marL="360" algn="ctr">
               <a:lnSpc>
                 <a:spcPct val="100000"/>
               </a:lnSpc>
               <a:spcBef>
                 <a:spcPts val="360"/>
               </a:spcBef>
-              <a:buClr>
-                <a:srgbClr val="008c4f"/>
-              </a:buClr>
-              <a:buSzPct val="60000"/>
-              <a:buFont typeface="DejaVu Sans"/>
-              <a:buChar char="—"/>
-            </a:pPr>
-            <a:r>
-              <a:rPr b="0" lang="en-GB" sz="1800" spc="-1" strike="noStrike">
-                <a:solidFill>
-                  <a:srgbClr val="000000"/>
-                </a:solidFill>
-                <a:latin typeface="DejaVu Sans"/>
-                <a:ea typeface="DejaVu Sans"/>
-              </a:rPr>
-              <a:t>When: 15.02.2023 (Wednesday) </a:t>
-            </a:r>
+            </a:pPr>
             <a:r>
               <a:rPr b="1" lang="en-GB" sz="1800" spc="-1" strike="noStrike">
                 <a:solidFill>
-                  <a:srgbClr val="000000"/>
-                </a:solidFill>
-                <a:latin typeface="DejaVu Sans"/>
-                <a:ea typeface="DejaVu Sans"/>
-              </a:rPr>
-              <a:t>9 am – 4pm (Berlin time)</a:t>
-            </a:r>
-            <a:endParaRPr b="0" lang="en-GB" sz="1800" spc="-1" strike="noStrike">
-              <a:solidFill>
-                <a:srgbClr val="000000"/>
-              </a:solidFill>
-              <a:latin typeface="Arial"/>
-            </a:endParaRPr>
-          </a:p>
-          <a:p>
-            <a:pPr lvl="1" marL="432000" indent="-216000">
-              <a:lnSpc>
-                <a:spcPct val="100000"/>
-              </a:lnSpc>
-              <a:spcBef>
-                <a:spcPts val="360"/>
-              </a:spcBef>
-              <a:buClr>
-                <a:srgbClr val="008c4f"/>
-              </a:buClr>
-              <a:buSzPct val="60000"/>
-              <a:buFont typeface="DejaVu Sans"/>
-              <a:buChar char="—"/>
-            </a:pPr>
-            <a:r>
-              <a:rPr b="0" lang="en-GB" sz="1800" spc="-1" strike="noStrike">
-                <a:solidFill>
-                  <a:srgbClr val="000000"/>
-                </a:solidFill>
-                <a:latin typeface="DejaVu Sans"/>
-                <a:ea typeface="DejaVu Sans"/>
-              </a:rPr>
-              <a:t>Location: Goslar (DIGIT) or CLZ </a:t>
+                  <a:srgbClr val="ffffff"/>
+                </a:solidFill>
+                <a:latin typeface="DejaVu Sans"/>
+                <a:ea typeface="DejaVu Sans"/>
+              </a:rPr>
+              <a:t>More info on points, percentages, etc. follow on the next slides (Examination)</a:t>
             </a:r>
             <a:endParaRPr b="0" lang="en-GB" sz="1800" spc="-1" strike="noStrike">
               <a:solidFill>
@@ -7237,14 +7281,14 @@
               </a:lnSpc>
             </a:pPr>
             <a:r>
-              <a:rPr b="1" lang="en-US" sz="2400" spc="-1" strike="noStrike">
-                <a:solidFill>
-                  <a:srgbClr val="000000"/>
-                </a:solidFill>
-                <a:latin typeface="DejaVu Sans"/>
-                <a:ea typeface="DejaVu Sans"/>
-              </a:rPr>
-              <a:t>Exercises and Practical Workshop </a:t>
+              <a:rPr b="1" lang="en-GB" sz="2400" spc="-1" strike="noStrike">
+                <a:solidFill>
+                  <a:srgbClr val="000000"/>
+                </a:solidFill>
+                <a:latin typeface="DejaVu Sans"/>
+                <a:ea typeface="DejaVu Sans"/>
+              </a:rPr>
+              <a:t>Examination</a:t>
             </a:r>
             <a:endParaRPr b="0" lang="en-GB" sz="2400" spc="-1" strike="noStrike">
               <a:solidFill>
@@ -7263,7 +7307,7 @@
         </p:nvSpPr>
         <p:spPr>
           <a:xfrm>
-            <a:off x="335520" y="1268280"/>
+            <a:off x="335520" y="1268640"/>
             <a:ext cx="10743840" cy="5031360"/>
           </a:xfrm>
           <a:prstGeom prst="rect">
@@ -7285,35 +7329,6 @@
             <a:noAutofit/>
           </a:bodyPr>
           <a:p>
-            <a:pPr>
-              <a:lnSpc>
-                <a:spcPct val="100000"/>
-              </a:lnSpc>
-            </a:pPr>
-            <a:endParaRPr b="0" lang="en-GB" sz="1800" spc="-1" strike="noStrike">
-              <a:solidFill>
-                <a:srgbClr val="000000"/>
-              </a:solidFill>
-              <a:latin typeface="Arial"/>
-            </a:endParaRPr>
-          </a:p>
-          <a:p>
-            <a:pPr>
-              <a:lnSpc>
-                <a:spcPct val="100000"/>
-              </a:lnSpc>
-              <a:spcBef>
-                <a:spcPts val="360"/>
-              </a:spcBef>
-            </a:pPr>
-            <a:endParaRPr b="0" lang="en-GB" sz="1800" spc="-1" strike="noStrike">
-              <a:solidFill>
-                <a:srgbClr val="000000"/>
-              </a:solidFill>
-              <a:latin typeface="Arial"/>
-            </a:endParaRPr>
-          </a:p>
-          <a:p>
             <a:pPr marL="195120" indent="-188640">
               <a:lnSpc>
                 <a:spcPct val="100000"/>
@@ -7336,18 +7351,30 @@
                 <a:latin typeface="DejaVu Sans"/>
                 <a:ea typeface="DejaVu Sans"/>
               </a:rPr>
-              <a:t>Individual work</a:t>
-            </a:r>
-            <a:r>
-              <a:rPr b="0" lang="de-DE" sz="1800" spc="-1" strike="noStrike">
-                <a:solidFill>
-                  <a:srgbClr val="000000"/>
-                </a:solidFill>
-                <a:latin typeface="DejaVu Sans"/>
-                <a:ea typeface="DejaVu Sans"/>
-              </a:rPr>
-              <a:t> </a:t>
-            </a:r>
+              <a:t>Prerequisite for admission to the final exam (all criteria have to be fulfilled):</a:t>
+            </a:r>
+            <a:endParaRPr b="0" lang="en-GB" sz="1800" spc="-1" strike="noStrike">
+              <a:solidFill>
+                <a:srgbClr val="000000"/>
+              </a:solidFill>
+              <a:latin typeface="Arial"/>
+            </a:endParaRPr>
+          </a:p>
+          <a:p>
+            <a:pPr lvl="1" marL="744120" indent="-280440">
+              <a:lnSpc>
+                <a:spcPct val="100000"/>
+              </a:lnSpc>
+              <a:spcBef>
+                <a:spcPts val="360"/>
+              </a:spcBef>
+              <a:buClr>
+                <a:srgbClr val="008c4f"/>
+              </a:buClr>
+              <a:buSzPct val="80000"/>
+              <a:buFont typeface="Walbaum Heading"/>
+              <a:buChar char="—"/>
+            </a:pPr>
             <a:r>
               <a:rPr b="0" lang="en-US" sz="1800" spc="-1" strike="noStrike">
                 <a:solidFill>
@@ -7356,28 +7383,56 @@
                 <a:latin typeface="DejaVu Sans"/>
                 <a:ea typeface="DejaVu Sans"/>
               </a:rPr>
-              <a:t>→</a:t>
-            </a:r>
-            <a:r>
-              <a:rPr b="0" lang="de-DE" sz="1800" spc="-1" strike="noStrike">
-                <a:solidFill>
-                  <a:srgbClr val="000000"/>
-                </a:solidFill>
-                <a:latin typeface="DejaVu Sans"/>
-                <a:ea typeface="DejaVu Sans"/>
-              </a:rPr>
-              <a:t> </a:t>
-            </a:r>
-            <a:r>
-              <a:rPr b="0" lang="en-GB" sz="1800" spc="-1" strike="noStrike">
-                <a:solidFill>
-                  <a:srgbClr val="000000"/>
-                </a:solidFill>
-                <a:latin typeface="DejaVu Sans"/>
-                <a:ea typeface="DejaVu Sans"/>
-              </a:rPr>
-              <a:t>no group submissions</a:t>
-            </a:r>
+              <a:t>Submit all exercises</a:t>
+            </a:r>
+            <a:endParaRPr b="0" lang="en-GB" sz="1800" spc="-1" strike="noStrike">
+              <a:solidFill>
+                <a:srgbClr val="000000"/>
+              </a:solidFill>
+              <a:latin typeface="Arial"/>
+            </a:endParaRPr>
+          </a:p>
+          <a:p>
+            <a:pPr lvl="1" marL="744120" indent="-280440">
+              <a:lnSpc>
+                <a:spcPct val="100000"/>
+              </a:lnSpc>
+              <a:spcBef>
+                <a:spcPts val="360"/>
+              </a:spcBef>
+              <a:buClr>
+                <a:srgbClr val="008c4f"/>
+              </a:buClr>
+              <a:buSzPct val="80000"/>
+              <a:buFont typeface="Walbaum Heading"/>
+              <a:buChar char="—"/>
+            </a:pPr>
+            <a:r>
+              <a:rPr b="0" lang="en-US" sz="1800" spc="-1" strike="noStrike">
+                <a:solidFill>
+                  <a:srgbClr val="000000"/>
+                </a:solidFill>
+                <a:latin typeface="DejaVu Sans"/>
+                <a:ea typeface="DejaVu Sans"/>
+              </a:rPr>
+              <a:t>Pass the practical workshop</a:t>
+            </a:r>
+            <a:endParaRPr b="0" lang="en-GB" sz="1800" spc="-1" strike="noStrike">
+              <a:solidFill>
+                <a:srgbClr val="000000"/>
+              </a:solidFill>
+              <a:latin typeface="Arial"/>
+            </a:endParaRPr>
+          </a:p>
+          <a:p>
+            <a:pPr>
+              <a:lnSpc>
+                <a:spcPct val="100000"/>
+              </a:lnSpc>
+              <a:spcBef>
+                <a:spcPts val="360"/>
+              </a:spcBef>
+            </a:pPr>
             <a:endParaRPr b="0" lang="en-GB" sz="1800" spc="-1" strike="noStrike">
               <a:solidFill>
                 <a:srgbClr val="000000"/>
@@ -7401,44 +7456,14 @@
               <a:buChar char=""/>
             </a:pPr>
             <a:r>
-              <a:rPr b="0" lang="en-GB" sz="1800" spc="-1" strike="noStrike">
-                <a:solidFill>
-                  <a:srgbClr val="000000"/>
-                </a:solidFill>
-                <a:latin typeface="DejaVu Sans"/>
-                <a:ea typeface="DejaVu Sans"/>
-              </a:rPr>
-              <a:t>Submission of </a:t>
-            </a:r>
-            <a:r>
-              <a:rPr b="1" lang="en-GB" sz="1800" spc="-1" strike="noStrike">
-                <a:solidFill>
-                  <a:srgbClr val="000000"/>
-                </a:solidFill>
-                <a:latin typeface="DejaVu Sans"/>
-                <a:ea typeface="DejaVu Sans"/>
-              </a:rPr>
-              <a:t>each</a:t>
-            </a:r>
-            <a:r>
-              <a:rPr b="0" lang="en-GB" sz="1800" spc="-1" strike="noStrike">
-                <a:solidFill>
-                  <a:srgbClr val="000000"/>
-                </a:solidFill>
-                <a:latin typeface="DejaVu Sans"/>
-                <a:ea typeface="DejaVu Sans"/>
-              </a:rPr>
-              <a:t> exercise is </a:t>
-            </a:r>
-            <a:r>
-              <a:rPr b="1" lang="en-GB" sz="1800" spc="-1" strike="noStrike">
-                <a:solidFill>
-                  <a:srgbClr val="000000"/>
-                </a:solidFill>
-                <a:latin typeface="DejaVu Sans"/>
-                <a:ea typeface="DejaVu Sans"/>
-              </a:rPr>
-              <a:t>mandatory</a:t>
+              <a:rPr b="0" lang="en-US" sz="1800" spc="-1" strike="noStrike">
+                <a:solidFill>
+                  <a:srgbClr val="000000"/>
+                </a:solidFill>
+                <a:latin typeface="DejaVu Sans"/>
+                <a:ea typeface="DejaVu Sans"/>
+              </a:rPr>
+              <a:t>Final exam:</a:t>
             </a:r>
             <a:endParaRPr b="0" lang="en-GB" sz="1800" spc="-1" strike="noStrike">
               <a:solidFill>
@@ -7448,7 +7473,7 @@
             </a:endParaRPr>
           </a:p>
           <a:p>
-            <a:pPr marL="195120" indent="-188640">
+            <a:pPr lvl="1" marL="744120" indent="-280440">
               <a:lnSpc>
                 <a:spcPct val="100000"/>
               </a:lnSpc>
@@ -7459,8 +7484,8 @@
                 <a:srgbClr val="008c4f"/>
               </a:buClr>
               <a:buSzPct val="80000"/>
-              <a:buFont typeface="Wingdings" charset="2"/>
-              <a:buChar char=""/>
+              <a:buFont typeface="Walbaum Text"/>
+              <a:buChar char="—"/>
             </a:pPr>
             <a:r>
               <a:rPr b="0" lang="en-GB" sz="1800" spc="-1" strike="noStrike">
@@ -7470,7 +7495,7 @@
                 <a:latin typeface="DejaVu Sans"/>
                 <a:ea typeface="DejaVu Sans"/>
               </a:rPr>
-              <a:t>You pass by submitting an exercise – even if it is an empty page</a:t>
+              <a:t>Most likely 23.02.2023</a:t>
             </a:r>
             <a:endParaRPr b="0" lang="en-GB" sz="1800" spc="-1" strike="noStrike">
               <a:solidFill>
@@ -7480,7 +7505,7 @@
             </a:endParaRPr>
           </a:p>
           <a:p>
-            <a:pPr marL="195120" indent="-188640">
+            <a:pPr lvl="1" marL="744120" indent="-280440">
               <a:lnSpc>
                 <a:spcPct val="100000"/>
               </a:lnSpc>
@@ -7491,18 +7516,18 @@
                 <a:srgbClr val="008c4f"/>
               </a:buClr>
               <a:buSzPct val="80000"/>
-              <a:buFont typeface="Wingdings" charset="2"/>
-              <a:buChar char=""/>
-            </a:pPr>
-            <a:r>
-              <a:rPr b="0" lang="en-GB" sz="1800" spc="-1" strike="noStrike">
-                <a:solidFill>
-                  <a:srgbClr val="000000"/>
-                </a:solidFill>
-                <a:latin typeface="DejaVu Sans"/>
-                <a:ea typeface="DejaVu Sans"/>
-              </a:rPr>
-              <a:t>You will receive feedback on your submission (during Q&amp;A session)</a:t>
+              <a:buFont typeface="Walbaum Text"/>
+              <a:buChar char="—"/>
+            </a:pPr>
+            <a:r>
+              <a:rPr b="0" lang="en-US" sz="1800" spc="-1" strike="noStrike">
+                <a:solidFill>
+                  <a:srgbClr val="000000"/>
+                </a:solidFill>
+                <a:latin typeface="DejaVu Sans"/>
+                <a:ea typeface="DejaVu Sans"/>
+              </a:rPr>
+              <a:t>Oral examination (20min)</a:t>
             </a:r>
             <a:endParaRPr b="0" lang="en-GB" sz="1800" spc="-1" strike="noStrike">
               <a:solidFill>
@@ -7512,7 +7537,7 @@
             </a:endParaRPr>
           </a:p>
           <a:p>
-            <a:pPr marL="195120" indent="-188640">
+            <a:pPr lvl="1" marL="744120" indent="-280440">
               <a:lnSpc>
                 <a:spcPct val="100000"/>
               </a:lnSpc>
@@ -7523,108 +7548,18 @@
                 <a:srgbClr val="008c4f"/>
               </a:buClr>
               <a:buSzPct val="80000"/>
-              <a:buFont typeface="Wingdings" charset="2"/>
-              <a:buChar char=""/>
-            </a:pPr>
-            <a:r>
-              <a:rPr b="0" lang="en-GB" sz="1800" spc="-1" strike="noStrike">
-                <a:solidFill>
-                  <a:srgbClr val="000000"/>
-                </a:solidFill>
-                <a:latin typeface="DejaVu Sans"/>
-                <a:ea typeface="DejaVu Sans"/>
-              </a:rPr>
-              <a:t>Exercise = learning feedback</a:t>
-            </a:r>
-            <a:endParaRPr b="0" lang="en-GB" sz="1800" spc="-1" strike="noStrike">
-              <a:solidFill>
-                <a:srgbClr val="000000"/>
-              </a:solidFill>
-              <a:latin typeface="Arial"/>
-            </a:endParaRPr>
-          </a:p>
-          <a:p>
-            <a:pPr marL="195120" indent="-188640">
-              <a:lnSpc>
-                <a:spcPct val="100000"/>
-              </a:lnSpc>
-              <a:spcBef>
-                <a:spcPts val="360"/>
-              </a:spcBef>
-              <a:buClr>
-                <a:srgbClr val="008c4f"/>
-              </a:buClr>
-              <a:buSzPct val="80000"/>
-              <a:buFont typeface="Wingdings" charset="2"/>
-              <a:buChar char=""/>
-            </a:pPr>
-            <a:r>
-              <a:rPr b="0" lang="en-GB" sz="1800" spc="-1" strike="noStrike">
-                <a:solidFill>
-                  <a:srgbClr val="000000"/>
-                </a:solidFill>
-                <a:latin typeface="DejaVu Sans"/>
-                <a:ea typeface="DejaVu Sans"/>
-              </a:rPr>
-              <a:t>Practical workshop → You pass the workshop if you score 50% (or more)</a:t>
-            </a:r>
-            <a:endParaRPr b="0" lang="en-GB" sz="1800" spc="-1" strike="noStrike">
-              <a:solidFill>
-                <a:srgbClr val="000000"/>
-              </a:solidFill>
-              <a:latin typeface="Arial"/>
-            </a:endParaRPr>
-          </a:p>
-          <a:p>
-            <a:pPr marL="360" algn="ctr">
-              <a:lnSpc>
-                <a:spcPct val="100000"/>
-              </a:lnSpc>
-              <a:spcBef>
-                <a:spcPts val="360"/>
-              </a:spcBef>
-            </a:pPr>
-            <a:endParaRPr b="0" lang="en-GB" sz="1800" spc="-1" strike="noStrike">
-              <a:solidFill>
-                <a:srgbClr val="000000"/>
-              </a:solidFill>
-              <a:latin typeface="Arial"/>
-            </a:endParaRPr>
-          </a:p>
-          <a:p>
-            <a:pPr marL="360" algn="ctr">
-              <a:lnSpc>
-                <a:spcPct val="100000"/>
-              </a:lnSpc>
-              <a:spcBef>
-                <a:spcPts val="360"/>
-              </a:spcBef>
-            </a:pPr>
-            <a:endParaRPr b="0" lang="en-GB" sz="1800" spc="-1" strike="noStrike">
-              <a:solidFill>
-                <a:srgbClr val="000000"/>
-              </a:solidFill>
-              <a:latin typeface="Arial"/>
-            </a:endParaRPr>
-          </a:p>
-          <a:p>
-            <a:pPr marL="360" algn="ctr">
-              <a:lnSpc>
-                <a:spcPct val="100000"/>
-              </a:lnSpc>
-              <a:spcBef>
-                <a:spcPts val="360"/>
-              </a:spcBef>
-            </a:pPr>
-            <a:r>
-              <a:rPr b="1" lang="en-GB" sz="1800" spc="-1" strike="noStrike">
-                <a:solidFill>
-                  <a:srgbClr val="ffffff"/>
-                </a:solidFill>
-                <a:latin typeface="DejaVu Sans"/>
-                <a:ea typeface="DejaVu Sans"/>
-              </a:rPr>
-              <a:t>More info on points, percentages, etc. follow on the next slides (Examination)</a:t>
+              <a:buFont typeface="Walbaum Text"/>
+              <a:buChar char="—"/>
+            </a:pPr>
+            <a:r>
+              <a:rPr b="0" lang="en-US" sz="1800" spc="-1" strike="noStrike">
+                <a:solidFill>
+                  <a:srgbClr val="000000"/>
+                </a:solidFill>
+                <a:latin typeface="DejaVu Sans"/>
+                <a:ea typeface="DejaVu Sans"/>
+              </a:rPr>
+              <a:t>Online</a:t>
             </a:r>
             <a:endParaRPr b="0" lang="en-GB" sz="1800" spc="-1" strike="noStrike">
               <a:solidFill>
@@ -7701,14 +7636,14 @@
               </a:lnSpc>
             </a:pPr>
             <a:r>
-              <a:rPr b="1" lang="en-GB" sz="2400" spc="-1" strike="noStrike">
-                <a:solidFill>
-                  <a:srgbClr val="000000"/>
-                </a:solidFill>
-                <a:latin typeface="DejaVu Sans"/>
-                <a:ea typeface="DejaVu Sans"/>
-              </a:rPr>
-              <a:t>Examination</a:t>
+              <a:rPr b="1" lang="en-US" sz="2400" spc="-1" strike="noStrike">
+                <a:solidFill>
+                  <a:srgbClr val="000000"/>
+                </a:solidFill>
+                <a:latin typeface="DejaVu Sans"/>
+                <a:ea typeface="DejaVu Sans"/>
+              </a:rPr>
+              <a:t>Self-Study Star</a:t>
             </a:r>
             <a:endParaRPr b="0" lang="en-GB" sz="2400" spc="-1" strike="noStrike">
               <a:solidFill>
@@ -7727,7 +7662,7 @@
         </p:nvSpPr>
         <p:spPr>
           <a:xfrm>
-            <a:off x="335520" y="1268640"/>
+            <a:off x="335520" y="1268280"/>
             <a:ext cx="10743840" cy="5031360"/>
           </a:xfrm>
           <a:prstGeom prst="rect">
@@ -7749,13 +7684,26 @@
             <a:noAutofit/>
           </a:bodyPr>
           <a:p>
+            <a:pPr>
+              <a:lnSpc>
+                <a:spcPct val="100000"/>
+              </a:lnSpc>
+              <a:spcBef>
+                <a:spcPts val="360"/>
+              </a:spcBef>
+            </a:pPr>
+            <a:endParaRPr b="0" lang="en-GB" sz="1800" spc="-1" strike="noStrike">
+              <a:solidFill>
+                <a:srgbClr val="000000"/>
+              </a:solidFill>
+              <a:latin typeface="Arial"/>
+            </a:endParaRPr>
+          </a:p>
+          <a:p>
             <a:pPr marL="195120" indent="-188640">
               <a:lnSpc>
                 <a:spcPct val="100000"/>
               </a:lnSpc>
-              <a:spcBef>
-                <a:spcPts val="360"/>
-              </a:spcBef>
               <a:buClr>
                 <a:srgbClr val="008c4f"/>
               </a:buClr>
@@ -7764,6 +7712,151 @@
               <a:buChar char=""/>
             </a:pPr>
             <a:r>
+              <a:rPr b="0" lang="en-GB" sz="1800" spc="-1" strike="noStrike">
+                <a:solidFill>
+                  <a:srgbClr val="000000"/>
+                </a:solidFill>
+                <a:latin typeface="DejaVu Sans"/>
+                <a:ea typeface="DejaVu Sans"/>
+              </a:rPr>
+              <a:t>Slides with the self-study star indicate optional/additional study material that is </a:t>
+            </a:r>
+            <a:r>
+              <a:rPr b="1" lang="en-GB" sz="1800" spc="-1" strike="noStrike">
+                <a:solidFill>
+                  <a:srgbClr val="000000"/>
+                </a:solidFill>
+                <a:latin typeface="DejaVu Sans"/>
+                <a:ea typeface="DejaVu Sans"/>
+              </a:rPr>
+              <a:t>not</a:t>
+            </a:r>
+            <a:r>
+              <a:rPr b="0" lang="en-GB" sz="1800" spc="-1" strike="noStrike">
+                <a:solidFill>
+                  <a:srgbClr val="000000"/>
+                </a:solidFill>
+                <a:latin typeface="DejaVu Sans"/>
+                <a:ea typeface="DejaVu Sans"/>
+              </a:rPr>
+              <a:t> mandatory but could be helpful or interesting</a:t>
+            </a:r>
+            <a:endParaRPr b="0" lang="en-GB" sz="1800" spc="-1" strike="noStrike">
+              <a:solidFill>
+                <a:srgbClr val="000000"/>
+              </a:solidFill>
+              <a:latin typeface="Arial"/>
+            </a:endParaRPr>
+          </a:p>
+        </p:txBody>
+      </p:sp>
+      <p:sp>
+        <p:nvSpPr>
+          <p:cNvPr id="134" name="CustomShape 3"/>
+          <p:cNvSpPr/>
+          <p:nvPr/>
+        </p:nvSpPr>
+        <p:spPr>
+          <a:xfrm>
+            <a:off x="6285600" y="2132640"/>
+            <a:ext cx="513360" cy="493200"/>
+          </a:xfrm>
+          <a:prstGeom prst="star5">
+            <a:avLst>
+              <a:gd name="adj" fmla="val 19098"/>
+              <a:gd name="hf" fmla="val 105146"/>
+              <a:gd name="vf" fmla="val 110557"/>
+            </a:avLst>
+          </a:prstGeom>
+          <a:solidFill>
+            <a:srgbClr val="92d050"/>
+          </a:solidFill>
+          <a:ln>
+            <a:solidFill>
+              <a:srgbClr val="0d0d0d"/>
+            </a:solidFill>
+          </a:ln>
+        </p:spPr>
+        <p:style>
+          <a:lnRef idx="2">
+            <a:schemeClr val="accent1">
+              <a:shade val="50000"/>
+            </a:schemeClr>
+          </a:lnRef>
+          <a:fillRef idx="1">
+            <a:schemeClr val="accent1"/>
+          </a:fillRef>
+          <a:effectRef idx="0">
+            <a:schemeClr val="accent1"/>
+          </a:effectRef>
+          <a:fontRef idx="minor"/>
+        </p:style>
+        <p:txBody>
+          <a:bodyPr lIns="90000" rIns="90000" tIns="45000" bIns="45000" anchor="t">
+            <a:noAutofit/>
+          </a:bodyPr>
+          <a:p>
+            <a:pPr>
+              <a:lnSpc>
+                <a:spcPct val="100000"/>
+              </a:lnSpc>
+            </a:pPr>
+            <a:endParaRPr b="0" lang="en-GB" sz="1800" spc="-1" strike="noStrike">
+              <a:solidFill>
+                <a:srgbClr val="000000"/>
+              </a:solidFill>
+              <a:latin typeface="Arial"/>
+              <a:ea typeface="DejaVu Sans"/>
+            </a:endParaRPr>
+          </a:p>
+        </p:txBody>
+      </p:sp>
+      <p:sp>
+        <p:nvSpPr>
+          <p:cNvPr id="135" name="CustomShape 4"/>
+          <p:cNvSpPr/>
+          <p:nvPr/>
+        </p:nvSpPr>
+        <p:spPr>
+          <a:xfrm>
+            <a:off x="4089960" y="2247480"/>
+            <a:ext cx="2281680" cy="363960"/>
+          </a:xfrm>
+          <a:prstGeom prst="rect">
+            <a:avLst/>
+          </a:prstGeom>
+          <a:noFill/>
+          <a:ln w="0">
+            <a:noFill/>
+          </a:ln>
+        </p:spPr>
+        <p:style>
+          <a:lnRef idx="0"/>
+          <a:fillRef idx="0"/>
+          <a:effectRef idx="0"/>
+          <a:fontRef idx="minor"/>
+        </p:style>
+        <p:txBody>
+          <a:bodyPr lIns="90000" rIns="90000" tIns="45000" bIns="45000" anchor="t">
+            <a:spAutoFit/>
+          </a:bodyPr>
+          <a:p>
+            <a:pPr>
+              <a:lnSpc>
+                <a:spcPct val="100000"/>
+              </a:lnSpc>
+            </a:pPr>
+            <a:r>
+              <a:rPr b="0" lang="de-DE" sz="1800" spc="-1" strike="noStrike">
+                <a:solidFill>
+                  <a:srgbClr val="000000"/>
+                </a:solidFill>
+                <a:latin typeface="DejaVu Sans"/>
+                <a:ea typeface="DejaVu Sans"/>
+              </a:rPr>
+              <a:t>Self-Study Star</a:t>
+            </a:r>
+            <a:r>
               <a:rPr b="0" lang="en-US" sz="1800" spc="-1" strike="noStrike">
                 <a:solidFill>
                   <a:srgbClr val="000000"/>
@@ -7771,215 +7864,17 @@
                 <a:latin typeface="DejaVu Sans"/>
                 <a:ea typeface="DejaVu Sans"/>
               </a:rPr>
-              <a:t>Prerequisite for admission to the final exam (all criteria have to be fulfilled):</a:t>
-            </a:r>
-            <a:endParaRPr b="0" lang="en-GB" sz="1800" spc="-1" strike="noStrike">
-              <a:solidFill>
-                <a:srgbClr val="000000"/>
-              </a:solidFill>
-              <a:latin typeface="Arial"/>
-            </a:endParaRPr>
-          </a:p>
-          <a:p>
-            <a:pPr lvl="1" marL="744120" indent="-280440">
-              <a:lnSpc>
-                <a:spcPct val="100000"/>
-              </a:lnSpc>
-              <a:spcBef>
-                <a:spcPts val="360"/>
-              </a:spcBef>
-              <a:buClr>
-                <a:srgbClr val="008c4f"/>
-              </a:buClr>
-              <a:buSzPct val="80000"/>
-              <a:buFont typeface="Walbaum Heading"/>
-              <a:buChar char="—"/>
-            </a:pPr>
-            <a:r>
-              <a:rPr b="0" lang="en-US" sz="1800" spc="-1" strike="noStrike">
-                <a:solidFill>
-                  <a:srgbClr val="000000"/>
-                </a:solidFill>
-                <a:latin typeface="DejaVu Sans"/>
-                <a:ea typeface="DejaVu Sans"/>
-              </a:rPr>
-              <a:t>Submit all exercises</a:t>
-            </a:r>
-            <a:endParaRPr b="0" lang="en-GB" sz="1800" spc="-1" strike="noStrike">
-              <a:solidFill>
-                <a:srgbClr val="000000"/>
-              </a:solidFill>
-              <a:latin typeface="Arial"/>
-            </a:endParaRPr>
-          </a:p>
-          <a:p>
-            <a:pPr lvl="1" marL="744120" indent="-280440">
-              <a:lnSpc>
-                <a:spcPct val="100000"/>
-              </a:lnSpc>
-              <a:spcBef>
-                <a:spcPts val="360"/>
-              </a:spcBef>
-              <a:buClr>
-                <a:srgbClr val="008c4f"/>
-              </a:buClr>
-              <a:buSzPct val="80000"/>
-              <a:buFont typeface="Walbaum Heading"/>
-              <a:buChar char="—"/>
-            </a:pPr>
-            <a:r>
-              <a:rPr b="0" lang="en-US" sz="1800" spc="-1" strike="noStrike">
-                <a:solidFill>
-                  <a:srgbClr val="000000"/>
-                </a:solidFill>
-                <a:latin typeface="DejaVu Sans"/>
-                <a:ea typeface="DejaVu Sans"/>
-              </a:rPr>
-              <a:t>Pass the practical workshop</a:t>
-            </a:r>
-            <a:endParaRPr b="0" lang="en-GB" sz="1800" spc="-1" strike="noStrike">
-              <a:solidFill>
-                <a:srgbClr val="000000"/>
-              </a:solidFill>
-              <a:latin typeface="Arial"/>
-            </a:endParaRPr>
-          </a:p>
-          <a:p>
-            <a:pPr>
-              <a:lnSpc>
-                <a:spcPct val="100000"/>
-              </a:lnSpc>
-              <a:spcBef>
-                <a:spcPts val="360"/>
-              </a:spcBef>
-            </a:pPr>
-            <a:endParaRPr b="0" lang="en-GB" sz="1800" spc="-1" strike="noStrike">
-              <a:solidFill>
-                <a:srgbClr val="000000"/>
-              </a:solidFill>
-              <a:latin typeface="Arial"/>
-            </a:endParaRPr>
-          </a:p>
-          <a:p>
-            <a:pPr marL="195120" indent="-188640">
-              <a:lnSpc>
-                <a:spcPct val="100000"/>
-              </a:lnSpc>
-              <a:spcBef>
-                <a:spcPts val="360"/>
-              </a:spcBef>
-              <a:buClr>
-                <a:srgbClr val="008c4f"/>
-              </a:buClr>
-              <a:buSzPct val="80000"/>
-              <a:buFont typeface="Wingdings" charset="2"/>
-              <a:buChar char=""/>
-            </a:pPr>
-            <a:r>
-              <a:rPr b="0" lang="en-US" sz="1800" spc="-1" strike="noStrike">
-                <a:solidFill>
-                  <a:srgbClr val="000000"/>
-                </a:solidFill>
-                <a:latin typeface="DejaVu Sans"/>
-                <a:ea typeface="DejaVu Sans"/>
-              </a:rPr>
-              <a:t>Final exam:</a:t>
-            </a:r>
-            <a:endParaRPr b="0" lang="en-GB" sz="1800" spc="-1" strike="noStrike">
-              <a:solidFill>
-                <a:srgbClr val="000000"/>
-              </a:solidFill>
-              <a:latin typeface="Arial"/>
-            </a:endParaRPr>
-          </a:p>
-          <a:p>
-            <a:pPr lvl="1" marL="744120" indent="-280440">
-              <a:lnSpc>
-                <a:spcPct val="100000"/>
-              </a:lnSpc>
-              <a:spcBef>
-                <a:spcPts val="360"/>
-              </a:spcBef>
-              <a:buClr>
-                <a:srgbClr val="008c4f"/>
-              </a:buClr>
-              <a:buSzPct val="80000"/>
-              <a:buFont typeface="Walbaum Text"/>
-              <a:buChar char="—"/>
-            </a:pPr>
-            <a:r>
-              <a:rPr b="0" lang="en-GB" sz="1800" spc="-1" strike="noStrike">
-                <a:solidFill>
-                  <a:srgbClr val="000000"/>
-                </a:solidFill>
-                <a:latin typeface="DejaVu Sans"/>
-                <a:ea typeface="DejaVu Sans"/>
-              </a:rPr>
-              <a:t>Most likely 23.02.2023</a:t>
-            </a:r>
-            <a:endParaRPr b="0" lang="en-GB" sz="1800" spc="-1" strike="noStrike">
-              <a:solidFill>
-                <a:srgbClr val="000000"/>
-              </a:solidFill>
-              <a:latin typeface="Arial"/>
-            </a:endParaRPr>
-          </a:p>
-          <a:p>
-            <a:pPr lvl="1" marL="744120" indent="-280440">
-              <a:lnSpc>
-                <a:spcPct val="100000"/>
-              </a:lnSpc>
-              <a:spcBef>
-                <a:spcPts val="360"/>
-              </a:spcBef>
-              <a:buClr>
-                <a:srgbClr val="008c4f"/>
-              </a:buClr>
-              <a:buSzPct val="80000"/>
-              <a:buFont typeface="Walbaum Text"/>
-              <a:buChar char="—"/>
-            </a:pPr>
-            <a:r>
-              <a:rPr b="0" lang="en-US" sz="1800" spc="-1" strike="noStrike">
-                <a:solidFill>
-                  <a:srgbClr val="000000"/>
-                </a:solidFill>
-                <a:latin typeface="DejaVu Sans"/>
-                <a:ea typeface="DejaVu Sans"/>
-              </a:rPr>
-              <a:t>Oral examination (20min)</a:t>
-            </a:r>
-            <a:endParaRPr b="0" lang="en-GB" sz="1800" spc="-1" strike="noStrike">
-              <a:solidFill>
-                <a:srgbClr val="000000"/>
-              </a:solidFill>
-              <a:latin typeface="Arial"/>
-            </a:endParaRPr>
-          </a:p>
-          <a:p>
-            <a:pPr lvl="1" marL="744120" indent="-280440">
-              <a:lnSpc>
-                <a:spcPct val="100000"/>
-              </a:lnSpc>
-              <a:spcBef>
-                <a:spcPts val="360"/>
-              </a:spcBef>
-              <a:buClr>
-                <a:srgbClr val="008c4f"/>
-              </a:buClr>
-              <a:buSzPct val="80000"/>
-              <a:buFont typeface="Walbaum Text"/>
-              <a:buChar char="—"/>
-            </a:pPr>
-            <a:r>
-              <a:rPr b="0" lang="en-US" sz="1800" spc="-1" strike="noStrike">
-                <a:solidFill>
-                  <a:srgbClr val="000000"/>
-                </a:solidFill>
-                <a:latin typeface="DejaVu Sans"/>
-                <a:ea typeface="DejaVu Sans"/>
-              </a:rPr>
-              <a:t>Online</a:t>
+              <a:t> →</a:t>
+            </a:r>
+            <a:r>
+              <a:rPr b="0" lang="de-DE" sz="1800" spc="-1" strike="noStrike">
+                <a:solidFill>
+                  <a:srgbClr val="000000"/>
+                </a:solidFill>
+                <a:latin typeface="DejaVu Sans"/>
+                <a:ea typeface="DejaVu Sans"/>
+              </a:rPr>
+              <a:t> </a:t>
             </a:r>
             <a:endParaRPr b="0" lang="en-GB" sz="1800" spc="-1" strike="noStrike">
               <a:solidFill>
@@ -8022,7 +7917,7 @@
       </p:grpSpPr>
       <p:sp>
         <p:nvSpPr>
-          <p:cNvPr id="134" name="CustomShape 1"/>
+          <p:cNvPr id="136" name="CustomShape 1"/>
           <p:cNvSpPr/>
           <p:nvPr/>
         </p:nvSpPr>
@@ -8063,7 +7958,7 @@
                 <a:latin typeface="DejaVu Sans"/>
                 <a:ea typeface="DejaVu Sans"/>
               </a:rPr>
-              <a:t>Self-Study Star</a:t>
+              <a:t>Literature</a:t>
             </a:r>
             <a:endParaRPr b="0" lang="en-GB" sz="2400" spc="-1" strike="noStrike">
               <a:solidFill>
@@ -8076,13 +7971,13 @@
       </p:sp>
       <p:sp>
         <p:nvSpPr>
-          <p:cNvPr id="135" name="CustomShape 2"/>
+          <p:cNvPr id="137" name="CustomShape 2"/>
           <p:cNvSpPr/>
           <p:nvPr/>
         </p:nvSpPr>
         <p:spPr>
           <a:xfrm>
-            <a:off x="335520" y="1268280"/>
+            <a:off x="335520" y="1268640"/>
             <a:ext cx="10743840" cy="5031360"/>
           </a:xfrm>
           <a:prstGeom prst="rect">
@@ -8104,26 +7999,13 @@
             <a:noAutofit/>
           </a:bodyPr>
           <a:p>
-            <a:pPr>
+            <a:pPr marL="195120" indent="-188640">
               <a:lnSpc>
                 <a:spcPct val="100000"/>
               </a:lnSpc>
               <a:spcBef>
                 <a:spcPts val="360"/>
               </a:spcBef>
-            </a:pPr>
-            <a:endParaRPr b="0" lang="en-GB" sz="1800" spc="-1" strike="noStrike">
-              <a:solidFill>
-                <a:srgbClr val="000000"/>
-              </a:solidFill>
-              <a:latin typeface="Arial"/>
-            </a:endParaRPr>
-          </a:p>
-          <a:p>
-            <a:pPr marL="195120" indent="-188640">
-              <a:lnSpc>
-                <a:spcPct val="100000"/>
-              </a:lnSpc>
               <a:buClr>
                 <a:srgbClr val="008c4f"/>
               </a:buClr>
@@ -8132,34 +8014,34 @@
               <a:buChar char=""/>
             </a:pPr>
             <a:r>
-              <a:rPr b="0" lang="en-GB" sz="1800" spc="-1" strike="noStrike">
-                <a:solidFill>
-                  <a:srgbClr val="000000"/>
-                </a:solidFill>
-                <a:latin typeface="DejaVu Sans"/>
-                <a:ea typeface="DejaVu Sans"/>
-              </a:rPr>
-              <a:t>Slides with the self-study star indicate optional/additional study material that is </a:t>
-            </a:r>
-            <a:r>
-              <a:rPr b="1" lang="en-GB" sz="1800" spc="-1" strike="noStrike">
-                <a:solidFill>
-                  <a:srgbClr val="000000"/>
-                </a:solidFill>
-                <a:latin typeface="DejaVu Sans"/>
-                <a:ea typeface="DejaVu Sans"/>
-              </a:rPr>
-              <a:t>not</a:t>
-            </a:r>
-            <a:r>
-              <a:rPr b="0" lang="en-GB" sz="1800" spc="-1" strike="noStrike">
-                <a:solidFill>
-                  <a:srgbClr val="000000"/>
-                </a:solidFill>
-                <a:latin typeface="DejaVu Sans"/>
-                <a:ea typeface="DejaVu Sans"/>
-              </a:rPr>
-              <a:t> mandatory but could be helpful or interesting</a:t>
+              <a:rPr b="0" lang="en-US" sz="1800" spc="-1" strike="noStrike">
+                <a:solidFill>
+                  <a:srgbClr val="000000"/>
+                </a:solidFill>
+                <a:latin typeface="DejaVu Sans"/>
+                <a:ea typeface="DejaVu Sans"/>
+              </a:rPr>
+              <a:t>This course is not based on a single book and you </a:t>
+            </a:r>
+            <a:r>
+              <a:rPr b="1" lang="en-US" sz="1800" spc="-1" strike="noStrike">
+                <a:solidFill>
+                  <a:srgbClr val="000000"/>
+                </a:solidFill>
+                <a:latin typeface="DejaVu Sans"/>
+                <a:ea typeface="DejaVu Sans"/>
+              </a:rPr>
+              <a:t>do not</a:t>
+            </a:r>
+            <a:r>
+              <a:rPr b="0" lang="en-US" sz="1800" spc="-1" strike="noStrike">
+                <a:solidFill>
+                  <a:srgbClr val="000000"/>
+                </a:solidFill>
+                <a:latin typeface="DejaVu Sans"/>
+                <a:ea typeface="DejaVu Sans"/>
+              </a:rPr>
+              <a:t> need to buy a book to pass the exam.</a:t>
             </a:r>
             <a:endParaRPr b="0" lang="en-GB" sz="1800" spc="-1" strike="noStrike">
               <a:solidFill>
@@ -8168,114 +8050,37 @@
               <a:latin typeface="Arial"/>
             </a:endParaRPr>
           </a:p>
-        </p:txBody>
-      </p:sp>
-      <p:sp>
-        <p:nvSpPr>
-          <p:cNvPr id="136" name="CustomShape 3"/>
-          <p:cNvSpPr/>
-          <p:nvPr/>
-        </p:nvSpPr>
-        <p:spPr>
-          <a:xfrm>
-            <a:off x="6285600" y="2132640"/>
-            <a:ext cx="513360" cy="493200"/>
-          </a:xfrm>
-          <a:prstGeom prst="star5">
-            <a:avLst>
-              <a:gd name="adj" fmla="val 19098"/>
-              <a:gd name="hf" fmla="val 105146"/>
-              <a:gd name="vf" fmla="val 110557"/>
-            </a:avLst>
-          </a:prstGeom>
-          <a:solidFill>
-            <a:srgbClr val="92d050"/>
-          </a:solidFill>
-          <a:ln>
-            <a:solidFill>
-              <a:srgbClr val="0d0d0d"/>
-            </a:solidFill>
-          </a:ln>
-        </p:spPr>
-        <p:style>
-          <a:lnRef idx="2">
-            <a:schemeClr val="accent1">
-              <a:shade val="50000"/>
-            </a:schemeClr>
-          </a:lnRef>
-          <a:fillRef idx="1">
-            <a:schemeClr val="accent1"/>
-          </a:fillRef>
-          <a:effectRef idx="0">
-            <a:schemeClr val="accent1"/>
-          </a:effectRef>
-          <a:fontRef idx="minor"/>
-        </p:style>
-        <p:txBody>
-          <a:bodyPr lIns="90000" rIns="90000" tIns="45000" bIns="45000" anchor="t">
-            <a:noAutofit/>
-          </a:bodyPr>
           <a:p>
             <a:pPr>
               <a:lnSpc>
                 <a:spcPct val="100000"/>
               </a:lnSpc>
+              <a:spcBef>
+                <a:spcPts val="360"/>
+              </a:spcBef>
             </a:pPr>
             <a:endParaRPr b="0" lang="en-GB" sz="1800" spc="-1" strike="noStrike">
               <a:solidFill>
                 <a:srgbClr val="000000"/>
               </a:solidFill>
               <a:latin typeface="Arial"/>
-              <a:ea typeface="DejaVu Sans"/>
-            </a:endParaRPr>
-          </a:p>
-        </p:txBody>
-      </p:sp>
-      <p:sp>
-        <p:nvSpPr>
-          <p:cNvPr id="137" name="CustomShape 4"/>
-          <p:cNvSpPr/>
-          <p:nvPr/>
-        </p:nvSpPr>
-        <p:spPr>
-          <a:xfrm>
-            <a:off x="4089960" y="2247480"/>
-            <a:ext cx="2281680" cy="363960"/>
-          </a:xfrm>
-          <a:prstGeom prst="rect">
-            <a:avLst/>
-          </a:prstGeom>
-          <a:noFill/>
-          <a:ln w="0">
-            <a:noFill/>
-          </a:ln>
-        </p:spPr>
-        <p:style>
-          <a:lnRef idx="0"/>
-          <a:fillRef idx="0"/>
-          <a:effectRef idx="0"/>
-          <a:fontRef idx="minor"/>
-        </p:style>
-        <p:txBody>
-          <a:bodyPr lIns="90000" rIns="90000" tIns="45000" bIns="45000" anchor="t">
-            <a:spAutoFit/>
-          </a:bodyPr>
-          <a:p>
-            <a:pPr>
-              <a:lnSpc>
-                <a:spcPct val="100000"/>
-              </a:lnSpc>
-            </a:pPr>
-            <a:r>
-              <a:rPr b="0" lang="de-DE" sz="1800" spc="-1" strike="noStrike">
-                <a:solidFill>
-                  <a:srgbClr val="000000"/>
-                </a:solidFill>
-                <a:latin typeface="DejaVu Sans"/>
-                <a:ea typeface="DejaVu Sans"/>
-              </a:rPr>
-              <a:t>Self-Study Star</a:t>
-            </a:r>
+            </a:endParaRPr>
+          </a:p>
+          <a:p>
+            <a:pPr marL="195120" indent="-188640">
+              <a:lnSpc>
+                <a:spcPct val="100000"/>
+              </a:lnSpc>
+              <a:spcBef>
+                <a:spcPts val="360"/>
+              </a:spcBef>
+              <a:buClr>
+                <a:srgbClr val="008c4f"/>
+              </a:buClr>
+              <a:buSzPct val="80000"/>
+              <a:buFont typeface="Wingdings" charset="2"/>
+              <a:buChar char=""/>
+            </a:pPr>
             <a:r>
               <a:rPr b="0" lang="en-US" sz="1800" spc="-1" strike="noStrike">
                 <a:solidFill>
@@ -8284,17 +8089,235 @@
                 <a:latin typeface="DejaVu Sans"/>
                 <a:ea typeface="DejaVu Sans"/>
               </a:rPr>
-              <a:t> →</a:t>
-            </a:r>
-            <a:r>
-              <a:rPr b="0" lang="de-DE" sz="1800" spc="-1" strike="noStrike">
-                <a:solidFill>
-                  <a:srgbClr val="000000"/>
-                </a:solidFill>
-                <a:latin typeface="DejaVu Sans"/>
-                <a:ea typeface="DejaVu Sans"/>
-              </a:rPr>
-              <a:t> </a:t>
+              <a:t>Donella H. Meadows, Jorgen Randers, and Dennis L. Meadows. </a:t>
+            </a:r>
+            <a:r>
+              <a:rPr b="0" i="1" lang="en-US" sz="1800" spc="-1" strike="noStrike">
+                <a:solidFill>
+                  <a:srgbClr val="000000"/>
+                </a:solidFill>
+                <a:latin typeface="DejaVu Sans"/>
+                <a:ea typeface="DejaVu Sans"/>
+              </a:rPr>
+              <a:t>The Limits to Growth</a:t>
+            </a:r>
+            <a:r>
+              <a:rPr b="0" lang="en-US" sz="1800" spc="-1" strike="noStrike">
+                <a:solidFill>
+                  <a:srgbClr val="000000"/>
+                </a:solidFill>
+                <a:latin typeface="DejaVu Sans"/>
+                <a:ea typeface="DejaVu Sans"/>
+              </a:rPr>
+              <a:t> (1972).</a:t>
+            </a:r>
+            <a:endParaRPr b="0" lang="en-GB" sz="1800" spc="-1" strike="noStrike">
+              <a:solidFill>
+                <a:srgbClr val="000000"/>
+              </a:solidFill>
+              <a:latin typeface="Arial"/>
+            </a:endParaRPr>
+          </a:p>
+          <a:p>
+            <a:pPr marL="195120" indent="-188640">
+              <a:lnSpc>
+                <a:spcPct val="100000"/>
+              </a:lnSpc>
+              <a:spcBef>
+                <a:spcPts val="360"/>
+              </a:spcBef>
+              <a:buClr>
+                <a:srgbClr val="008c4f"/>
+              </a:buClr>
+              <a:buSzPct val="80000"/>
+              <a:buFont typeface="Wingdings" charset="2"/>
+              <a:buChar char=""/>
+            </a:pPr>
+            <a:r>
+              <a:rPr b="0" lang="en-US" sz="1800" spc="-1" strike="noStrike">
+                <a:solidFill>
+                  <a:srgbClr val="000000"/>
+                </a:solidFill>
+                <a:latin typeface="DejaVu Sans"/>
+                <a:ea typeface="DejaVu Sans"/>
+              </a:rPr>
+              <a:t>Donella H. Meadows, Jorgen Randers, and Dennis L. Meadows. </a:t>
+            </a:r>
+            <a:r>
+              <a:rPr b="0" i="1" lang="en-US" sz="1800" spc="-1" strike="noStrike">
+                <a:solidFill>
+                  <a:srgbClr val="000000"/>
+                </a:solidFill>
+                <a:latin typeface="DejaVu Sans"/>
+                <a:ea typeface="DejaVu Sans"/>
+              </a:rPr>
+              <a:t>Limits To Growth: The 30-Year Update</a:t>
+            </a:r>
+            <a:r>
+              <a:rPr b="0" lang="en-US" sz="1800" spc="-1" strike="noStrike">
+                <a:solidFill>
+                  <a:srgbClr val="000000"/>
+                </a:solidFill>
+                <a:latin typeface="DejaVu Sans"/>
+                <a:ea typeface="DejaVu Sans"/>
+              </a:rPr>
+              <a:t> (2004).</a:t>
+            </a:r>
+            <a:endParaRPr b="0" lang="en-GB" sz="1800" spc="-1" strike="noStrike">
+              <a:solidFill>
+                <a:srgbClr val="000000"/>
+              </a:solidFill>
+              <a:latin typeface="Arial"/>
+            </a:endParaRPr>
+          </a:p>
+          <a:p>
+            <a:pPr marL="195120" indent="-188640">
+              <a:lnSpc>
+                <a:spcPct val="100000"/>
+              </a:lnSpc>
+              <a:spcBef>
+                <a:spcPts val="360"/>
+              </a:spcBef>
+              <a:buClr>
+                <a:srgbClr val="008c4f"/>
+              </a:buClr>
+              <a:buSzPct val="80000"/>
+              <a:buFont typeface="Wingdings" charset="2"/>
+              <a:buChar char=""/>
+            </a:pPr>
+            <a:r>
+              <a:rPr b="0" lang="en-US" sz="1800" spc="-1" strike="noStrike">
+                <a:solidFill>
+                  <a:srgbClr val="000000"/>
+                </a:solidFill>
+                <a:latin typeface="DejaVu Sans"/>
+                <a:ea typeface="DejaVu Sans"/>
+              </a:rPr>
+              <a:t>Baccini et al. </a:t>
+            </a:r>
+            <a:r>
+              <a:rPr b="0" i="1" lang="en-US" sz="1800" spc="-1" strike="noStrike">
+                <a:solidFill>
+                  <a:srgbClr val="000000"/>
+                </a:solidFill>
+                <a:latin typeface="DejaVu Sans"/>
+                <a:ea typeface="DejaVu Sans"/>
+              </a:rPr>
+              <a:t>Metabolism of the Anthroposphere: Analysis, Evaluation, Design </a:t>
+            </a:r>
+            <a:r>
+              <a:rPr b="0" lang="en-US" sz="1800" spc="-1" strike="noStrike">
+                <a:solidFill>
+                  <a:srgbClr val="000000"/>
+                </a:solidFill>
+                <a:latin typeface="DejaVu Sans"/>
+                <a:ea typeface="DejaVu Sans"/>
+              </a:rPr>
+              <a:t>(2012).</a:t>
+            </a:r>
+            <a:endParaRPr b="0" lang="en-GB" sz="1800" spc="-1" strike="noStrike">
+              <a:solidFill>
+                <a:srgbClr val="000000"/>
+              </a:solidFill>
+              <a:latin typeface="Arial"/>
+            </a:endParaRPr>
+          </a:p>
+          <a:p>
+            <a:pPr marL="195120" indent="-188640">
+              <a:lnSpc>
+                <a:spcPct val="100000"/>
+              </a:lnSpc>
+              <a:spcBef>
+                <a:spcPts val="360"/>
+              </a:spcBef>
+              <a:buClr>
+                <a:srgbClr val="008c4f"/>
+              </a:buClr>
+              <a:buSzPct val="80000"/>
+              <a:buFont typeface="Wingdings" charset="2"/>
+              <a:buChar char=""/>
+            </a:pPr>
+            <a:r>
+              <a:rPr b="0" lang="en-US" sz="1800" spc="-1" strike="noStrike">
+                <a:solidFill>
+                  <a:srgbClr val="000000"/>
+                </a:solidFill>
+                <a:latin typeface="DejaVu Sans"/>
+                <a:ea typeface="DejaVu Sans"/>
+              </a:rPr>
+              <a:t>Walter R. Stahel. </a:t>
+            </a:r>
+            <a:r>
+              <a:rPr b="0" i="1" lang="en-US" sz="1800" spc="-1" strike="noStrike">
+                <a:solidFill>
+                  <a:srgbClr val="000000"/>
+                </a:solidFill>
+                <a:latin typeface="DejaVu Sans"/>
+                <a:ea typeface="DejaVu Sans"/>
+              </a:rPr>
+              <a:t>The Circular Economy: A User's Guide</a:t>
+            </a:r>
+            <a:r>
+              <a:rPr b="0" lang="en-US" sz="1800" spc="-1" strike="noStrike">
+                <a:solidFill>
+                  <a:srgbClr val="000000"/>
+                </a:solidFill>
+                <a:latin typeface="DejaVu Sans"/>
+                <a:ea typeface="DejaVu Sans"/>
+              </a:rPr>
+              <a:t> (2019).</a:t>
+            </a:r>
+            <a:endParaRPr b="0" lang="en-GB" sz="1800" spc="-1" strike="noStrike">
+              <a:solidFill>
+                <a:srgbClr val="000000"/>
+              </a:solidFill>
+              <a:latin typeface="Arial"/>
+            </a:endParaRPr>
+          </a:p>
+          <a:p>
+            <a:pPr marL="195120" indent="-188640">
+              <a:lnSpc>
+                <a:spcPct val="100000"/>
+              </a:lnSpc>
+              <a:spcBef>
+                <a:spcPts val="360"/>
+              </a:spcBef>
+              <a:buClr>
+                <a:srgbClr val="008c4f"/>
+              </a:buClr>
+              <a:buSzPct val="80000"/>
+              <a:buFont typeface="Wingdings" charset="2"/>
+              <a:buChar char=""/>
+            </a:pPr>
+            <a:r>
+              <a:rPr b="0" lang="en-US" sz="1800" spc="-1" strike="noStrike">
+                <a:solidFill>
+                  <a:srgbClr val="000000"/>
+                </a:solidFill>
+                <a:latin typeface="DejaVu Sans"/>
+                <a:ea typeface="DejaVu Sans"/>
+              </a:rPr>
+              <a:t>W. Brian Arthur. </a:t>
+            </a:r>
+            <a:r>
+              <a:rPr b="0" i="1" lang="en-US" sz="1800" spc="-1" strike="noStrike">
+                <a:solidFill>
+                  <a:srgbClr val="000000"/>
+                </a:solidFill>
+                <a:latin typeface="DejaVu Sans"/>
+                <a:ea typeface="DejaVu Sans"/>
+              </a:rPr>
+              <a:t>The Nature of Technology: What It Is and How it Evolves</a:t>
+            </a:r>
+            <a:r>
+              <a:rPr b="0" lang="en-US" sz="1800" spc="-1" strike="noStrike">
+                <a:solidFill>
+                  <a:srgbClr val="000000"/>
+                </a:solidFill>
+                <a:latin typeface="DejaVu Sans"/>
+                <a:ea typeface="DejaVu Sans"/>
+              </a:rPr>
+              <a:t> (2011)</a:t>
             </a:r>
             <a:endParaRPr b="0" lang="en-GB" sz="1800" spc="-1" strike="noStrike">
               <a:solidFill>
@@ -8337,14 +8360,14 @@
       </p:grpSpPr>
       <p:sp>
         <p:nvSpPr>
-          <p:cNvPr id="138" name="CustomShape 1"/>
+          <p:cNvPr id="138" name="CustomShape 9"/>
           <p:cNvSpPr/>
           <p:nvPr/>
         </p:nvSpPr>
         <p:spPr>
           <a:xfrm>
             <a:off x="335520" y="764640"/>
-            <a:ext cx="10743840" cy="494640"/>
+            <a:ext cx="10742040" cy="492840"/>
           </a:xfrm>
           <a:prstGeom prst="rect">
             <a:avLst/>
@@ -8371,7 +8394,7 @@
               </a:lnSpc>
             </a:pPr>
             <a:r>
-              <a:rPr b="1" lang="en-US" sz="2400" spc="-1" strike="noStrike">
+              <a:rPr b="1" lang="de-DE" sz="2400" spc="-1" strike="noStrike">
                 <a:solidFill>
                   <a:srgbClr val="000000"/>
                 </a:solidFill>
@@ -8391,14 +8414,14 @@
       </p:sp>
       <p:sp>
         <p:nvSpPr>
-          <p:cNvPr id="139" name="CustomShape 2"/>
+          <p:cNvPr id="139" name="CustomShape 10"/>
           <p:cNvSpPr/>
           <p:nvPr/>
         </p:nvSpPr>
         <p:spPr>
           <a:xfrm>
             <a:off x="335520" y="1268640"/>
-            <a:ext cx="10743840" cy="5031360"/>
+            <a:ext cx="10742040" cy="5029560"/>
           </a:xfrm>
           <a:prstGeom prst="rect">
             <a:avLst/>
@@ -8419,7 +8442,23 @@
             <a:noAutofit/>
           </a:bodyPr>
           <a:p>
-            <a:pPr marL="195120" indent="-188640">
+            <a:pPr>
+              <a:lnSpc>
+                <a:spcPct val="100000"/>
+              </a:lnSpc>
+              <a:spcBef>
+                <a:spcPts val="360"/>
+              </a:spcBef>
+            </a:pPr>
+            <a:endParaRPr b="0" lang="en-GB" sz="1800" spc="-1" strike="noStrike">
+              <a:solidFill>
+                <a:srgbClr val="000000"/>
+              </a:solidFill>
+              <a:latin typeface="Arial"/>
+            </a:endParaRPr>
+          </a:p>
+          <a:p>
+            <a:pPr marL="195120" indent="-189720">
               <a:lnSpc>
                 <a:spcPct val="100000"/>
               </a:lnSpc>
@@ -8429,39 +8468,19 @@
               <a:buClr>
                 <a:srgbClr val="008c4f"/>
               </a:buClr>
-              <a:buSzPct val="80000"/>
+              <a:buSzPct val="115000"/>
               <a:buFont typeface="Wingdings" charset="2"/>
               <a:buChar char=""/>
             </a:pPr>
             <a:r>
-              <a:rPr b="0" lang="en-US" sz="1800" spc="-1" strike="noStrike">
-                <a:solidFill>
-                  <a:srgbClr val="000000"/>
-                </a:solidFill>
-                <a:latin typeface="DejaVu Sans"/>
-                <a:ea typeface="DejaVu Sans"/>
-              </a:rPr>
-              <a:t>This course is not based on a single book and you </a:t>
-            </a:r>
-            <a:r>
-              <a:rPr b="1" lang="en-US" sz="1800" spc="-1" strike="noStrike">
-                <a:solidFill>
-                  <a:srgbClr val="000000"/>
-                </a:solidFill>
-                <a:latin typeface="DejaVu Sans"/>
-                <a:ea typeface="DejaVu Sans"/>
-              </a:rPr>
-              <a:t>do not</a:t>
-            </a:r>
-            <a:r>
-              <a:rPr b="0" lang="en-US" sz="1800" spc="-1" strike="noStrike">
-                <a:solidFill>
-                  <a:srgbClr val="000000"/>
-                </a:solidFill>
-                <a:latin typeface="DejaVu Sans"/>
-                <a:ea typeface="DejaVu Sans"/>
-              </a:rPr>
-              <a:t> need to buy a book to pass the exam.</a:t>
+              <a:rPr b="0" lang="de-DE" sz="1800" spc="-1" strike="noStrike">
+                <a:solidFill>
+                  <a:srgbClr val="000000"/>
+                </a:solidFill>
+                <a:latin typeface="DejaVu Sans"/>
+                <a:ea typeface="DejaVu Sans"/>
+              </a:rPr>
+              <a:t>Perry Lea. Internet of Things for Architects: Architecting IoT solutions by implementing sensors, communication infrastructure, edge computing, analytics, and security (2018).</a:t>
             </a:r>
             <a:endParaRPr b="0" lang="en-GB" sz="1800" spc="-1" strike="noStrike">
               <a:solidFill>
@@ -8471,23 +8490,7 @@
             </a:endParaRPr>
           </a:p>
           <a:p>
-            <a:pPr>
-              <a:lnSpc>
-                <a:spcPct val="100000"/>
-              </a:lnSpc>
-              <a:spcBef>
-                <a:spcPts val="360"/>
-              </a:spcBef>
-            </a:pPr>
-            <a:endParaRPr b="0" lang="en-GB" sz="1800" spc="-1" strike="noStrike">
-              <a:solidFill>
-                <a:srgbClr val="000000"/>
-              </a:solidFill>
-              <a:latin typeface="Arial"/>
-            </a:endParaRPr>
-          </a:p>
-          <a:p>
-            <a:pPr marL="195120" indent="-188640">
+            <a:pPr marL="195120" indent="-189720">
               <a:lnSpc>
                 <a:spcPct val="100000"/>
               </a:lnSpc>
@@ -8497,39 +8500,39 @@
               <a:buClr>
                 <a:srgbClr val="008c4f"/>
               </a:buClr>
-              <a:buSzPct val="80000"/>
+              <a:buSzPct val="115000"/>
               <a:buFont typeface="Wingdings" charset="2"/>
               <a:buChar char=""/>
             </a:pPr>
             <a:r>
-              <a:rPr b="0" lang="en-US" sz="1800" spc="-1" strike="noStrike">
-                <a:solidFill>
-                  <a:srgbClr val="000000"/>
-                </a:solidFill>
-                <a:latin typeface="DejaVu Sans"/>
-                <a:ea typeface="DejaVu Sans"/>
-              </a:rPr>
-              <a:t>Donella H. Meadows, Jorgen Randers, and Dennis L. Meadows. </a:t>
-            </a:r>
-            <a:r>
-              <a:rPr b="0" i="1" lang="en-US" sz="1800" spc="-1" strike="noStrike">
-                <a:solidFill>
-                  <a:srgbClr val="000000"/>
-                </a:solidFill>
-                <a:latin typeface="DejaVu Sans"/>
-                <a:ea typeface="DejaVu Sans"/>
-              </a:rPr>
-              <a:t>The Limits to Growth</a:t>
-            </a:r>
-            <a:r>
-              <a:rPr b="0" lang="en-US" sz="1800" spc="-1" strike="noStrike">
-                <a:solidFill>
-                  <a:srgbClr val="000000"/>
-                </a:solidFill>
-                <a:latin typeface="DejaVu Sans"/>
-                <a:ea typeface="DejaVu Sans"/>
-              </a:rPr>
-              <a:t> (1972).</a:t>
+              <a:rPr b="0" lang="de-DE" sz="1800" spc="-1" strike="noStrike">
+                <a:solidFill>
+                  <a:srgbClr val="000000"/>
+                </a:solidFill>
+                <a:latin typeface="DejaVu Sans"/>
+                <a:ea typeface="DejaVu Sans"/>
+              </a:rPr>
+              <a:t>M.A. Khan, M.T. Quasim, F. Algarni, A. Alharthi. </a:t>
+            </a:r>
+            <a:r>
+              <a:rPr b="0" i="1" lang="de-DE" sz="1800" spc="-1" strike="noStrike">
+                <a:solidFill>
+                  <a:srgbClr val="000000"/>
+                </a:solidFill>
+                <a:latin typeface="DejaVu Sans"/>
+                <a:ea typeface="DejaVu Sans"/>
+              </a:rPr>
+              <a:t>Decentralised Internet of Things</a:t>
+            </a:r>
+            <a:r>
+              <a:rPr b="0" lang="de-DE" sz="1800" spc="-1" strike="noStrike">
+                <a:solidFill>
+                  <a:srgbClr val="000000"/>
+                </a:solidFill>
+                <a:latin typeface="DejaVu Sans"/>
+                <a:ea typeface="DejaVu Sans"/>
+              </a:rPr>
+              <a:t> (2020).</a:t>
             </a:r>
             <a:endParaRPr b="0" lang="en-GB" sz="1800" spc="-1" strike="noStrike">
               <a:solidFill>
@@ -8539,7 +8542,7 @@
             </a:endParaRPr>
           </a:p>
           <a:p>
-            <a:pPr marL="195120" indent="-188640">
+            <a:pPr marL="195120" indent="-189720">
               <a:lnSpc>
                 <a:spcPct val="100000"/>
               </a:lnSpc>
@@ -8549,195 +8552,39 @@
               <a:buClr>
                 <a:srgbClr val="008c4f"/>
               </a:buClr>
-              <a:buSzPct val="80000"/>
+              <a:buSzPct val="115000"/>
               <a:buFont typeface="Wingdings" charset="2"/>
               <a:buChar char=""/>
             </a:pPr>
             <a:r>
-              <a:rPr b="0" lang="en-US" sz="1800" spc="-1" strike="noStrike">
-                <a:solidFill>
-                  <a:srgbClr val="000000"/>
-                </a:solidFill>
-                <a:latin typeface="DejaVu Sans"/>
-                <a:ea typeface="DejaVu Sans"/>
-              </a:rPr>
-              <a:t>Donella H. Meadows, Jorgen Randers, and Dennis L. Meadows. </a:t>
-            </a:r>
-            <a:r>
-              <a:rPr b="0" i="1" lang="en-US" sz="1800" spc="-1" strike="noStrike">
-                <a:solidFill>
-                  <a:srgbClr val="000000"/>
-                </a:solidFill>
-                <a:latin typeface="DejaVu Sans"/>
-                <a:ea typeface="DejaVu Sans"/>
-              </a:rPr>
-              <a:t>Limits To Growth: The 30-Year Update</a:t>
-            </a:r>
-            <a:r>
-              <a:rPr b="0" lang="en-US" sz="1800" spc="-1" strike="noStrike">
-                <a:solidFill>
-                  <a:srgbClr val="000000"/>
-                </a:solidFill>
-                <a:latin typeface="DejaVu Sans"/>
-                <a:ea typeface="DejaVu Sans"/>
-              </a:rPr>
-              <a:t> (2004).</a:t>
-            </a:r>
-            <a:endParaRPr b="0" lang="en-GB" sz="1800" spc="-1" strike="noStrike">
-              <a:solidFill>
-                <a:srgbClr val="000000"/>
-              </a:solidFill>
-              <a:latin typeface="Arial"/>
-            </a:endParaRPr>
-          </a:p>
-          <a:p>
-            <a:pPr marL="195120" indent="-188640">
-              <a:lnSpc>
-                <a:spcPct val="100000"/>
-              </a:lnSpc>
-              <a:spcBef>
-                <a:spcPts val="360"/>
-              </a:spcBef>
-              <a:buClr>
-                <a:srgbClr val="008c4f"/>
-              </a:buClr>
-              <a:buSzPct val="80000"/>
-              <a:buFont typeface="Wingdings" charset="2"/>
-              <a:buChar char=""/>
-            </a:pPr>
-            <a:r>
-              <a:rPr b="0" lang="en-US" sz="1800" spc="-1" strike="noStrike">
-                <a:solidFill>
-                  <a:srgbClr val="000000"/>
-                </a:solidFill>
-                <a:latin typeface="DejaVu Sans"/>
-                <a:ea typeface="DejaVu Sans"/>
-              </a:rPr>
-              <a:t>Baccini et al. </a:t>
-            </a:r>
-            <a:r>
-              <a:rPr b="0" i="1" lang="en-US" sz="1800" spc="-1" strike="noStrike">
-                <a:solidFill>
-                  <a:srgbClr val="000000"/>
-                </a:solidFill>
-                <a:latin typeface="DejaVu Sans"/>
-                <a:ea typeface="DejaVu Sans"/>
-              </a:rPr>
-              <a:t>Metabolism of the Anthroposphere: Analysis, Evaluation, Design </a:t>
-            </a:r>
-            <a:r>
-              <a:rPr b="0" lang="en-US" sz="1800" spc="-1" strike="noStrike">
-                <a:solidFill>
-                  <a:srgbClr val="000000"/>
-                </a:solidFill>
-                <a:latin typeface="DejaVu Sans"/>
-                <a:ea typeface="DejaVu Sans"/>
-              </a:rPr>
-              <a:t>(2012).</a:t>
-            </a:r>
-            <a:endParaRPr b="0" lang="en-GB" sz="1800" spc="-1" strike="noStrike">
-              <a:solidFill>
-                <a:srgbClr val="000000"/>
-              </a:solidFill>
-              <a:latin typeface="Arial"/>
-            </a:endParaRPr>
-          </a:p>
-          <a:p>
-            <a:pPr marL="195120" indent="-188640">
-              <a:lnSpc>
-                <a:spcPct val="100000"/>
-              </a:lnSpc>
-              <a:spcBef>
-                <a:spcPts val="360"/>
-              </a:spcBef>
-              <a:buClr>
-                <a:srgbClr val="008c4f"/>
-              </a:buClr>
-              <a:buSzPct val="80000"/>
-              <a:buFont typeface="Wingdings" charset="2"/>
-              <a:buChar char=""/>
-            </a:pPr>
-            <a:r>
-              <a:rPr b="0" lang="en-US" sz="1800" spc="-1" strike="noStrike">
-                <a:solidFill>
-                  <a:srgbClr val="000000"/>
-                </a:solidFill>
-                <a:latin typeface="DejaVu Sans"/>
-                <a:ea typeface="DejaVu Sans"/>
-              </a:rPr>
-              <a:t>Walter R. Stahel. </a:t>
-            </a:r>
-            <a:r>
-              <a:rPr b="0" i="1" lang="en-US" sz="1800" spc="-1" strike="noStrike">
-                <a:solidFill>
-                  <a:srgbClr val="000000"/>
-                </a:solidFill>
-                <a:latin typeface="DejaVu Sans"/>
-                <a:ea typeface="DejaVu Sans"/>
-              </a:rPr>
-              <a:t>The Circular Economy: A User's Guide</a:t>
-            </a:r>
-            <a:r>
-              <a:rPr b="0" lang="en-US" sz="1800" spc="-1" strike="noStrike">
-                <a:solidFill>
-                  <a:srgbClr val="000000"/>
-                </a:solidFill>
-                <a:latin typeface="DejaVu Sans"/>
-                <a:ea typeface="DejaVu Sans"/>
-              </a:rPr>
-              <a:t> (2019).</a:t>
-            </a:r>
-            <a:endParaRPr b="0" lang="en-GB" sz="1800" spc="-1" strike="noStrike">
-              <a:solidFill>
-                <a:srgbClr val="000000"/>
-              </a:solidFill>
-              <a:latin typeface="Arial"/>
-            </a:endParaRPr>
-          </a:p>
-          <a:p>
-            <a:pPr marL="195120" indent="-188640">
-              <a:lnSpc>
-                <a:spcPct val="100000"/>
-              </a:lnSpc>
-              <a:spcBef>
-                <a:spcPts val="360"/>
-              </a:spcBef>
-              <a:buClr>
-                <a:srgbClr val="008c4f"/>
-              </a:buClr>
-              <a:buSzPct val="80000"/>
-              <a:buFont typeface="Wingdings" charset="2"/>
-              <a:buChar char=""/>
-            </a:pPr>
-            <a:r>
-              <a:rPr b="0" lang="en-US" sz="1800" spc="-1" strike="noStrike">
-                <a:solidFill>
-                  <a:srgbClr val="000000"/>
-                </a:solidFill>
-                <a:latin typeface="DejaVu Sans"/>
-                <a:ea typeface="DejaVu Sans"/>
-              </a:rPr>
-              <a:t>W. Brian Arthur. </a:t>
-            </a:r>
-            <a:r>
-              <a:rPr b="0" i="1" lang="en-US" sz="1800" spc="-1" strike="noStrike">
-                <a:solidFill>
-                  <a:srgbClr val="000000"/>
-                </a:solidFill>
-                <a:latin typeface="DejaVu Sans"/>
-                <a:ea typeface="DejaVu Sans"/>
-              </a:rPr>
-              <a:t>The Nature of Technology: What It Is and How it Evolves</a:t>
-            </a:r>
-            <a:r>
-              <a:rPr b="0" lang="en-US" sz="1800" spc="-1" strike="noStrike">
-                <a:solidFill>
-                  <a:srgbClr val="000000"/>
-                </a:solidFill>
-                <a:latin typeface="DejaVu Sans"/>
-                <a:ea typeface="DejaVu Sans"/>
-              </a:rPr>
-              <a:t> (2011)</a:t>
+              <a:rPr b="0" lang="de-DE" sz="1800" spc="-1" strike="noStrike">
+                <a:solidFill>
+                  <a:srgbClr val="000000"/>
+                </a:solidFill>
+                <a:latin typeface="DejaVu Sans"/>
+                <a:ea typeface="DejaVu Sans"/>
+              </a:rPr>
+              <a:t>Dimitrios Serpanos und Marilyn Claire Wolf. </a:t>
+            </a:r>
+            <a:r>
+              <a:rPr b="0" i="1" lang="de-DE" sz="1800" spc="-1" strike="noStrike">
+                <a:solidFill>
+                  <a:srgbClr val="000000"/>
+                </a:solidFill>
+                <a:latin typeface="DejaVu Sans"/>
+                <a:ea typeface="DejaVu Sans"/>
+              </a:rPr>
+              <a:t>Internet-of-Things (IoT) Systems Architectures, Algorithms, Methodologies</a:t>
+            </a:r>
+            <a:r>
+              <a:rPr b="0" lang="de-DE" sz="1800" spc="-1" strike="noStrike">
+                <a:solidFill>
+                  <a:srgbClr val="000000"/>
+                </a:solidFill>
+                <a:latin typeface="DejaVu Sans"/>
+                <a:ea typeface="DejaVu Sans"/>
+              </a:rPr>
+              <a:t> (2018).</a:t>
             </a:r>
             <a:endParaRPr b="0" lang="en-GB" sz="1800" spc="-1" strike="noStrike">
               <a:solidFill>
@@ -8780,14 +8627,14 @@
       </p:grpSpPr>
       <p:sp>
         <p:nvSpPr>
-          <p:cNvPr id="140" name="CustomShape 9"/>
+          <p:cNvPr id="140" name="CustomShape 1"/>
           <p:cNvSpPr/>
           <p:nvPr/>
         </p:nvSpPr>
         <p:spPr>
           <a:xfrm>
-            <a:off x="335520" y="764640"/>
-            <a:ext cx="10742040" cy="492840"/>
+            <a:off x="335520" y="1268640"/>
+            <a:ext cx="10743840" cy="5031360"/>
           </a:xfrm>
           <a:prstGeom prst="rect">
             <a:avLst/>
@@ -8804,273 +8651,6 @@
           <a:fontRef idx="minor"/>
         </p:style>
         <p:txBody>
-          <a:bodyPr lIns="90000" rIns="90000" tIns="45000" bIns="45000" anchor="t">
-            <a:noAutofit/>
-          </a:bodyPr>
-          <a:p>
-            <a:pPr>
-              <a:lnSpc>
-                <a:spcPct val="100000"/>
-              </a:lnSpc>
-            </a:pPr>
-            <a:r>
-              <a:rPr b="1" lang="de-DE" sz="2400" spc="-1" strike="noStrike">
-                <a:solidFill>
-                  <a:srgbClr val="000000"/>
-                </a:solidFill>
-                <a:latin typeface="DejaVu Sans"/>
-                <a:ea typeface="DejaVu Sans"/>
-              </a:rPr>
-              <a:t>Literature</a:t>
-            </a:r>
-            <a:endParaRPr b="0" lang="en-GB" sz="2400" spc="-1" strike="noStrike">
-              <a:solidFill>
-                <a:srgbClr val="000000"/>
-              </a:solidFill>
-              <a:latin typeface="Arial"/>
-            </a:endParaRPr>
-          </a:p>
-        </p:txBody>
-      </p:sp>
-      <p:sp>
-        <p:nvSpPr>
-          <p:cNvPr id="141" name="CustomShape 10"/>
-          <p:cNvSpPr/>
-          <p:nvPr/>
-        </p:nvSpPr>
-        <p:spPr>
-          <a:xfrm>
-            <a:off x="335520" y="1268640"/>
-            <a:ext cx="10742040" cy="5029560"/>
-          </a:xfrm>
-          <a:prstGeom prst="rect">
-            <a:avLst/>
-          </a:prstGeom>
-          <a:noFill/>
-          <a:ln w="0">
-            <a:noFill/>
-          </a:ln>
-        </p:spPr>
-        <p:style>
-          <a:lnRef idx="0"/>
-          <a:fillRef idx="0"/>
-          <a:effectRef idx="0"/>
-          <a:fontRef idx="minor"/>
-        </p:style>
-        <p:txBody>
-          <a:bodyPr lIns="90000" rIns="90000" tIns="45000" bIns="45000" anchor="ctr">
-            <a:noAutofit/>
-          </a:bodyPr>
-          <a:p>
-            <a:pPr>
-              <a:lnSpc>
-                <a:spcPct val="100000"/>
-              </a:lnSpc>
-              <a:spcBef>
-                <a:spcPts val="360"/>
-              </a:spcBef>
-            </a:pPr>
-            <a:endParaRPr b="0" lang="en-GB" sz="1800" spc="-1" strike="noStrike">
-              <a:solidFill>
-                <a:srgbClr val="000000"/>
-              </a:solidFill>
-              <a:latin typeface="Arial"/>
-            </a:endParaRPr>
-          </a:p>
-          <a:p>
-            <a:pPr marL="195120" indent="-189720">
-              <a:lnSpc>
-                <a:spcPct val="100000"/>
-              </a:lnSpc>
-              <a:spcBef>
-                <a:spcPts val="360"/>
-              </a:spcBef>
-              <a:buClr>
-                <a:srgbClr val="008c4f"/>
-              </a:buClr>
-              <a:buSzPct val="115000"/>
-              <a:buFont typeface="Wingdings" charset="2"/>
-              <a:buChar char=""/>
-            </a:pPr>
-            <a:r>
-              <a:rPr b="0" lang="de-DE" sz="1800" spc="-1" strike="noStrike">
-                <a:solidFill>
-                  <a:srgbClr val="000000"/>
-                </a:solidFill>
-                <a:latin typeface="DejaVu Sans"/>
-                <a:ea typeface="DejaVu Sans"/>
-              </a:rPr>
-              <a:t>Perry Lea. Internet of Things for Architects: Architecting IoT solutions by implementing sensors, communication infrastructure, edge computing, analytics, and security (2018).</a:t>
-            </a:r>
-            <a:endParaRPr b="0" lang="en-GB" sz="1800" spc="-1" strike="noStrike">
-              <a:solidFill>
-                <a:srgbClr val="000000"/>
-              </a:solidFill>
-              <a:latin typeface="Arial"/>
-            </a:endParaRPr>
-          </a:p>
-          <a:p>
-            <a:pPr marL="195120" indent="-189720">
-              <a:lnSpc>
-                <a:spcPct val="100000"/>
-              </a:lnSpc>
-              <a:spcBef>
-                <a:spcPts val="360"/>
-              </a:spcBef>
-              <a:buClr>
-                <a:srgbClr val="008c4f"/>
-              </a:buClr>
-              <a:buSzPct val="115000"/>
-              <a:buFont typeface="Wingdings" charset="2"/>
-              <a:buChar char=""/>
-            </a:pPr>
-            <a:r>
-              <a:rPr b="0" lang="de-DE" sz="1800" spc="-1" strike="noStrike">
-                <a:solidFill>
-                  <a:srgbClr val="000000"/>
-                </a:solidFill>
-                <a:latin typeface="DejaVu Sans"/>
-                <a:ea typeface="DejaVu Sans"/>
-              </a:rPr>
-              <a:t>M.A. Khan, M.T. Quasim, F. Algarni, A. Alharthi. </a:t>
-            </a:r>
-            <a:r>
-              <a:rPr b="0" i="1" lang="de-DE" sz="1800" spc="-1" strike="noStrike">
-                <a:solidFill>
-                  <a:srgbClr val="000000"/>
-                </a:solidFill>
-                <a:latin typeface="DejaVu Sans"/>
-                <a:ea typeface="DejaVu Sans"/>
-              </a:rPr>
-              <a:t>Decentralised Internet of Things</a:t>
-            </a:r>
-            <a:r>
-              <a:rPr b="0" lang="de-DE" sz="1800" spc="-1" strike="noStrike">
-                <a:solidFill>
-                  <a:srgbClr val="000000"/>
-                </a:solidFill>
-                <a:latin typeface="DejaVu Sans"/>
-                <a:ea typeface="DejaVu Sans"/>
-              </a:rPr>
-              <a:t> (2020).</a:t>
-            </a:r>
-            <a:endParaRPr b="0" lang="en-GB" sz="1800" spc="-1" strike="noStrike">
-              <a:solidFill>
-                <a:srgbClr val="000000"/>
-              </a:solidFill>
-              <a:latin typeface="Arial"/>
-            </a:endParaRPr>
-          </a:p>
-          <a:p>
-            <a:pPr marL="195120" indent="-189720">
-              <a:lnSpc>
-                <a:spcPct val="100000"/>
-              </a:lnSpc>
-              <a:spcBef>
-                <a:spcPts val="360"/>
-              </a:spcBef>
-              <a:buClr>
-                <a:srgbClr val="008c4f"/>
-              </a:buClr>
-              <a:buSzPct val="115000"/>
-              <a:buFont typeface="Wingdings" charset="2"/>
-              <a:buChar char=""/>
-            </a:pPr>
-            <a:r>
-              <a:rPr b="0" lang="de-DE" sz="1800" spc="-1" strike="noStrike">
-                <a:solidFill>
-                  <a:srgbClr val="000000"/>
-                </a:solidFill>
-                <a:latin typeface="DejaVu Sans"/>
-                <a:ea typeface="DejaVu Sans"/>
-              </a:rPr>
-              <a:t>Dimitrios Serpanos und Marilyn Claire Wolf. </a:t>
-            </a:r>
-            <a:r>
-              <a:rPr b="0" i="1" lang="de-DE" sz="1800" spc="-1" strike="noStrike">
-                <a:solidFill>
-                  <a:srgbClr val="000000"/>
-                </a:solidFill>
-                <a:latin typeface="DejaVu Sans"/>
-                <a:ea typeface="DejaVu Sans"/>
-              </a:rPr>
-              <a:t>Internet-of-Things (IoT) Systems Architectures, Algorithms, Methodologies</a:t>
-            </a:r>
-            <a:r>
-              <a:rPr b="0" lang="de-DE" sz="1800" spc="-1" strike="noStrike">
-                <a:solidFill>
-                  <a:srgbClr val="000000"/>
-                </a:solidFill>
-                <a:latin typeface="DejaVu Sans"/>
-                <a:ea typeface="DejaVu Sans"/>
-              </a:rPr>
-              <a:t> (2018).</a:t>
-            </a:r>
-            <a:endParaRPr b="0" lang="en-GB" sz="1800" spc="-1" strike="noStrike">
-              <a:solidFill>
-                <a:srgbClr val="000000"/>
-              </a:solidFill>
-              <a:latin typeface="Arial"/>
-            </a:endParaRPr>
-          </a:p>
-        </p:txBody>
-      </p:sp>
-    </p:spTree>
-  </p:cSld>
-  <mc:AlternateContent>
-    <mc:Choice Requires="p14">
-      <p:transition spd="slow" p14:dur="2000"/>
-    </mc:Choice>
-    <mc:Fallback>
-      <p:transition spd="slow"/>
-    </mc:Fallback>
-  </mc:AlternateContent>
-</p:sld>
-</file>
-
-<file path=ppt/slides/slide18.xml><?xml version="1.0" encoding="utf-8"?>
-<p:sld xmlns:a="http://schemas.openxmlformats.org/drawingml/2006/main" xmlns:p="http://schemas.openxmlformats.org/presentationml/2006/main" xmlns:r="http://schemas.openxmlformats.org/officeDocument/2006/relationships" xmlns:p14="http://schemas.microsoft.com/office/powerpoint/2010/main" xmlns:p15="http://schemas.microsoft.com/office/powerpoint/2012/main" xmlns:mc="http://schemas.openxmlformats.org/markup-compatibility/2006">
-  <p:cSld>
-    <p:spTree>
-      <p:nvGrpSpPr>
-        <p:cNvPr id="1" name=""/>
-        <p:cNvGrpSpPr/>
-        <p:nvPr/>
-      </p:nvGrpSpPr>
-      <p:grpSpPr>
-        <a:xfrm>
-          <a:off x="0" y="0"/>
-          <a:ext cx="0" cy="0"/>
-          <a:chOff x="0" y="0"/>
-          <a:chExt cx="0" cy="0"/>
-        </a:xfrm>
-      </p:grpSpPr>
-      <p:sp>
-        <p:nvSpPr>
-          <p:cNvPr id="142" name="CustomShape 1"/>
-          <p:cNvSpPr/>
-          <p:nvPr/>
-        </p:nvSpPr>
-        <p:spPr>
-          <a:xfrm>
-            <a:off x="335520" y="1268640"/>
-            <a:ext cx="10743840" cy="5031360"/>
-          </a:xfrm>
-          <a:prstGeom prst="rect">
-            <a:avLst/>
-          </a:prstGeom>
-          <a:noFill/>
-          <a:ln w="0">
-            <a:noFill/>
-          </a:ln>
-        </p:spPr>
-        <p:style>
-          <a:lnRef idx="0"/>
-          <a:fillRef idx="0"/>
-          <a:effectRef idx="0"/>
-          <a:fontRef idx="minor"/>
-        </p:style>
-        <p:txBody>
           <a:bodyPr lIns="90000" rIns="90000" tIns="45000" bIns="45000" anchor="ctr">
             <a:noAutofit/>
           </a:bodyPr>
@@ -9107,7 +8687,7 @@
       </p:sp>
       <p:sp>
         <p:nvSpPr>
-          <p:cNvPr id="143" name="CustomShape 2"/>
+          <p:cNvPr id="141" name="CustomShape 2"/>
           <p:cNvSpPr/>
           <p:nvPr/>
         </p:nvSpPr>
@@ -11291,14 +10871,14 @@
       </p:grpSpPr>
       <p:sp>
         <p:nvSpPr>
-          <p:cNvPr id="118" name="CustomShape 11"/>
+          <p:cNvPr id="118" name="CustomShape 15"/>
           <p:cNvSpPr/>
           <p:nvPr/>
         </p:nvSpPr>
         <p:spPr>
           <a:xfrm>
-            <a:off x="539640" y="764640"/>
-            <a:ext cx="10739880" cy="490680"/>
+            <a:off x="335520" y="764640"/>
+            <a:ext cx="10743120" cy="493920"/>
           </a:xfrm>
           <a:prstGeom prst="rect">
             <a:avLst/>
@@ -11325,7 +10905,7 @@
               </a:lnSpc>
             </a:pPr>
             <a:r>
-              <a:rPr b="1" lang="en-GB" sz="2400" spc="-1" strike="noStrike">
+              <a:rPr b="1" lang="de-DE" sz="2400" spc="-1" strike="noStrike">
                 <a:solidFill>
                   <a:srgbClr val="000000"/>
                 </a:solidFill>
@@ -11345,14 +10925,14 @@
       </p:sp>
       <p:sp>
         <p:nvSpPr>
-          <p:cNvPr id="119" name="CustomShape 12"/>
+          <p:cNvPr id="119" name="CustomShape 16"/>
           <p:cNvSpPr/>
           <p:nvPr/>
         </p:nvSpPr>
         <p:spPr>
           <a:xfrm>
-            <a:off x="539640" y="1268640"/>
-            <a:ext cx="10739880" cy="5027400"/>
+            <a:off x="335520" y="1268640"/>
+            <a:ext cx="10743120" cy="5030640"/>
           </a:xfrm>
           <a:prstGeom prst="rect">
             <a:avLst/>
@@ -11383,19 +10963,19 @@
               <a:buClr>
                 <a:srgbClr val="008c4f"/>
               </a:buClr>
-              <a:buSzPct val="45000"/>
-              <a:buFont typeface="DejaVu Sans"/>
-              <a:buChar char="◾"/>
-            </a:pPr>
-            <a:r>
-              <a:rPr b="0" lang="en-GB" sz="1800" spc="-1" strike="noStrike">
-                <a:solidFill>
-                  <a:srgbClr val="000000"/>
-                </a:solidFill>
-                <a:latin typeface="DejaVu Sans"/>
-                <a:ea typeface="DejaVu Sans"/>
-              </a:rPr>
-              <a:t>24.10.2022 → No lecture </a:t>
+              <a:buSzPct val="115000"/>
+              <a:buFont typeface="Wingdings" charset="2"/>
+              <a:buChar char=""/>
+            </a:pPr>
+            <a:r>
+              <a:rPr b="0" lang="en-US" sz="1800" spc="-1" strike="noStrike">
+                <a:solidFill>
+                  <a:srgbClr val="000000"/>
+                </a:solidFill>
+                <a:latin typeface="DejaVu Sans"/>
+                <a:ea typeface="DejaVu Sans"/>
+              </a:rPr>
+              <a:t>17.04.2023 → Organization (L00) + Introduction (L01)</a:t>
             </a:r>
             <a:endParaRPr b="0" lang="en-GB" sz="1800" spc="-1" strike="noStrike">
               <a:solidFill>
@@ -11415,19 +10995,19 @@
               <a:buClr>
                 <a:srgbClr val="008c4f"/>
               </a:buClr>
-              <a:buSzPct val="45000"/>
-              <a:buFont typeface="DejaVu Sans"/>
-              <a:buChar char="◾"/>
-            </a:pPr>
-            <a:r>
-              <a:rPr b="0" lang="en-GB" sz="1800" spc="-1" strike="noStrike">
-                <a:solidFill>
-                  <a:srgbClr val="000000"/>
-                </a:solidFill>
-                <a:latin typeface="DejaVu Sans"/>
-                <a:ea typeface="DejaVu Sans"/>
-              </a:rPr>
-              <a:t>31.10.2022 → No lecture</a:t>
+              <a:buSzPct val="115000"/>
+              <a:buFont typeface="Wingdings" charset="2"/>
+              <a:buChar char=""/>
+            </a:pPr>
+            <a:r>
+              <a:rPr b="0" lang="en-US" sz="1800" spc="-1" strike="noStrike">
+                <a:solidFill>
+                  <a:srgbClr val="000000"/>
+                </a:solidFill>
+                <a:latin typeface="DejaVu Sans"/>
+                <a:ea typeface="DejaVu Sans"/>
+              </a:rPr>
+              <a:t>24.04.2023 → Circular Economy (L02) </a:t>
             </a:r>
             <a:endParaRPr b="0" lang="en-GB" sz="1800" spc="-1" strike="noStrike">
               <a:solidFill>
@@ -11447,19 +11027,19 @@
               <a:buClr>
                 <a:srgbClr val="008c4f"/>
               </a:buClr>
-              <a:buSzPct val="45000"/>
-              <a:buFont typeface="DejaVu Sans"/>
-              <a:buChar char="◾"/>
-            </a:pPr>
-            <a:r>
-              <a:rPr b="0" lang="en-GB" sz="1800" spc="-1" strike="noStrike">
-                <a:solidFill>
-                  <a:srgbClr val="000000"/>
-                </a:solidFill>
-                <a:latin typeface="DejaVu Sans"/>
-                <a:ea typeface="DejaVu Sans"/>
-              </a:rPr>
-              <a:t>07.11.2022 → Organization (L00) + Introduction I (L01)</a:t>
+              <a:buSzPct val="115000"/>
+              <a:buFont typeface="Wingdings" charset="2"/>
+              <a:buChar char=""/>
+            </a:pPr>
+            <a:r>
+              <a:rPr b="0" lang="en-US" sz="1800" spc="-1" strike="noStrike">
+                <a:solidFill>
+                  <a:srgbClr val="000000"/>
+                </a:solidFill>
+                <a:latin typeface="DejaVu Sans"/>
+                <a:ea typeface="DejaVu Sans"/>
+              </a:rPr>
+              <a:t>08.05.2023 → Lifecycle Assessment – LCA (L03)</a:t>
             </a:r>
             <a:endParaRPr b="0" lang="en-GB" sz="1800" spc="-1" strike="noStrike">
               <a:solidFill>
@@ -11479,19 +11059,19 @@
               <a:buClr>
                 <a:srgbClr val="008c4f"/>
               </a:buClr>
-              <a:buSzPct val="45000"/>
-              <a:buFont typeface="DejaVu Sans"/>
-              <a:buChar char="◾"/>
-            </a:pPr>
-            <a:r>
-              <a:rPr b="0" lang="en-GB" sz="1800" spc="-1" strike="noStrike">
-                <a:solidFill>
-                  <a:srgbClr val="000000"/>
-                </a:solidFill>
-                <a:latin typeface="DejaVu Sans"/>
-                <a:ea typeface="DejaVu Sans"/>
-              </a:rPr>
-              <a:t>14.11.2022 → Introduction II (L02)</a:t>
+              <a:buSzPct val="115000"/>
+              <a:buFont typeface="Wingdings" charset="2"/>
+              <a:buChar char=""/>
+            </a:pPr>
+            <a:r>
+              <a:rPr b="0" lang="en-US" sz="1800" spc="-1" strike="noStrike">
+                <a:solidFill>
+                  <a:srgbClr val="000000"/>
+                </a:solidFill>
+                <a:latin typeface="DejaVu Sans"/>
+                <a:ea typeface="DejaVu Sans"/>
+              </a:rPr>
+              <a:t>15.05.2023 → Introduction to the Internet of Things (L04)</a:t>
             </a:r>
             <a:endParaRPr b="0" lang="en-GB" sz="1800" spc="-1" strike="noStrike">
               <a:solidFill>
@@ -11511,19 +11091,19 @@
               <a:buClr>
                 <a:srgbClr val="008c4f"/>
               </a:buClr>
-              <a:buSzPct val="45000"/>
-              <a:buFont typeface="DejaVu Sans"/>
-              <a:buChar char="◾"/>
-            </a:pPr>
-            <a:r>
-              <a:rPr b="0" lang="en-GB" sz="1800" spc="-1" strike="noStrike">
-                <a:solidFill>
-                  <a:srgbClr val="000000"/>
-                </a:solidFill>
-                <a:latin typeface="DejaVu Sans"/>
-                <a:ea typeface="DejaVu Sans"/>
-              </a:rPr>
-              <a:t>21.11.2022 → Introduction III (L03)</a:t>
+              <a:buSzPct val="115000"/>
+              <a:buFont typeface="Wingdings" charset="2"/>
+              <a:buChar char=""/>
+            </a:pPr>
+            <a:r>
+              <a:rPr b="0" lang="en-US" sz="1800" spc="-1" strike="noStrike">
+                <a:solidFill>
+                  <a:srgbClr val="000000"/>
+                </a:solidFill>
+                <a:latin typeface="DejaVu Sans"/>
+                <a:ea typeface="DejaVu Sans"/>
+              </a:rPr>
+              <a:t>22.05.2023 → Internet of Things – Communication + Security and Privacy (L05)</a:t>
             </a:r>
             <a:endParaRPr b="0" lang="en-GB" sz="1800" spc="-1" strike="noStrike">
               <a:solidFill>
@@ -11543,19 +11123,75 @@
               <a:buClr>
                 <a:srgbClr val="008c4f"/>
               </a:buClr>
-              <a:buSzPct val="45000"/>
-              <a:buFont typeface="DejaVu Sans"/>
-              <a:buChar char="◾"/>
-            </a:pPr>
-            <a:r>
-              <a:rPr b="0" lang="en-GB" sz="1800" spc="-1" strike="noStrike">
-                <a:solidFill>
-                  <a:srgbClr val="000000"/>
-                </a:solidFill>
-                <a:latin typeface="DejaVu Sans"/>
-                <a:ea typeface="DejaVu Sans"/>
-              </a:rPr>
-              <a:t>28.11.2022 → What Happened So Far? (L04)</a:t>
+              <a:buSzPct val="115000"/>
+              <a:buFont typeface="Wingdings" charset="2"/>
+              <a:buChar char=""/>
+            </a:pPr>
+            <a:r>
+              <a:rPr b="0" lang="en-US" sz="1800" spc="-1" strike="noStrike">
+                <a:solidFill>
+                  <a:srgbClr val="000000"/>
+                </a:solidFill>
+                <a:latin typeface="DejaVu Sans"/>
+                <a:ea typeface="DejaVu Sans"/>
+              </a:rPr>
+              <a:t>05.06.2023 → Internet of Things – Data Processing and BigData (L06)</a:t>
+            </a:r>
+            <a:endParaRPr b="0" lang="en-GB" sz="1800" spc="-1" strike="noStrike">
+              <a:solidFill>
+                <a:srgbClr val="000000"/>
+              </a:solidFill>
+              <a:latin typeface="Arial"/>
+            </a:endParaRPr>
+          </a:p>
+          <a:p>
+            <a:pPr>
+              <a:lnSpc>
+                <a:spcPct val="100000"/>
+              </a:lnSpc>
+              <a:spcBef>
+                <a:spcPts val="360"/>
+              </a:spcBef>
+            </a:pPr>
+            <a:r>
+              <a:rPr b="0" lang="en-US" sz="1800" spc="-1" strike="noStrike">
+                <a:solidFill>
+                  <a:srgbClr val="000000"/>
+                </a:solidFill>
+                <a:latin typeface="DejaVu Sans"/>
+                <a:ea typeface="DejaVu Sans"/>
+              </a:rPr>
+              <a:t> </a:t>
+            </a:r>
+            <a:r>
+              <a:rPr b="0" lang="en-US" sz="1800" spc="-1" strike="noStrike">
+                <a:solidFill>
+                  <a:srgbClr val="000000"/>
+                </a:solidFill>
+                <a:latin typeface="DejaVu Sans"/>
+                <a:ea typeface="DejaVu Sans"/>
+              </a:rPr>
+              <a:t>	</a:t>
+            </a:r>
+            <a:r>
+              <a:rPr b="0" lang="en-US" sz="1800" spc="-1" strike="noStrike">
+                <a:solidFill>
+                  <a:srgbClr val="000000"/>
+                </a:solidFill>
+                <a:latin typeface="DejaVu Sans"/>
+                <a:ea typeface="DejaVu Sans"/>
+              </a:rPr>
+              <a:t>         → </a:t>
+            </a:r>
+            <a:r>
+              <a:rPr b="0" lang="en-US" sz="1800" spc="-1" strike="noStrike">
+                <a:solidFill>
+                  <a:srgbClr val="000000"/>
+                </a:solidFill>
+                <a:latin typeface="DejaVu Sans"/>
+                <a:ea typeface="DejaVu Sans"/>
+              </a:rPr>
+              <a:t>Extra MOOC - Foodsharing </a:t>
             </a:r>
             <a:endParaRPr b="0" lang="en-GB" sz="1800" spc="-1" strike="noStrike">
               <a:solidFill>
@@ -11575,19 +11211,19 @@
               <a:buClr>
                 <a:srgbClr val="008c4f"/>
               </a:buClr>
-              <a:buSzPct val="45000"/>
-              <a:buFont typeface="DejaVu Sans"/>
-              <a:buChar char="◾"/>
-            </a:pPr>
-            <a:r>
-              <a:rPr b="0" lang="en-GB" sz="1800" spc="-1" strike="noStrike">
-                <a:solidFill>
-                  <a:srgbClr val="000000"/>
-                </a:solidFill>
-                <a:latin typeface="DejaVu Sans"/>
-                <a:ea typeface="DejaVu Sans"/>
-              </a:rPr>
-              <a:t>05.12.2022 → Life-Cycle Assessment – LCA (L05)</a:t>
+              <a:buSzPct val="115000"/>
+              <a:buFont typeface="Wingdings" charset="2"/>
+              <a:buChar char=""/>
+            </a:pPr>
+            <a:r>
+              <a:rPr b="0" lang="en-US" sz="1800" spc="-1" strike="noStrike">
+                <a:solidFill>
+                  <a:srgbClr val="000000"/>
+                </a:solidFill>
+                <a:latin typeface="DejaVu Sans"/>
+                <a:ea typeface="DejaVu Sans"/>
+              </a:rPr>
+              <a:t>12.06.2023 → Industrial Internet of Things (L07)</a:t>
             </a:r>
             <a:endParaRPr b="0" lang="en-GB" sz="1800" spc="-1" strike="noStrike">
               <a:solidFill>
@@ -11607,19 +11243,19 @@
               <a:buClr>
                 <a:srgbClr val="008c4f"/>
               </a:buClr>
-              <a:buSzPct val="45000"/>
-              <a:buFont typeface="DejaVu Sans"/>
-              <a:buChar char="◾"/>
-            </a:pPr>
-            <a:r>
-              <a:rPr b="0" lang="en-GB" sz="1800" spc="-1" strike="noStrike">
-                <a:solidFill>
-                  <a:srgbClr val="000000"/>
-                </a:solidFill>
-                <a:latin typeface="DejaVu Sans"/>
-                <a:ea typeface="DejaVu Sans"/>
-              </a:rPr>
-              <a:t>12.12.2022 → World3 (L06)</a:t>
+              <a:buSzPct val="115000"/>
+              <a:buFont typeface="Wingdings" charset="2"/>
+              <a:buChar char=""/>
+            </a:pPr>
+            <a:r>
+              <a:rPr b="0" lang="en-US" sz="1800" spc="-1" strike="noStrike">
+                <a:solidFill>
+                  <a:srgbClr val="000000"/>
+                </a:solidFill>
+                <a:latin typeface="DejaVu Sans"/>
+                <a:ea typeface="DejaVu Sans"/>
+              </a:rPr>
+              <a:t>19.06.2023 → IoT in Mining I (L08)</a:t>
             </a:r>
             <a:endParaRPr b="0" lang="en-GB" sz="1800" spc="-1" strike="noStrike">
               <a:solidFill>
@@ -11639,19 +11275,19 @@
               <a:buClr>
                 <a:srgbClr val="008c4f"/>
               </a:buClr>
-              <a:buSzPct val="45000"/>
-              <a:buFont typeface="DejaVu Sans"/>
-              <a:buChar char="◾"/>
-            </a:pPr>
-            <a:r>
-              <a:rPr b="0" lang="en-GB" sz="1800" spc="-1" strike="noStrike">
-                <a:solidFill>
-                  <a:srgbClr val="000000"/>
-                </a:solidFill>
-                <a:latin typeface="DejaVu Sans"/>
-                <a:ea typeface="DejaVu Sans"/>
-              </a:rPr>
-              <a:t>19.12.2022 → Circular Economy (L07)</a:t>
+              <a:buSzPct val="115000"/>
+              <a:buFont typeface="Wingdings" charset="2"/>
+              <a:buChar char=""/>
+            </a:pPr>
+            <a:r>
+              <a:rPr b="0" lang="en-US" sz="1800" spc="-1" strike="noStrike">
+                <a:solidFill>
+                  <a:srgbClr val="000000"/>
+                </a:solidFill>
+                <a:latin typeface="DejaVu Sans"/>
+                <a:ea typeface="DejaVu Sans"/>
+              </a:rPr>
+              <a:t>26.06.2023 → IoT in Mining II (L09)</a:t>
             </a:r>
             <a:endParaRPr b="0" lang="en-GB" sz="1800" spc="-1" strike="noStrike">
               <a:solidFill>
@@ -11671,19 +11307,19 @@
               <a:buClr>
                 <a:srgbClr val="008c4f"/>
               </a:buClr>
-              <a:buSzPct val="45000"/>
-              <a:buFont typeface="DejaVu Sans"/>
-              <a:buChar char="◾"/>
-            </a:pPr>
-            <a:r>
-              <a:rPr b="0" lang="en-GB" sz="1800" spc="-1" strike="noStrike">
-                <a:solidFill>
-                  <a:srgbClr val="000000"/>
-                </a:solidFill>
-                <a:latin typeface="DejaVu Sans"/>
-                <a:ea typeface="DejaVu Sans"/>
-              </a:rPr>
-              <a:t>09.01.2023 → Circular Society (L08)</a:t>
+              <a:buSzPct val="115000"/>
+              <a:buFont typeface="Wingdings" charset="2"/>
+              <a:buChar char=""/>
+            </a:pPr>
+            <a:r>
+              <a:rPr b="0" lang="en-US" sz="1800" spc="-1" strike="noStrike">
+                <a:solidFill>
+                  <a:srgbClr val="000000"/>
+                </a:solidFill>
+                <a:latin typeface="DejaVu Sans"/>
+                <a:ea typeface="DejaVu Sans"/>
+              </a:rPr>
+              <a:t>03.07.2023 → Technologies for Sustainability – MOOC Content (L10)</a:t>
             </a:r>
             <a:endParaRPr b="0" lang="en-GB" sz="1800" spc="-1" strike="noStrike">
               <a:solidFill>
@@ -11703,19 +11339,19 @@
               <a:buClr>
                 <a:srgbClr val="008c4f"/>
               </a:buClr>
-              <a:buSzPct val="45000"/>
-              <a:buFont typeface="DejaVu Sans"/>
-              <a:buChar char="◾"/>
-            </a:pPr>
-            <a:r>
-              <a:rPr b="0" lang="en-GB" sz="1800" spc="-1" strike="noStrike">
-                <a:solidFill>
-                  <a:srgbClr val="000000"/>
-                </a:solidFill>
-                <a:latin typeface="DejaVu Sans"/>
-                <a:ea typeface="DejaVu Sans"/>
-              </a:rPr>
-              <a:t>16.01.2023 → Introduction to the Internet of Things (L09)</a:t>
+              <a:buSzPct val="115000"/>
+              <a:buFont typeface="Wingdings" charset="2"/>
+              <a:buChar char=""/>
+            </a:pPr>
+            <a:r>
+              <a:rPr b="0" lang="en-US" sz="1800" spc="-1" strike="noStrike">
+                <a:solidFill>
+                  <a:srgbClr val="000000"/>
+                </a:solidFill>
+                <a:latin typeface="DejaVu Sans"/>
+                <a:ea typeface="DejaVu Sans"/>
+              </a:rPr>
+              <a:t>10.07.2023 → Coding Workshop I (Goslar)</a:t>
             </a:r>
             <a:endParaRPr b="0" lang="en-GB" sz="1800" spc="-1" strike="noStrike">
               <a:solidFill>
@@ -11735,19 +11371,19 @@
               <a:buClr>
                 <a:srgbClr val="008c4f"/>
               </a:buClr>
-              <a:buSzPct val="45000"/>
-              <a:buFont typeface="DejaVu Sans"/>
-              <a:buChar char="◾"/>
-            </a:pPr>
-            <a:r>
-              <a:rPr b="0" lang="en-GB" sz="1800" spc="-1" strike="noStrike">
-                <a:solidFill>
-                  <a:srgbClr val="000000"/>
-                </a:solidFill>
-                <a:latin typeface="DejaVu Sans"/>
-                <a:ea typeface="DejaVu Sans"/>
-              </a:rPr>
-              <a:t>23.01.2023 → IoT Communication (L10) + IoT Security &amp; Privacy (L11)</a:t>
+              <a:buSzPct val="115000"/>
+              <a:buFont typeface="Wingdings" charset="2"/>
+              <a:buChar char=""/>
+            </a:pPr>
+            <a:r>
+              <a:rPr b="0" lang="en-US" sz="1800" spc="-1" strike="noStrike">
+                <a:solidFill>
+                  <a:srgbClr val="000000"/>
+                </a:solidFill>
+                <a:latin typeface="DejaVu Sans"/>
+                <a:ea typeface="DejaVu Sans"/>
+              </a:rPr>
+              <a:t>17.07.2023 → Coding Workshop II (Goslar)</a:t>
             </a:r>
             <a:endParaRPr b="0" lang="en-GB" sz="1800" spc="-1" strike="noStrike">
               <a:solidFill>
@@ -11767,83 +11403,19 @@
               <a:buClr>
                 <a:srgbClr val="008c4f"/>
               </a:buClr>
-              <a:buSzPct val="45000"/>
-              <a:buFont typeface="DejaVu Sans"/>
-              <a:buChar char="◾"/>
-            </a:pPr>
-            <a:r>
-              <a:rPr b="0" lang="en-GB" sz="1800" spc="-1" strike="noStrike">
-                <a:solidFill>
-                  <a:srgbClr val="000000"/>
-                </a:solidFill>
-                <a:latin typeface="DejaVu Sans"/>
-                <a:ea typeface="DejaVu Sans"/>
-              </a:rPr>
-              <a:t>30.01.2023 → IoT Data Processing &amp; Big Data (L12)</a:t>
-            </a:r>
-            <a:endParaRPr b="0" lang="en-GB" sz="1800" spc="-1" strike="noStrike">
-              <a:solidFill>
-                <a:srgbClr val="000000"/>
-              </a:solidFill>
-              <a:latin typeface="Arial"/>
-            </a:endParaRPr>
-          </a:p>
-          <a:p>
-            <a:pPr marL="195120" indent="-189720">
-              <a:lnSpc>
-                <a:spcPct val="100000"/>
-              </a:lnSpc>
-              <a:spcBef>
-                <a:spcPts val="360"/>
-              </a:spcBef>
-              <a:buClr>
-                <a:srgbClr val="008c4f"/>
-              </a:buClr>
-              <a:buSzPct val="45000"/>
-              <a:buFont typeface="DejaVu Sans"/>
-              <a:buChar char="◾"/>
-            </a:pPr>
-            <a:r>
-              <a:rPr b="0" lang="en-GB" sz="1800" spc="-1" strike="noStrike">
-                <a:solidFill>
-                  <a:srgbClr val="000000"/>
-                </a:solidFill>
-                <a:latin typeface="DejaVu Sans"/>
-                <a:ea typeface="DejaVu Sans"/>
-              </a:rPr>
-              <a:t>06.02.2023 → Technology (L13)</a:t>
-            </a:r>
-            <a:endParaRPr b="0" lang="en-GB" sz="1800" spc="-1" strike="noStrike">
-              <a:solidFill>
-                <a:srgbClr val="000000"/>
-              </a:solidFill>
-              <a:latin typeface="Arial"/>
-            </a:endParaRPr>
-          </a:p>
-          <a:p>
-            <a:pPr marL="195120" indent="-189720">
-              <a:lnSpc>
-                <a:spcPct val="100000"/>
-              </a:lnSpc>
-              <a:spcBef>
-                <a:spcPts val="360"/>
-              </a:spcBef>
-              <a:buClr>
-                <a:srgbClr val="008c4f"/>
-              </a:buClr>
-              <a:buSzPct val="45000"/>
-              <a:buFont typeface="DejaVu Sans"/>
-              <a:buChar char="◾"/>
-            </a:pPr>
-            <a:r>
-              <a:rPr b="0" lang="en-GB" sz="1800" spc="-1" strike="noStrike">
-                <a:solidFill>
-                  <a:srgbClr val="000000"/>
-                </a:solidFill>
-                <a:latin typeface="DejaVu Sans"/>
-                <a:ea typeface="DejaVu Sans"/>
-              </a:rPr>
-              <a:t>13.02.2023 → Exam Q&amp;A</a:t>
+              <a:buSzPct val="115000"/>
+              <a:buFont typeface="Wingdings" charset="2"/>
+              <a:buChar char=""/>
+            </a:pPr>
+            <a:r>
+              <a:rPr b="0" lang="en-US" sz="1800" spc="-1" strike="noStrike">
+                <a:solidFill>
+                  <a:srgbClr val="000000"/>
+                </a:solidFill>
+                <a:latin typeface="DejaVu Sans"/>
+                <a:ea typeface="DejaVu Sans"/>
+              </a:rPr>
+              <a:t>31.07.2023 → Exam Q&amp;A</a:t>
             </a:r>
             <a:endParaRPr b="0" lang="en-GB" sz="1800" spc="-1" strike="noStrike">
               <a:solidFill>
@@ -11886,14 +11458,14 @@
       </p:grpSpPr>
       <p:sp>
         <p:nvSpPr>
-          <p:cNvPr id="120" name="CustomShape 15"/>
+          <p:cNvPr id="120" name="CustomShape 7"/>
           <p:cNvSpPr/>
           <p:nvPr/>
         </p:nvSpPr>
         <p:spPr>
           <a:xfrm>
-            <a:off x="335520" y="764640"/>
-            <a:ext cx="10743120" cy="493920"/>
+            <a:off x="539640" y="764640"/>
+            <a:ext cx="10746720" cy="497520"/>
           </a:xfrm>
           <a:prstGeom prst="rect">
             <a:avLst/>
@@ -11920,14 +11492,14 @@
               </a:lnSpc>
             </a:pPr>
             <a:r>
-              <a:rPr b="1" lang="de-DE" sz="2400" spc="-1" strike="noStrike">
-                <a:solidFill>
-                  <a:srgbClr val="000000"/>
-                </a:solidFill>
-                <a:latin typeface="DejaVu Sans"/>
-                <a:ea typeface="DejaVu Sans"/>
-              </a:rPr>
-              <a:t>Lectures</a:t>
+              <a:rPr b="1" lang="en-GB" sz="2400" spc="-1" strike="noStrike">
+                <a:solidFill>
+                  <a:srgbClr val="000000"/>
+                </a:solidFill>
+                <a:latin typeface="DejaVu Sans"/>
+                <a:ea typeface="DejaVu Sans"/>
+              </a:rPr>
+              <a:t>Exercises</a:t>
             </a:r>
             <a:endParaRPr b="0" lang="en-GB" sz="2400" spc="-1" strike="noStrike">
               <a:solidFill>
@@ -11940,14 +11512,14 @@
       </p:sp>
       <p:sp>
         <p:nvSpPr>
-          <p:cNvPr id="121" name="CustomShape 16"/>
+          <p:cNvPr id="121" name="CustomShape 8"/>
           <p:cNvSpPr/>
           <p:nvPr/>
         </p:nvSpPr>
         <p:spPr>
           <a:xfrm>
-            <a:off x="335520" y="1268640"/>
-            <a:ext cx="10743120" cy="5030640"/>
+            <a:off x="539640" y="1268640"/>
+            <a:ext cx="10746720" cy="5034240"/>
           </a:xfrm>
           <a:prstGeom prst="rect">
             <a:avLst/>
@@ -11968,7 +11540,7 @@
             <a:noAutofit/>
           </a:bodyPr>
           <a:p>
-            <a:pPr marL="195120" indent="-189720">
+            <a:pPr marL="195120" indent="-193680">
               <a:lnSpc>
                 <a:spcPct val="100000"/>
               </a:lnSpc>
@@ -11978,19 +11550,19 @@
               <a:buClr>
                 <a:srgbClr val="008c4f"/>
               </a:buClr>
-              <a:buSzPct val="115000"/>
+              <a:buSzPct val="80000"/>
               <a:buFont typeface="Wingdings" charset="2"/>
               <a:buChar char=""/>
             </a:pPr>
             <a:r>
-              <a:rPr b="0" lang="en-US" sz="1800" spc="-1" strike="noStrike">
-                <a:solidFill>
-                  <a:srgbClr val="000000"/>
-                </a:solidFill>
-                <a:latin typeface="DejaVu Sans"/>
-                <a:ea typeface="DejaVu Sans"/>
-              </a:rPr>
-              <a:t>17.04.2023 → Organization (L00) + Introduction (L01)</a:t>
+              <a:rPr b="0" lang="en-GB" sz="1800" spc="-1" strike="noStrike">
+                <a:solidFill>
+                  <a:srgbClr val="000000"/>
+                </a:solidFill>
+                <a:latin typeface="DejaVu Sans"/>
+                <a:ea typeface="DejaVu Sans"/>
+              </a:rPr>
+              <a:t>14.11.2022 → Exercise 01 – Carbon Footprint</a:t>
             </a:r>
             <a:endParaRPr b="0" lang="en-GB" sz="1800" spc="-1" strike="noStrike">
               <a:solidFill>
@@ -12000,7 +11572,7 @@
             </a:endParaRPr>
           </a:p>
           <a:p>
-            <a:pPr marL="195120" indent="-189720">
+            <a:pPr marL="195120" indent="-193680">
               <a:lnSpc>
                 <a:spcPct val="100000"/>
               </a:lnSpc>
@@ -12010,19 +11582,19 @@
               <a:buClr>
                 <a:srgbClr val="008c4f"/>
               </a:buClr>
-              <a:buSzPct val="115000"/>
+              <a:buSzPct val="80000"/>
               <a:buFont typeface="Wingdings" charset="2"/>
               <a:buChar char=""/>
             </a:pPr>
             <a:r>
-              <a:rPr b="0" lang="en-US" sz="1800" spc="-1" strike="noStrike">
-                <a:solidFill>
-                  <a:srgbClr val="000000"/>
-                </a:solidFill>
-                <a:latin typeface="DejaVu Sans"/>
-                <a:ea typeface="DejaVu Sans"/>
-              </a:rPr>
-              <a:t>24.04.2023 → Circular Economy (L02) </a:t>
+              <a:rPr b="0" lang="en-GB" sz="1800" spc="-1" strike="noStrike">
+                <a:solidFill>
+                  <a:srgbClr val="000000"/>
+                </a:solidFill>
+                <a:latin typeface="DejaVu Sans"/>
+                <a:ea typeface="DejaVu Sans"/>
+              </a:rPr>
+              <a:t>21.11.2022 → Exercise 02 – Household Waste</a:t>
             </a:r>
             <a:endParaRPr b="0" lang="en-GB" sz="1800" spc="-1" strike="noStrike">
               <a:solidFill>
@@ -12032,7 +11604,7 @@
             </a:endParaRPr>
           </a:p>
           <a:p>
-            <a:pPr marL="195120" indent="-189720">
+            <a:pPr marL="195120" indent="-193680">
               <a:lnSpc>
                 <a:spcPct val="100000"/>
               </a:lnSpc>
@@ -12042,19 +11614,19 @@
               <a:buClr>
                 <a:srgbClr val="008c4f"/>
               </a:buClr>
-              <a:buSzPct val="115000"/>
+              <a:buSzPct val="80000"/>
               <a:buFont typeface="Wingdings" charset="2"/>
               <a:buChar char=""/>
             </a:pPr>
             <a:r>
-              <a:rPr b="0" lang="en-US" sz="1800" spc="-1" strike="noStrike">
-                <a:solidFill>
-                  <a:srgbClr val="000000"/>
-                </a:solidFill>
-                <a:latin typeface="DejaVu Sans"/>
-                <a:ea typeface="DejaVu Sans"/>
-              </a:rPr>
-              <a:t>08.05.2023 → Lifecycle Assessment – LCA (L03)</a:t>
+              <a:rPr b="0" lang="en-GB" sz="1800" spc="-1" strike="noStrike">
+                <a:solidFill>
+                  <a:srgbClr val="000000"/>
+                </a:solidFill>
+                <a:latin typeface="DejaVu Sans"/>
+                <a:ea typeface="DejaVu Sans"/>
+              </a:rPr>
+              <a:t>28.11.2022 → Exercise 03 – Your Favourite Fruit or Vegetable</a:t>
             </a:r>
             <a:endParaRPr b="0" lang="en-GB" sz="1800" spc="-1" strike="noStrike">
               <a:solidFill>
@@ -12064,7 +11636,7 @@
             </a:endParaRPr>
           </a:p>
           <a:p>
-            <a:pPr marL="195120" indent="-189720">
+            <a:pPr marL="195120" indent="-193680">
               <a:lnSpc>
                 <a:spcPct val="100000"/>
               </a:lnSpc>
@@ -12074,19 +11646,19 @@
               <a:buClr>
                 <a:srgbClr val="008c4f"/>
               </a:buClr>
-              <a:buSzPct val="115000"/>
+              <a:buSzPct val="80000"/>
               <a:buFont typeface="Wingdings" charset="2"/>
               <a:buChar char=""/>
             </a:pPr>
             <a:r>
-              <a:rPr b="0" lang="en-US" sz="1800" spc="-1" strike="noStrike">
-                <a:solidFill>
-                  <a:srgbClr val="000000"/>
-                </a:solidFill>
-                <a:latin typeface="DejaVu Sans"/>
-                <a:ea typeface="DejaVu Sans"/>
-              </a:rPr>
-              <a:t>15.05.2023 → Introduction to the Internet of Things (L04)</a:t>
+              <a:rPr b="0" lang="en-GB" sz="1800" spc="-1" strike="noStrike">
+                <a:solidFill>
+                  <a:srgbClr val="000000"/>
+                </a:solidFill>
+                <a:latin typeface="DejaVu Sans"/>
+                <a:ea typeface="DejaVu Sans"/>
+              </a:rPr>
+              <a:t>05.12.2022 → Exercise 04 – LCA of Your Favourite Fruit or Vegetable</a:t>
             </a:r>
             <a:endParaRPr b="0" lang="en-GB" sz="1800" spc="-1" strike="noStrike">
               <a:solidFill>
@@ -12096,7 +11668,7 @@
             </a:endParaRPr>
           </a:p>
           <a:p>
-            <a:pPr marL="195120" indent="-189720">
+            <a:pPr marL="195120" indent="-193680">
               <a:lnSpc>
                 <a:spcPct val="100000"/>
               </a:lnSpc>
@@ -12106,19 +11678,19 @@
               <a:buClr>
                 <a:srgbClr val="008c4f"/>
               </a:buClr>
-              <a:buSzPct val="115000"/>
+              <a:buSzPct val="80000"/>
               <a:buFont typeface="Wingdings" charset="2"/>
               <a:buChar char=""/>
             </a:pPr>
             <a:r>
-              <a:rPr b="0" lang="en-US" sz="1800" spc="-1" strike="noStrike">
-                <a:solidFill>
-                  <a:srgbClr val="000000"/>
-                </a:solidFill>
-                <a:latin typeface="DejaVu Sans"/>
-                <a:ea typeface="DejaVu Sans"/>
-              </a:rPr>
-              <a:t>22.05.2023 → Internet of Things – Communication + Security and Privacy (L05)</a:t>
+              <a:rPr b="0" lang="en-GB" sz="1800" spc="-1" strike="noStrike">
+                <a:solidFill>
+                  <a:srgbClr val="000000"/>
+                </a:solidFill>
+                <a:latin typeface="DejaVu Sans"/>
+                <a:ea typeface="DejaVu Sans"/>
+              </a:rPr>
+              <a:t>12.12.2022 → Exercise 05 – World3</a:t>
             </a:r>
             <a:endParaRPr b="0" lang="en-GB" sz="1800" spc="-1" strike="noStrike">
               <a:solidFill>
@@ -12128,7 +11700,7 @@
             </a:endParaRPr>
           </a:p>
           <a:p>
-            <a:pPr marL="195120" indent="-189720">
+            <a:pPr marL="195120" indent="-193680">
               <a:lnSpc>
                 <a:spcPct val="100000"/>
               </a:lnSpc>
@@ -12138,19 +11710,19 @@
               <a:buClr>
                 <a:srgbClr val="008c4f"/>
               </a:buClr>
-              <a:buSzPct val="115000"/>
+              <a:buSzPct val="80000"/>
               <a:buFont typeface="Wingdings" charset="2"/>
               <a:buChar char=""/>
             </a:pPr>
             <a:r>
-              <a:rPr b="0" lang="en-US" sz="1800" spc="-1" strike="noStrike">
-                <a:solidFill>
-                  <a:srgbClr val="000000"/>
-                </a:solidFill>
-                <a:latin typeface="DejaVu Sans"/>
-                <a:ea typeface="DejaVu Sans"/>
-              </a:rPr>
-              <a:t>05.06.2023 → Internet of Things – Data Processing and BigData (L06)</a:t>
+              <a:rPr b="0" lang="en-GB" sz="1800" spc="-1" strike="noStrike">
+                <a:solidFill>
+                  <a:srgbClr val="000000"/>
+                </a:solidFill>
+                <a:latin typeface="DejaVu Sans"/>
+                <a:ea typeface="DejaVu Sans"/>
+              </a:rPr>
+              <a:t>19.12.2022 → Exercise 06 – Performance Economy</a:t>
             </a:r>
             <a:endParaRPr b="0" lang="en-GB" sz="1800" spc="-1" strike="noStrike">
               <a:solidFill>
@@ -12160,63 +11732,7 @@
             </a:endParaRPr>
           </a:p>
           <a:p>
-            <a:pPr>
-              <a:lnSpc>
-                <a:spcPct val="100000"/>
-              </a:lnSpc>
-              <a:spcBef>
-                <a:spcPts val="360"/>
-              </a:spcBef>
-            </a:pPr>
-            <a:r>
-              <a:rPr b="0" lang="en-US" sz="1800" spc="-1" strike="noStrike">
-                <a:solidFill>
-                  <a:srgbClr val="000000"/>
-                </a:solidFill>
-                <a:latin typeface="DejaVu Sans"/>
-                <a:ea typeface="DejaVu Sans"/>
-              </a:rPr>
-              <a:t> </a:t>
-            </a:r>
-            <a:r>
-              <a:rPr b="0" lang="en-US" sz="1800" spc="-1" strike="noStrike">
-                <a:solidFill>
-                  <a:srgbClr val="000000"/>
-                </a:solidFill>
-                <a:latin typeface="DejaVu Sans"/>
-                <a:ea typeface="DejaVu Sans"/>
-              </a:rPr>
-              <a:t>	</a:t>
-            </a:r>
-            <a:r>
-              <a:rPr b="0" lang="en-US" sz="1800" spc="-1" strike="noStrike">
-                <a:solidFill>
-                  <a:srgbClr val="000000"/>
-                </a:solidFill>
-                <a:latin typeface="DejaVu Sans"/>
-                <a:ea typeface="DejaVu Sans"/>
-              </a:rPr>
-              <a:t>         → </a:t>
-            </a:r>
-            <a:r>
-              <a:rPr b="0" lang="en-US" sz="1800" spc="-1" strike="noStrike">
-                <a:solidFill>
-                  <a:srgbClr val="000000"/>
-                </a:solidFill>
-                <a:latin typeface="DejaVu Sans"/>
-                <a:ea typeface="DejaVu Sans"/>
-              </a:rPr>
-              <a:t>Extra MOOC - Foodsharing </a:t>
-            </a:r>
-            <a:endParaRPr b="0" lang="en-GB" sz="1800" spc="-1" strike="noStrike">
-              <a:solidFill>
-                <a:srgbClr val="000000"/>
-              </a:solidFill>
-              <a:latin typeface="Arial"/>
-            </a:endParaRPr>
-          </a:p>
-          <a:p>
-            <a:pPr marL="195120" indent="-189720">
+            <a:pPr marL="195120" indent="-193680">
               <a:lnSpc>
                 <a:spcPct val="100000"/>
               </a:lnSpc>
@@ -12226,19 +11742,19 @@
               <a:buClr>
                 <a:srgbClr val="008c4f"/>
               </a:buClr>
-              <a:buSzPct val="115000"/>
+              <a:buSzPct val="80000"/>
               <a:buFont typeface="Wingdings" charset="2"/>
               <a:buChar char=""/>
             </a:pPr>
             <a:r>
-              <a:rPr b="0" lang="en-US" sz="1800" spc="-1" strike="noStrike">
-                <a:solidFill>
-                  <a:srgbClr val="000000"/>
-                </a:solidFill>
-                <a:latin typeface="DejaVu Sans"/>
-                <a:ea typeface="DejaVu Sans"/>
-              </a:rPr>
-              <a:t>12.06.2023 → Industrial Internet of Things (L07)</a:t>
+              <a:rPr b="0" lang="en-GB" sz="1800" spc="-1" strike="noStrike">
+                <a:solidFill>
+                  <a:srgbClr val="000000"/>
+                </a:solidFill>
+                <a:latin typeface="DejaVu Sans"/>
+                <a:ea typeface="DejaVu Sans"/>
+              </a:rPr>
+              <a:t>09.01.2023 → Exercise 07 – Circular Society</a:t>
             </a:r>
             <a:endParaRPr b="0" lang="en-GB" sz="1800" spc="-1" strike="noStrike">
               <a:solidFill>
@@ -12248,7 +11764,23 @@
             </a:endParaRPr>
           </a:p>
           <a:p>
-            <a:pPr marL="195120" indent="-189720">
+            <a:pPr>
+              <a:lnSpc>
+                <a:spcPct val="100000"/>
+              </a:lnSpc>
+              <a:spcBef>
+                <a:spcPts val="360"/>
+              </a:spcBef>
+            </a:pPr>
+            <a:endParaRPr b="0" lang="en-GB" sz="1800" spc="-1" strike="noStrike">
+              <a:solidFill>
+                <a:srgbClr val="000000"/>
+              </a:solidFill>
+              <a:latin typeface="Arial"/>
+            </a:endParaRPr>
+          </a:p>
+          <a:p>
+            <a:pPr marL="195120" indent="-193680">
               <a:lnSpc>
                 <a:spcPct val="100000"/>
               </a:lnSpc>
@@ -12258,147 +11790,19 @@
               <a:buClr>
                 <a:srgbClr val="008c4f"/>
               </a:buClr>
-              <a:buSzPct val="115000"/>
+              <a:buSzPct val="80000"/>
               <a:buFont typeface="Wingdings" charset="2"/>
               <a:buChar char=""/>
             </a:pPr>
             <a:r>
-              <a:rPr b="0" lang="en-US" sz="1800" spc="-1" strike="noStrike">
-                <a:solidFill>
-                  <a:srgbClr val="000000"/>
-                </a:solidFill>
-                <a:latin typeface="DejaVu Sans"/>
-                <a:ea typeface="DejaVu Sans"/>
-              </a:rPr>
-              <a:t>19.06.2023 → IoT in Mining I (L08)</a:t>
-            </a:r>
-            <a:endParaRPr b="0" lang="en-GB" sz="1800" spc="-1" strike="noStrike">
-              <a:solidFill>
-                <a:srgbClr val="000000"/>
-              </a:solidFill>
-              <a:latin typeface="Arial"/>
-            </a:endParaRPr>
-          </a:p>
-          <a:p>
-            <a:pPr marL="195120" indent="-189720">
-              <a:lnSpc>
-                <a:spcPct val="100000"/>
-              </a:lnSpc>
-              <a:spcBef>
-                <a:spcPts val="360"/>
-              </a:spcBef>
-              <a:buClr>
-                <a:srgbClr val="008c4f"/>
-              </a:buClr>
-              <a:buSzPct val="115000"/>
-              <a:buFont typeface="Wingdings" charset="2"/>
-              <a:buChar char=""/>
-            </a:pPr>
-            <a:r>
-              <a:rPr b="0" lang="en-US" sz="1800" spc="-1" strike="noStrike">
-                <a:solidFill>
-                  <a:srgbClr val="000000"/>
-                </a:solidFill>
-                <a:latin typeface="DejaVu Sans"/>
-                <a:ea typeface="DejaVu Sans"/>
-              </a:rPr>
-              <a:t>26.06.2023 → IoT in Mining II (L09)</a:t>
-            </a:r>
-            <a:endParaRPr b="0" lang="en-GB" sz="1800" spc="-1" strike="noStrike">
-              <a:solidFill>
-                <a:srgbClr val="000000"/>
-              </a:solidFill>
-              <a:latin typeface="Arial"/>
-            </a:endParaRPr>
-          </a:p>
-          <a:p>
-            <a:pPr marL="195120" indent="-189720">
-              <a:lnSpc>
-                <a:spcPct val="100000"/>
-              </a:lnSpc>
-              <a:spcBef>
-                <a:spcPts val="360"/>
-              </a:spcBef>
-              <a:buClr>
-                <a:srgbClr val="008c4f"/>
-              </a:buClr>
-              <a:buSzPct val="115000"/>
-              <a:buFont typeface="Wingdings" charset="2"/>
-              <a:buChar char=""/>
-            </a:pPr>
-            <a:r>
-              <a:rPr b="0" lang="en-US" sz="1800" spc="-1" strike="noStrike">
-                <a:solidFill>
-                  <a:srgbClr val="000000"/>
-                </a:solidFill>
-                <a:latin typeface="DejaVu Sans"/>
-                <a:ea typeface="DejaVu Sans"/>
-              </a:rPr>
-              <a:t>03.07.2023 → Technologies for Sustainability – MOOC Content (L10)</a:t>
-            </a:r>
-            <a:endParaRPr b="0" lang="en-GB" sz="1800" spc="-1" strike="noStrike">
-              <a:solidFill>
-                <a:srgbClr val="000000"/>
-              </a:solidFill>
-              <a:latin typeface="Arial"/>
-            </a:endParaRPr>
-          </a:p>
-          <a:p>
-            <a:pPr marL="195120" indent="-189720">
-              <a:lnSpc>
-                <a:spcPct val="100000"/>
-              </a:lnSpc>
-              <a:spcBef>
-                <a:spcPts val="360"/>
-              </a:spcBef>
-              <a:buClr>
-                <a:srgbClr val="008c4f"/>
-              </a:buClr>
-              <a:buSzPct val="115000"/>
-              <a:buFont typeface="Wingdings" charset="2"/>
-              <a:buChar char=""/>
-            </a:pPr>
-            <a:r>
-              <a:rPr b="0" lang="en-US" sz="1800" spc="-1" strike="noStrike">
-                <a:solidFill>
-                  <a:srgbClr val="000000"/>
-                </a:solidFill>
-                <a:latin typeface="DejaVu Sans"/>
-                <a:ea typeface="DejaVu Sans"/>
-              </a:rPr>
-              <a:t>10.07.2023 → Coding Workshop I (Goslar)</a:t>
-            </a:r>
-            <a:endParaRPr b="0" lang="en-GB" sz="1800" spc="-1" strike="noStrike">
-              <a:solidFill>
-                <a:srgbClr val="000000"/>
-              </a:solidFill>
-              <a:latin typeface="Arial"/>
-            </a:endParaRPr>
-          </a:p>
-          <a:p>
-            <a:pPr marL="195120" indent="-189720">
-              <a:lnSpc>
-                <a:spcPct val="100000"/>
-              </a:lnSpc>
-              <a:spcBef>
-                <a:spcPts val="360"/>
-              </a:spcBef>
-              <a:buClr>
-                <a:srgbClr val="008c4f"/>
-              </a:buClr>
-              <a:buSzPct val="115000"/>
-              <a:buFont typeface="Wingdings" charset="2"/>
-              <a:buChar char=""/>
-            </a:pPr>
-            <a:r>
-              <a:rPr b="0" lang="en-US" sz="1800" spc="-1" strike="noStrike">
-                <a:solidFill>
-                  <a:srgbClr val="000000"/>
-                </a:solidFill>
-                <a:latin typeface="DejaVu Sans"/>
-                <a:ea typeface="DejaVu Sans"/>
-              </a:rPr>
-              <a:t>17.07.2023 → Coding Workshop II (Goslar)</a:t>
+              <a:rPr b="0" lang="en-GB" sz="1800" spc="-1" strike="noStrike">
+                <a:solidFill>
+                  <a:srgbClr val="000000"/>
+                </a:solidFill>
+                <a:latin typeface="DejaVu Sans"/>
+                <a:ea typeface="DejaVu Sans"/>
+              </a:rPr>
+              <a:t>06.02.2023 → Exercise 08 – Technology</a:t>
             </a:r>
             <a:endParaRPr b="0" lang="en-GB" sz="1800" spc="-1" strike="noStrike">
               <a:solidFill>
@@ -12441,14 +11845,14 @@
       </p:grpSpPr>
       <p:sp>
         <p:nvSpPr>
-          <p:cNvPr id="122" name="CustomShape 7"/>
+          <p:cNvPr id="122" name="CustomShape 1"/>
           <p:cNvSpPr/>
           <p:nvPr/>
         </p:nvSpPr>
         <p:spPr>
           <a:xfrm>
-            <a:off x="539640" y="764640"/>
-            <a:ext cx="10746720" cy="497520"/>
+            <a:off x="335520" y="764640"/>
+            <a:ext cx="10743840" cy="494640"/>
           </a:xfrm>
           <a:prstGeom prst="rect">
             <a:avLst/>
@@ -12475,14 +11879,14 @@
               </a:lnSpc>
             </a:pPr>
             <a:r>
-              <a:rPr b="1" lang="en-GB" sz="2400" spc="-1" strike="noStrike">
-                <a:solidFill>
-                  <a:srgbClr val="000000"/>
-                </a:solidFill>
-                <a:latin typeface="DejaVu Sans"/>
-                <a:ea typeface="DejaVu Sans"/>
-              </a:rPr>
-              <a:t>Exercises</a:t>
+              <a:rPr b="1" lang="en-US" sz="2400" spc="-1" strike="noStrike">
+                <a:solidFill>
+                  <a:srgbClr val="000000"/>
+                </a:solidFill>
+                <a:latin typeface="DejaVu Sans"/>
+                <a:ea typeface="DejaVu Sans"/>
+              </a:rPr>
+              <a:t>Course Organization  </a:t>
             </a:r>
             <a:endParaRPr b="0" lang="en-GB" sz="2400" spc="-1" strike="noStrike">
               <a:solidFill>
@@ -12495,14 +11899,14 @@
       </p:sp>
       <p:sp>
         <p:nvSpPr>
-          <p:cNvPr id="123" name="CustomShape 8"/>
+          <p:cNvPr id="123" name="CustomShape 2"/>
           <p:cNvSpPr/>
           <p:nvPr/>
         </p:nvSpPr>
         <p:spPr>
           <a:xfrm>
-            <a:off x="539640" y="1268640"/>
-            <a:ext cx="10746720" cy="5034240"/>
+            <a:off x="335520" y="1268280"/>
+            <a:ext cx="10743840" cy="5031360"/>
           </a:xfrm>
           <a:prstGeom prst="rect">
             <a:avLst/>
@@ -12523,7 +11927,39 @@
             <a:noAutofit/>
           </a:bodyPr>
           <a:p>
-            <a:pPr marL="195120" indent="-193680">
+            <a:pPr>
+              <a:lnSpc>
+                <a:spcPct val="100000"/>
+              </a:lnSpc>
+              <a:spcBef>
+                <a:spcPts val="360"/>
+              </a:spcBef>
+            </a:pPr>
+            <a:endParaRPr b="0" lang="en-GB" sz="1800" spc="-1" strike="noStrike">
+              <a:solidFill>
+                <a:srgbClr val="000000"/>
+              </a:solidFill>
+              <a:latin typeface="Arial"/>
+            </a:endParaRPr>
+          </a:p>
+          <a:p>
+            <a:pPr>
+              <a:lnSpc>
+                <a:spcPct val="100000"/>
+              </a:lnSpc>
+              <a:spcBef>
+                <a:spcPts val="360"/>
+              </a:spcBef>
+            </a:pPr>
+            <a:endParaRPr b="0" lang="en-GB" sz="1800" spc="-1" strike="noStrike">
+              <a:solidFill>
+                <a:srgbClr val="000000"/>
+              </a:solidFill>
+              <a:latin typeface="Arial"/>
+            </a:endParaRPr>
+          </a:p>
+          <a:p>
+            <a:pPr marL="195120" indent="-188640">
               <a:lnSpc>
                 <a:spcPct val="100000"/>
               </a:lnSpc>
@@ -12545,7 +11981,7 @@
                 <a:latin typeface="DejaVu Sans"/>
                 <a:ea typeface="DejaVu Sans"/>
               </a:rPr>
-              <a:t>14.11.2022 → Exercise 01 – Carbon Footprint</a:t>
+              <a:t>News and updates → StudIP</a:t>
             </a:r>
             <a:endParaRPr b="0" lang="en-GB" sz="1800" spc="-1" strike="noStrike">
               <a:solidFill>
@@ -12555,7 +11991,23 @@
             </a:endParaRPr>
           </a:p>
           <a:p>
-            <a:pPr marL="195120" indent="-193680">
+            <a:pPr>
+              <a:lnSpc>
+                <a:spcPct val="100000"/>
+              </a:lnSpc>
+              <a:spcBef>
+                <a:spcPts val="360"/>
+              </a:spcBef>
+            </a:pPr>
+            <a:endParaRPr b="0" lang="en-GB" sz="1800" spc="-1" strike="noStrike">
+              <a:solidFill>
+                <a:srgbClr val="000000"/>
+              </a:solidFill>
+              <a:latin typeface="Arial"/>
+            </a:endParaRPr>
+          </a:p>
+          <a:p>
+            <a:pPr marL="195120" indent="-188640">
               <a:lnSpc>
                 <a:spcPct val="100000"/>
               </a:lnSpc>
@@ -12570,14 +12022,14 @@
               <a:buChar char=""/>
             </a:pPr>
             <a:r>
-              <a:rPr b="0" lang="en-GB" sz="1800" spc="-1" strike="noStrike">
-                <a:solidFill>
-                  <a:srgbClr val="000000"/>
-                </a:solidFill>
-                <a:latin typeface="DejaVu Sans"/>
-                <a:ea typeface="DejaVu Sans"/>
-              </a:rPr>
-              <a:t>21.11.2022 → Exercise 02 – Household Waste</a:t>
+              <a:rPr b="0" lang="en-US" sz="1800" spc="-1" strike="noStrike">
+                <a:solidFill>
+                  <a:srgbClr val="000000"/>
+                </a:solidFill>
+                <a:latin typeface="DejaVu Sans"/>
+                <a:ea typeface="DejaVu Sans"/>
+              </a:rPr>
+              <a:t>Slides → StudIP</a:t>
             </a:r>
             <a:endParaRPr b="0" lang="en-GB" sz="1800" spc="-1" strike="noStrike">
               <a:solidFill>
@@ -12587,7 +12039,23 @@
             </a:endParaRPr>
           </a:p>
           <a:p>
-            <a:pPr marL="195120" indent="-193680">
+            <a:pPr>
+              <a:lnSpc>
+                <a:spcPct val="100000"/>
+              </a:lnSpc>
+              <a:spcBef>
+                <a:spcPts val="360"/>
+              </a:spcBef>
+            </a:pPr>
+            <a:endParaRPr b="0" lang="en-GB" sz="1800" spc="-1" strike="noStrike">
+              <a:solidFill>
+                <a:srgbClr val="000000"/>
+              </a:solidFill>
+              <a:latin typeface="Arial"/>
+            </a:endParaRPr>
+          </a:p>
+          <a:p>
+            <a:pPr marL="195120" indent="-188640">
               <a:lnSpc>
                 <a:spcPct val="100000"/>
               </a:lnSpc>
@@ -12602,14 +12070,14 @@
               <a:buChar char=""/>
             </a:pPr>
             <a:r>
-              <a:rPr b="0" lang="en-GB" sz="1800" spc="-1" strike="noStrike">
-                <a:solidFill>
-                  <a:srgbClr val="000000"/>
-                </a:solidFill>
-                <a:latin typeface="DejaVu Sans"/>
-                <a:ea typeface="DejaVu Sans"/>
-              </a:rPr>
-              <a:t>28.11.2022 → Exercise 03 – Your Favourite Fruit or Vegetable</a:t>
+              <a:rPr b="0" lang="en-US" sz="1800" spc="-1" strike="noStrike">
+                <a:solidFill>
+                  <a:srgbClr val="000000"/>
+                </a:solidFill>
+                <a:latin typeface="DejaVu Sans"/>
+                <a:ea typeface="DejaVu Sans"/>
+              </a:rPr>
+              <a:t>Lecture recordings → StudIP</a:t>
             </a:r>
             <a:endParaRPr b="0" lang="en-GB" sz="1800" spc="-1" strike="noStrike">
               <a:solidFill>
@@ -12619,7 +12087,23 @@
             </a:endParaRPr>
           </a:p>
           <a:p>
-            <a:pPr marL="195120" indent="-193680">
+            <a:pPr>
+              <a:lnSpc>
+                <a:spcPct val="100000"/>
+              </a:lnSpc>
+              <a:spcBef>
+                <a:spcPts val="360"/>
+              </a:spcBef>
+            </a:pPr>
+            <a:endParaRPr b="0" lang="en-GB" sz="1800" spc="-1" strike="noStrike">
+              <a:solidFill>
+                <a:srgbClr val="000000"/>
+              </a:solidFill>
+              <a:latin typeface="Arial"/>
+            </a:endParaRPr>
+          </a:p>
+          <a:p>
+            <a:pPr marL="216000" indent="-216000">
               <a:lnSpc>
                 <a:spcPct val="100000"/>
               </a:lnSpc>
@@ -12629,19 +12113,19 @@
               <a:buClr>
                 <a:srgbClr val="008c4f"/>
               </a:buClr>
-              <a:buSzPct val="80000"/>
-              <a:buFont typeface="Wingdings" charset="2"/>
-              <a:buChar char=""/>
-            </a:pPr>
-            <a:r>
-              <a:rPr b="0" lang="en-GB" sz="1800" spc="-1" strike="noStrike">
-                <a:solidFill>
-                  <a:srgbClr val="000000"/>
-                </a:solidFill>
-                <a:latin typeface="DejaVu Sans"/>
-                <a:ea typeface="DejaVu Sans"/>
-              </a:rPr>
-              <a:t>05.12.2022 → Exercise 04 – LCA of Your Favourite Fruit or Vegetable</a:t>
+              <a:buSzPct val="45000"/>
+              <a:buFont typeface="DejaVu Sans"/>
+              <a:buChar char="◾"/>
+            </a:pPr>
+            <a:r>
+              <a:rPr b="0" lang="en-US" sz="1800" spc="-1" strike="noStrike">
+                <a:solidFill>
+                  <a:srgbClr val="000000"/>
+                </a:solidFill>
+                <a:latin typeface="DejaVu Sans"/>
+                <a:ea typeface="DejaVu Sans"/>
+              </a:rPr>
+              <a:t>Further notes:</a:t>
             </a:r>
             <a:endParaRPr b="0" lang="en-GB" sz="1800" spc="-1" strike="noStrike">
               <a:solidFill>
@@ -12651,7 +12135,7 @@
             </a:endParaRPr>
           </a:p>
           <a:p>
-            <a:pPr marL="195120" indent="-193680">
+            <a:pPr lvl="1" marL="432000" indent="-216000">
               <a:lnSpc>
                 <a:spcPct val="100000"/>
               </a:lnSpc>
@@ -12661,19 +12145,19 @@
               <a:buClr>
                 <a:srgbClr val="008c4f"/>
               </a:buClr>
-              <a:buSzPct val="80000"/>
-              <a:buFont typeface="Wingdings" charset="2"/>
-              <a:buChar char=""/>
-            </a:pPr>
-            <a:r>
-              <a:rPr b="0" lang="en-GB" sz="1800" spc="-1" strike="noStrike">
-                <a:solidFill>
-                  <a:srgbClr val="000000"/>
-                </a:solidFill>
-                <a:latin typeface="DejaVu Sans"/>
-                <a:ea typeface="DejaVu Sans"/>
-              </a:rPr>
-              <a:t>12.12.2022 → Exercise 05 – World3</a:t>
+              <a:buSzPct val="60000"/>
+              <a:buFont typeface="DejaVu Sans"/>
+              <a:buChar char="—"/>
+            </a:pPr>
+            <a:r>
+              <a:rPr b="0" lang="en-US" sz="1800" spc="-1" strike="noStrike">
+                <a:solidFill>
+                  <a:srgbClr val="000000"/>
+                </a:solidFill>
+                <a:latin typeface="DejaVu Sans"/>
+                <a:ea typeface="DejaVu Sans"/>
+              </a:rPr>
+              <a:t>Recordings might contain irrelevant information (made for previous semesters) → Please ignore those.</a:t>
             </a:r>
             <a:endParaRPr b="0" lang="en-GB" sz="1800" spc="-1" strike="noStrike">
               <a:solidFill>
@@ -12683,7 +12167,7 @@
             </a:endParaRPr>
           </a:p>
           <a:p>
-            <a:pPr marL="195120" indent="-193680">
+            <a:pPr lvl="1" marL="432000" indent="-216000">
               <a:lnSpc>
                 <a:spcPct val="100000"/>
               </a:lnSpc>
@@ -12693,19 +12177,19 @@
               <a:buClr>
                 <a:srgbClr val="008c4f"/>
               </a:buClr>
-              <a:buSzPct val="80000"/>
-              <a:buFont typeface="Wingdings" charset="2"/>
-              <a:buChar char=""/>
-            </a:pPr>
-            <a:r>
-              <a:rPr b="0" lang="en-GB" sz="1800" spc="-1" strike="noStrike">
-                <a:solidFill>
-                  <a:srgbClr val="000000"/>
-                </a:solidFill>
-                <a:latin typeface="DejaVu Sans"/>
-                <a:ea typeface="DejaVu Sans"/>
-              </a:rPr>
-              <a:t>19.12.2022 → Exercise 06 – Performance Economy</a:t>
+              <a:buSzPct val="60000"/>
+              <a:buFont typeface="DejaVu Sans"/>
+              <a:buChar char="—"/>
+            </a:pPr>
+            <a:r>
+              <a:rPr b="0" lang="en-US" sz="1800" spc="-1" strike="noStrike">
+                <a:solidFill>
+                  <a:srgbClr val="000000"/>
+                </a:solidFill>
+                <a:latin typeface="DejaVu Sans"/>
+                <a:ea typeface="DejaVu Sans"/>
+              </a:rPr>
+              <a:t>Lecture/exercise numbers in the videos might not match your lecture/exercise number → Don’t worry.</a:t>
             </a:r>
             <a:endParaRPr b="0" lang="en-GB" sz="1800" spc="-1" strike="noStrike">
               <a:solidFill>
@@ -12715,7 +12199,7 @@
             </a:endParaRPr>
           </a:p>
           <a:p>
-            <a:pPr marL="195120" indent="-193680">
+            <a:pPr lvl="1" marL="432000" indent="-216000">
               <a:lnSpc>
                 <a:spcPct val="100000"/>
               </a:lnSpc>
@@ -12725,67 +12209,19 @@
               <a:buClr>
                 <a:srgbClr val="008c4f"/>
               </a:buClr>
-              <a:buSzPct val="80000"/>
-              <a:buFont typeface="Wingdings" charset="2"/>
-              <a:buChar char=""/>
-            </a:pPr>
-            <a:r>
-              <a:rPr b="0" lang="en-GB" sz="1800" spc="-1" strike="noStrike">
-                <a:solidFill>
-                  <a:srgbClr val="000000"/>
-                </a:solidFill>
-                <a:latin typeface="DejaVu Sans"/>
-                <a:ea typeface="DejaVu Sans"/>
-              </a:rPr>
-              <a:t>09.01.2023 → Exercise 07 – Circular Society</a:t>
-            </a:r>
-            <a:endParaRPr b="0" lang="en-GB" sz="1800" spc="-1" strike="noStrike">
-              <a:solidFill>
-                <a:srgbClr val="000000"/>
-              </a:solidFill>
-              <a:latin typeface="Arial"/>
-            </a:endParaRPr>
-          </a:p>
-          <a:p>
-            <a:pPr>
-              <a:lnSpc>
-                <a:spcPct val="100000"/>
-              </a:lnSpc>
-              <a:spcBef>
-                <a:spcPts val="360"/>
-              </a:spcBef>
-            </a:pPr>
-            <a:endParaRPr b="0" lang="en-GB" sz="1800" spc="-1" strike="noStrike">
-              <a:solidFill>
-                <a:srgbClr val="000000"/>
-              </a:solidFill>
-              <a:latin typeface="Arial"/>
-            </a:endParaRPr>
-          </a:p>
-          <a:p>
-            <a:pPr marL="195120" indent="-193680">
-              <a:lnSpc>
-                <a:spcPct val="100000"/>
-              </a:lnSpc>
-              <a:spcBef>
-                <a:spcPts val="360"/>
-              </a:spcBef>
-              <a:buClr>
-                <a:srgbClr val="008c4f"/>
-              </a:buClr>
-              <a:buSzPct val="80000"/>
-              <a:buFont typeface="Wingdings" charset="2"/>
-              <a:buChar char=""/>
-            </a:pPr>
-            <a:r>
-              <a:rPr b="0" lang="en-GB" sz="1800" spc="-1" strike="noStrike">
-                <a:solidFill>
-                  <a:srgbClr val="000000"/>
-                </a:solidFill>
-                <a:latin typeface="DejaVu Sans"/>
-                <a:ea typeface="DejaVu Sans"/>
-              </a:rPr>
-              <a:t>06.02.2023 → Exercise 08 – Technology</a:t>
+              <a:buSzPct val="60000"/>
+              <a:buFont typeface="DejaVu Sans"/>
+              <a:buChar char="—"/>
+            </a:pPr>
+            <a:r>
+              <a:rPr b="0" lang="en-US" sz="1800" spc="-1" strike="noStrike">
+                <a:solidFill>
+                  <a:srgbClr val="000000"/>
+                </a:solidFill>
+                <a:latin typeface="DejaVu Sans"/>
+                <a:ea typeface="DejaVu Sans"/>
+              </a:rPr>
+              <a:t>Course news for this semester (WS22/23) and this course will be communicated via StudIP.</a:t>
             </a:r>
             <a:endParaRPr b="0" lang="en-GB" sz="1800" spc="-1" strike="noStrike">
               <a:solidFill>
